--- a/apresentacao/Apresentacao.pptx
+++ b/apresentacao/Apresentacao.pptx
@@ -4,6 +4,9 @@
   <p:sldMasterIdLst>
     <p:sldMasterId id="2147483648" r:id="rId1"/>
   </p:sldMasterIdLst>
+  <p:notesMasterIdLst>
+    <p:notesMasterId r:id="rId22"/>
+  </p:notesMasterIdLst>
   <p:sldIdLst>
     <p:sldId id="256" r:id="rId2"/>
     <p:sldId id="257" r:id="rId3"/>
@@ -13,9 +16,18 @@
     <p:sldId id="265" r:id="rId7"/>
     <p:sldId id="259" r:id="rId8"/>
     <p:sldId id="266" r:id="rId9"/>
-    <p:sldId id="262" r:id="rId10"/>
-    <p:sldId id="260" r:id="rId11"/>
-    <p:sldId id="261" r:id="rId12"/>
+    <p:sldId id="267" r:id="rId10"/>
+    <p:sldId id="268" r:id="rId11"/>
+    <p:sldId id="269" r:id="rId12"/>
+    <p:sldId id="270" r:id="rId13"/>
+    <p:sldId id="271" r:id="rId14"/>
+    <p:sldId id="272" r:id="rId15"/>
+    <p:sldId id="273" r:id="rId16"/>
+    <p:sldId id="274" r:id="rId17"/>
+    <p:sldId id="275" r:id="rId18"/>
+    <p:sldId id="276" r:id="rId19"/>
+    <p:sldId id="277" r:id="rId20"/>
+    <p:sldId id="261" r:id="rId21"/>
   </p:sldIdLst>
   <p:sldSz cx="12192000" cy="6858000"/>
   <p:notesSz cx="6858000" cy="9144000"/>
@@ -122,6 +134,440 @@
 </p:presentation>
 </file>
 
+<file path=ppt/notesMasters/notesMaster1.xml><?xml version="1.0" encoding="utf-8"?>
+<p:notesMaster xmlns:a="http://schemas.openxmlformats.org/drawingml/2006/main" xmlns:r="http://schemas.openxmlformats.org/officeDocument/2006/relationships" xmlns:p="http://schemas.openxmlformats.org/presentationml/2006/main">
+  <p:cSld>
+    <p:bg>
+      <p:bgRef idx="1001">
+        <a:schemeClr val="bg1"/>
+      </p:bgRef>
+    </p:bg>
+    <p:spTree>
+      <p:nvGrpSpPr>
+        <p:cNvPr id="1" name=""/>
+        <p:cNvGrpSpPr/>
+        <p:nvPr/>
+      </p:nvGrpSpPr>
+      <p:grpSpPr>
+        <a:xfrm>
+          <a:off x="0" y="0"/>
+          <a:ext cx="0" cy="0"/>
+          <a:chOff x="0" y="0"/>
+          <a:chExt cx="0" cy="0"/>
+        </a:xfrm>
+      </p:grpSpPr>
+      <p:sp>
+        <p:nvSpPr>
+          <p:cNvPr id="2" name="Espaço Reservado para Cabeçalho 1"/>
+          <p:cNvSpPr>
+            <a:spLocks noGrp="1"/>
+          </p:cNvSpPr>
+          <p:nvPr>
+            <p:ph type="hdr" sz="quarter"/>
+          </p:nvPr>
+        </p:nvSpPr>
+        <p:spPr>
+          <a:xfrm>
+            <a:off x="0" y="0"/>
+            <a:ext cx="2971800" cy="458788"/>
+          </a:xfrm>
+          <a:prstGeom prst="rect">
+            <a:avLst/>
+          </a:prstGeom>
+        </p:spPr>
+        <p:txBody>
+          <a:bodyPr vert="horz" lIns="91440" tIns="45720" rIns="91440" bIns="45720" rtlCol="0"/>
+          <a:lstStyle>
+            <a:lvl1pPr algn="l">
+              <a:defRPr sz="1200"/>
+            </a:lvl1pPr>
+          </a:lstStyle>
+          <a:p>
+            <a:endParaRPr lang="pt-BR"/>
+          </a:p>
+        </p:txBody>
+      </p:sp>
+      <p:sp>
+        <p:nvSpPr>
+          <p:cNvPr id="3" name="Espaço Reservado para Data 2"/>
+          <p:cNvSpPr>
+            <a:spLocks noGrp="1"/>
+          </p:cNvSpPr>
+          <p:nvPr>
+            <p:ph type="dt" idx="1"/>
+          </p:nvPr>
+        </p:nvSpPr>
+        <p:spPr>
+          <a:xfrm>
+            <a:off x="3884613" y="0"/>
+            <a:ext cx="2971800" cy="458788"/>
+          </a:xfrm>
+          <a:prstGeom prst="rect">
+            <a:avLst/>
+          </a:prstGeom>
+        </p:spPr>
+        <p:txBody>
+          <a:bodyPr vert="horz" lIns="91440" tIns="45720" rIns="91440" bIns="45720" rtlCol="0"/>
+          <a:lstStyle>
+            <a:lvl1pPr algn="r">
+              <a:defRPr sz="1200"/>
+            </a:lvl1pPr>
+          </a:lstStyle>
+          <a:p>
+            <a:fld id="{CA66E7C2-37D8-4690-B92A-4BC04EC9ECB7}" type="datetimeFigureOut">
+              <a:rPr lang="pt-BR" smtClean="0"/>
+              <a:t>06/08/2016</a:t>
+            </a:fld>
+            <a:endParaRPr lang="pt-BR"/>
+          </a:p>
+        </p:txBody>
+      </p:sp>
+      <p:sp>
+        <p:nvSpPr>
+          <p:cNvPr id="4" name="Espaço Reservado para Imagem de Slide 3"/>
+          <p:cNvSpPr>
+            <a:spLocks noGrp="1" noRot="1" noChangeAspect="1"/>
+          </p:cNvSpPr>
+          <p:nvPr>
+            <p:ph type="sldImg" idx="2"/>
+          </p:nvPr>
+        </p:nvSpPr>
+        <p:spPr>
+          <a:xfrm>
+            <a:off x="685800" y="1143000"/>
+            <a:ext cx="5486400" cy="3086100"/>
+          </a:xfrm>
+          <a:prstGeom prst="rect">
+            <a:avLst/>
+          </a:prstGeom>
+          <a:noFill/>
+          <a:ln w="12700">
+            <a:solidFill>
+              <a:prstClr val="black"/>
+            </a:solidFill>
+          </a:ln>
+        </p:spPr>
+        <p:txBody>
+          <a:bodyPr vert="horz" lIns="91440" tIns="45720" rIns="91440" bIns="45720" rtlCol="0" anchor="ctr"/>
+          <a:lstStyle/>
+          <a:p>
+            <a:endParaRPr lang="pt-BR"/>
+          </a:p>
+        </p:txBody>
+      </p:sp>
+      <p:sp>
+        <p:nvSpPr>
+          <p:cNvPr id="5" name="Espaço Reservado para Anotações 4"/>
+          <p:cNvSpPr>
+            <a:spLocks noGrp="1"/>
+          </p:cNvSpPr>
+          <p:nvPr>
+            <p:ph type="body" sz="quarter" idx="3"/>
+          </p:nvPr>
+        </p:nvSpPr>
+        <p:spPr>
+          <a:xfrm>
+            <a:off x="685800" y="4400550"/>
+            <a:ext cx="5486400" cy="3600450"/>
+          </a:xfrm>
+          <a:prstGeom prst="rect">
+            <a:avLst/>
+          </a:prstGeom>
+        </p:spPr>
+        <p:txBody>
+          <a:bodyPr vert="horz" lIns="91440" tIns="45720" rIns="91440" bIns="45720" rtlCol="0"/>
+          <a:lstStyle/>
+          <a:p>
+            <a:pPr lvl="0"/>
+            <a:r>
+              <a:rPr lang="pt-BR" smtClean="0"/>
+              <a:t>Clique para editar o texto mestre</a:t>
+            </a:r>
+          </a:p>
+          <a:p>
+            <a:pPr lvl="1"/>
+            <a:r>
+              <a:rPr lang="pt-BR" smtClean="0"/>
+              <a:t>Segundo nível</a:t>
+            </a:r>
+          </a:p>
+          <a:p>
+            <a:pPr lvl="2"/>
+            <a:r>
+              <a:rPr lang="pt-BR" smtClean="0"/>
+              <a:t>Terceiro nível</a:t>
+            </a:r>
+          </a:p>
+          <a:p>
+            <a:pPr lvl="3"/>
+            <a:r>
+              <a:rPr lang="pt-BR" smtClean="0"/>
+              <a:t>Quarto nível</a:t>
+            </a:r>
+          </a:p>
+          <a:p>
+            <a:pPr lvl="4"/>
+            <a:r>
+              <a:rPr lang="pt-BR" smtClean="0"/>
+              <a:t>Quinto nível</a:t>
+            </a:r>
+            <a:endParaRPr lang="pt-BR"/>
+          </a:p>
+        </p:txBody>
+      </p:sp>
+      <p:sp>
+        <p:nvSpPr>
+          <p:cNvPr id="6" name="Espaço Reservado para Rodapé 5"/>
+          <p:cNvSpPr>
+            <a:spLocks noGrp="1"/>
+          </p:cNvSpPr>
+          <p:nvPr>
+            <p:ph type="ftr" sz="quarter" idx="4"/>
+          </p:nvPr>
+        </p:nvSpPr>
+        <p:spPr>
+          <a:xfrm>
+            <a:off x="0" y="8685213"/>
+            <a:ext cx="2971800" cy="458787"/>
+          </a:xfrm>
+          <a:prstGeom prst="rect">
+            <a:avLst/>
+          </a:prstGeom>
+        </p:spPr>
+        <p:txBody>
+          <a:bodyPr vert="horz" lIns="91440" tIns="45720" rIns="91440" bIns="45720" rtlCol="0" anchor="b"/>
+          <a:lstStyle>
+            <a:lvl1pPr algn="l">
+              <a:defRPr sz="1200"/>
+            </a:lvl1pPr>
+          </a:lstStyle>
+          <a:p>
+            <a:endParaRPr lang="pt-BR"/>
+          </a:p>
+        </p:txBody>
+      </p:sp>
+      <p:sp>
+        <p:nvSpPr>
+          <p:cNvPr id="7" name="Espaço Reservado para Número de Slide 6"/>
+          <p:cNvSpPr>
+            <a:spLocks noGrp="1"/>
+          </p:cNvSpPr>
+          <p:nvPr>
+            <p:ph type="sldNum" sz="quarter" idx="5"/>
+          </p:nvPr>
+        </p:nvSpPr>
+        <p:spPr>
+          <a:xfrm>
+            <a:off x="3884613" y="8685213"/>
+            <a:ext cx="2971800" cy="458787"/>
+          </a:xfrm>
+          <a:prstGeom prst="rect">
+            <a:avLst/>
+          </a:prstGeom>
+        </p:spPr>
+        <p:txBody>
+          <a:bodyPr vert="horz" lIns="91440" tIns="45720" rIns="91440" bIns="45720" rtlCol="0" anchor="b"/>
+          <a:lstStyle>
+            <a:lvl1pPr algn="r">
+              <a:defRPr sz="1200"/>
+            </a:lvl1pPr>
+          </a:lstStyle>
+          <a:p>
+            <a:fld id="{22FCC78C-02EA-488A-B393-E9C1D49E2CAE}" type="slidenum">
+              <a:rPr lang="pt-BR" smtClean="0"/>
+              <a:t>‹nº›</a:t>
+            </a:fld>
+            <a:endParaRPr lang="pt-BR"/>
+          </a:p>
+        </p:txBody>
+      </p:sp>
+    </p:spTree>
+    <p:extLst>
+      <p:ext uri="{BB962C8B-B14F-4D97-AF65-F5344CB8AC3E}">
+        <p14:creationId xmlns:p14="http://schemas.microsoft.com/office/powerpoint/2010/main" val="3880264197"/>
+      </p:ext>
+    </p:extLst>
+  </p:cSld>
+  <p:clrMap bg1="lt1" tx1="dk1" bg2="lt2" tx2="dk2" accent1="accent1" accent2="accent2" accent3="accent3" accent4="accent4" accent5="accent5" accent6="accent6" hlink="hlink" folHlink="folHlink"/>
+  <p:notesStyle>
+    <a:lvl1pPr marL="0" algn="l" defTabSz="914400" rtl="0" eaLnBrk="1" latinLnBrk="0" hangingPunct="1">
+      <a:defRPr sz="1200" kern="1200">
+        <a:solidFill>
+          <a:schemeClr val="tx1"/>
+        </a:solidFill>
+        <a:latin typeface="+mn-lt"/>
+        <a:ea typeface="+mn-ea"/>
+        <a:cs typeface="+mn-cs"/>
+      </a:defRPr>
+    </a:lvl1pPr>
+    <a:lvl2pPr marL="457200" algn="l" defTabSz="914400" rtl="0" eaLnBrk="1" latinLnBrk="0" hangingPunct="1">
+      <a:defRPr sz="1200" kern="1200">
+        <a:solidFill>
+          <a:schemeClr val="tx1"/>
+        </a:solidFill>
+        <a:latin typeface="+mn-lt"/>
+        <a:ea typeface="+mn-ea"/>
+        <a:cs typeface="+mn-cs"/>
+      </a:defRPr>
+    </a:lvl2pPr>
+    <a:lvl3pPr marL="914400" algn="l" defTabSz="914400" rtl="0" eaLnBrk="1" latinLnBrk="0" hangingPunct="1">
+      <a:defRPr sz="1200" kern="1200">
+        <a:solidFill>
+          <a:schemeClr val="tx1"/>
+        </a:solidFill>
+        <a:latin typeface="+mn-lt"/>
+        <a:ea typeface="+mn-ea"/>
+        <a:cs typeface="+mn-cs"/>
+      </a:defRPr>
+    </a:lvl3pPr>
+    <a:lvl4pPr marL="1371600" algn="l" defTabSz="914400" rtl="0" eaLnBrk="1" latinLnBrk="0" hangingPunct="1">
+      <a:defRPr sz="1200" kern="1200">
+        <a:solidFill>
+          <a:schemeClr val="tx1"/>
+        </a:solidFill>
+        <a:latin typeface="+mn-lt"/>
+        <a:ea typeface="+mn-ea"/>
+        <a:cs typeface="+mn-cs"/>
+      </a:defRPr>
+    </a:lvl4pPr>
+    <a:lvl5pPr marL="1828800" algn="l" defTabSz="914400" rtl="0" eaLnBrk="1" latinLnBrk="0" hangingPunct="1">
+      <a:defRPr sz="1200" kern="1200">
+        <a:solidFill>
+          <a:schemeClr val="tx1"/>
+        </a:solidFill>
+        <a:latin typeface="+mn-lt"/>
+        <a:ea typeface="+mn-ea"/>
+        <a:cs typeface="+mn-cs"/>
+      </a:defRPr>
+    </a:lvl5pPr>
+    <a:lvl6pPr marL="2286000" algn="l" defTabSz="914400" rtl="0" eaLnBrk="1" latinLnBrk="0" hangingPunct="1">
+      <a:defRPr sz="1200" kern="1200">
+        <a:solidFill>
+          <a:schemeClr val="tx1"/>
+        </a:solidFill>
+        <a:latin typeface="+mn-lt"/>
+        <a:ea typeface="+mn-ea"/>
+        <a:cs typeface="+mn-cs"/>
+      </a:defRPr>
+    </a:lvl6pPr>
+    <a:lvl7pPr marL="2743200" algn="l" defTabSz="914400" rtl="0" eaLnBrk="1" latinLnBrk="0" hangingPunct="1">
+      <a:defRPr sz="1200" kern="1200">
+        <a:solidFill>
+          <a:schemeClr val="tx1"/>
+        </a:solidFill>
+        <a:latin typeface="+mn-lt"/>
+        <a:ea typeface="+mn-ea"/>
+        <a:cs typeface="+mn-cs"/>
+      </a:defRPr>
+    </a:lvl7pPr>
+    <a:lvl8pPr marL="3200400" algn="l" defTabSz="914400" rtl="0" eaLnBrk="1" latinLnBrk="0" hangingPunct="1">
+      <a:defRPr sz="1200" kern="1200">
+        <a:solidFill>
+          <a:schemeClr val="tx1"/>
+        </a:solidFill>
+        <a:latin typeface="+mn-lt"/>
+        <a:ea typeface="+mn-ea"/>
+        <a:cs typeface="+mn-cs"/>
+      </a:defRPr>
+    </a:lvl8pPr>
+    <a:lvl9pPr marL="3657600" algn="l" defTabSz="914400" rtl="0" eaLnBrk="1" latinLnBrk="0" hangingPunct="1">
+      <a:defRPr sz="1200" kern="1200">
+        <a:solidFill>
+          <a:schemeClr val="tx1"/>
+        </a:solidFill>
+        <a:latin typeface="+mn-lt"/>
+        <a:ea typeface="+mn-ea"/>
+        <a:cs typeface="+mn-cs"/>
+      </a:defRPr>
+    </a:lvl9pPr>
+  </p:notesStyle>
+</p:notesMaster>
+</file>
+
+<file path=ppt/notesSlides/notesSlide1.xml><?xml version="1.0" encoding="utf-8"?>
+<p:notes xmlns:a="http://schemas.openxmlformats.org/drawingml/2006/main" xmlns:r="http://schemas.openxmlformats.org/officeDocument/2006/relationships" xmlns:p="http://schemas.openxmlformats.org/presentationml/2006/main">
+  <p:cSld>
+    <p:spTree>
+      <p:nvGrpSpPr>
+        <p:cNvPr id="1" name=""/>
+        <p:cNvGrpSpPr/>
+        <p:nvPr/>
+      </p:nvGrpSpPr>
+      <p:grpSpPr>
+        <a:xfrm>
+          <a:off x="0" y="0"/>
+          <a:ext cx="0" cy="0"/>
+          <a:chOff x="0" y="0"/>
+          <a:chExt cx="0" cy="0"/>
+        </a:xfrm>
+      </p:grpSpPr>
+      <p:sp>
+        <p:nvSpPr>
+          <p:cNvPr id="2" name="Espaço Reservado para Imagem de Slide 1"/>
+          <p:cNvSpPr>
+            <a:spLocks noGrp="1" noRot="1" noChangeAspect="1"/>
+          </p:cNvSpPr>
+          <p:nvPr>
+            <p:ph type="sldImg"/>
+          </p:nvPr>
+        </p:nvSpPr>
+        <p:spPr/>
+      </p:sp>
+      <p:sp>
+        <p:nvSpPr>
+          <p:cNvPr id="3" name="Espaço Reservado para Anotações 2"/>
+          <p:cNvSpPr>
+            <a:spLocks noGrp="1"/>
+          </p:cNvSpPr>
+          <p:nvPr>
+            <p:ph type="body" idx="1"/>
+          </p:nvPr>
+        </p:nvSpPr>
+        <p:spPr/>
+        <p:txBody>
+          <a:bodyPr/>
+          <a:lstStyle/>
+          <a:p>
+            <a:endParaRPr lang="pt-BR" dirty="0"/>
+          </a:p>
+        </p:txBody>
+      </p:sp>
+      <p:sp>
+        <p:nvSpPr>
+          <p:cNvPr id="4" name="Espaço Reservado para Número de Slide 3"/>
+          <p:cNvSpPr>
+            <a:spLocks noGrp="1"/>
+          </p:cNvSpPr>
+          <p:nvPr>
+            <p:ph type="sldNum" sz="quarter" idx="10"/>
+          </p:nvPr>
+        </p:nvSpPr>
+        <p:spPr/>
+        <p:txBody>
+          <a:bodyPr/>
+          <a:lstStyle/>
+          <a:p>
+            <a:fld id="{22FCC78C-02EA-488A-B393-E9C1D49E2CAE}" type="slidenum">
+              <a:rPr lang="pt-BR" smtClean="0"/>
+              <a:t>1</a:t>
+            </a:fld>
+            <a:endParaRPr lang="pt-BR"/>
+          </a:p>
+        </p:txBody>
+      </p:sp>
+    </p:spTree>
+    <p:extLst>
+      <p:ext uri="{BB962C8B-B14F-4D97-AF65-F5344CB8AC3E}">
+        <p14:creationId xmlns:p14="http://schemas.microsoft.com/office/powerpoint/2010/main" val="834820269"/>
+      </p:ext>
+    </p:extLst>
+  </p:cSld>
+  <p:clrMapOvr>
+    <a:masterClrMapping/>
+  </p:clrMapOvr>
+</p:notes>
+</file>
+
 <file path=ppt/slideLayouts/slideLayout1.xml><?xml version="1.0" encoding="utf-8"?>
 <p:sldLayout xmlns:a="http://schemas.openxmlformats.org/drawingml/2006/main" xmlns:r="http://schemas.openxmlformats.org/officeDocument/2006/relationships" xmlns:p="http://schemas.openxmlformats.org/presentationml/2006/main" type="title" preserve="1">
   <p:cSld name="Slide de título">
@@ -253,7 +699,7 @@
           <a:p>
             <a:fld id="{E19432D7-E37E-40CC-ACF6-C43C33D5BAD2}" type="datetimeFigureOut">
               <a:rPr lang="pt-BR" smtClean="0"/>
-              <a:t>31/07/2016</a:t>
+              <a:t>06/08/2016</a:t>
             </a:fld>
             <a:endParaRPr lang="pt-BR"/>
           </a:p>
@@ -423,7 +869,7 @@
           <a:p>
             <a:fld id="{E19432D7-E37E-40CC-ACF6-C43C33D5BAD2}" type="datetimeFigureOut">
               <a:rPr lang="pt-BR" smtClean="0"/>
-              <a:t>31/07/2016</a:t>
+              <a:t>06/08/2016</a:t>
             </a:fld>
             <a:endParaRPr lang="pt-BR"/>
           </a:p>
@@ -603,7 +1049,7 @@
           <a:p>
             <a:fld id="{E19432D7-E37E-40CC-ACF6-C43C33D5BAD2}" type="datetimeFigureOut">
               <a:rPr lang="pt-BR" smtClean="0"/>
-              <a:t>31/07/2016</a:t>
+              <a:t>06/08/2016</a:t>
             </a:fld>
             <a:endParaRPr lang="pt-BR"/>
           </a:p>
@@ -773,7 +1219,7 @@
           <a:p>
             <a:fld id="{E19432D7-E37E-40CC-ACF6-C43C33D5BAD2}" type="datetimeFigureOut">
               <a:rPr lang="pt-BR" smtClean="0"/>
-              <a:t>31/07/2016</a:t>
+              <a:t>06/08/2016</a:t>
             </a:fld>
             <a:endParaRPr lang="pt-BR"/>
           </a:p>
@@ -1019,7 +1465,7 @@
           <a:p>
             <a:fld id="{E19432D7-E37E-40CC-ACF6-C43C33D5BAD2}" type="datetimeFigureOut">
               <a:rPr lang="pt-BR" smtClean="0"/>
-              <a:t>31/07/2016</a:t>
+              <a:t>06/08/2016</a:t>
             </a:fld>
             <a:endParaRPr lang="pt-BR"/>
           </a:p>
@@ -1251,7 +1697,7 @@
           <a:p>
             <a:fld id="{E19432D7-E37E-40CC-ACF6-C43C33D5BAD2}" type="datetimeFigureOut">
               <a:rPr lang="pt-BR" smtClean="0"/>
-              <a:t>31/07/2016</a:t>
+              <a:t>06/08/2016</a:t>
             </a:fld>
             <a:endParaRPr lang="pt-BR"/>
           </a:p>
@@ -1618,7 +2064,7 @@
           <a:p>
             <a:fld id="{E19432D7-E37E-40CC-ACF6-C43C33D5BAD2}" type="datetimeFigureOut">
               <a:rPr lang="pt-BR" smtClean="0"/>
-              <a:t>31/07/2016</a:t>
+              <a:t>06/08/2016</a:t>
             </a:fld>
             <a:endParaRPr lang="pt-BR"/>
           </a:p>
@@ -1736,7 +2182,7 @@
           <a:p>
             <a:fld id="{E19432D7-E37E-40CC-ACF6-C43C33D5BAD2}" type="datetimeFigureOut">
               <a:rPr lang="pt-BR" smtClean="0"/>
-              <a:t>31/07/2016</a:t>
+              <a:t>06/08/2016</a:t>
             </a:fld>
             <a:endParaRPr lang="pt-BR"/>
           </a:p>
@@ -1831,7 +2277,7 @@
           <a:p>
             <a:fld id="{E19432D7-E37E-40CC-ACF6-C43C33D5BAD2}" type="datetimeFigureOut">
               <a:rPr lang="pt-BR" smtClean="0"/>
-              <a:t>31/07/2016</a:t>
+              <a:t>06/08/2016</a:t>
             </a:fld>
             <a:endParaRPr lang="pt-BR"/>
           </a:p>
@@ -2108,7 +2554,7 @@
           <a:p>
             <a:fld id="{E19432D7-E37E-40CC-ACF6-C43C33D5BAD2}" type="datetimeFigureOut">
               <a:rPr lang="pt-BR" smtClean="0"/>
-              <a:t>31/07/2016</a:t>
+              <a:t>06/08/2016</a:t>
             </a:fld>
             <a:endParaRPr lang="pt-BR"/>
           </a:p>
@@ -2361,7 +2807,7 @@
           <a:p>
             <a:fld id="{E19432D7-E37E-40CC-ACF6-C43C33D5BAD2}" type="datetimeFigureOut">
               <a:rPr lang="pt-BR" smtClean="0"/>
-              <a:t>31/07/2016</a:t>
+              <a:t>06/08/2016</a:t>
             </a:fld>
             <a:endParaRPr lang="pt-BR"/>
           </a:p>
@@ -2574,7 +3020,7 @@
           <a:p>
             <a:fld id="{E19432D7-E37E-40CC-ACF6-C43C33D5BAD2}" type="datetimeFigureOut">
               <a:rPr lang="pt-BR" smtClean="0"/>
-              <a:t>31/07/2016</a:t>
+              <a:t>06/08/2016</a:t>
             </a:fld>
             <a:endParaRPr lang="pt-BR"/>
           </a:p>
@@ -2979,107 +3425,6 @@
           <a:chExt cx="0" cy="0"/>
         </a:xfrm>
       </p:grpSpPr>
-      <p:pic>
-        <p:nvPicPr>
-          <p:cNvPr id="2050" name="Picture 2" descr="https://i.ytimg.com/vi/Mj7WLOm0fqo/maxresdefault.jpg"/>
-          <p:cNvPicPr>
-            <a:picLocks noChangeAspect="1" noChangeArrowheads="1"/>
-          </p:cNvPicPr>
-          <p:nvPr/>
-        </p:nvPicPr>
-        <p:blipFill>
-          <a:blip r:embed="rId2">
-            <a:extLst>
-              <a:ext uri="{28A0092B-C50C-407E-A947-70E740481C1C}">
-                <a14:useLocalDpi xmlns:a14="http://schemas.microsoft.com/office/drawing/2010/main" val="0"/>
-              </a:ext>
-            </a:extLst>
-          </a:blip>
-          <a:srcRect/>
-          <a:stretch>
-            <a:fillRect/>
-          </a:stretch>
-        </p:blipFill>
-        <p:spPr bwMode="auto">
-          <a:xfrm>
-            <a:off x="0" y="-1"/>
-            <a:ext cx="12192000" cy="6858001"/>
-          </a:xfrm>
-          <a:prstGeom prst="rect">
-            <a:avLst/>
-          </a:prstGeom>
-          <a:noFill/>
-          <a:extLst>
-            <a:ext uri="{909E8E84-426E-40DD-AFC4-6F175D3DCCD1}">
-              <a14:hiddenFill xmlns:a14="http://schemas.microsoft.com/office/drawing/2010/main">
-                <a:solidFill>
-                  <a:srgbClr val="FFFFFF"/>
-                </a:solidFill>
-              </a14:hiddenFill>
-            </a:ext>
-          </a:extLst>
-        </p:spPr>
-      </p:pic>
-      <p:sp>
-        <p:nvSpPr>
-          <p:cNvPr id="2" name="Título 1"/>
-          <p:cNvSpPr>
-            <a:spLocks noGrp="1"/>
-          </p:cNvSpPr>
-          <p:nvPr>
-            <p:ph type="ctrTitle"/>
-          </p:nvPr>
-        </p:nvSpPr>
-        <p:spPr>
-          <a:xfrm>
-            <a:off x="1524000" y="816605"/>
-            <a:ext cx="9144000" cy="1684548"/>
-          </a:xfrm>
-          <a:solidFill>
-            <a:srgbClr val="00CC00"/>
-          </a:solidFill>
-        </p:spPr>
-        <p:txBody>
-          <a:bodyPr anchor="ctr">
-            <a:normAutofit/>
-          </a:bodyPr>
-          <a:lstStyle/>
-          <a:p>
-            <a:r>
-              <a:rPr lang="pt-BR" sz="5000" dirty="0" smtClean="0">
-                <a:solidFill>
-                  <a:schemeClr val="bg1"/>
-                </a:solidFill>
-                <a:latin typeface="Adventure" panose="02000500000000000000" pitchFamily="2" charset="0"/>
-              </a:rPr>
-              <a:t>Análise e Visualização de dados:</a:t>
-            </a:r>
-            <a:br>
-              <a:rPr lang="pt-BR" sz="5000" dirty="0" smtClean="0">
-                <a:solidFill>
-                  <a:schemeClr val="bg1"/>
-                </a:solidFill>
-                <a:latin typeface="Adventure" panose="02000500000000000000" pitchFamily="2" charset="0"/>
-              </a:rPr>
-            </a:br>
-            <a:r>
-              <a:rPr lang="pt-BR" sz="5000" dirty="0" smtClean="0">
-                <a:solidFill>
-                  <a:schemeClr val="bg1"/>
-                </a:solidFill>
-                <a:latin typeface="Adventure" panose="02000500000000000000" pitchFamily="2" charset="0"/>
-              </a:rPr>
-              <a:t>FIFA WORLD CUP 2014</a:t>
-            </a:r>
-            <a:endParaRPr lang="pt-BR" sz="5000" dirty="0">
-              <a:solidFill>
-                <a:schemeClr val="bg1"/>
-              </a:solidFill>
-              <a:latin typeface="Adventure" panose="02000500000000000000" pitchFamily="2" charset="0"/>
-            </a:endParaRPr>
-          </a:p>
-        </p:txBody>
-      </p:sp>
       <p:sp>
         <p:nvSpPr>
           <p:cNvPr id="3" name="Subtítulo 2"/>
@@ -3576,6 +3921,85 @@
           </a:extLst>
         </p:spPr>
       </p:pic>
+      <p:sp>
+        <p:nvSpPr>
+          <p:cNvPr id="11" name="Título 1"/>
+          <p:cNvSpPr txBox="1">
+            <a:spLocks/>
+          </p:cNvSpPr>
+          <p:nvPr/>
+        </p:nvSpPr>
+        <p:spPr>
+          <a:xfrm>
+            <a:off x="2030506" y="753373"/>
+            <a:ext cx="8130988" cy="1173560"/>
+          </a:xfrm>
+          <a:prstGeom prst="rect">
+            <a:avLst/>
+          </a:prstGeom>
+          <a:solidFill>
+            <a:srgbClr val="00CC00"/>
+          </a:solidFill>
+        </p:spPr>
+        <p:txBody>
+          <a:bodyPr vert="horz" lIns="91440" tIns="45720" rIns="91440" bIns="45720" rtlCol="0" anchor="ctr">
+            <a:noAutofit/>
+          </a:bodyPr>
+          <a:lstStyle>
+            <a:lvl1pPr algn="ctr" defTabSz="914400" rtl="0" eaLnBrk="1" latinLnBrk="0" hangingPunct="1">
+              <a:lnSpc>
+                <a:spcPct val="90000"/>
+              </a:lnSpc>
+              <a:spcBef>
+                <a:spcPct val="0"/>
+              </a:spcBef>
+              <a:buNone/>
+              <a:defRPr sz="6000" kern="1200">
+                <a:solidFill>
+                  <a:schemeClr val="tx1"/>
+                </a:solidFill>
+                <a:latin typeface="+mj-lt"/>
+                <a:ea typeface="+mj-ea"/>
+                <a:cs typeface="+mj-cs"/>
+              </a:defRPr>
+            </a:lvl1pPr>
+          </a:lstStyle>
+          <a:p>
+            <a:r>
+              <a:rPr lang="pt-BR" sz="4000" smtClean="0">
+                <a:solidFill>
+                  <a:schemeClr val="bg1"/>
+                </a:solidFill>
+                <a:latin typeface="Adventure" panose="02000500000000000000" pitchFamily="2" charset="0"/>
+              </a:rPr>
+              <a:t>Análise e Visualização de dados:</a:t>
+            </a:r>
+            <a:br>
+              <a:rPr lang="pt-BR" sz="4000" smtClean="0">
+                <a:solidFill>
+                  <a:schemeClr val="bg1"/>
+                </a:solidFill>
+                <a:latin typeface="Adventure" panose="02000500000000000000" pitchFamily="2" charset="0"/>
+              </a:rPr>
+            </a:br>
+            <a:r>
+              <a:rPr lang="pt-BR" sz="4000" smtClean="0">
+                <a:solidFill>
+                  <a:schemeClr val="bg1"/>
+                </a:solidFill>
+                <a:latin typeface="Adventure" panose="02000500000000000000" pitchFamily="2" charset="0"/>
+              </a:rPr>
+              <a:t>FIFA WORLD CUP 2014</a:t>
+            </a:r>
+            <a:endParaRPr lang="pt-BR" sz="4000" dirty="0">
+              <a:solidFill>
+                <a:schemeClr val="bg1"/>
+              </a:solidFill>
+              <a:latin typeface="Adventure" panose="02000500000000000000" pitchFamily="2" charset="0"/>
+            </a:endParaRPr>
+          </a:p>
+        </p:txBody>
+      </p:sp>
     </p:spTree>
     <p:extLst>
       <p:ext uri="{BB962C8B-B14F-4D97-AF65-F5344CB8AC3E}">
@@ -3616,35 +4040,6 @@
       <p:sp>
         <p:nvSpPr>
           <p:cNvPr id="5" name="Subtítulo 4"/>
-          <p:cNvSpPr>
-            <a:spLocks noGrp="1"/>
-          </p:cNvSpPr>
-          <p:nvPr>
-            <p:ph type="subTitle" idx="1"/>
-          </p:nvPr>
-        </p:nvSpPr>
-        <p:spPr>
-          <a:xfrm>
-            <a:off x="1523999" y="2082519"/>
-            <a:ext cx="9144000" cy="2879445"/>
-          </a:xfrm>
-        </p:spPr>
-        <p:txBody>
-          <a:bodyPr/>
-          <a:lstStyle/>
-          <a:p>
-            <a:pPr algn="just"/>
-            <a:r>
-              <a:rPr lang="pt-BR" dirty="0" smtClean="0"/>
-              <a:t>Um para cada tópico dos objetivos</a:t>
-            </a:r>
-            <a:endParaRPr lang="pt-BR" dirty="0"/>
-          </a:p>
-        </p:txBody>
-      </p:sp>
-      <p:sp>
-        <p:nvSpPr>
-          <p:cNvPr id="10" name="Subtítulo 2"/>
           <p:cNvSpPr txBox="1">
             <a:spLocks/>
           </p:cNvSpPr>
@@ -3652,8 +4047,277 @@
         </p:nvSpPr>
         <p:spPr>
           <a:xfrm>
-            <a:off x="858371" y="670579"/>
-            <a:ext cx="665629" cy="539656"/>
+            <a:off x="2194506" y="5448029"/>
+            <a:ext cx="8062914" cy="1409971"/>
+          </a:xfrm>
+          <a:prstGeom prst="rect">
+            <a:avLst/>
+          </a:prstGeom>
+        </p:spPr>
+        <p:txBody>
+          <a:bodyPr vert="horz" lIns="91440" tIns="45720" rIns="91440" bIns="45720" rtlCol="0">
+            <a:normAutofit/>
+          </a:bodyPr>
+          <a:lstStyle>
+            <a:lvl1pPr marL="0" indent="0" algn="ctr" defTabSz="914400" rtl="0" eaLnBrk="1" latinLnBrk="0" hangingPunct="1">
+              <a:lnSpc>
+                <a:spcPct val="90000"/>
+              </a:lnSpc>
+              <a:spcBef>
+                <a:spcPts val="1000"/>
+              </a:spcBef>
+              <a:buFont typeface="Arial" panose="020B0604020202020204" pitchFamily="34" charset="0"/>
+              <a:buNone/>
+              <a:defRPr sz="2400" kern="1200">
+                <a:solidFill>
+                  <a:schemeClr val="tx1"/>
+                </a:solidFill>
+                <a:latin typeface="+mn-lt"/>
+                <a:ea typeface="+mn-ea"/>
+                <a:cs typeface="+mn-cs"/>
+              </a:defRPr>
+            </a:lvl1pPr>
+            <a:lvl2pPr marL="457200" indent="0" algn="ctr" defTabSz="914400" rtl="0" eaLnBrk="1" latinLnBrk="0" hangingPunct="1">
+              <a:lnSpc>
+                <a:spcPct val="90000"/>
+              </a:lnSpc>
+              <a:spcBef>
+                <a:spcPts val="500"/>
+              </a:spcBef>
+              <a:buFont typeface="Arial" panose="020B0604020202020204" pitchFamily="34" charset="0"/>
+              <a:buNone/>
+              <a:defRPr sz="2000" kern="1200">
+                <a:solidFill>
+                  <a:schemeClr val="tx1"/>
+                </a:solidFill>
+                <a:latin typeface="+mn-lt"/>
+                <a:ea typeface="+mn-ea"/>
+                <a:cs typeface="+mn-cs"/>
+              </a:defRPr>
+            </a:lvl2pPr>
+            <a:lvl3pPr marL="914400" indent="0" algn="ctr" defTabSz="914400" rtl="0" eaLnBrk="1" latinLnBrk="0" hangingPunct="1">
+              <a:lnSpc>
+                <a:spcPct val="90000"/>
+              </a:lnSpc>
+              <a:spcBef>
+                <a:spcPts val="500"/>
+              </a:spcBef>
+              <a:buFont typeface="Arial" panose="020B0604020202020204" pitchFamily="34" charset="0"/>
+              <a:buNone/>
+              <a:defRPr sz="1800" kern="1200">
+                <a:solidFill>
+                  <a:schemeClr val="tx1"/>
+                </a:solidFill>
+                <a:latin typeface="+mn-lt"/>
+                <a:ea typeface="+mn-ea"/>
+                <a:cs typeface="+mn-cs"/>
+              </a:defRPr>
+            </a:lvl3pPr>
+            <a:lvl4pPr marL="1371600" indent="0" algn="ctr" defTabSz="914400" rtl="0" eaLnBrk="1" latinLnBrk="0" hangingPunct="1">
+              <a:lnSpc>
+                <a:spcPct val="90000"/>
+              </a:lnSpc>
+              <a:spcBef>
+                <a:spcPts val="500"/>
+              </a:spcBef>
+              <a:buFont typeface="Arial" panose="020B0604020202020204" pitchFamily="34" charset="0"/>
+              <a:buNone/>
+              <a:defRPr sz="1600" kern="1200">
+                <a:solidFill>
+                  <a:schemeClr val="tx1"/>
+                </a:solidFill>
+                <a:latin typeface="+mn-lt"/>
+                <a:ea typeface="+mn-ea"/>
+                <a:cs typeface="+mn-cs"/>
+              </a:defRPr>
+            </a:lvl4pPr>
+            <a:lvl5pPr marL="1828800" indent="0" algn="ctr" defTabSz="914400" rtl="0" eaLnBrk="1" latinLnBrk="0" hangingPunct="1">
+              <a:lnSpc>
+                <a:spcPct val="90000"/>
+              </a:lnSpc>
+              <a:spcBef>
+                <a:spcPts val="500"/>
+              </a:spcBef>
+              <a:buFont typeface="Arial" panose="020B0604020202020204" pitchFamily="34" charset="0"/>
+              <a:buNone/>
+              <a:defRPr sz="1600" kern="1200">
+                <a:solidFill>
+                  <a:schemeClr val="tx1"/>
+                </a:solidFill>
+                <a:latin typeface="+mn-lt"/>
+                <a:ea typeface="+mn-ea"/>
+                <a:cs typeface="+mn-cs"/>
+              </a:defRPr>
+            </a:lvl5pPr>
+            <a:lvl6pPr marL="2286000" indent="0" algn="ctr" defTabSz="914400" rtl="0" eaLnBrk="1" latinLnBrk="0" hangingPunct="1">
+              <a:lnSpc>
+                <a:spcPct val="90000"/>
+              </a:lnSpc>
+              <a:spcBef>
+                <a:spcPts val="500"/>
+              </a:spcBef>
+              <a:buFont typeface="Arial" panose="020B0604020202020204" pitchFamily="34" charset="0"/>
+              <a:buNone/>
+              <a:defRPr sz="1600" kern="1200">
+                <a:solidFill>
+                  <a:schemeClr val="tx1"/>
+                </a:solidFill>
+                <a:latin typeface="+mn-lt"/>
+                <a:ea typeface="+mn-ea"/>
+                <a:cs typeface="+mn-cs"/>
+              </a:defRPr>
+            </a:lvl6pPr>
+            <a:lvl7pPr marL="2743200" indent="0" algn="ctr" defTabSz="914400" rtl="0" eaLnBrk="1" latinLnBrk="0" hangingPunct="1">
+              <a:lnSpc>
+                <a:spcPct val="90000"/>
+              </a:lnSpc>
+              <a:spcBef>
+                <a:spcPts val="500"/>
+              </a:spcBef>
+              <a:buFont typeface="Arial" panose="020B0604020202020204" pitchFamily="34" charset="0"/>
+              <a:buNone/>
+              <a:defRPr sz="1600" kern="1200">
+                <a:solidFill>
+                  <a:schemeClr val="tx1"/>
+                </a:solidFill>
+                <a:latin typeface="+mn-lt"/>
+                <a:ea typeface="+mn-ea"/>
+                <a:cs typeface="+mn-cs"/>
+              </a:defRPr>
+            </a:lvl7pPr>
+            <a:lvl8pPr marL="3200400" indent="0" algn="ctr" defTabSz="914400" rtl="0" eaLnBrk="1" latinLnBrk="0" hangingPunct="1">
+              <a:lnSpc>
+                <a:spcPct val="90000"/>
+              </a:lnSpc>
+              <a:spcBef>
+                <a:spcPts val="500"/>
+              </a:spcBef>
+              <a:buFont typeface="Arial" panose="020B0604020202020204" pitchFamily="34" charset="0"/>
+              <a:buNone/>
+              <a:defRPr sz="1600" kern="1200">
+                <a:solidFill>
+                  <a:schemeClr val="tx1"/>
+                </a:solidFill>
+                <a:latin typeface="+mn-lt"/>
+                <a:ea typeface="+mn-ea"/>
+                <a:cs typeface="+mn-cs"/>
+              </a:defRPr>
+            </a:lvl8pPr>
+            <a:lvl9pPr marL="3657600" indent="0" algn="ctr" defTabSz="914400" rtl="0" eaLnBrk="1" latinLnBrk="0" hangingPunct="1">
+              <a:lnSpc>
+                <a:spcPct val="90000"/>
+              </a:lnSpc>
+              <a:spcBef>
+                <a:spcPts val="500"/>
+              </a:spcBef>
+              <a:buFont typeface="Arial" panose="020B0604020202020204" pitchFamily="34" charset="0"/>
+              <a:buNone/>
+              <a:defRPr sz="1600" kern="1200">
+                <a:solidFill>
+                  <a:schemeClr val="tx1"/>
+                </a:solidFill>
+                <a:latin typeface="+mn-lt"/>
+                <a:ea typeface="+mn-ea"/>
+                <a:cs typeface="+mn-cs"/>
+              </a:defRPr>
+            </a:lvl9pPr>
+          </a:lstStyle>
+          <a:p>
+            <a:pPr>
+              <a:lnSpc>
+                <a:spcPct val="150000"/>
+              </a:lnSpc>
+              <a:spcBef>
+                <a:spcPts val="0"/>
+              </a:spcBef>
+            </a:pPr>
+            <a:r>
+              <a:rPr lang="pt-BR" sz="2200" dirty="0" smtClean="0"/>
+              <a:t>Final</a:t>
+            </a:r>
+            <a:endParaRPr lang="pt-BR" sz="2200" dirty="0" smtClean="0"/>
+          </a:p>
+        </p:txBody>
+      </p:sp>
+      <p:pic>
+        <p:nvPicPr>
+          <p:cNvPr id="2" name="Imagem 1"/>
+          <p:cNvPicPr>
+            <a:picLocks noChangeAspect="1"/>
+          </p:cNvPicPr>
+          <p:nvPr/>
+        </p:nvPicPr>
+        <p:blipFill>
+          <a:blip r:embed="rId2">
+            <a:extLst>
+              <a:ext uri="{28A0092B-C50C-407E-A947-70E740481C1C}">
+                <a14:useLocalDpi xmlns:a14="http://schemas.microsoft.com/office/drawing/2010/main" val="0"/>
+              </a:ext>
+            </a:extLst>
+          </a:blip>
+          <a:stretch>
+            <a:fillRect/>
+          </a:stretch>
+        </p:blipFill>
+        <p:spPr>
+          <a:xfrm>
+            <a:off x="3229016" y="100016"/>
+            <a:ext cx="5993894" cy="5343797"/>
+          </a:xfrm>
+          <a:prstGeom prst="rect">
+            <a:avLst/>
+          </a:prstGeom>
+        </p:spPr>
+      </p:pic>
+    </p:spTree>
+    <p:extLst>
+      <p:ext uri="{BB962C8B-B14F-4D97-AF65-F5344CB8AC3E}">
+        <p14:creationId xmlns:p14="http://schemas.microsoft.com/office/powerpoint/2010/main" val="1680705954"/>
+      </p:ext>
+    </p:extLst>
+  </p:cSld>
+  <p:clrMapOvr>
+    <a:masterClrMapping/>
+  </p:clrMapOvr>
+  <p:timing>
+    <p:tnLst>
+      <p:par>
+        <p:cTn id="1" dur="indefinite" restart="never" nodeType="tmRoot"/>
+      </p:par>
+    </p:tnLst>
+  </p:timing>
+</p:sld>
+</file>
+
+<file path=ppt/slides/slide11.xml><?xml version="1.0" encoding="utf-8"?>
+<p:sld xmlns:a="http://schemas.openxmlformats.org/drawingml/2006/main" xmlns:r="http://schemas.openxmlformats.org/officeDocument/2006/relationships" xmlns:p="http://schemas.openxmlformats.org/presentationml/2006/main">
+  <p:cSld>
+    <p:spTree>
+      <p:nvGrpSpPr>
+        <p:cNvPr id="1" name=""/>
+        <p:cNvGrpSpPr/>
+        <p:nvPr/>
+      </p:nvGrpSpPr>
+      <p:grpSpPr>
+        <a:xfrm>
+          <a:off x="0" y="0"/>
+          <a:ext cx="0" cy="0"/>
+          <a:chOff x="0" y="0"/>
+          <a:chExt cx="0" cy="0"/>
+        </a:xfrm>
+      </p:grpSpPr>
+      <p:sp>
+        <p:nvSpPr>
+          <p:cNvPr id="8" name="Subtítulo 2"/>
+          <p:cNvSpPr txBox="1">
+            <a:spLocks/>
+          </p:cNvSpPr>
+          <p:nvPr/>
+        </p:nvSpPr>
+        <p:spPr>
+          <a:xfrm>
+            <a:off x="1523999" y="670580"/>
+            <a:ext cx="3316942" cy="367083"/>
           </a:xfrm>
           <a:prstGeom prst="rect">
             <a:avLst/>
@@ -3832,15 +4496,15 @@
           </a:lstStyle>
           <a:p>
             <a:r>
-              <a:rPr lang="pt-BR" dirty="0" smtClean="0">
+              <a:rPr lang="pt-BR" sz="2000" dirty="0" smtClean="0">
                 <a:solidFill>
                   <a:schemeClr val="bg1"/>
                 </a:solidFill>
                 <a:latin typeface="Adventure" panose="02000500000000000000" pitchFamily="2" charset="0"/>
               </a:rPr>
-              <a:t>4</a:t>
+              <a:t>Média de público</a:t>
             </a:r>
-            <a:endParaRPr lang="pt-BR" dirty="0">
+            <a:endParaRPr lang="pt-BR" sz="2000" dirty="0">
               <a:solidFill>
                 <a:schemeClr val="bg1"/>
               </a:solidFill>
@@ -4046,6 +4710,213 @@
                 <a:latin typeface="Adventure" panose="02000500000000000000" pitchFamily="2" charset="0"/>
               </a:rPr>
               <a:t>Aplicações</a:t>
+            </a:r>
+            <a:endParaRPr lang="pt-BR" dirty="0">
+              <a:solidFill>
+                <a:schemeClr val="bg1"/>
+              </a:solidFill>
+              <a:latin typeface="Adventure" panose="02000500000000000000" pitchFamily="2" charset="0"/>
+            </a:endParaRPr>
+          </a:p>
+        </p:txBody>
+      </p:sp>
+      <p:sp>
+        <p:nvSpPr>
+          <p:cNvPr id="10" name="Subtítulo 2"/>
+          <p:cNvSpPr txBox="1">
+            <a:spLocks/>
+          </p:cNvSpPr>
+          <p:nvPr/>
+        </p:nvSpPr>
+        <p:spPr>
+          <a:xfrm>
+            <a:off x="858371" y="670579"/>
+            <a:ext cx="665629" cy="539656"/>
+          </a:xfrm>
+          <a:prstGeom prst="rect">
+            <a:avLst/>
+          </a:prstGeom>
+          <a:solidFill>
+            <a:srgbClr val="00CC00"/>
+          </a:solidFill>
+        </p:spPr>
+        <p:txBody>
+          <a:bodyPr vert="horz" lIns="91440" tIns="45720" rIns="91440" bIns="45720" rtlCol="0" anchor="ctr">
+            <a:normAutofit/>
+          </a:bodyPr>
+          <a:lstStyle>
+            <a:lvl1pPr marL="0" indent="0" algn="ctr" defTabSz="914400" rtl="0" eaLnBrk="1" latinLnBrk="0" hangingPunct="1">
+              <a:lnSpc>
+                <a:spcPct val="90000"/>
+              </a:lnSpc>
+              <a:spcBef>
+                <a:spcPts val="1000"/>
+              </a:spcBef>
+              <a:buFont typeface="Arial" panose="020B0604020202020204" pitchFamily="34" charset="0"/>
+              <a:buNone/>
+              <a:defRPr sz="2400" kern="1200">
+                <a:solidFill>
+                  <a:schemeClr val="tx1"/>
+                </a:solidFill>
+                <a:latin typeface="+mn-lt"/>
+                <a:ea typeface="+mn-ea"/>
+                <a:cs typeface="+mn-cs"/>
+              </a:defRPr>
+            </a:lvl1pPr>
+            <a:lvl2pPr marL="457200" indent="0" algn="ctr" defTabSz="914400" rtl="0" eaLnBrk="1" latinLnBrk="0" hangingPunct="1">
+              <a:lnSpc>
+                <a:spcPct val="90000"/>
+              </a:lnSpc>
+              <a:spcBef>
+                <a:spcPts val="500"/>
+              </a:spcBef>
+              <a:buFont typeface="Arial" panose="020B0604020202020204" pitchFamily="34" charset="0"/>
+              <a:buNone/>
+              <a:defRPr sz="2000" kern="1200">
+                <a:solidFill>
+                  <a:schemeClr val="tx1"/>
+                </a:solidFill>
+                <a:latin typeface="+mn-lt"/>
+                <a:ea typeface="+mn-ea"/>
+                <a:cs typeface="+mn-cs"/>
+              </a:defRPr>
+            </a:lvl2pPr>
+            <a:lvl3pPr marL="914400" indent="0" algn="ctr" defTabSz="914400" rtl="0" eaLnBrk="1" latinLnBrk="0" hangingPunct="1">
+              <a:lnSpc>
+                <a:spcPct val="90000"/>
+              </a:lnSpc>
+              <a:spcBef>
+                <a:spcPts val="500"/>
+              </a:spcBef>
+              <a:buFont typeface="Arial" panose="020B0604020202020204" pitchFamily="34" charset="0"/>
+              <a:buNone/>
+              <a:defRPr sz="1800" kern="1200">
+                <a:solidFill>
+                  <a:schemeClr val="tx1"/>
+                </a:solidFill>
+                <a:latin typeface="+mn-lt"/>
+                <a:ea typeface="+mn-ea"/>
+                <a:cs typeface="+mn-cs"/>
+              </a:defRPr>
+            </a:lvl3pPr>
+            <a:lvl4pPr marL="1371600" indent="0" algn="ctr" defTabSz="914400" rtl="0" eaLnBrk="1" latinLnBrk="0" hangingPunct="1">
+              <a:lnSpc>
+                <a:spcPct val="90000"/>
+              </a:lnSpc>
+              <a:spcBef>
+                <a:spcPts val="500"/>
+              </a:spcBef>
+              <a:buFont typeface="Arial" panose="020B0604020202020204" pitchFamily="34" charset="0"/>
+              <a:buNone/>
+              <a:defRPr sz="1600" kern="1200">
+                <a:solidFill>
+                  <a:schemeClr val="tx1"/>
+                </a:solidFill>
+                <a:latin typeface="+mn-lt"/>
+                <a:ea typeface="+mn-ea"/>
+                <a:cs typeface="+mn-cs"/>
+              </a:defRPr>
+            </a:lvl4pPr>
+            <a:lvl5pPr marL="1828800" indent="0" algn="ctr" defTabSz="914400" rtl="0" eaLnBrk="1" latinLnBrk="0" hangingPunct="1">
+              <a:lnSpc>
+                <a:spcPct val="90000"/>
+              </a:lnSpc>
+              <a:spcBef>
+                <a:spcPts val="500"/>
+              </a:spcBef>
+              <a:buFont typeface="Arial" panose="020B0604020202020204" pitchFamily="34" charset="0"/>
+              <a:buNone/>
+              <a:defRPr sz="1600" kern="1200">
+                <a:solidFill>
+                  <a:schemeClr val="tx1"/>
+                </a:solidFill>
+                <a:latin typeface="+mn-lt"/>
+                <a:ea typeface="+mn-ea"/>
+                <a:cs typeface="+mn-cs"/>
+              </a:defRPr>
+            </a:lvl5pPr>
+            <a:lvl6pPr marL="2286000" indent="0" algn="ctr" defTabSz="914400" rtl="0" eaLnBrk="1" latinLnBrk="0" hangingPunct="1">
+              <a:lnSpc>
+                <a:spcPct val="90000"/>
+              </a:lnSpc>
+              <a:spcBef>
+                <a:spcPts val="500"/>
+              </a:spcBef>
+              <a:buFont typeface="Arial" panose="020B0604020202020204" pitchFamily="34" charset="0"/>
+              <a:buNone/>
+              <a:defRPr sz="1600" kern="1200">
+                <a:solidFill>
+                  <a:schemeClr val="tx1"/>
+                </a:solidFill>
+                <a:latin typeface="+mn-lt"/>
+                <a:ea typeface="+mn-ea"/>
+                <a:cs typeface="+mn-cs"/>
+              </a:defRPr>
+            </a:lvl6pPr>
+            <a:lvl7pPr marL="2743200" indent="0" algn="ctr" defTabSz="914400" rtl="0" eaLnBrk="1" latinLnBrk="0" hangingPunct="1">
+              <a:lnSpc>
+                <a:spcPct val="90000"/>
+              </a:lnSpc>
+              <a:spcBef>
+                <a:spcPts val="500"/>
+              </a:spcBef>
+              <a:buFont typeface="Arial" panose="020B0604020202020204" pitchFamily="34" charset="0"/>
+              <a:buNone/>
+              <a:defRPr sz="1600" kern="1200">
+                <a:solidFill>
+                  <a:schemeClr val="tx1"/>
+                </a:solidFill>
+                <a:latin typeface="+mn-lt"/>
+                <a:ea typeface="+mn-ea"/>
+                <a:cs typeface="+mn-cs"/>
+              </a:defRPr>
+            </a:lvl7pPr>
+            <a:lvl8pPr marL="3200400" indent="0" algn="ctr" defTabSz="914400" rtl="0" eaLnBrk="1" latinLnBrk="0" hangingPunct="1">
+              <a:lnSpc>
+                <a:spcPct val="90000"/>
+              </a:lnSpc>
+              <a:spcBef>
+                <a:spcPts val="500"/>
+              </a:spcBef>
+              <a:buFont typeface="Arial" panose="020B0604020202020204" pitchFamily="34" charset="0"/>
+              <a:buNone/>
+              <a:defRPr sz="1600" kern="1200">
+                <a:solidFill>
+                  <a:schemeClr val="tx1"/>
+                </a:solidFill>
+                <a:latin typeface="+mn-lt"/>
+                <a:ea typeface="+mn-ea"/>
+                <a:cs typeface="+mn-cs"/>
+              </a:defRPr>
+            </a:lvl8pPr>
+            <a:lvl9pPr marL="3657600" indent="0" algn="ctr" defTabSz="914400" rtl="0" eaLnBrk="1" latinLnBrk="0" hangingPunct="1">
+              <a:lnSpc>
+                <a:spcPct val="90000"/>
+              </a:lnSpc>
+              <a:spcBef>
+                <a:spcPts val="500"/>
+              </a:spcBef>
+              <a:buFont typeface="Arial" panose="020B0604020202020204" pitchFamily="34" charset="0"/>
+              <a:buNone/>
+              <a:defRPr sz="1600" kern="1200">
+                <a:solidFill>
+                  <a:schemeClr val="tx1"/>
+                </a:solidFill>
+                <a:latin typeface="+mn-lt"/>
+                <a:ea typeface="+mn-ea"/>
+                <a:cs typeface="+mn-cs"/>
+              </a:defRPr>
+            </a:lvl9pPr>
+          </a:lstStyle>
+          <a:p>
+            <a:r>
+              <a:rPr lang="pt-BR" dirty="0" smtClean="0">
+                <a:solidFill>
+                  <a:schemeClr val="bg1"/>
+                </a:solidFill>
+                <a:latin typeface="Adventure" panose="02000500000000000000" pitchFamily="2" charset="0"/>
+              </a:rPr>
+              <a:t>4</a:t>
             </a:r>
             <a:endParaRPr lang="pt-BR" dirty="0">
               <a:solidFill>
@@ -4553,10 +5424,212 @@
           </p:txBody>
         </p:sp>
       </p:grpSp>
+      <p:sp>
+        <p:nvSpPr>
+          <p:cNvPr id="15" name="Subtítulo 4"/>
+          <p:cNvSpPr txBox="1">
+            <a:spLocks/>
+          </p:cNvSpPr>
+          <p:nvPr/>
+        </p:nvSpPr>
+        <p:spPr>
+          <a:xfrm>
+            <a:off x="1523999" y="1869143"/>
+            <a:ext cx="9144000" cy="3644152"/>
+          </a:xfrm>
+          <a:prstGeom prst="rect">
+            <a:avLst/>
+          </a:prstGeom>
+        </p:spPr>
+        <p:txBody>
+          <a:bodyPr vert="horz" lIns="91440" tIns="45720" rIns="91440" bIns="45720" rtlCol="0">
+            <a:normAutofit/>
+          </a:bodyPr>
+          <a:lstStyle>
+            <a:lvl1pPr marL="0" indent="0" algn="ctr" defTabSz="914400" rtl="0" eaLnBrk="1" latinLnBrk="0" hangingPunct="1">
+              <a:lnSpc>
+                <a:spcPct val="90000"/>
+              </a:lnSpc>
+              <a:spcBef>
+                <a:spcPts val="1000"/>
+              </a:spcBef>
+              <a:buFont typeface="Arial" panose="020B0604020202020204" pitchFamily="34" charset="0"/>
+              <a:buNone/>
+              <a:defRPr sz="2400" kern="1200">
+                <a:solidFill>
+                  <a:schemeClr val="tx1"/>
+                </a:solidFill>
+                <a:latin typeface="+mn-lt"/>
+                <a:ea typeface="+mn-ea"/>
+                <a:cs typeface="+mn-cs"/>
+              </a:defRPr>
+            </a:lvl1pPr>
+            <a:lvl2pPr marL="457200" indent="0" algn="ctr" defTabSz="914400" rtl="0" eaLnBrk="1" latinLnBrk="0" hangingPunct="1">
+              <a:lnSpc>
+                <a:spcPct val="90000"/>
+              </a:lnSpc>
+              <a:spcBef>
+                <a:spcPts val="500"/>
+              </a:spcBef>
+              <a:buFont typeface="Arial" panose="020B0604020202020204" pitchFamily="34" charset="0"/>
+              <a:buNone/>
+              <a:defRPr sz="2000" kern="1200">
+                <a:solidFill>
+                  <a:schemeClr val="tx1"/>
+                </a:solidFill>
+                <a:latin typeface="+mn-lt"/>
+                <a:ea typeface="+mn-ea"/>
+                <a:cs typeface="+mn-cs"/>
+              </a:defRPr>
+            </a:lvl2pPr>
+            <a:lvl3pPr marL="914400" indent="0" algn="ctr" defTabSz="914400" rtl="0" eaLnBrk="1" latinLnBrk="0" hangingPunct="1">
+              <a:lnSpc>
+                <a:spcPct val="90000"/>
+              </a:lnSpc>
+              <a:spcBef>
+                <a:spcPts val="500"/>
+              </a:spcBef>
+              <a:buFont typeface="Arial" panose="020B0604020202020204" pitchFamily="34" charset="0"/>
+              <a:buNone/>
+              <a:defRPr sz="1800" kern="1200">
+                <a:solidFill>
+                  <a:schemeClr val="tx1"/>
+                </a:solidFill>
+                <a:latin typeface="+mn-lt"/>
+                <a:ea typeface="+mn-ea"/>
+                <a:cs typeface="+mn-cs"/>
+              </a:defRPr>
+            </a:lvl3pPr>
+            <a:lvl4pPr marL="1371600" indent="0" algn="ctr" defTabSz="914400" rtl="0" eaLnBrk="1" latinLnBrk="0" hangingPunct="1">
+              <a:lnSpc>
+                <a:spcPct val="90000"/>
+              </a:lnSpc>
+              <a:spcBef>
+                <a:spcPts val="500"/>
+              </a:spcBef>
+              <a:buFont typeface="Arial" panose="020B0604020202020204" pitchFamily="34" charset="0"/>
+              <a:buNone/>
+              <a:defRPr sz="1600" kern="1200">
+                <a:solidFill>
+                  <a:schemeClr val="tx1"/>
+                </a:solidFill>
+                <a:latin typeface="+mn-lt"/>
+                <a:ea typeface="+mn-ea"/>
+                <a:cs typeface="+mn-cs"/>
+              </a:defRPr>
+            </a:lvl4pPr>
+            <a:lvl5pPr marL="1828800" indent="0" algn="ctr" defTabSz="914400" rtl="0" eaLnBrk="1" latinLnBrk="0" hangingPunct="1">
+              <a:lnSpc>
+                <a:spcPct val="90000"/>
+              </a:lnSpc>
+              <a:spcBef>
+                <a:spcPts val="500"/>
+              </a:spcBef>
+              <a:buFont typeface="Arial" panose="020B0604020202020204" pitchFamily="34" charset="0"/>
+              <a:buNone/>
+              <a:defRPr sz="1600" kern="1200">
+                <a:solidFill>
+                  <a:schemeClr val="tx1"/>
+                </a:solidFill>
+                <a:latin typeface="+mn-lt"/>
+                <a:ea typeface="+mn-ea"/>
+                <a:cs typeface="+mn-cs"/>
+              </a:defRPr>
+            </a:lvl5pPr>
+            <a:lvl6pPr marL="2286000" indent="0" algn="ctr" defTabSz="914400" rtl="0" eaLnBrk="1" latinLnBrk="0" hangingPunct="1">
+              <a:lnSpc>
+                <a:spcPct val="90000"/>
+              </a:lnSpc>
+              <a:spcBef>
+                <a:spcPts val="500"/>
+              </a:spcBef>
+              <a:buFont typeface="Arial" panose="020B0604020202020204" pitchFamily="34" charset="0"/>
+              <a:buNone/>
+              <a:defRPr sz="1600" kern="1200">
+                <a:solidFill>
+                  <a:schemeClr val="tx1"/>
+                </a:solidFill>
+                <a:latin typeface="+mn-lt"/>
+                <a:ea typeface="+mn-ea"/>
+                <a:cs typeface="+mn-cs"/>
+              </a:defRPr>
+            </a:lvl6pPr>
+            <a:lvl7pPr marL="2743200" indent="0" algn="ctr" defTabSz="914400" rtl="0" eaLnBrk="1" latinLnBrk="0" hangingPunct="1">
+              <a:lnSpc>
+                <a:spcPct val="90000"/>
+              </a:lnSpc>
+              <a:spcBef>
+                <a:spcPts val="500"/>
+              </a:spcBef>
+              <a:buFont typeface="Arial" panose="020B0604020202020204" pitchFamily="34" charset="0"/>
+              <a:buNone/>
+              <a:defRPr sz="1600" kern="1200">
+                <a:solidFill>
+                  <a:schemeClr val="tx1"/>
+                </a:solidFill>
+                <a:latin typeface="+mn-lt"/>
+                <a:ea typeface="+mn-ea"/>
+                <a:cs typeface="+mn-cs"/>
+              </a:defRPr>
+            </a:lvl7pPr>
+            <a:lvl8pPr marL="3200400" indent="0" algn="ctr" defTabSz="914400" rtl="0" eaLnBrk="1" latinLnBrk="0" hangingPunct="1">
+              <a:lnSpc>
+                <a:spcPct val="90000"/>
+              </a:lnSpc>
+              <a:spcBef>
+                <a:spcPts val="500"/>
+              </a:spcBef>
+              <a:buFont typeface="Arial" panose="020B0604020202020204" pitchFamily="34" charset="0"/>
+              <a:buNone/>
+              <a:defRPr sz="1600" kern="1200">
+                <a:solidFill>
+                  <a:schemeClr val="tx1"/>
+                </a:solidFill>
+                <a:latin typeface="+mn-lt"/>
+                <a:ea typeface="+mn-ea"/>
+                <a:cs typeface="+mn-cs"/>
+              </a:defRPr>
+            </a:lvl8pPr>
+            <a:lvl9pPr marL="3657600" indent="0" algn="ctr" defTabSz="914400" rtl="0" eaLnBrk="1" latinLnBrk="0" hangingPunct="1">
+              <a:lnSpc>
+                <a:spcPct val="90000"/>
+              </a:lnSpc>
+              <a:spcBef>
+                <a:spcPts val="500"/>
+              </a:spcBef>
+              <a:buFont typeface="Arial" panose="020B0604020202020204" pitchFamily="34" charset="0"/>
+              <a:buNone/>
+              <a:defRPr sz="1600" kern="1200">
+                <a:solidFill>
+                  <a:schemeClr val="tx1"/>
+                </a:solidFill>
+                <a:latin typeface="+mn-lt"/>
+                <a:ea typeface="+mn-ea"/>
+                <a:cs typeface="+mn-cs"/>
+              </a:defRPr>
+            </a:lvl9pPr>
+          </a:lstStyle>
+          <a:p>
+            <a:pPr indent="457200" algn="just">
+              <a:lnSpc>
+                <a:spcPct val="150000"/>
+              </a:lnSpc>
+              <a:spcBef>
+                <a:spcPts val="0"/>
+              </a:spcBef>
+            </a:pPr>
+            <a:r>
+              <a:rPr lang="pt-BR" sz="2200" dirty="0" smtClean="0"/>
+              <a:t>Determinar a média de público de cada seleção por jogo durante a fase de grupos da competição.</a:t>
+            </a:r>
+            <a:endParaRPr lang="pt-BR" sz="2200" dirty="0" smtClean="0"/>
+          </a:p>
+        </p:txBody>
+      </p:sp>
     </p:spTree>
     <p:extLst>
       <p:ext uri="{BB962C8B-B14F-4D97-AF65-F5344CB8AC3E}">
-        <p14:creationId xmlns:p14="http://schemas.microsoft.com/office/powerpoint/2010/main" val="3136792165"/>
+        <p14:creationId xmlns:p14="http://schemas.microsoft.com/office/powerpoint/2010/main" val="2143462644"/>
       </p:ext>
     </p:extLst>
   </p:cSld>
@@ -4566,14 +5639,80 @@
   <p:timing>
     <p:tnLst>
       <p:par>
-        <p:cTn id="1" dur="indefinite" restart="never" nodeType="tmRoot"/>
+        <p:cTn id="1" dur="indefinite" restart="never" nodeType="tmRoot">
+          <p:childTnLst>
+            <p:seq concurrent="1" nextAc="seek">
+              <p:cTn id="2" dur="indefinite" nodeType="mainSeq">
+                <p:childTnLst>
+                  <p:par>
+                    <p:cTn id="3" fill="hold">
+                      <p:stCondLst>
+                        <p:cond delay="indefinite"/>
+                      </p:stCondLst>
+                      <p:childTnLst>
+                        <p:par>
+                          <p:cTn id="4" fill="hold">
+                            <p:stCondLst>
+                              <p:cond delay="0"/>
+                            </p:stCondLst>
+                            <p:childTnLst>
+                              <p:par>
+                                <p:cTn id="5" presetID="42" presetClass="path" presetSubtype="0" accel="50000" decel="50000" fill="hold" grpId="0" nodeType="clickEffect">
+                                  <p:stCondLst>
+                                    <p:cond delay="0"/>
+                                  </p:stCondLst>
+                                  <p:childTnLst>
+                                    <p:animMotion origin="layout" path="M 2.5E-6 2.96296E-6 L 0.00039 0.07754 " pathEditMode="relative" rAng="0" ptsTypes="AA">
+                                      <p:cBhvr>
+                                        <p:cTn id="6" dur="1000" fill="hold"/>
+                                        <p:tgtEl>
+                                          <p:spTgt spid="8"/>
+                                        </p:tgtEl>
+                                        <p:attrNameLst>
+                                          <p:attrName>ppt_x</p:attrName>
+                                          <p:attrName>ppt_y</p:attrName>
+                                        </p:attrNameLst>
+                                      </p:cBhvr>
+                                      <p:rCtr x="13" y="3866"/>
+                                    </p:animMotion>
+                                  </p:childTnLst>
+                                </p:cTn>
+                              </p:par>
+                            </p:childTnLst>
+                          </p:cTn>
+                        </p:par>
+                      </p:childTnLst>
+                    </p:cTn>
+                  </p:par>
+                </p:childTnLst>
+              </p:cTn>
+              <p:prevCondLst>
+                <p:cond evt="onPrev" delay="0">
+                  <p:tgtEl>
+                    <p:sldTgt/>
+                  </p:tgtEl>
+                </p:cond>
+              </p:prevCondLst>
+              <p:nextCondLst>
+                <p:cond evt="onNext" delay="0">
+                  <p:tgtEl>
+                    <p:sldTgt/>
+                  </p:tgtEl>
+                </p:cond>
+              </p:nextCondLst>
+            </p:seq>
+          </p:childTnLst>
+        </p:cTn>
       </p:par>
     </p:tnLst>
+    <p:bldLst>
+      <p:bldP spid="8" grpId="0" animBg="1"/>
+    </p:bldLst>
   </p:timing>
 </p:sld>
 </file>
 
-<file path=ppt/slides/slide11.xml><?xml version="1.0" encoding="utf-8"?>
+<file path=ppt/slides/slide12.xml><?xml version="1.0" encoding="utf-8"?>
 <p:sld xmlns:a="http://schemas.openxmlformats.org/drawingml/2006/main" xmlns:r="http://schemas.openxmlformats.org/officeDocument/2006/relationships" xmlns:p="http://schemas.openxmlformats.org/presentationml/2006/main">
   <p:cSld>
     <p:spTree>
@@ -4593,29 +5732,1496 @@
       <p:sp>
         <p:nvSpPr>
           <p:cNvPr id="5" name="Subtítulo 4"/>
-          <p:cNvSpPr>
-            <a:spLocks noGrp="1"/>
+          <p:cNvSpPr txBox="1">
+            <a:spLocks/>
           </p:cNvSpPr>
-          <p:nvPr>
-            <p:ph type="subTitle" idx="1"/>
-          </p:nvPr>
+          <p:nvPr/>
         </p:nvSpPr>
         <p:spPr>
           <a:xfrm>
-            <a:off x="1523999" y="2082519"/>
-            <a:ext cx="9144000" cy="2879445"/>
+            <a:off x="2194506" y="5448029"/>
+            <a:ext cx="8062914" cy="1409971"/>
           </a:xfrm>
+          <a:prstGeom prst="rect">
+            <a:avLst/>
+          </a:prstGeom>
         </p:spPr>
         <p:txBody>
-          <a:bodyPr/>
-          <a:lstStyle/>
+          <a:bodyPr vert="horz" lIns="91440" tIns="45720" rIns="91440" bIns="45720" rtlCol="0">
+            <a:normAutofit/>
+          </a:bodyPr>
+          <a:lstStyle>
+            <a:lvl1pPr marL="0" indent="0" algn="ctr" defTabSz="914400" rtl="0" eaLnBrk="1" latinLnBrk="0" hangingPunct="1">
+              <a:lnSpc>
+                <a:spcPct val="90000"/>
+              </a:lnSpc>
+              <a:spcBef>
+                <a:spcPts val="1000"/>
+              </a:spcBef>
+              <a:buFont typeface="Arial" panose="020B0604020202020204" pitchFamily="34" charset="0"/>
+              <a:buNone/>
+              <a:defRPr sz="2400" kern="1200">
+                <a:solidFill>
+                  <a:schemeClr val="tx1"/>
+                </a:solidFill>
+                <a:latin typeface="+mn-lt"/>
+                <a:ea typeface="+mn-ea"/>
+                <a:cs typeface="+mn-cs"/>
+              </a:defRPr>
+            </a:lvl1pPr>
+            <a:lvl2pPr marL="457200" indent="0" algn="ctr" defTabSz="914400" rtl="0" eaLnBrk="1" latinLnBrk="0" hangingPunct="1">
+              <a:lnSpc>
+                <a:spcPct val="90000"/>
+              </a:lnSpc>
+              <a:spcBef>
+                <a:spcPts val="500"/>
+              </a:spcBef>
+              <a:buFont typeface="Arial" panose="020B0604020202020204" pitchFamily="34" charset="0"/>
+              <a:buNone/>
+              <a:defRPr sz="2000" kern="1200">
+                <a:solidFill>
+                  <a:schemeClr val="tx1"/>
+                </a:solidFill>
+                <a:latin typeface="+mn-lt"/>
+                <a:ea typeface="+mn-ea"/>
+                <a:cs typeface="+mn-cs"/>
+              </a:defRPr>
+            </a:lvl2pPr>
+            <a:lvl3pPr marL="914400" indent="0" algn="ctr" defTabSz="914400" rtl="0" eaLnBrk="1" latinLnBrk="0" hangingPunct="1">
+              <a:lnSpc>
+                <a:spcPct val="90000"/>
+              </a:lnSpc>
+              <a:spcBef>
+                <a:spcPts val="500"/>
+              </a:spcBef>
+              <a:buFont typeface="Arial" panose="020B0604020202020204" pitchFamily="34" charset="0"/>
+              <a:buNone/>
+              <a:defRPr sz="1800" kern="1200">
+                <a:solidFill>
+                  <a:schemeClr val="tx1"/>
+                </a:solidFill>
+                <a:latin typeface="+mn-lt"/>
+                <a:ea typeface="+mn-ea"/>
+                <a:cs typeface="+mn-cs"/>
+              </a:defRPr>
+            </a:lvl3pPr>
+            <a:lvl4pPr marL="1371600" indent="0" algn="ctr" defTabSz="914400" rtl="0" eaLnBrk="1" latinLnBrk="0" hangingPunct="1">
+              <a:lnSpc>
+                <a:spcPct val="90000"/>
+              </a:lnSpc>
+              <a:spcBef>
+                <a:spcPts val="500"/>
+              </a:spcBef>
+              <a:buFont typeface="Arial" panose="020B0604020202020204" pitchFamily="34" charset="0"/>
+              <a:buNone/>
+              <a:defRPr sz="1600" kern="1200">
+                <a:solidFill>
+                  <a:schemeClr val="tx1"/>
+                </a:solidFill>
+                <a:latin typeface="+mn-lt"/>
+                <a:ea typeface="+mn-ea"/>
+                <a:cs typeface="+mn-cs"/>
+              </a:defRPr>
+            </a:lvl4pPr>
+            <a:lvl5pPr marL="1828800" indent="0" algn="ctr" defTabSz="914400" rtl="0" eaLnBrk="1" latinLnBrk="0" hangingPunct="1">
+              <a:lnSpc>
+                <a:spcPct val="90000"/>
+              </a:lnSpc>
+              <a:spcBef>
+                <a:spcPts val="500"/>
+              </a:spcBef>
+              <a:buFont typeface="Arial" panose="020B0604020202020204" pitchFamily="34" charset="0"/>
+              <a:buNone/>
+              <a:defRPr sz="1600" kern="1200">
+                <a:solidFill>
+                  <a:schemeClr val="tx1"/>
+                </a:solidFill>
+                <a:latin typeface="+mn-lt"/>
+                <a:ea typeface="+mn-ea"/>
+                <a:cs typeface="+mn-cs"/>
+              </a:defRPr>
+            </a:lvl5pPr>
+            <a:lvl6pPr marL="2286000" indent="0" algn="ctr" defTabSz="914400" rtl="0" eaLnBrk="1" latinLnBrk="0" hangingPunct="1">
+              <a:lnSpc>
+                <a:spcPct val="90000"/>
+              </a:lnSpc>
+              <a:spcBef>
+                <a:spcPts val="500"/>
+              </a:spcBef>
+              <a:buFont typeface="Arial" panose="020B0604020202020204" pitchFamily="34" charset="0"/>
+              <a:buNone/>
+              <a:defRPr sz="1600" kern="1200">
+                <a:solidFill>
+                  <a:schemeClr val="tx1"/>
+                </a:solidFill>
+                <a:latin typeface="+mn-lt"/>
+                <a:ea typeface="+mn-ea"/>
+                <a:cs typeface="+mn-cs"/>
+              </a:defRPr>
+            </a:lvl6pPr>
+            <a:lvl7pPr marL="2743200" indent="0" algn="ctr" defTabSz="914400" rtl="0" eaLnBrk="1" latinLnBrk="0" hangingPunct="1">
+              <a:lnSpc>
+                <a:spcPct val="90000"/>
+              </a:lnSpc>
+              <a:spcBef>
+                <a:spcPts val="500"/>
+              </a:spcBef>
+              <a:buFont typeface="Arial" panose="020B0604020202020204" pitchFamily="34" charset="0"/>
+              <a:buNone/>
+              <a:defRPr sz="1600" kern="1200">
+                <a:solidFill>
+                  <a:schemeClr val="tx1"/>
+                </a:solidFill>
+                <a:latin typeface="+mn-lt"/>
+                <a:ea typeface="+mn-ea"/>
+                <a:cs typeface="+mn-cs"/>
+              </a:defRPr>
+            </a:lvl7pPr>
+            <a:lvl8pPr marL="3200400" indent="0" algn="ctr" defTabSz="914400" rtl="0" eaLnBrk="1" latinLnBrk="0" hangingPunct="1">
+              <a:lnSpc>
+                <a:spcPct val="90000"/>
+              </a:lnSpc>
+              <a:spcBef>
+                <a:spcPts val="500"/>
+              </a:spcBef>
+              <a:buFont typeface="Arial" panose="020B0604020202020204" pitchFamily="34" charset="0"/>
+              <a:buNone/>
+              <a:defRPr sz="1600" kern="1200">
+                <a:solidFill>
+                  <a:schemeClr val="tx1"/>
+                </a:solidFill>
+                <a:latin typeface="+mn-lt"/>
+                <a:ea typeface="+mn-ea"/>
+                <a:cs typeface="+mn-cs"/>
+              </a:defRPr>
+            </a:lvl8pPr>
+            <a:lvl9pPr marL="3657600" indent="0" algn="ctr" defTabSz="914400" rtl="0" eaLnBrk="1" latinLnBrk="0" hangingPunct="1">
+              <a:lnSpc>
+                <a:spcPct val="90000"/>
+              </a:lnSpc>
+              <a:spcBef>
+                <a:spcPts val="500"/>
+              </a:spcBef>
+              <a:buFont typeface="Arial" panose="020B0604020202020204" pitchFamily="34" charset="0"/>
+              <a:buNone/>
+              <a:defRPr sz="1600" kern="1200">
+                <a:solidFill>
+                  <a:schemeClr val="tx1"/>
+                </a:solidFill>
+                <a:latin typeface="+mn-lt"/>
+                <a:ea typeface="+mn-ea"/>
+                <a:cs typeface="+mn-cs"/>
+              </a:defRPr>
+            </a:lvl9pPr>
+          </a:lstStyle>
           <a:p>
-            <a:pPr algn="just"/>
+            <a:pPr>
+              <a:lnSpc>
+                <a:spcPct val="150000"/>
+              </a:lnSpc>
+              <a:spcBef>
+                <a:spcPts val="0"/>
+              </a:spcBef>
+            </a:pPr>
             <a:r>
-              <a:rPr lang="pt-BR" dirty="0" smtClean="0"/>
-              <a:t>Este trabalho </a:t>
+              <a:rPr lang="pt-BR" sz="2200" dirty="0" smtClean="0"/>
+              <a:t>Grupo A</a:t>
             </a:r>
-            <a:endParaRPr lang="pt-BR" dirty="0"/>
+          </a:p>
+          <a:p>
+            <a:pPr>
+              <a:lnSpc>
+                <a:spcPct val="150000"/>
+              </a:lnSpc>
+              <a:spcBef>
+                <a:spcPts val="0"/>
+              </a:spcBef>
+            </a:pPr>
+            <a:r>
+              <a:rPr lang="pt-BR" sz="2200" dirty="0" smtClean="0"/>
+              <a:t>Média de Público: 51,6 mil</a:t>
+            </a:r>
+            <a:endParaRPr lang="pt-BR" sz="2200" dirty="0" smtClean="0"/>
+          </a:p>
+        </p:txBody>
+      </p:sp>
+      <p:pic>
+        <p:nvPicPr>
+          <p:cNvPr id="3" name="Imagem 2"/>
+          <p:cNvPicPr>
+            <a:picLocks noChangeAspect="1"/>
+          </p:cNvPicPr>
+          <p:nvPr/>
+        </p:nvPicPr>
+        <p:blipFill>
+          <a:blip r:embed="rId2">
+            <a:extLst>
+              <a:ext uri="{28A0092B-C50C-407E-A947-70E740481C1C}">
+                <a14:useLocalDpi xmlns:a14="http://schemas.microsoft.com/office/drawing/2010/main" val="0"/>
+              </a:ext>
+            </a:extLst>
+          </a:blip>
+          <a:stretch>
+            <a:fillRect/>
+          </a:stretch>
+        </p:blipFill>
+        <p:spPr>
+          <a:xfrm>
+            <a:off x="3569713" y="0"/>
+            <a:ext cx="5655400" cy="4981835"/>
+          </a:xfrm>
+          <a:prstGeom prst="rect">
+            <a:avLst/>
+          </a:prstGeom>
+        </p:spPr>
+      </p:pic>
+      <p:sp>
+        <p:nvSpPr>
+          <p:cNvPr id="6" name="Subtítulo 4"/>
+          <p:cNvSpPr txBox="1">
+            <a:spLocks/>
+          </p:cNvSpPr>
+          <p:nvPr/>
+        </p:nvSpPr>
+        <p:spPr>
+          <a:xfrm>
+            <a:off x="671513" y="1457054"/>
+            <a:ext cx="2898200" cy="2700609"/>
+          </a:xfrm>
+          <a:prstGeom prst="rect">
+            <a:avLst/>
+          </a:prstGeom>
+          <a:ln>
+            <a:noFill/>
+            <a:prstDash val="lgDashDotDot"/>
+          </a:ln>
+        </p:spPr>
+        <p:txBody>
+          <a:bodyPr vert="horz" lIns="91440" tIns="45720" rIns="91440" bIns="45720" rtlCol="0">
+            <a:normAutofit/>
+          </a:bodyPr>
+          <a:lstStyle>
+            <a:lvl1pPr marL="0" indent="0" algn="ctr" defTabSz="914400" rtl="0" eaLnBrk="1" latinLnBrk="0" hangingPunct="1">
+              <a:lnSpc>
+                <a:spcPct val="90000"/>
+              </a:lnSpc>
+              <a:spcBef>
+                <a:spcPts val="1000"/>
+              </a:spcBef>
+              <a:buFont typeface="Arial" panose="020B0604020202020204" pitchFamily="34" charset="0"/>
+              <a:buNone/>
+              <a:defRPr sz="2400" kern="1200">
+                <a:solidFill>
+                  <a:schemeClr val="tx1"/>
+                </a:solidFill>
+                <a:latin typeface="+mn-lt"/>
+                <a:ea typeface="+mn-ea"/>
+                <a:cs typeface="+mn-cs"/>
+              </a:defRPr>
+            </a:lvl1pPr>
+            <a:lvl2pPr marL="457200" indent="0" algn="ctr" defTabSz="914400" rtl="0" eaLnBrk="1" latinLnBrk="0" hangingPunct="1">
+              <a:lnSpc>
+                <a:spcPct val="90000"/>
+              </a:lnSpc>
+              <a:spcBef>
+                <a:spcPts val="500"/>
+              </a:spcBef>
+              <a:buFont typeface="Arial" panose="020B0604020202020204" pitchFamily="34" charset="0"/>
+              <a:buNone/>
+              <a:defRPr sz="2000" kern="1200">
+                <a:solidFill>
+                  <a:schemeClr val="tx1"/>
+                </a:solidFill>
+                <a:latin typeface="+mn-lt"/>
+                <a:ea typeface="+mn-ea"/>
+                <a:cs typeface="+mn-cs"/>
+              </a:defRPr>
+            </a:lvl2pPr>
+            <a:lvl3pPr marL="914400" indent="0" algn="ctr" defTabSz="914400" rtl="0" eaLnBrk="1" latinLnBrk="0" hangingPunct="1">
+              <a:lnSpc>
+                <a:spcPct val="90000"/>
+              </a:lnSpc>
+              <a:spcBef>
+                <a:spcPts val="500"/>
+              </a:spcBef>
+              <a:buFont typeface="Arial" panose="020B0604020202020204" pitchFamily="34" charset="0"/>
+              <a:buNone/>
+              <a:defRPr sz="1800" kern="1200">
+                <a:solidFill>
+                  <a:schemeClr val="tx1"/>
+                </a:solidFill>
+                <a:latin typeface="+mn-lt"/>
+                <a:ea typeface="+mn-ea"/>
+                <a:cs typeface="+mn-cs"/>
+              </a:defRPr>
+            </a:lvl3pPr>
+            <a:lvl4pPr marL="1371600" indent="0" algn="ctr" defTabSz="914400" rtl="0" eaLnBrk="1" latinLnBrk="0" hangingPunct="1">
+              <a:lnSpc>
+                <a:spcPct val="90000"/>
+              </a:lnSpc>
+              <a:spcBef>
+                <a:spcPts val="500"/>
+              </a:spcBef>
+              <a:buFont typeface="Arial" panose="020B0604020202020204" pitchFamily="34" charset="0"/>
+              <a:buNone/>
+              <a:defRPr sz="1600" kern="1200">
+                <a:solidFill>
+                  <a:schemeClr val="tx1"/>
+                </a:solidFill>
+                <a:latin typeface="+mn-lt"/>
+                <a:ea typeface="+mn-ea"/>
+                <a:cs typeface="+mn-cs"/>
+              </a:defRPr>
+            </a:lvl4pPr>
+            <a:lvl5pPr marL="1828800" indent="0" algn="ctr" defTabSz="914400" rtl="0" eaLnBrk="1" latinLnBrk="0" hangingPunct="1">
+              <a:lnSpc>
+                <a:spcPct val="90000"/>
+              </a:lnSpc>
+              <a:spcBef>
+                <a:spcPts val="500"/>
+              </a:spcBef>
+              <a:buFont typeface="Arial" panose="020B0604020202020204" pitchFamily="34" charset="0"/>
+              <a:buNone/>
+              <a:defRPr sz="1600" kern="1200">
+                <a:solidFill>
+                  <a:schemeClr val="tx1"/>
+                </a:solidFill>
+                <a:latin typeface="+mn-lt"/>
+                <a:ea typeface="+mn-ea"/>
+                <a:cs typeface="+mn-cs"/>
+              </a:defRPr>
+            </a:lvl5pPr>
+            <a:lvl6pPr marL="2286000" indent="0" algn="ctr" defTabSz="914400" rtl="0" eaLnBrk="1" latinLnBrk="0" hangingPunct="1">
+              <a:lnSpc>
+                <a:spcPct val="90000"/>
+              </a:lnSpc>
+              <a:spcBef>
+                <a:spcPts val="500"/>
+              </a:spcBef>
+              <a:buFont typeface="Arial" panose="020B0604020202020204" pitchFamily="34" charset="0"/>
+              <a:buNone/>
+              <a:defRPr sz="1600" kern="1200">
+                <a:solidFill>
+                  <a:schemeClr val="tx1"/>
+                </a:solidFill>
+                <a:latin typeface="+mn-lt"/>
+                <a:ea typeface="+mn-ea"/>
+                <a:cs typeface="+mn-cs"/>
+              </a:defRPr>
+            </a:lvl6pPr>
+            <a:lvl7pPr marL="2743200" indent="0" algn="ctr" defTabSz="914400" rtl="0" eaLnBrk="1" latinLnBrk="0" hangingPunct="1">
+              <a:lnSpc>
+                <a:spcPct val="90000"/>
+              </a:lnSpc>
+              <a:spcBef>
+                <a:spcPts val="500"/>
+              </a:spcBef>
+              <a:buFont typeface="Arial" panose="020B0604020202020204" pitchFamily="34" charset="0"/>
+              <a:buNone/>
+              <a:defRPr sz="1600" kern="1200">
+                <a:solidFill>
+                  <a:schemeClr val="tx1"/>
+                </a:solidFill>
+                <a:latin typeface="+mn-lt"/>
+                <a:ea typeface="+mn-ea"/>
+                <a:cs typeface="+mn-cs"/>
+              </a:defRPr>
+            </a:lvl7pPr>
+            <a:lvl8pPr marL="3200400" indent="0" algn="ctr" defTabSz="914400" rtl="0" eaLnBrk="1" latinLnBrk="0" hangingPunct="1">
+              <a:lnSpc>
+                <a:spcPct val="90000"/>
+              </a:lnSpc>
+              <a:spcBef>
+                <a:spcPts val="500"/>
+              </a:spcBef>
+              <a:buFont typeface="Arial" panose="020B0604020202020204" pitchFamily="34" charset="0"/>
+              <a:buNone/>
+              <a:defRPr sz="1600" kern="1200">
+                <a:solidFill>
+                  <a:schemeClr val="tx1"/>
+                </a:solidFill>
+                <a:latin typeface="+mn-lt"/>
+                <a:ea typeface="+mn-ea"/>
+                <a:cs typeface="+mn-cs"/>
+              </a:defRPr>
+            </a:lvl8pPr>
+            <a:lvl9pPr marL="3657600" indent="0" algn="ctr" defTabSz="914400" rtl="0" eaLnBrk="1" latinLnBrk="0" hangingPunct="1">
+              <a:lnSpc>
+                <a:spcPct val="90000"/>
+              </a:lnSpc>
+              <a:spcBef>
+                <a:spcPts val="500"/>
+              </a:spcBef>
+              <a:buFont typeface="Arial" panose="020B0604020202020204" pitchFamily="34" charset="0"/>
+              <a:buNone/>
+              <a:defRPr sz="1600" kern="1200">
+                <a:solidFill>
+                  <a:schemeClr val="tx1"/>
+                </a:solidFill>
+                <a:latin typeface="+mn-lt"/>
+                <a:ea typeface="+mn-ea"/>
+                <a:cs typeface="+mn-cs"/>
+              </a:defRPr>
+            </a:lvl9pPr>
+          </a:lstStyle>
+          <a:p>
+            <a:pPr algn="l">
+              <a:lnSpc>
+                <a:spcPct val="150000"/>
+              </a:lnSpc>
+              <a:spcBef>
+                <a:spcPts val="0"/>
+              </a:spcBef>
+            </a:pPr>
+            <a:r>
+              <a:rPr lang="pt-BR" sz="2200" dirty="0" smtClean="0"/>
+              <a:t>0 – Brasil</a:t>
+            </a:r>
+          </a:p>
+          <a:p>
+            <a:pPr algn="l">
+              <a:lnSpc>
+                <a:spcPct val="150000"/>
+              </a:lnSpc>
+              <a:spcBef>
+                <a:spcPts val="0"/>
+              </a:spcBef>
+            </a:pPr>
+            <a:r>
+              <a:rPr lang="pt-BR" sz="2200" dirty="0" smtClean="0"/>
+              <a:t>1 – Camarões</a:t>
+            </a:r>
+          </a:p>
+          <a:p>
+            <a:pPr algn="l">
+              <a:lnSpc>
+                <a:spcPct val="150000"/>
+              </a:lnSpc>
+              <a:spcBef>
+                <a:spcPts val="0"/>
+              </a:spcBef>
+            </a:pPr>
+            <a:r>
+              <a:rPr lang="pt-BR" sz="2200" dirty="0" smtClean="0"/>
+              <a:t>2 – Croácia</a:t>
+            </a:r>
+          </a:p>
+          <a:p>
+            <a:pPr algn="l">
+              <a:lnSpc>
+                <a:spcPct val="150000"/>
+              </a:lnSpc>
+              <a:spcBef>
+                <a:spcPts val="0"/>
+              </a:spcBef>
+            </a:pPr>
+            <a:r>
+              <a:rPr lang="pt-BR" sz="2200" dirty="0" smtClean="0"/>
+              <a:t>3 – México</a:t>
+            </a:r>
+          </a:p>
+          <a:p>
+            <a:pPr algn="l">
+              <a:lnSpc>
+                <a:spcPct val="150000"/>
+              </a:lnSpc>
+              <a:spcBef>
+                <a:spcPts val="0"/>
+              </a:spcBef>
+            </a:pPr>
+            <a:endParaRPr lang="pt-BR" sz="2200" dirty="0" smtClean="0"/>
+          </a:p>
+        </p:txBody>
+      </p:sp>
+    </p:spTree>
+    <p:extLst>
+      <p:ext uri="{BB962C8B-B14F-4D97-AF65-F5344CB8AC3E}">
+        <p14:creationId xmlns:p14="http://schemas.microsoft.com/office/powerpoint/2010/main" val="1591523029"/>
+      </p:ext>
+    </p:extLst>
+  </p:cSld>
+  <p:clrMapOvr>
+    <a:masterClrMapping/>
+  </p:clrMapOvr>
+  <p:timing>
+    <p:tnLst>
+      <p:par>
+        <p:cTn id="1" dur="indefinite" restart="never" nodeType="tmRoot"/>
+      </p:par>
+    </p:tnLst>
+  </p:timing>
+</p:sld>
+</file>
+
+<file path=ppt/slides/slide13.xml><?xml version="1.0" encoding="utf-8"?>
+<p:sld xmlns:a="http://schemas.openxmlformats.org/drawingml/2006/main" xmlns:r="http://schemas.openxmlformats.org/officeDocument/2006/relationships" xmlns:p="http://schemas.openxmlformats.org/presentationml/2006/main">
+  <p:cSld>
+    <p:spTree>
+      <p:nvGrpSpPr>
+        <p:cNvPr id="1" name=""/>
+        <p:cNvGrpSpPr/>
+        <p:nvPr/>
+      </p:nvGrpSpPr>
+      <p:grpSpPr>
+        <a:xfrm>
+          <a:off x="0" y="0"/>
+          <a:ext cx="0" cy="0"/>
+          <a:chOff x="0" y="0"/>
+          <a:chExt cx="0" cy="0"/>
+        </a:xfrm>
+      </p:grpSpPr>
+      <p:sp>
+        <p:nvSpPr>
+          <p:cNvPr id="5" name="Subtítulo 4"/>
+          <p:cNvSpPr txBox="1">
+            <a:spLocks/>
+          </p:cNvSpPr>
+          <p:nvPr/>
+        </p:nvSpPr>
+        <p:spPr>
+          <a:xfrm>
+            <a:off x="2194506" y="5448029"/>
+            <a:ext cx="8062914" cy="1409971"/>
+          </a:xfrm>
+          <a:prstGeom prst="rect">
+            <a:avLst/>
+          </a:prstGeom>
+        </p:spPr>
+        <p:txBody>
+          <a:bodyPr vert="horz" lIns="91440" tIns="45720" rIns="91440" bIns="45720" rtlCol="0">
+            <a:normAutofit/>
+          </a:bodyPr>
+          <a:lstStyle>
+            <a:lvl1pPr marL="0" indent="0" algn="ctr" defTabSz="914400" rtl="0" eaLnBrk="1" latinLnBrk="0" hangingPunct="1">
+              <a:lnSpc>
+                <a:spcPct val="90000"/>
+              </a:lnSpc>
+              <a:spcBef>
+                <a:spcPts val="1000"/>
+              </a:spcBef>
+              <a:buFont typeface="Arial" panose="020B0604020202020204" pitchFamily="34" charset="0"/>
+              <a:buNone/>
+              <a:defRPr sz="2400" kern="1200">
+                <a:solidFill>
+                  <a:schemeClr val="tx1"/>
+                </a:solidFill>
+                <a:latin typeface="+mn-lt"/>
+                <a:ea typeface="+mn-ea"/>
+                <a:cs typeface="+mn-cs"/>
+              </a:defRPr>
+            </a:lvl1pPr>
+            <a:lvl2pPr marL="457200" indent="0" algn="ctr" defTabSz="914400" rtl="0" eaLnBrk="1" latinLnBrk="0" hangingPunct="1">
+              <a:lnSpc>
+                <a:spcPct val="90000"/>
+              </a:lnSpc>
+              <a:spcBef>
+                <a:spcPts val="500"/>
+              </a:spcBef>
+              <a:buFont typeface="Arial" panose="020B0604020202020204" pitchFamily="34" charset="0"/>
+              <a:buNone/>
+              <a:defRPr sz="2000" kern="1200">
+                <a:solidFill>
+                  <a:schemeClr val="tx1"/>
+                </a:solidFill>
+                <a:latin typeface="+mn-lt"/>
+                <a:ea typeface="+mn-ea"/>
+                <a:cs typeface="+mn-cs"/>
+              </a:defRPr>
+            </a:lvl2pPr>
+            <a:lvl3pPr marL="914400" indent="0" algn="ctr" defTabSz="914400" rtl="0" eaLnBrk="1" latinLnBrk="0" hangingPunct="1">
+              <a:lnSpc>
+                <a:spcPct val="90000"/>
+              </a:lnSpc>
+              <a:spcBef>
+                <a:spcPts val="500"/>
+              </a:spcBef>
+              <a:buFont typeface="Arial" panose="020B0604020202020204" pitchFamily="34" charset="0"/>
+              <a:buNone/>
+              <a:defRPr sz="1800" kern="1200">
+                <a:solidFill>
+                  <a:schemeClr val="tx1"/>
+                </a:solidFill>
+                <a:latin typeface="+mn-lt"/>
+                <a:ea typeface="+mn-ea"/>
+                <a:cs typeface="+mn-cs"/>
+              </a:defRPr>
+            </a:lvl3pPr>
+            <a:lvl4pPr marL="1371600" indent="0" algn="ctr" defTabSz="914400" rtl="0" eaLnBrk="1" latinLnBrk="0" hangingPunct="1">
+              <a:lnSpc>
+                <a:spcPct val="90000"/>
+              </a:lnSpc>
+              <a:spcBef>
+                <a:spcPts val="500"/>
+              </a:spcBef>
+              <a:buFont typeface="Arial" panose="020B0604020202020204" pitchFamily="34" charset="0"/>
+              <a:buNone/>
+              <a:defRPr sz="1600" kern="1200">
+                <a:solidFill>
+                  <a:schemeClr val="tx1"/>
+                </a:solidFill>
+                <a:latin typeface="+mn-lt"/>
+                <a:ea typeface="+mn-ea"/>
+                <a:cs typeface="+mn-cs"/>
+              </a:defRPr>
+            </a:lvl4pPr>
+            <a:lvl5pPr marL="1828800" indent="0" algn="ctr" defTabSz="914400" rtl="0" eaLnBrk="1" latinLnBrk="0" hangingPunct="1">
+              <a:lnSpc>
+                <a:spcPct val="90000"/>
+              </a:lnSpc>
+              <a:spcBef>
+                <a:spcPts val="500"/>
+              </a:spcBef>
+              <a:buFont typeface="Arial" panose="020B0604020202020204" pitchFamily="34" charset="0"/>
+              <a:buNone/>
+              <a:defRPr sz="1600" kern="1200">
+                <a:solidFill>
+                  <a:schemeClr val="tx1"/>
+                </a:solidFill>
+                <a:latin typeface="+mn-lt"/>
+                <a:ea typeface="+mn-ea"/>
+                <a:cs typeface="+mn-cs"/>
+              </a:defRPr>
+            </a:lvl5pPr>
+            <a:lvl6pPr marL="2286000" indent="0" algn="ctr" defTabSz="914400" rtl="0" eaLnBrk="1" latinLnBrk="0" hangingPunct="1">
+              <a:lnSpc>
+                <a:spcPct val="90000"/>
+              </a:lnSpc>
+              <a:spcBef>
+                <a:spcPts val="500"/>
+              </a:spcBef>
+              <a:buFont typeface="Arial" panose="020B0604020202020204" pitchFamily="34" charset="0"/>
+              <a:buNone/>
+              <a:defRPr sz="1600" kern="1200">
+                <a:solidFill>
+                  <a:schemeClr val="tx1"/>
+                </a:solidFill>
+                <a:latin typeface="+mn-lt"/>
+                <a:ea typeface="+mn-ea"/>
+                <a:cs typeface="+mn-cs"/>
+              </a:defRPr>
+            </a:lvl6pPr>
+            <a:lvl7pPr marL="2743200" indent="0" algn="ctr" defTabSz="914400" rtl="0" eaLnBrk="1" latinLnBrk="0" hangingPunct="1">
+              <a:lnSpc>
+                <a:spcPct val="90000"/>
+              </a:lnSpc>
+              <a:spcBef>
+                <a:spcPts val="500"/>
+              </a:spcBef>
+              <a:buFont typeface="Arial" panose="020B0604020202020204" pitchFamily="34" charset="0"/>
+              <a:buNone/>
+              <a:defRPr sz="1600" kern="1200">
+                <a:solidFill>
+                  <a:schemeClr val="tx1"/>
+                </a:solidFill>
+                <a:latin typeface="+mn-lt"/>
+                <a:ea typeface="+mn-ea"/>
+                <a:cs typeface="+mn-cs"/>
+              </a:defRPr>
+            </a:lvl7pPr>
+            <a:lvl8pPr marL="3200400" indent="0" algn="ctr" defTabSz="914400" rtl="0" eaLnBrk="1" latinLnBrk="0" hangingPunct="1">
+              <a:lnSpc>
+                <a:spcPct val="90000"/>
+              </a:lnSpc>
+              <a:spcBef>
+                <a:spcPts val="500"/>
+              </a:spcBef>
+              <a:buFont typeface="Arial" panose="020B0604020202020204" pitchFamily="34" charset="0"/>
+              <a:buNone/>
+              <a:defRPr sz="1600" kern="1200">
+                <a:solidFill>
+                  <a:schemeClr val="tx1"/>
+                </a:solidFill>
+                <a:latin typeface="+mn-lt"/>
+                <a:ea typeface="+mn-ea"/>
+                <a:cs typeface="+mn-cs"/>
+              </a:defRPr>
+            </a:lvl8pPr>
+            <a:lvl9pPr marL="3657600" indent="0" algn="ctr" defTabSz="914400" rtl="0" eaLnBrk="1" latinLnBrk="0" hangingPunct="1">
+              <a:lnSpc>
+                <a:spcPct val="90000"/>
+              </a:lnSpc>
+              <a:spcBef>
+                <a:spcPts val="500"/>
+              </a:spcBef>
+              <a:buFont typeface="Arial" panose="020B0604020202020204" pitchFamily="34" charset="0"/>
+              <a:buNone/>
+              <a:defRPr sz="1600" kern="1200">
+                <a:solidFill>
+                  <a:schemeClr val="tx1"/>
+                </a:solidFill>
+                <a:latin typeface="+mn-lt"/>
+                <a:ea typeface="+mn-ea"/>
+                <a:cs typeface="+mn-cs"/>
+              </a:defRPr>
+            </a:lvl9pPr>
+          </a:lstStyle>
+          <a:p>
+            <a:pPr>
+              <a:lnSpc>
+                <a:spcPct val="150000"/>
+              </a:lnSpc>
+              <a:spcBef>
+                <a:spcPts val="0"/>
+              </a:spcBef>
+            </a:pPr>
+            <a:r>
+              <a:rPr lang="pt-BR" sz="2200" dirty="0" smtClean="0"/>
+              <a:t>Grupo H</a:t>
+            </a:r>
+          </a:p>
+          <a:p>
+            <a:pPr>
+              <a:lnSpc>
+                <a:spcPct val="150000"/>
+              </a:lnSpc>
+              <a:spcBef>
+                <a:spcPts val="0"/>
+              </a:spcBef>
+            </a:pPr>
+            <a:r>
+              <a:rPr lang="pt-BR" sz="2200" dirty="0" smtClean="0"/>
+              <a:t>Média de Público: 53,6 mil</a:t>
+            </a:r>
+            <a:endParaRPr lang="pt-BR" sz="2200" dirty="0" smtClean="0"/>
+          </a:p>
+        </p:txBody>
+      </p:sp>
+      <p:sp>
+        <p:nvSpPr>
+          <p:cNvPr id="6" name="Subtítulo 4"/>
+          <p:cNvSpPr txBox="1">
+            <a:spLocks/>
+          </p:cNvSpPr>
+          <p:nvPr/>
+        </p:nvSpPr>
+        <p:spPr>
+          <a:xfrm>
+            <a:off x="671512" y="1457054"/>
+            <a:ext cx="3057525" cy="2700609"/>
+          </a:xfrm>
+          <a:prstGeom prst="rect">
+            <a:avLst/>
+          </a:prstGeom>
+          <a:ln>
+            <a:noFill/>
+            <a:prstDash val="lgDashDotDot"/>
+          </a:ln>
+        </p:spPr>
+        <p:txBody>
+          <a:bodyPr vert="horz" lIns="91440" tIns="45720" rIns="91440" bIns="45720" rtlCol="0">
+            <a:normAutofit/>
+          </a:bodyPr>
+          <a:lstStyle>
+            <a:lvl1pPr marL="0" indent="0" algn="ctr" defTabSz="914400" rtl="0" eaLnBrk="1" latinLnBrk="0" hangingPunct="1">
+              <a:lnSpc>
+                <a:spcPct val="90000"/>
+              </a:lnSpc>
+              <a:spcBef>
+                <a:spcPts val="1000"/>
+              </a:spcBef>
+              <a:buFont typeface="Arial" panose="020B0604020202020204" pitchFamily="34" charset="0"/>
+              <a:buNone/>
+              <a:defRPr sz="2400" kern="1200">
+                <a:solidFill>
+                  <a:schemeClr val="tx1"/>
+                </a:solidFill>
+                <a:latin typeface="+mn-lt"/>
+                <a:ea typeface="+mn-ea"/>
+                <a:cs typeface="+mn-cs"/>
+              </a:defRPr>
+            </a:lvl1pPr>
+            <a:lvl2pPr marL="457200" indent="0" algn="ctr" defTabSz="914400" rtl="0" eaLnBrk="1" latinLnBrk="0" hangingPunct="1">
+              <a:lnSpc>
+                <a:spcPct val="90000"/>
+              </a:lnSpc>
+              <a:spcBef>
+                <a:spcPts val="500"/>
+              </a:spcBef>
+              <a:buFont typeface="Arial" panose="020B0604020202020204" pitchFamily="34" charset="0"/>
+              <a:buNone/>
+              <a:defRPr sz="2000" kern="1200">
+                <a:solidFill>
+                  <a:schemeClr val="tx1"/>
+                </a:solidFill>
+                <a:latin typeface="+mn-lt"/>
+                <a:ea typeface="+mn-ea"/>
+                <a:cs typeface="+mn-cs"/>
+              </a:defRPr>
+            </a:lvl2pPr>
+            <a:lvl3pPr marL="914400" indent="0" algn="ctr" defTabSz="914400" rtl="0" eaLnBrk="1" latinLnBrk="0" hangingPunct="1">
+              <a:lnSpc>
+                <a:spcPct val="90000"/>
+              </a:lnSpc>
+              <a:spcBef>
+                <a:spcPts val="500"/>
+              </a:spcBef>
+              <a:buFont typeface="Arial" panose="020B0604020202020204" pitchFamily="34" charset="0"/>
+              <a:buNone/>
+              <a:defRPr sz="1800" kern="1200">
+                <a:solidFill>
+                  <a:schemeClr val="tx1"/>
+                </a:solidFill>
+                <a:latin typeface="+mn-lt"/>
+                <a:ea typeface="+mn-ea"/>
+                <a:cs typeface="+mn-cs"/>
+              </a:defRPr>
+            </a:lvl3pPr>
+            <a:lvl4pPr marL="1371600" indent="0" algn="ctr" defTabSz="914400" rtl="0" eaLnBrk="1" latinLnBrk="0" hangingPunct="1">
+              <a:lnSpc>
+                <a:spcPct val="90000"/>
+              </a:lnSpc>
+              <a:spcBef>
+                <a:spcPts val="500"/>
+              </a:spcBef>
+              <a:buFont typeface="Arial" panose="020B0604020202020204" pitchFamily="34" charset="0"/>
+              <a:buNone/>
+              <a:defRPr sz="1600" kern="1200">
+                <a:solidFill>
+                  <a:schemeClr val="tx1"/>
+                </a:solidFill>
+                <a:latin typeface="+mn-lt"/>
+                <a:ea typeface="+mn-ea"/>
+                <a:cs typeface="+mn-cs"/>
+              </a:defRPr>
+            </a:lvl4pPr>
+            <a:lvl5pPr marL="1828800" indent="0" algn="ctr" defTabSz="914400" rtl="0" eaLnBrk="1" latinLnBrk="0" hangingPunct="1">
+              <a:lnSpc>
+                <a:spcPct val="90000"/>
+              </a:lnSpc>
+              <a:spcBef>
+                <a:spcPts val="500"/>
+              </a:spcBef>
+              <a:buFont typeface="Arial" panose="020B0604020202020204" pitchFamily="34" charset="0"/>
+              <a:buNone/>
+              <a:defRPr sz="1600" kern="1200">
+                <a:solidFill>
+                  <a:schemeClr val="tx1"/>
+                </a:solidFill>
+                <a:latin typeface="+mn-lt"/>
+                <a:ea typeface="+mn-ea"/>
+                <a:cs typeface="+mn-cs"/>
+              </a:defRPr>
+            </a:lvl5pPr>
+            <a:lvl6pPr marL="2286000" indent="0" algn="ctr" defTabSz="914400" rtl="0" eaLnBrk="1" latinLnBrk="0" hangingPunct="1">
+              <a:lnSpc>
+                <a:spcPct val="90000"/>
+              </a:lnSpc>
+              <a:spcBef>
+                <a:spcPts val="500"/>
+              </a:spcBef>
+              <a:buFont typeface="Arial" panose="020B0604020202020204" pitchFamily="34" charset="0"/>
+              <a:buNone/>
+              <a:defRPr sz="1600" kern="1200">
+                <a:solidFill>
+                  <a:schemeClr val="tx1"/>
+                </a:solidFill>
+                <a:latin typeface="+mn-lt"/>
+                <a:ea typeface="+mn-ea"/>
+                <a:cs typeface="+mn-cs"/>
+              </a:defRPr>
+            </a:lvl6pPr>
+            <a:lvl7pPr marL="2743200" indent="0" algn="ctr" defTabSz="914400" rtl="0" eaLnBrk="1" latinLnBrk="0" hangingPunct="1">
+              <a:lnSpc>
+                <a:spcPct val="90000"/>
+              </a:lnSpc>
+              <a:spcBef>
+                <a:spcPts val="500"/>
+              </a:spcBef>
+              <a:buFont typeface="Arial" panose="020B0604020202020204" pitchFamily="34" charset="0"/>
+              <a:buNone/>
+              <a:defRPr sz="1600" kern="1200">
+                <a:solidFill>
+                  <a:schemeClr val="tx1"/>
+                </a:solidFill>
+                <a:latin typeface="+mn-lt"/>
+                <a:ea typeface="+mn-ea"/>
+                <a:cs typeface="+mn-cs"/>
+              </a:defRPr>
+            </a:lvl7pPr>
+            <a:lvl8pPr marL="3200400" indent="0" algn="ctr" defTabSz="914400" rtl="0" eaLnBrk="1" latinLnBrk="0" hangingPunct="1">
+              <a:lnSpc>
+                <a:spcPct val="90000"/>
+              </a:lnSpc>
+              <a:spcBef>
+                <a:spcPts val="500"/>
+              </a:spcBef>
+              <a:buFont typeface="Arial" panose="020B0604020202020204" pitchFamily="34" charset="0"/>
+              <a:buNone/>
+              <a:defRPr sz="1600" kern="1200">
+                <a:solidFill>
+                  <a:schemeClr val="tx1"/>
+                </a:solidFill>
+                <a:latin typeface="+mn-lt"/>
+                <a:ea typeface="+mn-ea"/>
+                <a:cs typeface="+mn-cs"/>
+              </a:defRPr>
+            </a:lvl8pPr>
+            <a:lvl9pPr marL="3657600" indent="0" algn="ctr" defTabSz="914400" rtl="0" eaLnBrk="1" latinLnBrk="0" hangingPunct="1">
+              <a:lnSpc>
+                <a:spcPct val="90000"/>
+              </a:lnSpc>
+              <a:spcBef>
+                <a:spcPts val="500"/>
+              </a:spcBef>
+              <a:buFont typeface="Arial" panose="020B0604020202020204" pitchFamily="34" charset="0"/>
+              <a:buNone/>
+              <a:defRPr sz="1600" kern="1200">
+                <a:solidFill>
+                  <a:schemeClr val="tx1"/>
+                </a:solidFill>
+                <a:latin typeface="+mn-lt"/>
+                <a:ea typeface="+mn-ea"/>
+                <a:cs typeface="+mn-cs"/>
+              </a:defRPr>
+            </a:lvl9pPr>
+          </a:lstStyle>
+          <a:p>
+            <a:pPr algn="l">
+              <a:lnSpc>
+                <a:spcPct val="150000"/>
+              </a:lnSpc>
+              <a:spcBef>
+                <a:spcPts val="0"/>
+              </a:spcBef>
+            </a:pPr>
+            <a:r>
+              <a:rPr lang="pt-BR" sz="2200" dirty="0" smtClean="0"/>
+              <a:t>0 – Argentina</a:t>
+            </a:r>
+          </a:p>
+          <a:p>
+            <a:pPr algn="l">
+              <a:lnSpc>
+                <a:spcPct val="150000"/>
+              </a:lnSpc>
+              <a:spcBef>
+                <a:spcPts val="0"/>
+              </a:spcBef>
+            </a:pPr>
+            <a:r>
+              <a:rPr lang="pt-BR" sz="2200" dirty="0" smtClean="0"/>
+              <a:t>1 – Bósnia e Herzegovina</a:t>
+            </a:r>
+          </a:p>
+          <a:p>
+            <a:pPr algn="l">
+              <a:lnSpc>
+                <a:spcPct val="150000"/>
+              </a:lnSpc>
+              <a:spcBef>
+                <a:spcPts val="0"/>
+              </a:spcBef>
+            </a:pPr>
+            <a:r>
+              <a:rPr lang="pt-BR" sz="2200" dirty="0" smtClean="0"/>
+              <a:t>2 – Irã</a:t>
+            </a:r>
+          </a:p>
+          <a:p>
+            <a:pPr algn="l">
+              <a:lnSpc>
+                <a:spcPct val="150000"/>
+              </a:lnSpc>
+              <a:spcBef>
+                <a:spcPts val="0"/>
+              </a:spcBef>
+            </a:pPr>
+            <a:r>
+              <a:rPr lang="pt-BR" sz="2200" dirty="0" smtClean="0"/>
+              <a:t>3 – Nigéria</a:t>
+            </a:r>
+          </a:p>
+          <a:p>
+            <a:pPr algn="l">
+              <a:lnSpc>
+                <a:spcPct val="150000"/>
+              </a:lnSpc>
+              <a:spcBef>
+                <a:spcPts val="0"/>
+              </a:spcBef>
+            </a:pPr>
+            <a:endParaRPr lang="pt-BR" sz="2200" dirty="0" smtClean="0"/>
+          </a:p>
+        </p:txBody>
+      </p:sp>
+      <p:pic>
+        <p:nvPicPr>
+          <p:cNvPr id="2" name="Imagem 1"/>
+          <p:cNvPicPr>
+            <a:picLocks noChangeAspect="1"/>
+          </p:cNvPicPr>
+          <p:nvPr/>
+        </p:nvPicPr>
+        <p:blipFill>
+          <a:blip r:embed="rId2">
+            <a:extLst>
+              <a:ext uri="{28A0092B-C50C-407E-A947-70E740481C1C}">
+                <a14:useLocalDpi xmlns:a14="http://schemas.microsoft.com/office/drawing/2010/main" val="0"/>
+              </a:ext>
+            </a:extLst>
+          </a:blip>
+          <a:stretch>
+            <a:fillRect/>
+          </a:stretch>
+        </p:blipFill>
+        <p:spPr>
+          <a:xfrm>
+            <a:off x="3569713" y="128588"/>
+            <a:ext cx="5699340" cy="5105395"/>
+          </a:xfrm>
+          <a:prstGeom prst="rect">
+            <a:avLst/>
+          </a:prstGeom>
+        </p:spPr>
+      </p:pic>
+    </p:spTree>
+    <p:extLst>
+      <p:ext uri="{BB962C8B-B14F-4D97-AF65-F5344CB8AC3E}">
+        <p14:creationId xmlns:p14="http://schemas.microsoft.com/office/powerpoint/2010/main" val="3595242997"/>
+      </p:ext>
+    </p:extLst>
+  </p:cSld>
+  <p:clrMapOvr>
+    <a:masterClrMapping/>
+  </p:clrMapOvr>
+  <p:timing>
+    <p:tnLst>
+      <p:par>
+        <p:cTn id="1" dur="indefinite" restart="never" nodeType="tmRoot"/>
+      </p:par>
+    </p:tnLst>
+  </p:timing>
+</p:sld>
+</file>
+
+<file path=ppt/slides/slide14.xml><?xml version="1.0" encoding="utf-8"?>
+<p:sld xmlns:a="http://schemas.openxmlformats.org/drawingml/2006/main" xmlns:r="http://schemas.openxmlformats.org/officeDocument/2006/relationships" xmlns:p="http://schemas.openxmlformats.org/presentationml/2006/main">
+  <p:cSld>
+    <p:spTree>
+      <p:nvGrpSpPr>
+        <p:cNvPr id="1" name=""/>
+        <p:cNvGrpSpPr/>
+        <p:nvPr/>
+      </p:nvGrpSpPr>
+      <p:grpSpPr>
+        <a:xfrm>
+          <a:off x="0" y="0"/>
+          <a:ext cx="0" cy="0"/>
+          <a:chOff x="0" y="0"/>
+          <a:chExt cx="0" cy="0"/>
+        </a:xfrm>
+      </p:grpSpPr>
+      <p:sp>
+        <p:nvSpPr>
+          <p:cNvPr id="8" name="Subtítulo 2"/>
+          <p:cNvSpPr txBox="1">
+            <a:spLocks/>
+          </p:cNvSpPr>
+          <p:nvPr/>
+        </p:nvSpPr>
+        <p:spPr>
+          <a:xfrm>
+            <a:off x="1523999" y="670580"/>
+            <a:ext cx="3316942" cy="367083"/>
+          </a:xfrm>
+          <a:prstGeom prst="rect">
+            <a:avLst/>
+          </a:prstGeom>
+          <a:solidFill>
+            <a:srgbClr val="00CC00"/>
+          </a:solidFill>
+        </p:spPr>
+        <p:txBody>
+          <a:bodyPr vert="horz" lIns="91440" tIns="45720" rIns="91440" bIns="45720" rtlCol="0" anchor="ctr">
+            <a:normAutofit/>
+          </a:bodyPr>
+          <a:lstStyle>
+            <a:lvl1pPr marL="0" indent="0" algn="ctr" defTabSz="914400" rtl="0" eaLnBrk="1" latinLnBrk="0" hangingPunct="1">
+              <a:lnSpc>
+                <a:spcPct val="90000"/>
+              </a:lnSpc>
+              <a:spcBef>
+                <a:spcPts val="1000"/>
+              </a:spcBef>
+              <a:buFont typeface="Arial" panose="020B0604020202020204" pitchFamily="34" charset="0"/>
+              <a:buNone/>
+              <a:defRPr sz="2400" kern="1200">
+                <a:solidFill>
+                  <a:schemeClr val="tx1"/>
+                </a:solidFill>
+                <a:latin typeface="+mn-lt"/>
+                <a:ea typeface="+mn-ea"/>
+                <a:cs typeface="+mn-cs"/>
+              </a:defRPr>
+            </a:lvl1pPr>
+            <a:lvl2pPr marL="457200" indent="0" algn="ctr" defTabSz="914400" rtl="0" eaLnBrk="1" latinLnBrk="0" hangingPunct="1">
+              <a:lnSpc>
+                <a:spcPct val="90000"/>
+              </a:lnSpc>
+              <a:spcBef>
+                <a:spcPts val="500"/>
+              </a:spcBef>
+              <a:buFont typeface="Arial" panose="020B0604020202020204" pitchFamily="34" charset="0"/>
+              <a:buNone/>
+              <a:defRPr sz="2000" kern="1200">
+                <a:solidFill>
+                  <a:schemeClr val="tx1"/>
+                </a:solidFill>
+                <a:latin typeface="+mn-lt"/>
+                <a:ea typeface="+mn-ea"/>
+                <a:cs typeface="+mn-cs"/>
+              </a:defRPr>
+            </a:lvl2pPr>
+            <a:lvl3pPr marL="914400" indent="0" algn="ctr" defTabSz="914400" rtl="0" eaLnBrk="1" latinLnBrk="0" hangingPunct="1">
+              <a:lnSpc>
+                <a:spcPct val="90000"/>
+              </a:lnSpc>
+              <a:spcBef>
+                <a:spcPts val="500"/>
+              </a:spcBef>
+              <a:buFont typeface="Arial" panose="020B0604020202020204" pitchFamily="34" charset="0"/>
+              <a:buNone/>
+              <a:defRPr sz="1800" kern="1200">
+                <a:solidFill>
+                  <a:schemeClr val="tx1"/>
+                </a:solidFill>
+                <a:latin typeface="+mn-lt"/>
+                <a:ea typeface="+mn-ea"/>
+                <a:cs typeface="+mn-cs"/>
+              </a:defRPr>
+            </a:lvl3pPr>
+            <a:lvl4pPr marL="1371600" indent="0" algn="ctr" defTabSz="914400" rtl="0" eaLnBrk="1" latinLnBrk="0" hangingPunct="1">
+              <a:lnSpc>
+                <a:spcPct val="90000"/>
+              </a:lnSpc>
+              <a:spcBef>
+                <a:spcPts val="500"/>
+              </a:spcBef>
+              <a:buFont typeface="Arial" panose="020B0604020202020204" pitchFamily="34" charset="0"/>
+              <a:buNone/>
+              <a:defRPr sz="1600" kern="1200">
+                <a:solidFill>
+                  <a:schemeClr val="tx1"/>
+                </a:solidFill>
+                <a:latin typeface="+mn-lt"/>
+                <a:ea typeface="+mn-ea"/>
+                <a:cs typeface="+mn-cs"/>
+              </a:defRPr>
+            </a:lvl4pPr>
+            <a:lvl5pPr marL="1828800" indent="0" algn="ctr" defTabSz="914400" rtl="0" eaLnBrk="1" latinLnBrk="0" hangingPunct="1">
+              <a:lnSpc>
+                <a:spcPct val="90000"/>
+              </a:lnSpc>
+              <a:spcBef>
+                <a:spcPts val="500"/>
+              </a:spcBef>
+              <a:buFont typeface="Arial" panose="020B0604020202020204" pitchFamily="34" charset="0"/>
+              <a:buNone/>
+              <a:defRPr sz="1600" kern="1200">
+                <a:solidFill>
+                  <a:schemeClr val="tx1"/>
+                </a:solidFill>
+                <a:latin typeface="+mn-lt"/>
+                <a:ea typeface="+mn-ea"/>
+                <a:cs typeface="+mn-cs"/>
+              </a:defRPr>
+            </a:lvl5pPr>
+            <a:lvl6pPr marL="2286000" indent="0" algn="ctr" defTabSz="914400" rtl="0" eaLnBrk="1" latinLnBrk="0" hangingPunct="1">
+              <a:lnSpc>
+                <a:spcPct val="90000"/>
+              </a:lnSpc>
+              <a:spcBef>
+                <a:spcPts val="500"/>
+              </a:spcBef>
+              <a:buFont typeface="Arial" panose="020B0604020202020204" pitchFamily="34" charset="0"/>
+              <a:buNone/>
+              <a:defRPr sz="1600" kern="1200">
+                <a:solidFill>
+                  <a:schemeClr val="tx1"/>
+                </a:solidFill>
+                <a:latin typeface="+mn-lt"/>
+                <a:ea typeface="+mn-ea"/>
+                <a:cs typeface="+mn-cs"/>
+              </a:defRPr>
+            </a:lvl6pPr>
+            <a:lvl7pPr marL="2743200" indent="0" algn="ctr" defTabSz="914400" rtl="0" eaLnBrk="1" latinLnBrk="0" hangingPunct="1">
+              <a:lnSpc>
+                <a:spcPct val="90000"/>
+              </a:lnSpc>
+              <a:spcBef>
+                <a:spcPts val="500"/>
+              </a:spcBef>
+              <a:buFont typeface="Arial" panose="020B0604020202020204" pitchFamily="34" charset="0"/>
+              <a:buNone/>
+              <a:defRPr sz="1600" kern="1200">
+                <a:solidFill>
+                  <a:schemeClr val="tx1"/>
+                </a:solidFill>
+                <a:latin typeface="+mn-lt"/>
+                <a:ea typeface="+mn-ea"/>
+                <a:cs typeface="+mn-cs"/>
+              </a:defRPr>
+            </a:lvl7pPr>
+            <a:lvl8pPr marL="3200400" indent="0" algn="ctr" defTabSz="914400" rtl="0" eaLnBrk="1" latinLnBrk="0" hangingPunct="1">
+              <a:lnSpc>
+                <a:spcPct val="90000"/>
+              </a:lnSpc>
+              <a:spcBef>
+                <a:spcPts val="500"/>
+              </a:spcBef>
+              <a:buFont typeface="Arial" panose="020B0604020202020204" pitchFamily="34" charset="0"/>
+              <a:buNone/>
+              <a:defRPr sz="1600" kern="1200">
+                <a:solidFill>
+                  <a:schemeClr val="tx1"/>
+                </a:solidFill>
+                <a:latin typeface="+mn-lt"/>
+                <a:ea typeface="+mn-ea"/>
+                <a:cs typeface="+mn-cs"/>
+              </a:defRPr>
+            </a:lvl8pPr>
+            <a:lvl9pPr marL="3657600" indent="0" algn="ctr" defTabSz="914400" rtl="0" eaLnBrk="1" latinLnBrk="0" hangingPunct="1">
+              <a:lnSpc>
+                <a:spcPct val="90000"/>
+              </a:lnSpc>
+              <a:spcBef>
+                <a:spcPts val="500"/>
+              </a:spcBef>
+              <a:buFont typeface="Arial" panose="020B0604020202020204" pitchFamily="34" charset="0"/>
+              <a:buNone/>
+              <a:defRPr sz="1600" kern="1200">
+                <a:solidFill>
+                  <a:schemeClr val="tx1"/>
+                </a:solidFill>
+                <a:latin typeface="+mn-lt"/>
+                <a:ea typeface="+mn-ea"/>
+                <a:cs typeface="+mn-cs"/>
+              </a:defRPr>
+            </a:lvl9pPr>
+          </a:lstStyle>
+          <a:p>
+            <a:r>
+              <a:rPr lang="pt-BR" sz="2000" dirty="0" smtClean="0">
+                <a:solidFill>
+                  <a:schemeClr val="bg1"/>
+                </a:solidFill>
+                <a:latin typeface="Adventure" panose="02000500000000000000" pitchFamily="2" charset="0"/>
+              </a:rPr>
+              <a:t>Percurso das seleções</a:t>
+            </a:r>
+            <a:endParaRPr lang="pt-BR" sz="2000" dirty="0">
+              <a:solidFill>
+                <a:schemeClr val="bg1"/>
+              </a:solidFill>
+              <a:latin typeface="Adventure" panose="02000500000000000000" pitchFamily="2" charset="0"/>
+            </a:endParaRPr>
+          </a:p>
+        </p:txBody>
+      </p:sp>
+      <p:sp>
+        <p:nvSpPr>
+          <p:cNvPr id="11" name="Subtítulo 2"/>
+          <p:cNvSpPr txBox="1">
+            <a:spLocks/>
+          </p:cNvSpPr>
+          <p:nvPr/>
+        </p:nvSpPr>
+        <p:spPr>
+          <a:xfrm>
+            <a:off x="1523999" y="670579"/>
+            <a:ext cx="3316942" cy="539656"/>
+          </a:xfrm>
+          <a:prstGeom prst="rect">
+            <a:avLst/>
+          </a:prstGeom>
+          <a:solidFill>
+            <a:schemeClr val="tx1"/>
+          </a:solidFill>
+        </p:spPr>
+        <p:txBody>
+          <a:bodyPr vert="horz" lIns="91440" tIns="45720" rIns="91440" bIns="45720" rtlCol="0" anchor="ctr">
+            <a:normAutofit/>
+          </a:bodyPr>
+          <a:lstStyle>
+            <a:lvl1pPr marL="0" indent="0" algn="ctr" defTabSz="914400" rtl="0" eaLnBrk="1" latinLnBrk="0" hangingPunct="1">
+              <a:lnSpc>
+                <a:spcPct val="90000"/>
+              </a:lnSpc>
+              <a:spcBef>
+                <a:spcPts val="1000"/>
+              </a:spcBef>
+              <a:buFont typeface="Arial" panose="020B0604020202020204" pitchFamily="34" charset="0"/>
+              <a:buNone/>
+              <a:defRPr sz="2400" kern="1200">
+                <a:solidFill>
+                  <a:schemeClr val="tx1"/>
+                </a:solidFill>
+                <a:latin typeface="+mn-lt"/>
+                <a:ea typeface="+mn-ea"/>
+                <a:cs typeface="+mn-cs"/>
+              </a:defRPr>
+            </a:lvl1pPr>
+            <a:lvl2pPr marL="457200" indent="0" algn="ctr" defTabSz="914400" rtl="0" eaLnBrk="1" latinLnBrk="0" hangingPunct="1">
+              <a:lnSpc>
+                <a:spcPct val="90000"/>
+              </a:lnSpc>
+              <a:spcBef>
+                <a:spcPts val="500"/>
+              </a:spcBef>
+              <a:buFont typeface="Arial" panose="020B0604020202020204" pitchFamily="34" charset="0"/>
+              <a:buNone/>
+              <a:defRPr sz="2000" kern="1200">
+                <a:solidFill>
+                  <a:schemeClr val="tx1"/>
+                </a:solidFill>
+                <a:latin typeface="+mn-lt"/>
+                <a:ea typeface="+mn-ea"/>
+                <a:cs typeface="+mn-cs"/>
+              </a:defRPr>
+            </a:lvl2pPr>
+            <a:lvl3pPr marL="914400" indent="0" algn="ctr" defTabSz="914400" rtl="0" eaLnBrk="1" latinLnBrk="0" hangingPunct="1">
+              <a:lnSpc>
+                <a:spcPct val="90000"/>
+              </a:lnSpc>
+              <a:spcBef>
+                <a:spcPts val="500"/>
+              </a:spcBef>
+              <a:buFont typeface="Arial" panose="020B0604020202020204" pitchFamily="34" charset="0"/>
+              <a:buNone/>
+              <a:defRPr sz="1800" kern="1200">
+                <a:solidFill>
+                  <a:schemeClr val="tx1"/>
+                </a:solidFill>
+                <a:latin typeface="+mn-lt"/>
+                <a:ea typeface="+mn-ea"/>
+                <a:cs typeface="+mn-cs"/>
+              </a:defRPr>
+            </a:lvl3pPr>
+            <a:lvl4pPr marL="1371600" indent="0" algn="ctr" defTabSz="914400" rtl="0" eaLnBrk="1" latinLnBrk="0" hangingPunct="1">
+              <a:lnSpc>
+                <a:spcPct val="90000"/>
+              </a:lnSpc>
+              <a:spcBef>
+                <a:spcPts val="500"/>
+              </a:spcBef>
+              <a:buFont typeface="Arial" panose="020B0604020202020204" pitchFamily="34" charset="0"/>
+              <a:buNone/>
+              <a:defRPr sz="1600" kern="1200">
+                <a:solidFill>
+                  <a:schemeClr val="tx1"/>
+                </a:solidFill>
+                <a:latin typeface="+mn-lt"/>
+                <a:ea typeface="+mn-ea"/>
+                <a:cs typeface="+mn-cs"/>
+              </a:defRPr>
+            </a:lvl4pPr>
+            <a:lvl5pPr marL="1828800" indent="0" algn="ctr" defTabSz="914400" rtl="0" eaLnBrk="1" latinLnBrk="0" hangingPunct="1">
+              <a:lnSpc>
+                <a:spcPct val="90000"/>
+              </a:lnSpc>
+              <a:spcBef>
+                <a:spcPts val="500"/>
+              </a:spcBef>
+              <a:buFont typeface="Arial" panose="020B0604020202020204" pitchFamily="34" charset="0"/>
+              <a:buNone/>
+              <a:defRPr sz="1600" kern="1200">
+                <a:solidFill>
+                  <a:schemeClr val="tx1"/>
+                </a:solidFill>
+                <a:latin typeface="+mn-lt"/>
+                <a:ea typeface="+mn-ea"/>
+                <a:cs typeface="+mn-cs"/>
+              </a:defRPr>
+            </a:lvl5pPr>
+            <a:lvl6pPr marL="2286000" indent="0" algn="ctr" defTabSz="914400" rtl="0" eaLnBrk="1" latinLnBrk="0" hangingPunct="1">
+              <a:lnSpc>
+                <a:spcPct val="90000"/>
+              </a:lnSpc>
+              <a:spcBef>
+                <a:spcPts val="500"/>
+              </a:spcBef>
+              <a:buFont typeface="Arial" panose="020B0604020202020204" pitchFamily="34" charset="0"/>
+              <a:buNone/>
+              <a:defRPr sz="1600" kern="1200">
+                <a:solidFill>
+                  <a:schemeClr val="tx1"/>
+                </a:solidFill>
+                <a:latin typeface="+mn-lt"/>
+                <a:ea typeface="+mn-ea"/>
+                <a:cs typeface="+mn-cs"/>
+              </a:defRPr>
+            </a:lvl6pPr>
+            <a:lvl7pPr marL="2743200" indent="0" algn="ctr" defTabSz="914400" rtl="0" eaLnBrk="1" latinLnBrk="0" hangingPunct="1">
+              <a:lnSpc>
+                <a:spcPct val="90000"/>
+              </a:lnSpc>
+              <a:spcBef>
+                <a:spcPts val="500"/>
+              </a:spcBef>
+              <a:buFont typeface="Arial" panose="020B0604020202020204" pitchFamily="34" charset="0"/>
+              <a:buNone/>
+              <a:defRPr sz="1600" kern="1200">
+                <a:solidFill>
+                  <a:schemeClr val="tx1"/>
+                </a:solidFill>
+                <a:latin typeface="+mn-lt"/>
+                <a:ea typeface="+mn-ea"/>
+                <a:cs typeface="+mn-cs"/>
+              </a:defRPr>
+            </a:lvl7pPr>
+            <a:lvl8pPr marL="3200400" indent="0" algn="ctr" defTabSz="914400" rtl="0" eaLnBrk="1" latinLnBrk="0" hangingPunct="1">
+              <a:lnSpc>
+                <a:spcPct val="90000"/>
+              </a:lnSpc>
+              <a:spcBef>
+                <a:spcPts val="500"/>
+              </a:spcBef>
+              <a:buFont typeface="Arial" panose="020B0604020202020204" pitchFamily="34" charset="0"/>
+              <a:buNone/>
+              <a:defRPr sz="1600" kern="1200">
+                <a:solidFill>
+                  <a:schemeClr val="tx1"/>
+                </a:solidFill>
+                <a:latin typeface="+mn-lt"/>
+                <a:ea typeface="+mn-ea"/>
+                <a:cs typeface="+mn-cs"/>
+              </a:defRPr>
+            </a:lvl8pPr>
+            <a:lvl9pPr marL="3657600" indent="0" algn="ctr" defTabSz="914400" rtl="0" eaLnBrk="1" latinLnBrk="0" hangingPunct="1">
+              <a:lnSpc>
+                <a:spcPct val="90000"/>
+              </a:lnSpc>
+              <a:spcBef>
+                <a:spcPts val="500"/>
+              </a:spcBef>
+              <a:buFont typeface="Arial" panose="020B0604020202020204" pitchFamily="34" charset="0"/>
+              <a:buNone/>
+              <a:defRPr sz="1600" kern="1200">
+                <a:solidFill>
+                  <a:schemeClr val="tx1"/>
+                </a:solidFill>
+                <a:latin typeface="+mn-lt"/>
+                <a:ea typeface="+mn-ea"/>
+                <a:cs typeface="+mn-cs"/>
+              </a:defRPr>
+            </a:lvl9pPr>
+          </a:lstStyle>
+          <a:p>
+            <a:r>
+              <a:rPr lang="pt-BR" dirty="0" smtClean="0">
+                <a:solidFill>
+                  <a:schemeClr val="bg1"/>
+                </a:solidFill>
+                <a:latin typeface="Adventure" panose="02000500000000000000" pitchFamily="2" charset="0"/>
+              </a:rPr>
+              <a:t>Aplicações</a:t>
+            </a:r>
+            <a:endParaRPr lang="pt-BR" dirty="0">
+              <a:solidFill>
+                <a:schemeClr val="bg1"/>
+              </a:solidFill>
+              <a:latin typeface="Adventure" panose="02000500000000000000" pitchFamily="2" charset="0"/>
+            </a:endParaRPr>
           </a:p>
         </p:txBody>
       </p:sp>
@@ -4809,214 +7415,13 @@
           </a:lstStyle>
           <a:p>
             <a:r>
-              <a:rPr lang="pt-BR" dirty="0">
+              <a:rPr lang="pt-BR" dirty="0" smtClean="0">
                 <a:solidFill>
                   <a:schemeClr val="bg1"/>
                 </a:solidFill>
                 <a:latin typeface="Adventure" panose="02000500000000000000" pitchFamily="2" charset="0"/>
               </a:rPr>
-              <a:t>5</a:t>
-            </a:r>
-          </a:p>
-        </p:txBody>
-      </p:sp>
-      <p:sp>
-        <p:nvSpPr>
-          <p:cNvPr id="11" name="Subtítulo 2"/>
-          <p:cNvSpPr txBox="1">
-            <a:spLocks/>
-          </p:cNvSpPr>
-          <p:nvPr/>
-        </p:nvSpPr>
-        <p:spPr>
-          <a:xfrm>
-            <a:off x="1523998" y="670579"/>
-            <a:ext cx="3935507" cy="539656"/>
-          </a:xfrm>
-          <a:prstGeom prst="rect">
-            <a:avLst/>
-          </a:prstGeom>
-          <a:solidFill>
-            <a:schemeClr val="tx1"/>
-          </a:solidFill>
-        </p:spPr>
-        <p:txBody>
-          <a:bodyPr vert="horz" lIns="91440" tIns="45720" rIns="91440" bIns="45720" rtlCol="0" anchor="ctr">
-            <a:normAutofit/>
-          </a:bodyPr>
-          <a:lstStyle>
-            <a:lvl1pPr marL="0" indent="0" algn="ctr" defTabSz="914400" rtl="0" eaLnBrk="1" latinLnBrk="0" hangingPunct="1">
-              <a:lnSpc>
-                <a:spcPct val="90000"/>
-              </a:lnSpc>
-              <a:spcBef>
-                <a:spcPts val="1000"/>
-              </a:spcBef>
-              <a:buFont typeface="Arial" panose="020B0604020202020204" pitchFamily="34" charset="0"/>
-              <a:buNone/>
-              <a:defRPr sz="2400" kern="1200">
-                <a:solidFill>
-                  <a:schemeClr val="tx1"/>
-                </a:solidFill>
-                <a:latin typeface="+mn-lt"/>
-                <a:ea typeface="+mn-ea"/>
-                <a:cs typeface="+mn-cs"/>
-              </a:defRPr>
-            </a:lvl1pPr>
-            <a:lvl2pPr marL="457200" indent="0" algn="ctr" defTabSz="914400" rtl="0" eaLnBrk="1" latinLnBrk="0" hangingPunct="1">
-              <a:lnSpc>
-                <a:spcPct val="90000"/>
-              </a:lnSpc>
-              <a:spcBef>
-                <a:spcPts val="500"/>
-              </a:spcBef>
-              <a:buFont typeface="Arial" panose="020B0604020202020204" pitchFamily="34" charset="0"/>
-              <a:buNone/>
-              <a:defRPr sz="2000" kern="1200">
-                <a:solidFill>
-                  <a:schemeClr val="tx1"/>
-                </a:solidFill>
-                <a:latin typeface="+mn-lt"/>
-                <a:ea typeface="+mn-ea"/>
-                <a:cs typeface="+mn-cs"/>
-              </a:defRPr>
-            </a:lvl2pPr>
-            <a:lvl3pPr marL="914400" indent="0" algn="ctr" defTabSz="914400" rtl="0" eaLnBrk="1" latinLnBrk="0" hangingPunct="1">
-              <a:lnSpc>
-                <a:spcPct val="90000"/>
-              </a:lnSpc>
-              <a:spcBef>
-                <a:spcPts val="500"/>
-              </a:spcBef>
-              <a:buFont typeface="Arial" panose="020B0604020202020204" pitchFamily="34" charset="0"/>
-              <a:buNone/>
-              <a:defRPr sz="1800" kern="1200">
-                <a:solidFill>
-                  <a:schemeClr val="tx1"/>
-                </a:solidFill>
-                <a:latin typeface="+mn-lt"/>
-                <a:ea typeface="+mn-ea"/>
-                <a:cs typeface="+mn-cs"/>
-              </a:defRPr>
-            </a:lvl3pPr>
-            <a:lvl4pPr marL="1371600" indent="0" algn="ctr" defTabSz="914400" rtl="0" eaLnBrk="1" latinLnBrk="0" hangingPunct="1">
-              <a:lnSpc>
-                <a:spcPct val="90000"/>
-              </a:lnSpc>
-              <a:spcBef>
-                <a:spcPts val="500"/>
-              </a:spcBef>
-              <a:buFont typeface="Arial" panose="020B0604020202020204" pitchFamily="34" charset="0"/>
-              <a:buNone/>
-              <a:defRPr sz="1600" kern="1200">
-                <a:solidFill>
-                  <a:schemeClr val="tx1"/>
-                </a:solidFill>
-                <a:latin typeface="+mn-lt"/>
-                <a:ea typeface="+mn-ea"/>
-                <a:cs typeface="+mn-cs"/>
-              </a:defRPr>
-            </a:lvl4pPr>
-            <a:lvl5pPr marL="1828800" indent="0" algn="ctr" defTabSz="914400" rtl="0" eaLnBrk="1" latinLnBrk="0" hangingPunct="1">
-              <a:lnSpc>
-                <a:spcPct val="90000"/>
-              </a:lnSpc>
-              <a:spcBef>
-                <a:spcPts val="500"/>
-              </a:spcBef>
-              <a:buFont typeface="Arial" panose="020B0604020202020204" pitchFamily="34" charset="0"/>
-              <a:buNone/>
-              <a:defRPr sz="1600" kern="1200">
-                <a:solidFill>
-                  <a:schemeClr val="tx1"/>
-                </a:solidFill>
-                <a:latin typeface="+mn-lt"/>
-                <a:ea typeface="+mn-ea"/>
-                <a:cs typeface="+mn-cs"/>
-              </a:defRPr>
-            </a:lvl5pPr>
-            <a:lvl6pPr marL="2286000" indent="0" algn="ctr" defTabSz="914400" rtl="0" eaLnBrk="1" latinLnBrk="0" hangingPunct="1">
-              <a:lnSpc>
-                <a:spcPct val="90000"/>
-              </a:lnSpc>
-              <a:spcBef>
-                <a:spcPts val="500"/>
-              </a:spcBef>
-              <a:buFont typeface="Arial" panose="020B0604020202020204" pitchFamily="34" charset="0"/>
-              <a:buNone/>
-              <a:defRPr sz="1600" kern="1200">
-                <a:solidFill>
-                  <a:schemeClr val="tx1"/>
-                </a:solidFill>
-                <a:latin typeface="+mn-lt"/>
-                <a:ea typeface="+mn-ea"/>
-                <a:cs typeface="+mn-cs"/>
-              </a:defRPr>
-            </a:lvl6pPr>
-            <a:lvl7pPr marL="2743200" indent="0" algn="ctr" defTabSz="914400" rtl="0" eaLnBrk="1" latinLnBrk="0" hangingPunct="1">
-              <a:lnSpc>
-                <a:spcPct val="90000"/>
-              </a:lnSpc>
-              <a:spcBef>
-                <a:spcPts val="500"/>
-              </a:spcBef>
-              <a:buFont typeface="Arial" panose="020B0604020202020204" pitchFamily="34" charset="0"/>
-              <a:buNone/>
-              <a:defRPr sz="1600" kern="1200">
-                <a:solidFill>
-                  <a:schemeClr val="tx1"/>
-                </a:solidFill>
-                <a:latin typeface="+mn-lt"/>
-                <a:ea typeface="+mn-ea"/>
-                <a:cs typeface="+mn-cs"/>
-              </a:defRPr>
-            </a:lvl7pPr>
-            <a:lvl8pPr marL="3200400" indent="0" algn="ctr" defTabSz="914400" rtl="0" eaLnBrk="1" latinLnBrk="0" hangingPunct="1">
-              <a:lnSpc>
-                <a:spcPct val="90000"/>
-              </a:lnSpc>
-              <a:spcBef>
-                <a:spcPts val="500"/>
-              </a:spcBef>
-              <a:buFont typeface="Arial" panose="020B0604020202020204" pitchFamily="34" charset="0"/>
-              <a:buNone/>
-              <a:defRPr sz="1600" kern="1200">
-                <a:solidFill>
-                  <a:schemeClr val="tx1"/>
-                </a:solidFill>
-                <a:latin typeface="+mn-lt"/>
-                <a:ea typeface="+mn-ea"/>
-                <a:cs typeface="+mn-cs"/>
-              </a:defRPr>
-            </a:lvl8pPr>
-            <a:lvl9pPr marL="3657600" indent="0" algn="ctr" defTabSz="914400" rtl="0" eaLnBrk="1" latinLnBrk="0" hangingPunct="1">
-              <a:lnSpc>
-                <a:spcPct val="90000"/>
-              </a:lnSpc>
-              <a:spcBef>
-                <a:spcPts val="500"/>
-              </a:spcBef>
-              <a:buFont typeface="Arial" panose="020B0604020202020204" pitchFamily="34" charset="0"/>
-              <a:buNone/>
-              <a:defRPr sz="1600" kern="1200">
-                <a:solidFill>
-                  <a:schemeClr val="tx1"/>
-                </a:solidFill>
-                <a:latin typeface="+mn-lt"/>
-                <a:ea typeface="+mn-ea"/>
-                <a:cs typeface="+mn-cs"/>
-              </a:defRPr>
-            </a:lvl9pPr>
-          </a:lstStyle>
-          <a:p>
-            <a:r>
-              <a:rPr lang="pt-BR" dirty="0" smtClean="0">
-                <a:solidFill>
-                  <a:schemeClr val="bg1"/>
-                </a:solidFill>
-                <a:latin typeface="Adventure" panose="02000500000000000000" pitchFamily="2" charset="0"/>
-              </a:rPr>
-              <a:t>Referências Bibliográficas</a:t>
+              <a:t>4</a:t>
             </a:r>
             <a:endParaRPr lang="pt-BR" dirty="0">
               <a:solidFill>
@@ -5524,10 +7929,212 @@
           </p:txBody>
         </p:sp>
       </p:grpSp>
+      <p:sp>
+        <p:nvSpPr>
+          <p:cNvPr id="15" name="Subtítulo 4"/>
+          <p:cNvSpPr txBox="1">
+            <a:spLocks/>
+          </p:cNvSpPr>
+          <p:nvPr/>
+        </p:nvSpPr>
+        <p:spPr>
+          <a:xfrm>
+            <a:off x="1523999" y="1869143"/>
+            <a:ext cx="9144000" cy="3644152"/>
+          </a:xfrm>
+          <a:prstGeom prst="rect">
+            <a:avLst/>
+          </a:prstGeom>
+        </p:spPr>
+        <p:txBody>
+          <a:bodyPr vert="horz" lIns="91440" tIns="45720" rIns="91440" bIns="45720" rtlCol="0">
+            <a:normAutofit/>
+          </a:bodyPr>
+          <a:lstStyle>
+            <a:lvl1pPr marL="0" indent="0" algn="ctr" defTabSz="914400" rtl="0" eaLnBrk="1" latinLnBrk="0" hangingPunct="1">
+              <a:lnSpc>
+                <a:spcPct val="90000"/>
+              </a:lnSpc>
+              <a:spcBef>
+                <a:spcPts val="1000"/>
+              </a:spcBef>
+              <a:buFont typeface="Arial" panose="020B0604020202020204" pitchFamily="34" charset="0"/>
+              <a:buNone/>
+              <a:defRPr sz="2400" kern="1200">
+                <a:solidFill>
+                  <a:schemeClr val="tx1"/>
+                </a:solidFill>
+                <a:latin typeface="+mn-lt"/>
+                <a:ea typeface="+mn-ea"/>
+                <a:cs typeface="+mn-cs"/>
+              </a:defRPr>
+            </a:lvl1pPr>
+            <a:lvl2pPr marL="457200" indent="0" algn="ctr" defTabSz="914400" rtl="0" eaLnBrk="1" latinLnBrk="0" hangingPunct="1">
+              <a:lnSpc>
+                <a:spcPct val="90000"/>
+              </a:lnSpc>
+              <a:spcBef>
+                <a:spcPts val="500"/>
+              </a:spcBef>
+              <a:buFont typeface="Arial" panose="020B0604020202020204" pitchFamily="34" charset="0"/>
+              <a:buNone/>
+              <a:defRPr sz="2000" kern="1200">
+                <a:solidFill>
+                  <a:schemeClr val="tx1"/>
+                </a:solidFill>
+                <a:latin typeface="+mn-lt"/>
+                <a:ea typeface="+mn-ea"/>
+                <a:cs typeface="+mn-cs"/>
+              </a:defRPr>
+            </a:lvl2pPr>
+            <a:lvl3pPr marL="914400" indent="0" algn="ctr" defTabSz="914400" rtl="0" eaLnBrk="1" latinLnBrk="0" hangingPunct="1">
+              <a:lnSpc>
+                <a:spcPct val="90000"/>
+              </a:lnSpc>
+              <a:spcBef>
+                <a:spcPts val="500"/>
+              </a:spcBef>
+              <a:buFont typeface="Arial" panose="020B0604020202020204" pitchFamily="34" charset="0"/>
+              <a:buNone/>
+              <a:defRPr sz="1800" kern="1200">
+                <a:solidFill>
+                  <a:schemeClr val="tx1"/>
+                </a:solidFill>
+                <a:latin typeface="+mn-lt"/>
+                <a:ea typeface="+mn-ea"/>
+                <a:cs typeface="+mn-cs"/>
+              </a:defRPr>
+            </a:lvl3pPr>
+            <a:lvl4pPr marL="1371600" indent="0" algn="ctr" defTabSz="914400" rtl="0" eaLnBrk="1" latinLnBrk="0" hangingPunct="1">
+              <a:lnSpc>
+                <a:spcPct val="90000"/>
+              </a:lnSpc>
+              <a:spcBef>
+                <a:spcPts val="500"/>
+              </a:spcBef>
+              <a:buFont typeface="Arial" panose="020B0604020202020204" pitchFamily="34" charset="0"/>
+              <a:buNone/>
+              <a:defRPr sz="1600" kern="1200">
+                <a:solidFill>
+                  <a:schemeClr val="tx1"/>
+                </a:solidFill>
+                <a:latin typeface="+mn-lt"/>
+                <a:ea typeface="+mn-ea"/>
+                <a:cs typeface="+mn-cs"/>
+              </a:defRPr>
+            </a:lvl4pPr>
+            <a:lvl5pPr marL="1828800" indent="0" algn="ctr" defTabSz="914400" rtl="0" eaLnBrk="1" latinLnBrk="0" hangingPunct="1">
+              <a:lnSpc>
+                <a:spcPct val="90000"/>
+              </a:lnSpc>
+              <a:spcBef>
+                <a:spcPts val="500"/>
+              </a:spcBef>
+              <a:buFont typeface="Arial" panose="020B0604020202020204" pitchFamily="34" charset="0"/>
+              <a:buNone/>
+              <a:defRPr sz="1600" kern="1200">
+                <a:solidFill>
+                  <a:schemeClr val="tx1"/>
+                </a:solidFill>
+                <a:latin typeface="+mn-lt"/>
+                <a:ea typeface="+mn-ea"/>
+                <a:cs typeface="+mn-cs"/>
+              </a:defRPr>
+            </a:lvl5pPr>
+            <a:lvl6pPr marL="2286000" indent="0" algn="ctr" defTabSz="914400" rtl="0" eaLnBrk="1" latinLnBrk="0" hangingPunct="1">
+              <a:lnSpc>
+                <a:spcPct val="90000"/>
+              </a:lnSpc>
+              <a:spcBef>
+                <a:spcPts val="500"/>
+              </a:spcBef>
+              <a:buFont typeface="Arial" panose="020B0604020202020204" pitchFamily="34" charset="0"/>
+              <a:buNone/>
+              <a:defRPr sz="1600" kern="1200">
+                <a:solidFill>
+                  <a:schemeClr val="tx1"/>
+                </a:solidFill>
+                <a:latin typeface="+mn-lt"/>
+                <a:ea typeface="+mn-ea"/>
+                <a:cs typeface="+mn-cs"/>
+              </a:defRPr>
+            </a:lvl6pPr>
+            <a:lvl7pPr marL="2743200" indent="0" algn="ctr" defTabSz="914400" rtl="0" eaLnBrk="1" latinLnBrk="0" hangingPunct="1">
+              <a:lnSpc>
+                <a:spcPct val="90000"/>
+              </a:lnSpc>
+              <a:spcBef>
+                <a:spcPts val="500"/>
+              </a:spcBef>
+              <a:buFont typeface="Arial" panose="020B0604020202020204" pitchFamily="34" charset="0"/>
+              <a:buNone/>
+              <a:defRPr sz="1600" kern="1200">
+                <a:solidFill>
+                  <a:schemeClr val="tx1"/>
+                </a:solidFill>
+                <a:latin typeface="+mn-lt"/>
+                <a:ea typeface="+mn-ea"/>
+                <a:cs typeface="+mn-cs"/>
+              </a:defRPr>
+            </a:lvl7pPr>
+            <a:lvl8pPr marL="3200400" indent="0" algn="ctr" defTabSz="914400" rtl="0" eaLnBrk="1" latinLnBrk="0" hangingPunct="1">
+              <a:lnSpc>
+                <a:spcPct val="90000"/>
+              </a:lnSpc>
+              <a:spcBef>
+                <a:spcPts val="500"/>
+              </a:spcBef>
+              <a:buFont typeface="Arial" panose="020B0604020202020204" pitchFamily="34" charset="0"/>
+              <a:buNone/>
+              <a:defRPr sz="1600" kern="1200">
+                <a:solidFill>
+                  <a:schemeClr val="tx1"/>
+                </a:solidFill>
+                <a:latin typeface="+mn-lt"/>
+                <a:ea typeface="+mn-ea"/>
+                <a:cs typeface="+mn-cs"/>
+              </a:defRPr>
+            </a:lvl8pPr>
+            <a:lvl9pPr marL="3657600" indent="0" algn="ctr" defTabSz="914400" rtl="0" eaLnBrk="1" latinLnBrk="0" hangingPunct="1">
+              <a:lnSpc>
+                <a:spcPct val="90000"/>
+              </a:lnSpc>
+              <a:spcBef>
+                <a:spcPts val="500"/>
+              </a:spcBef>
+              <a:buFont typeface="Arial" panose="020B0604020202020204" pitchFamily="34" charset="0"/>
+              <a:buNone/>
+              <a:defRPr sz="1600" kern="1200">
+                <a:solidFill>
+                  <a:schemeClr val="tx1"/>
+                </a:solidFill>
+                <a:latin typeface="+mn-lt"/>
+                <a:ea typeface="+mn-ea"/>
+                <a:cs typeface="+mn-cs"/>
+              </a:defRPr>
+            </a:lvl9pPr>
+          </a:lstStyle>
+          <a:p>
+            <a:pPr indent="457200" algn="just">
+              <a:lnSpc>
+                <a:spcPct val="150000"/>
+              </a:lnSpc>
+              <a:spcBef>
+                <a:spcPts val="0"/>
+              </a:spcBef>
+            </a:pPr>
+            <a:r>
+              <a:rPr lang="pt-BR" sz="2200" dirty="0" smtClean="0"/>
+              <a:t>Determinar o fluxo das seleções entre as cidades-sede espalhadas pelo país.</a:t>
+            </a:r>
+            <a:endParaRPr lang="pt-BR" sz="2200" dirty="0" smtClean="0"/>
+          </a:p>
+        </p:txBody>
+      </p:sp>
     </p:spTree>
     <p:extLst>
       <p:ext uri="{BB962C8B-B14F-4D97-AF65-F5344CB8AC3E}">
-        <p14:creationId xmlns:p14="http://schemas.microsoft.com/office/powerpoint/2010/main" val="2234463530"/>
+        <p14:creationId xmlns:p14="http://schemas.microsoft.com/office/powerpoint/2010/main" val="1026921827"/>
       </p:ext>
     </p:extLst>
   </p:cSld>
@@ -5537,14 +8144,80 @@
   <p:timing>
     <p:tnLst>
       <p:par>
-        <p:cTn id="1" dur="indefinite" restart="never" nodeType="tmRoot"/>
+        <p:cTn id="1" dur="indefinite" restart="never" nodeType="tmRoot">
+          <p:childTnLst>
+            <p:seq concurrent="1" nextAc="seek">
+              <p:cTn id="2" dur="indefinite" nodeType="mainSeq">
+                <p:childTnLst>
+                  <p:par>
+                    <p:cTn id="3" fill="hold">
+                      <p:stCondLst>
+                        <p:cond delay="indefinite"/>
+                      </p:stCondLst>
+                      <p:childTnLst>
+                        <p:par>
+                          <p:cTn id="4" fill="hold">
+                            <p:stCondLst>
+                              <p:cond delay="0"/>
+                            </p:stCondLst>
+                            <p:childTnLst>
+                              <p:par>
+                                <p:cTn id="5" presetID="42" presetClass="path" presetSubtype="0" accel="50000" decel="50000" fill="hold" grpId="0" nodeType="clickEffect">
+                                  <p:stCondLst>
+                                    <p:cond delay="0"/>
+                                  </p:stCondLst>
+                                  <p:childTnLst>
+                                    <p:animMotion origin="layout" path="M 2.5E-6 2.96296E-6 L 0.00039 0.07754 " pathEditMode="relative" rAng="0" ptsTypes="AA">
+                                      <p:cBhvr>
+                                        <p:cTn id="6" dur="1000" fill="hold"/>
+                                        <p:tgtEl>
+                                          <p:spTgt spid="8"/>
+                                        </p:tgtEl>
+                                        <p:attrNameLst>
+                                          <p:attrName>ppt_x</p:attrName>
+                                          <p:attrName>ppt_y</p:attrName>
+                                        </p:attrNameLst>
+                                      </p:cBhvr>
+                                      <p:rCtr x="13" y="3866"/>
+                                    </p:animMotion>
+                                  </p:childTnLst>
+                                </p:cTn>
+                              </p:par>
+                            </p:childTnLst>
+                          </p:cTn>
+                        </p:par>
+                      </p:childTnLst>
+                    </p:cTn>
+                  </p:par>
+                </p:childTnLst>
+              </p:cTn>
+              <p:prevCondLst>
+                <p:cond evt="onPrev" delay="0">
+                  <p:tgtEl>
+                    <p:sldTgt/>
+                  </p:tgtEl>
+                </p:cond>
+              </p:prevCondLst>
+              <p:nextCondLst>
+                <p:cond evt="onNext" delay="0">
+                  <p:tgtEl>
+                    <p:sldTgt/>
+                  </p:tgtEl>
+                </p:cond>
+              </p:nextCondLst>
+            </p:seq>
+          </p:childTnLst>
+        </p:cTn>
       </p:par>
     </p:tnLst>
+    <p:bldLst>
+      <p:bldP spid="8" grpId="0" animBg="1"/>
+    </p:bldLst>
   </p:timing>
 </p:sld>
 </file>
 
-<file path=ppt/slides/slide2.xml><?xml version="1.0" encoding="utf-8"?>
+<file path=ppt/slides/slide15.xml><?xml version="1.0" encoding="utf-8"?>
 <p:sld xmlns:a="http://schemas.openxmlformats.org/drawingml/2006/main" xmlns:r="http://schemas.openxmlformats.org/officeDocument/2006/relationships" xmlns:p="http://schemas.openxmlformats.org/presentationml/2006/main">
   <p:cSld>
     <p:spTree>
@@ -5564,44 +8237,6 @@
       <p:sp>
         <p:nvSpPr>
           <p:cNvPr id="5" name="Subtítulo 4"/>
-          <p:cNvSpPr>
-            <a:spLocks noGrp="1"/>
-          </p:cNvSpPr>
-          <p:nvPr>
-            <p:ph type="subTitle" idx="1"/>
-          </p:nvPr>
-        </p:nvSpPr>
-        <p:spPr>
-          <a:xfrm>
-            <a:off x="1523999" y="1869143"/>
-            <a:ext cx="9144000" cy="2985246"/>
-          </a:xfrm>
-        </p:spPr>
-        <p:txBody>
-          <a:bodyPr>
-            <a:normAutofit/>
-          </a:bodyPr>
-          <a:lstStyle/>
-          <a:p>
-            <a:pPr indent="457200" algn="just">
-              <a:lnSpc>
-                <a:spcPct val="150000"/>
-              </a:lnSpc>
-              <a:spcBef>
-                <a:spcPts val="0"/>
-              </a:spcBef>
-            </a:pPr>
-            <a:r>
-              <a:rPr lang="pt-BR" sz="2200" dirty="0" smtClean="0"/>
-              <a:t>Este trabalho visa a aplicação dos algoritmos aprendidos na disciplina “Teoria dos Grafos” sob um determinado domínio de dados para a formulação de aplicação prática.</a:t>
-            </a:r>
-            <a:endParaRPr lang="pt-BR" sz="2200" dirty="0"/>
-          </a:p>
-        </p:txBody>
-      </p:sp>
-      <p:sp>
-        <p:nvSpPr>
-          <p:cNvPr id="10" name="Subtítulo 2"/>
           <p:cNvSpPr txBox="1">
             <a:spLocks/>
           </p:cNvSpPr>
@@ -5609,8 +8244,544 @@
         </p:nvSpPr>
         <p:spPr>
           <a:xfrm>
-            <a:off x="858371" y="670579"/>
-            <a:ext cx="665629" cy="539656"/>
+            <a:off x="2194506" y="5448029"/>
+            <a:ext cx="8062914" cy="1409971"/>
+          </a:xfrm>
+          <a:prstGeom prst="rect">
+            <a:avLst/>
+          </a:prstGeom>
+        </p:spPr>
+        <p:txBody>
+          <a:bodyPr vert="horz" lIns="91440" tIns="45720" rIns="91440" bIns="45720" rtlCol="0">
+            <a:normAutofit/>
+          </a:bodyPr>
+          <a:lstStyle>
+            <a:lvl1pPr marL="0" indent="0" algn="ctr" defTabSz="914400" rtl="0" eaLnBrk="1" latinLnBrk="0" hangingPunct="1">
+              <a:lnSpc>
+                <a:spcPct val="90000"/>
+              </a:lnSpc>
+              <a:spcBef>
+                <a:spcPts val="1000"/>
+              </a:spcBef>
+              <a:buFont typeface="Arial" panose="020B0604020202020204" pitchFamily="34" charset="0"/>
+              <a:buNone/>
+              <a:defRPr sz="2400" kern="1200">
+                <a:solidFill>
+                  <a:schemeClr val="tx1"/>
+                </a:solidFill>
+                <a:latin typeface="+mn-lt"/>
+                <a:ea typeface="+mn-ea"/>
+                <a:cs typeface="+mn-cs"/>
+              </a:defRPr>
+            </a:lvl1pPr>
+            <a:lvl2pPr marL="457200" indent="0" algn="ctr" defTabSz="914400" rtl="0" eaLnBrk="1" latinLnBrk="0" hangingPunct="1">
+              <a:lnSpc>
+                <a:spcPct val="90000"/>
+              </a:lnSpc>
+              <a:spcBef>
+                <a:spcPts val="500"/>
+              </a:spcBef>
+              <a:buFont typeface="Arial" panose="020B0604020202020204" pitchFamily="34" charset="0"/>
+              <a:buNone/>
+              <a:defRPr sz="2000" kern="1200">
+                <a:solidFill>
+                  <a:schemeClr val="tx1"/>
+                </a:solidFill>
+                <a:latin typeface="+mn-lt"/>
+                <a:ea typeface="+mn-ea"/>
+                <a:cs typeface="+mn-cs"/>
+              </a:defRPr>
+            </a:lvl2pPr>
+            <a:lvl3pPr marL="914400" indent="0" algn="ctr" defTabSz="914400" rtl="0" eaLnBrk="1" latinLnBrk="0" hangingPunct="1">
+              <a:lnSpc>
+                <a:spcPct val="90000"/>
+              </a:lnSpc>
+              <a:spcBef>
+                <a:spcPts val="500"/>
+              </a:spcBef>
+              <a:buFont typeface="Arial" panose="020B0604020202020204" pitchFamily="34" charset="0"/>
+              <a:buNone/>
+              <a:defRPr sz="1800" kern="1200">
+                <a:solidFill>
+                  <a:schemeClr val="tx1"/>
+                </a:solidFill>
+                <a:latin typeface="+mn-lt"/>
+                <a:ea typeface="+mn-ea"/>
+                <a:cs typeface="+mn-cs"/>
+              </a:defRPr>
+            </a:lvl3pPr>
+            <a:lvl4pPr marL="1371600" indent="0" algn="ctr" defTabSz="914400" rtl="0" eaLnBrk="1" latinLnBrk="0" hangingPunct="1">
+              <a:lnSpc>
+                <a:spcPct val="90000"/>
+              </a:lnSpc>
+              <a:spcBef>
+                <a:spcPts val="500"/>
+              </a:spcBef>
+              <a:buFont typeface="Arial" panose="020B0604020202020204" pitchFamily="34" charset="0"/>
+              <a:buNone/>
+              <a:defRPr sz="1600" kern="1200">
+                <a:solidFill>
+                  <a:schemeClr val="tx1"/>
+                </a:solidFill>
+                <a:latin typeface="+mn-lt"/>
+                <a:ea typeface="+mn-ea"/>
+                <a:cs typeface="+mn-cs"/>
+              </a:defRPr>
+            </a:lvl4pPr>
+            <a:lvl5pPr marL="1828800" indent="0" algn="ctr" defTabSz="914400" rtl="0" eaLnBrk="1" latinLnBrk="0" hangingPunct="1">
+              <a:lnSpc>
+                <a:spcPct val="90000"/>
+              </a:lnSpc>
+              <a:spcBef>
+                <a:spcPts val="500"/>
+              </a:spcBef>
+              <a:buFont typeface="Arial" panose="020B0604020202020204" pitchFamily="34" charset="0"/>
+              <a:buNone/>
+              <a:defRPr sz="1600" kern="1200">
+                <a:solidFill>
+                  <a:schemeClr val="tx1"/>
+                </a:solidFill>
+                <a:latin typeface="+mn-lt"/>
+                <a:ea typeface="+mn-ea"/>
+                <a:cs typeface="+mn-cs"/>
+              </a:defRPr>
+            </a:lvl5pPr>
+            <a:lvl6pPr marL="2286000" indent="0" algn="ctr" defTabSz="914400" rtl="0" eaLnBrk="1" latinLnBrk="0" hangingPunct="1">
+              <a:lnSpc>
+                <a:spcPct val="90000"/>
+              </a:lnSpc>
+              <a:spcBef>
+                <a:spcPts val="500"/>
+              </a:spcBef>
+              <a:buFont typeface="Arial" panose="020B0604020202020204" pitchFamily="34" charset="0"/>
+              <a:buNone/>
+              <a:defRPr sz="1600" kern="1200">
+                <a:solidFill>
+                  <a:schemeClr val="tx1"/>
+                </a:solidFill>
+                <a:latin typeface="+mn-lt"/>
+                <a:ea typeface="+mn-ea"/>
+                <a:cs typeface="+mn-cs"/>
+              </a:defRPr>
+            </a:lvl6pPr>
+            <a:lvl7pPr marL="2743200" indent="0" algn="ctr" defTabSz="914400" rtl="0" eaLnBrk="1" latinLnBrk="0" hangingPunct="1">
+              <a:lnSpc>
+                <a:spcPct val="90000"/>
+              </a:lnSpc>
+              <a:spcBef>
+                <a:spcPts val="500"/>
+              </a:spcBef>
+              <a:buFont typeface="Arial" panose="020B0604020202020204" pitchFamily="34" charset="0"/>
+              <a:buNone/>
+              <a:defRPr sz="1600" kern="1200">
+                <a:solidFill>
+                  <a:schemeClr val="tx1"/>
+                </a:solidFill>
+                <a:latin typeface="+mn-lt"/>
+                <a:ea typeface="+mn-ea"/>
+                <a:cs typeface="+mn-cs"/>
+              </a:defRPr>
+            </a:lvl7pPr>
+            <a:lvl8pPr marL="3200400" indent="0" algn="ctr" defTabSz="914400" rtl="0" eaLnBrk="1" latinLnBrk="0" hangingPunct="1">
+              <a:lnSpc>
+                <a:spcPct val="90000"/>
+              </a:lnSpc>
+              <a:spcBef>
+                <a:spcPts val="500"/>
+              </a:spcBef>
+              <a:buFont typeface="Arial" panose="020B0604020202020204" pitchFamily="34" charset="0"/>
+              <a:buNone/>
+              <a:defRPr sz="1600" kern="1200">
+                <a:solidFill>
+                  <a:schemeClr val="tx1"/>
+                </a:solidFill>
+                <a:latin typeface="+mn-lt"/>
+                <a:ea typeface="+mn-ea"/>
+                <a:cs typeface="+mn-cs"/>
+              </a:defRPr>
+            </a:lvl8pPr>
+            <a:lvl9pPr marL="3657600" indent="0" algn="ctr" defTabSz="914400" rtl="0" eaLnBrk="1" latinLnBrk="0" hangingPunct="1">
+              <a:lnSpc>
+                <a:spcPct val="90000"/>
+              </a:lnSpc>
+              <a:spcBef>
+                <a:spcPts val="500"/>
+              </a:spcBef>
+              <a:buFont typeface="Arial" panose="020B0604020202020204" pitchFamily="34" charset="0"/>
+              <a:buNone/>
+              <a:defRPr sz="1600" kern="1200">
+                <a:solidFill>
+                  <a:schemeClr val="tx1"/>
+                </a:solidFill>
+                <a:latin typeface="+mn-lt"/>
+                <a:ea typeface="+mn-ea"/>
+                <a:cs typeface="+mn-cs"/>
+              </a:defRPr>
+            </a:lvl9pPr>
+          </a:lstStyle>
+          <a:p>
+            <a:pPr>
+              <a:lnSpc>
+                <a:spcPct val="150000"/>
+              </a:lnSpc>
+              <a:spcBef>
+                <a:spcPts val="0"/>
+              </a:spcBef>
+            </a:pPr>
+            <a:r>
+              <a:rPr lang="pt-BR" sz="2200" dirty="0" smtClean="0"/>
+              <a:t>Percurso Geral</a:t>
+            </a:r>
+          </a:p>
+        </p:txBody>
+      </p:sp>
+      <p:pic>
+        <p:nvPicPr>
+          <p:cNvPr id="3" name="Imagem 2"/>
+          <p:cNvPicPr>
+            <a:picLocks noChangeAspect="1"/>
+          </p:cNvPicPr>
+          <p:nvPr/>
+        </p:nvPicPr>
+        <p:blipFill>
+          <a:blip r:embed="rId2">
+            <a:extLst>
+              <a:ext uri="{28A0092B-C50C-407E-A947-70E740481C1C}">
+                <a14:useLocalDpi xmlns:a14="http://schemas.microsoft.com/office/drawing/2010/main" val="0"/>
+              </a:ext>
+            </a:extLst>
+          </a:blip>
+          <a:stretch>
+            <a:fillRect/>
+          </a:stretch>
+        </p:blipFill>
+        <p:spPr>
+          <a:xfrm>
+            <a:off x="3191952" y="0"/>
+            <a:ext cx="6068022" cy="5143755"/>
+          </a:xfrm>
+          <a:prstGeom prst="rect">
+            <a:avLst/>
+          </a:prstGeom>
+        </p:spPr>
+      </p:pic>
+    </p:spTree>
+    <p:extLst>
+      <p:ext uri="{BB962C8B-B14F-4D97-AF65-F5344CB8AC3E}">
+        <p14:creationId xmlns:p14="http://schemas.microsoft.com/office/powerpoint/2010/main" val="1712441607"/>
+      </p:ext>
+    </p:extLst>
+  </p:cSld>
+  <p:clrMapOvr>
+    <a:masterClrMapping/>
+  </p:clrMapOvr>
+  <p:timing>
+    <p:tnLst>
+      <p:par>
+        <p:cTn id="1" dur="indefinite" restart="never" nodeType="tmRoot"/>
+      </p:par>
+    </p:tnLst>
+  </p:timing>
+</p:sld>
+</file>
+
+<file path=ppt/slides/slide16.xml><?xml version="1.0" encoding="utf-8"?>
+<p:sld xmlns:a="http://schemas.openxmlformats.org/drawingml/2006/main" xmlns:r="http://schemas.openxmlformats.org/officeDocument/2006/relationships" xmlns:p="http://schemas.openxmlformats.org/presentationml/2006/main">
+  <p:cSld>
+    <p:spTree>
+      <p:nvGrpSpPr>
+        <p:cNvPr id="1" name=""/>
+        <p:cNvGrpSpPr/>
+        <p:nvPr/>
+      </p:nvGrpSpPr>
+      <p:grpSpPr>
+        <a:xfrm>
+          <a:off x="0" y="0"/>
+          <a:ext cx="0" cy="0"/>
+          <a:chOff x="0" y="0"/>
+          <a:chExt cx="0" cy="0"/>
+        </a:xfrm>
+      </p:grpSpPr>
+      <p:sp>
+        <p:nvSpPr>
+          <p:cNvPr id="5" name="Subtítulo 4"/>
+          <p:cNvSpPr txBox="1">
+            <a:spLocks/>
+          </p:cNvSpPr>
+          <p:nvPr/>
+        </p:nvSpPr>
+        <p:spPr>
+          <a:xfrm>
+            <a:off x="2194506" y="5448029"/>
+            <a:ext cx="8062914" cy="1409971"/>
+          </a:xfrm>
+          <a:prstGeom prst="rect">
+            <a:avLst/>
+          </a:prstGeom>
+        </p:spPr>
+        <p:txBody>
+          <a:bodyPr vert="horz" lIns="91440" tIns="45720" rIns="91440" bIns="45720" rtlCol="0">
+            <a:normAutofit/>
+          </a:bodyPr>
+          <a:lstStyle>
+            <a:lvl1pPr marL="0" indent="0" algn="ctr" defTabSz="914400" rtl="0" eaLnBrk="1" latinLnBrk="0" hangingPunct="1">
+              <a:lnSpc>
+                <a:spcPct val="90000"/>
+              </a:lnSpc>
+              <a:spcBef>
+                <a:spcPts val="1000"/>
+              </a:spcBef>
+              <a:buFont typeface="Arial" panose="020B0604020202020204" pitchFamily="34" charset="0"/>
+              <a:buNone/>
+              <a:defRPr sz="2400" kern="1200">
+                <a:solidFill>
+                  <a:schemeClr val="tx1"/>
+                </a:solidFill>
+                <a:latin typeface="+mn-lt"/>
+                <a:ea typeface="+mn-ea"/>
+                <a:cs typeface="+mn-cs"/>
+              </a:defRPr>
+            </a:lvl1pPr>
+            <a:lvl2pPr marL="457200" indent="0" algn="ctr" defTabSz="914400" rtl="0" eaLnBrk="1" latinLnBrk="0" hangingPunct="1">
+              <a:lnSpc>
+                <a:spcPct val="90000"/>
+              </a:lnSpc>
+              <a:spcBef>
+                <a:spcPts val="500"/>
+              </a:spcBef>
+              <a:buFont typeface="Arial" panose="020B0604020202020204" pitchFamily="34" charset="0"/>
+              <a:buNone/>
+              <a:defRPr sz="2000" kern="1200">
+                <a:solidFill>
+                  <a:schemeClr val="tx1"/>
+                </a:solidFill>
+                <a:latin typeface="+mn-lt"/>
+                <a:ea typeface="+mn-ea"/>
+                <a:cs typeface="+mn-cs"/>
+              </a:defRPr>
+            </a:lvl2pPr>
+            <a:lvl3pPr marL="914400" indent="0" algn="ctr" defTabSz="914400" rtl="0" eaLnBrk="1" latinLnBrk="0" hangingPunct="1">
+              <a:lnSpc>
+                <a:spcPct val="90000"/>
+              </a:lnSpc>
+              <a:spcBef>
+                <a:spcPts val="500"/>
+              </a:spcBef>
+              <a:buFont typeface="Arial" panose="020B0604020202020204" pitchFamily="34" charset="0"/>
+              <a:buNone/>
+              <a:defRPr sz="1800" kern="1200">
+                <a:solidFill>
+                  <a:schemeClr val="tx1"/>
+                </a:solidFill>
+                <a:latin typeface="+mn-lt"/>
+                <a:ea typeface="+mn-ea"/>
+                <a:cs typeface="+mn-cs"/>
+              </a:defRPr>
+            </a:lvl3pPr>
+            <a:lvl4pPr marL="1371600" indent="0" algn="ctr" defTabSz="914400" rtl="0" eaLnBrk="1" latinLnBrk="0" hangingPunct="1">
+              <a:lnSpc>
+                <a:spcPct val="90000"/>
+              </a:lnSpc>
+              <a:spcBef>
+                <a:spcPts val="500"/>
+              </a:spcBef>
+              <a:buFont typeface="Arial" panose="020B0604020202020204" pitchFamily="34" charset="0"/>
+              <a:buNone/>
+              <a:defRPr sz="1600" kern="1200">
+                <a:solidFill>
+                  <a:schemeClr val="tx1"/>
+                </a:solidFill>
+                <a:latin typeface="+mn-lt"/>
+                <a:ea typeface="+mn-ea"/>
+                <a:cs typeface="+mn-cs"/>
+              </a:defRPr>
+            </a:lvl4pPr>
+            <a:lvl5pPr marL="1828800" indent="0" algn="ctr" defTabSz="914400" rtl="0" eaLnBrk="1" latinLnBrk="0" hangingPunct="1">
+              <a:lnSpc>
+                <a:spcPct val="90000"/>
+              </a:lnSpc>
+              <a:spcBef>
+                <a:spcPts val="500"/>
+              </a:spcBef>
+              <a:buFont typeface="Arial" panose="020B0604020202020204" pitchFamily="34" charset="0"/>
+              <a:buNone/>
+              <a:defRPr sz="1600" kern="1200">
+                <a:solidFill>
+                  <a:schemeClr val="tx1"/>
+                </a:solidFill>
+                <a:latin typeface="+mn-lt"/>
+                <a:ea typeface="+mn-ea"/>
+                <a:cs typeface="+mn-cs"/>
+              </a:defRPr>
+            </a:lvl5pPr>
+            <a:lvl6pPr marL="2286000" indent="0" algn="ctr" defTabSz="914400" rtl="0" eaLnBrk="1" latinLnBrk="0" hangingPunct="1">
+              <a:lnSpc>
+                <a:spcPct val="90000"/>
+              </a:lnSpc>
+              <a:spcBef>
+                <a:spcPts val="500"/>
+              </a:spcBef>
+              <a:buFont typeface="Arial" panose="020B0604020202020204" pitchFamily="34" charset="0"/>
+              <a:buNone/>
+              <a:defRPr sz="1600" kern="1200">
+                <a:solidFill>
+                  <a:schemeClr val="tx1"/>
+                </a:solidFill>
+                <a:latin typeface="+mn-lt"/>
+                <a:ea typeface="+mn-ea"/>
+                <a:cs typeface="+mn-cs"/>
+              </a:defRPr>
+            </a:lvl6pPr>
+            <a:lvl7pPr marL="2743200" indent="0" algn="ctr" defTabSz="914400" rtl="0" eaLnBrk="1" latinLnBrk="0" hangingPunct="1">
+              <a:lnSpc>
+                <a:spcPct val="90000"/>
+              </a:lnSpc>
+              <a:spcBef>
+                <a:spcPts val="500"/>
+              </a:spcBef>
+              <a:buFont typeface="Arial" panose="020B0604020202020204" pitchFamily="34" charset="0"/>
+              <a:buNone/>
+              <a:defRPr sz="1600" kern="1200">
+                <a:solidFill>
+                  <a:schemeClr val="tx1"/>
+                </a:solidFill>
+                <a:latin typeface="+mn-lt"/>
+                <a:ea typeface="+mn-ea"/>
+                <a:cs typeface="+mn-cs"/>
+              </a:defRPr>
+            </a:lvl7pPr>
+            <a:lvl8pPr marL="3200400" indent="0" algn="ctr" defTabSz="914400" rtl="0" eaLnBrk="1" latinLnBrk="0" hangingPunct="1">
+              <a:lnSpc>
+                <a:spcPct val="90000"/>
+              </a:lnSpc>
+              <a:spcBef>
+                <a:spcPts val="500"/>
+              </a:spcBef>
+              <a:buFont typeface="Arial" panose="020B0604020202020204" pitchFamily="34" charset="0"/>
+              <a:buNone/>
+              <a:defRPr sz="1600" kern="1200">
+                <a:solidFill>
+                  <a:schemeClr val="tx1"/>
+                </a:solidFill>
+                <a:latin typeface="+mn-lt"/>
+                <a:ea typeface="+mn-ea"/>
+                <a:cs typeface="+mn-cs"/>
+              </a:defRPr>
+            </a:lvl8pPr>
+            <a:lvl9pPr marL="3657600" indent="0" algn="ctr" defTabSz="914400" rtl="0" eaLnBrk="1" latinLnBrk="0" hangingPunct="1">
+              <a:lnSpc>
+                <a:spcPct val="90000"/>
+              </a:lnSpc>
+              <a:spcBef>
+                <a:spcPts val="500"/>
+              </a:spcBef>
+              <a:buFont typeface="Arial" panose="020B0604020202020204" pitchFamily="34" charset="0"/>
+              <a:buNone/>
+              <a:defRPr sz="1600" kern="1200">
+                <a:solidFill>
+                  <a:schemeClr val="tx1"/>
+                </a:solidFill>
+                <a:latin typeface="+mn-lt"/>
+                <a:ea typeface="+mn-ea"/>
+                <a:cs typeface="+mn-cs"/>
+              </a:defRPr>
+            </a:lvl9pPr>
+          </a:lstStyle>
+          <a:p>
+            <a:pPr>
+              <a:lnSpc>
+                <a:spcPct val="150000"/>
+              </a:lnSpc>
+              <a:spcBef>
+                <a:spcPts val="0"/>
+              </a:spcBef>
+            </a:pPr>
+            <a:r>
+              <a:rPr lang="pt-BR" sz="2200" dirty="0" smtClean="0"/>
+              <a:t>Percurso da Seleção da Alemanha</a:t>
+            </a:r>
+          </a:p>
+        </p:txBody>
+      </p:sp>
+      <p:pic>
+        <p:nvPicPr>
+          <p:cNvPr id="2" name="Imagem 1"/>
+          <p:cNvPicPr>
+            <a:picLocks noChangeAspect="1"/>
+          </p:cNvPicPr>
+          <p:nvPr/>
+        </p:nvPicPr>
+        <p:blipFill>
+          <a:blip r:embed="rId2">
+            <a:extLst>
+              <a:ext uri="{28A0092B-C50C-407E-A947-70E740481C1C}">
+                <a14:useLocalDpi xmlns:a14="http://schemas.microsoft.com/office/drawing/2010/main" val="0"/>
+              </a:ext>
+            </a:extLst>
+          </a:blip>
+          <a:stretch>
+            <a:fillRect/>
+          </a:stretch>
+        </p:blipFill>
+        <p:spPr>
+          <a:xfrm>
+            <a:off x="3177582" y="0"/>
+            <a:ext cx="6096762" cy="5553354"/>
+          </a:xfrm>
+          <a:prstGeom prst="rect">
+            <a:avLst/>
+          </a:prstGeom>
+        </p:spPr>
+      </p:pic>
+    </p:spTree>
+    <p:extLst>
+      <p:ext uri="{BB962C8B-B14F-4D97-AF65-F5344CB8AC3E}">
+        <p14:creationId xmlns:p14="http://schemas.microsoft.com/office/powerpoint/2010/main" val="1517102305"/>
+      </p:ext>
+    </p:extLst>
+  </p:cSld>
+  <p:clrMapOvr>
+    <a:masterClrMapping/>
+  </p:clrMapOvr>
+  <p:timing>
+    <p:tnLst>
+      <p:par>
+        <p:cTn id="1" dur="indefinite" restart="never" nodeType="tmRoot"/>
+      </p:par>
+    </p:tnLst>
+  </p:timing>
+</p:sld>
+</file>
+
+<file path=ppt/slides/slide17.xml><?xml version="1.0" encoding="utf-8"?>
+<p:sld xmlns:a="http://schemas.openxmlformats.org/drawingml/2006/main" xmlns:r="http://schemas.openxmlformats.org/officeDocument/2006/relationships" xmlns:p="http://schemas.openxmlformats.org/presentationml/2006/main">
+  <p:cSld>
+    <p:spTree>
+      <p:nvGrpSpPr>
+        <p:cNvPr id="1" name=""/>
+        <p:cNvGrpSpPr/>
+        <p:nvPr/>
+      </p:nvGrpSpPr>
+      <p:grpSpPr>
+        <a:xfrm>
+          <a:off x="0" y="0"/>
+          <a:ext cx="0" cy="0"/>
+          <a:chOff x="0" y="0"/>
+          <a:chExt cx="0" cy="0"/>
+        </a:xfrm>
+      </p:grpSpPr>
+      <p:sp>
+        <p:nvSpPr>
+          <p:cNvPr id="8" name="Subtítulo 2"/>
+          <p:cNvSpPr txBox="1">
+            <a:spLocks/>
+          </p:cNvSpPr>
+          <p:nvPr/>
+        </p:nvSpPr>
+        <p:spPr>
+          <a:xfrm>
+            <a:off x="1523999" y="670580"/>
+            <a:ext cx="3316942" cy="367083"/>
           </a:xfrm>
           <a:prstGeom prst="rect">
             <a:avLst/>
@@ -5789,15 +8960,15 @@
           </a:lstStyle>
           <a:p>
             <a:r>
-              <a:rPr lang="pt-BR" dirty="0" smtClean="0">
+              <a:rPr lang="pt-BR" sz="2000" dirty="0" smtClean="0">
                 <a:solidFill>
                   <a:schemeClr val="bg1"/>
                 </a:solidFill>
                 <a:latin typeface="Adventure" panose="02000500000000000000" pitchFamily="2" charset="0"/>
               </a:rPr>
-              <a:t>1</a:t>
+              <a:t>Distância percorrida</a:t>
             </a:r>
-            <a:endParaRPr lang="pt-BR" dirty="0">
+            <a:endParaRPr lang="pt-BR" sz="2000" dirty="0">
               <a:solidFill>
                 <a:schemeClr val="bg1"/>
               </a:solidFill>
@@ -6002,7 +9173,214 @@
                 </a:solidFill>
                 <a:latin typeface="Adventure" panose="02000500000000000000" pitchFamily="2" charset="0"/>
               </a:rPr>
-              <a:t>Introdução</a:t>
+              <a:t>Aplicações</a:t>
+            </a:r>
+            <a:endParaRPr lang="pt-BR" dirty="0">
+              <a:solidFill>
+                <a:schemeClr val="bg1"/>
+              </a:solidFill>
+              <a:latin typeface="Adventure" panose="02000500000000000000" pitchFamily="2" charset="0"/>
+            </a:endParaRPr>
+          </a:p>
+        </p:txBody>
+      </p:sp>
+      <p:sp>
+        <p:nvSpPr>
+          <p:cNvPr id="10" name="Subtítulo 2"/>
+          <p:cNvSpPr txBox="1">
+            <a:spLocks/>
+          </p:cNvSpPr>
+          <p:nvPr/>
+        </p:nvSpPr>
+        <p:spPr>
+          <a:xfrm>
+            <a:off x="858371" y="670579"/>
+            <a:ext cx="665629" cy="539656"/>
+          </a:xfrm>
+          <a:prstGeom prst="rect">
+            <a:avLst/>
+          </a:prstGeom>
+          <a:solidFill>
+            <a:srgbClr val="00CC00"/>
+          </a:solidFill>
+        </p:spPr>
+        <p:txBody>
+          <a:bodyPr vert="horz" lIns="91440" tIns="45720" rIns="91440" bIns="45720" rtlCol="0" anchor="ctr">
+            <a:normAutofit/>
+          </a:bodyPr>
+          <a:lstStyle>
+            <a:lvl1pPr marL="0" indent="0" algn="ctr" defTabSz="914400" rtl="0" eaLnBrk="1" latinLnBrk="0" hangingPunct="1">
+              <a:lnSpc>
+                <a:spcPct val="90000"/>
+              </a:lnSpc>
+              <a:spcBef>
+                <a:spcPts val="1000"/>
+              </a:spcBef>
+              <a:buFont typeface="Arial" panose="020B0604020202020204" pitchFamily="34" charset="0"/>
+              <a:buNone/>
+              <a:defRPr sz="2400" kern="1200">
+                <a:solidFill>
+                  <a:schemeClr val="tx1"/>
+                </a:solidFill>
+                <a:latin typeface="+mn-lt"/>
+                <a:ea typeface="+mn-ea"/>
+                <a:cs typeface="+mn-cs"/>
+              </a:defRPr>
+            </a:lvl1pPr>
+            <a:lvl2pPr marL="457200" indent="0" algn="ctr" defTabSz="914400" rtl="0" eaLnBrk="1" latinLnBrk="0" hangingPunct="1">
+              <a:lnSpc>
+                <a:spcPct val="90000"/>
+              </a:lnSpc>
+              <a:spcBef>
+                <a:spcPts val="500"/>
+              </a:spcBef>
+              <a:buFont typeface="Arial" panose="020B0604020202020204" pitchFamily="34" charset="0"/>
+              <a:buNone/>
+              <a:defRPr sz="2000" kern="1200">
+                <a:solidFill>
+                  <a:schemeClr val="tx1"/>
+                </a:solidFill>
+                <a:latin typeface="+mn-lt"/>
+                <a:ea typeface="+mn-ea"/>
+                <a:cs typeface="+mn-cs"/>
+              </a:defRPr>
+            </a:lvl2pPr>
+            <a:lvl3pPr marL="914400" indent="0" algn="ctr" defTabSz="914400" rtl="0" eaLnBrk="1" latinLnBrk="0" hangingPunct="1">
+              <a:lnSpc>
+                <a:spcPct val="90000"/>
+              </a:lnSpc>
+              <a:spcBef>
+                <a:spcPts val="500"/>
+              </a:spcBef>
+              <a:buFont typeface="Arial" panose="020B0604020202020204" pitchFamily="34" charset="0"/>
+              <a:buNone/>
+              <a:defRPr sz="1800" kern="1200">
+                <a:solidFill>
+                  <a:schemeClr val="tx1"/>
+                </a:solidFill>
+                <a:latin typeface="+mn-lt"/>
+                <a:ea typeface="+mn-ea"/>
+                <a:cs typeface="+mn-cs"/>
+              </a:defRPr>
+            </a:lvl3pPr>
+            <a:lvl4pPr marL="1371600" indent="0" algn="ctr" defTabSz="914400" rtl="0" eaLnBrk="1" latinLnBrk="0" hangingPunct="1">
+              <a:lnSpc>
+                <a:spcPct val="90000"/>
+              </a:lnSpc>
+              <a:spcBef>
+                <a:spcPts val="500"/>
+              </a:spcBef>
+              <a:buFont typeface="Arial" panose="020B0604020202020204" pitchFamily="34" charset="0"/>
+              <a:buNone/>
+              <a:defRPr sz="1600" kern="1200">
+                <a:solidFill>
+                  <a:schemeClr val="tx1"/>
+                </a:solidFill>
+                <a:latin typeface="+mn-lt"/>
+                <a:ea typeface="+mn-ea"/>
+                <a:cs typeface="+mn-cs"/>
+              </a:defRPr>
+            </a:lvl4pPr>
+            <a:lvl5pPr marL="1828800" indent="0" algn="ctr" defTabSz="914400" rtl="0" eaLnBrk="1" latinLnBrk="0" hangingPunct="1">
+              <a:lnSpc>
+                <a:spcPct val="90000"/>
+              </a:lnSpc>
+              <a:spcBef>
+                <a:spcPts val="500"/>
+              </a:spcBef>
+              <a:buFont typeface="Arial" panose="020B0604020202020204" pitchFamily="34" charset="0"/>
+              <a:buNone/>
+              <a:defRPr sz="1600" kern="1200">
+                <a:solidFill>
+                  <a:schemeClr val="tx1"/>
+                </a:solidFill>
+                <a:latin typeface="+mn-lt"/>
+                <a:ea typeface="+mn-ea"/>
+                <a:cs typeface="+mn-cs"/>
+              </a:defRPr>
+            </a:lvl5pPr>
+            <a:lvl6pPr marL="2286000" indent="0" algn="ctr" defTabSz="914400" rtl="0" eaLnBrk="1" latinLnBrk="0" hangingPunct="1">
+              <a:lnSpc>
+                <a:spcPct val="90000"/>
+              </a:lnSpc>
+              <a:spcBef>
+                <a:spcPts val="500"/>
+              </a:spcBef>
+              <a:buFont typeface="Arial" panose="020B0604020202020204" pitchFamily="34" charset="0"/>
+              <a:buNone/>
+              <a:defRPr sz="1600" kern="1200">
+                <a:solidFill>
+                  <a:schemeClr val="tx1"/>
+                </a:solidFill>
+                <a:latin typeface="+mn-lt"/>
+                <a:ea typeface="+mn-ea"/>
+                <a:cs typeface="+mn-cs"/>
+              </a:defRPr>
+            </a:lvl6pPr>
+            <a:lvl7pPr marL="2743200" indent="0" algn="ctr" defTabSz="914400" rtl="0" eaLnBrk="1" latinLnBrk="0" hangingPunct="1">
+              <a:lnSpc>
+                <a:spcPct val="90000"/>
+              </a:lnSpc>
+              <a:spcBef>
+                <a:spcPts val="500"/>
+              </a:spcBef>
+              <a:buFont typeface="Arial" panose="020B0604020202020204" pitchFamily="34" charset="0"/>
+              <a:buNone/>
+              <a:defRPr sz="1600" kern="1200">
+                <a:solidFill>
+                  <a:schemeClr val="tx1"/>
+                </a:solidFill>
+                <a:latin typeface="+mn-lt"/>
+                <a:ea typeface="+mn-ea"/>
+                <a:cs typeface="+mn-cs"/>
+              </a:defRPr>
+            </a:lvl7pPr>
+            <a:lvl8pPr marL="3200400" indent="0" algn="ctr" defTabSz="914400" rtl="0" eaLnBrk="1" latinLnBrk="0" hangingPunct="1">
+              <a:lnSpc>
+                <a:spcPct val="90000"/>
+              </a:lnSpc>
+              <a:spcBef>
+                <a:spcPts val="500"/>
+              </a:spcBef>
+              <a:buFont typeface="Arial" panose="020B0604020202020204" pitchFamily="34" charset="0"/>
+              <a:buNone/>
+              <a:defRPr sz="1600" kern="1200">
+                <a:solidFill>
+                  <a:schemeClr val="tx1"/>
+                </a:solidFill>
+                <a:latin typeface="+mn-lt"/>
+                <a:ea typeface="+mn-ea"/>
+                <a:cs typeface="+mn-cs"/>
+              </a:defRPr>
+            </a:lvl8pPr>
+            <a:lvl9pPr marL="3657600" indent="0" algn="ctr" defTabSz="914400" rtl="0" eaLnBrk="1" latinLnBrk="0" hangingPunct="1">
+              <a:lnSpc>
+                <a:spcPct val="90000"/>
+              </a:lnSpc>
+              <a:spcBef>
+                <a:spcPts val="500"/>
+              </a:spcBef>
+              <a:buFont typeface="Arial" panose="020B0604020202020204" pitchFamily="34" charset="0"/>
+              <a:buNone/>
+              <a:defRPr sz="1600" kern="1200">
+                <a:solidFill>
+                  <a:schemeClr val="tx1"/>
+                </a:solidFill>
+                <a:latin typeface="+mn-lt"/>
+                <a:ea typeface="+mn-ea"/>
+                <a:cs typeface="+mn-cs"/>
+              </a:defRPr>
+            </a:lvl9pPr>
+          </a:lstStyle>
+          <a:p>
+            <a:r>
+              <a:rPr lang="pt-BR" dirty="0" smtClean="0">
+                <a:solidFill>
+                  <a:schemeClr val="bg1"/>
+                </a:solidFill>
+                <a:latin typeface="Adventure" panose="02000500000000000000" pitchFamily="2" charset="0"/>
+              </a:rPr>
+              <a:t>4</a:t>
             </a:r>
             <a:endParaRPr lang="pt-BR" dirty="0">
               <a:solidFill>
@@ -6510,10 +9888,2785 @@
           </p:txBody>
         </p:sp>
       </p:grpSp>
+      <p:sp>
+        <p:nvSpPr>
+          <p:cNvPr id="15" name="Subtítulo 4"/>
+          <p:cNvSpPr txBox="1">
+            <a:spLocks/>
+          </p:cNvSpPr>
+          <p:nvPr/>
+        </p:nvSpPr>
+        <p:spPr>
+          <a:xfrm>
+            <a:off x="1523999" y="1869143"/>
+            <a:ext cx="9144000" cy="3644152"/>
+          </a:xfrm>
+          <a:prstGeom prst="rect">
+            <a:avLst/>
+          </a:prstGeom>
+        </p:spPr>
+        <p:txBody>
+          <a:bodyPr vert="horz" lIns="91440" tIns="45720" rIns="91440" bIns="45720" rtlCol="0">
+            <a:normAutofit/>
+          </a:bodyPr>
+          <a:lstStyle>
+            <a:lvl1pPr marL="0" indent="0" algn="ctr" defTabSz="914400" rtl="0" eaLnBrk="1" latinLnBrk="0" hangingPunct="1">
+              <a:lnSpc>
+                <a:spcPct val="90000"/>
+              </a:lnSpc>
+              <a:spcBef>
+                <a:spcPts val="1000"/>
+              </a:spcBef>
+              <a:buFont typeface="Arial" panose="020B0604020202020204" pitchFamily="34" charset="0"/>
+              <a:buNone/>
+              <a:defRPr sz="2400" kern="1200">
+                <a:solidFill>
+                  <a:schemeClr val="tx1"/>
+                </a:solidFill>
+                <a:latin typeface="+mn-lt"/>
+                <a:ea typeface="+mn-ea"/>
+                <a:cs typeface="+mn-cs"/>
+              </a:defRPr>
+            </a:lvl1pPr>
+            <a:lvl2pPr marL="457200" indent="0" algn="ctr" defTabSz="914400" rtl="0" eaLnBrk="1" latinLnBrk="0" hangingPunct="1">
+              <a:lnSpc>
+                <a:spcPct val="90000"/>
+              </a:lnSpc>
+              <a:spcBef>
+                <a:spcPts val="500"/>
+              </a:spcBef>
+              <a:buFont typeface="Arial" panose="020B0604020202020204" pitchFamily="34" charset="0"/>
+              <a:buNone/>
+              <a:defRPr sz="2000" kern="1200">
+                <a:solidFill>
+                  <a:schemeClr val="tx1"/>
+                </a:solidFill>
+                <a:latin typeface="+mn-lt"/>
+                <a:ea typeface="+mn-ea"/>
+                <a:cs typeface="+mn-cs"/>
+              </a:defRPr>
+            </a:lvl2pPr>
+            <a:lvl3pPr marL="914400" indent="0" algn="ctr" defTabSz="914400" rtl="0" eaLnBrk="1" latinLnBrk="0" hangingPunct="1">
+              <a:lnSpc>
+                <a:spcPct val="90000"/>
+              </a:lnSpc>
+              <a:spcBef>
+                <a:spcPts val="500"/>
+              </a:spcBef>
+              <a:buFont typeface="Arial" panose="020B0604020202020204" pitchFamily="34" charset="0"/>
+              <a:buNone/>
+              <a:defRPr sz="1800" kern="1200">
+                <a:solidFill>
+                  <a:schemeClr val="tx1"/>
+                </a:solidFill>
+                <a:latin typeface="+mn-lt"/>
+                <a:ea typeface="+mn-ea"/>
+                <a:cs typeface="+mn-cs"/>
+              </a:defRPr>
+            </a:lvl3pPr>
+            <a:lvl4pPr marL="1371600" indent="0" algn="ctr" defTabSz="914400" rtl="0" eaLnBrk="1" latinLnBrk="0" hangingPunct="1">
+              <a:lnSpc>
+                <a:spcPct val="90000"/>
+              </a:lnSpc>
+              <a:spcBef>
+                <a:spcPts val="500"/>
+              </a:spcBef>
+              <a:buFont typeface="Arial" panose="020B0604020202020204" pitchFamily="34" charset="0"/>
+              <a:buNone/>
+              <a:defRPr sz="1600" kern="1200">
+                <a:solidFill>
+                  <a:schemeClr val="tx1"/>
+                </a:solidFill>
+                <a:latin typeface="+mn-lt"/>
+                <a:ea typeface="+mn-ea"/>
+                <a:cs typeface="+mn-cs"/>
+              </a:defRPr>
+            </a:lvl4pPr>
+            <a:lvl5pPr marL="1828800" indent="0" algn="ctr" defTabSz="914400" rtl="0" eaLnBrk="1" latinLnBrk="0" hangingPunct="1">
+              <a:lnSpc>
+                <a:spcPct val="90000"/>
+              </a:lnSpc>
+              <a:spcBef>
+                <a:spcPts val="500"/>
+              </a:spcBef>
+              <a:buFont typeface="Arial" panose="020B0604020202020204" pitchFamily="34" charset="0"/>
+              <a:buNone/>
+              <a:defRPr sz="1600" kern="1200">
+                <a:solidFill>
+                  <a:schemeClr val="tx1"/>
+                </a:solidFill>
+                <a:latin typeface="+mn-lt"/>
+                <a:ea typeface="+mn-ea"/>
+                <a:cs typeface="+mn-cs"/>
+              </a:defRPr>
+            </a:lvl5pPr>
+            <a:lvl6pPr marL="2286000" indent="0" algn="ctr" defTabSz="914400" rtl="0" eaLnBrk="1" latinLnBrk="0" hangingPunct="1">
+              <a:lnSpc>
+                <a:spcPct val="90000"/>
+              </a:lnSpc>
+              <a:spcBef>
+                <a:spcPts val="500"/>
+              </a:spcBef>
+              <a:buFont typeface="Arial" panose="020B0604020202020204" pitchFamily="34" charset="0"/>
+              <a:buNone/>
+              <a:defRPr sz="1600" kern="1200">
+                <a:solidFill>
+                  <a:schemeClr val="tx1"/>
+                </a:solidFill>
+                <a:latin typeface="+mn-lt"/>
+                <a:ea typeface="+mn-ea"/>
+                <a:cs typeface="+mn-cs"/>
+              </a:defRPr>
+            </a:lvl6pPr>
+            <a:lvl7pPr marL="2743200" indent="0" algn="ctr" defTabSz="914400" rtl="0" eaLnBrk="1" latinLnBrk="0" hangingPunct="1">
+              <a:lnSpc>
+                <a:spcPct val="90000"/>
+              </a:lnSpc>
+              <a:spcBef>
+                <a:spcPts val="500"/>
+              </a:spcBef>
+              <a:buFont typeface="Arial" panose="020B0604020202020204" pitchFamily="34" charset="0"/>
+              <a:buNone/>
+              <a:defRPr sz="1600" kern="1200">
+                <a:solidFill>
+                  <a:schemeClr val="tx1"/>
+                </a:solidFill>
+                <a:latin typeface="+mn-lt"/>
+                <a:ea typeface="+mn-ea"/>
+                <a:cs typeface="+mn-cs"/>
+              </a:defRPr>
+            </a:lvl7pPr>
+            <a:lvl8pPr marL="3200400" indent="0" algn="ctr" defTabSz="914400" rtl="0" eaLnBrk="1" latinLnBrk="0" hangingPunct="1">
+              <a:lnSpc>
+                <a:spcPct val="90000"/>
+              </a:lnSpc>
+              <a:spcBef>
+                <a:spcPts val="500"/>
+              </a:spcBef>
+              <a:buFont typeface="Arial" panose="020B0604020202020204" pitchFamily="34" charset="0"/>
+              <a:buNone/>
+              <a:defRPr sz="1600" kern="1200">
+                <a:solidFill>
+                  <a:schemeClr val="tx1"/>
+                </a:solidFill>
+                <a:latin typeface="+mn-lt"/>
+                <a:ea typeface="+mn-ea"/>
+                <a:cs typeface="+mn-cs"/>
+              </a:defRPr>
+            </a:lvl8pPr>
+            <a:lvl9pPr marL="3657600" indent="0" algn="ctr" defTabSz="914400" rtl="0" eaLnBrk="1" latinLnBrk="0" hangingPunct="1">
+              <a:lnSpc>
+                <a:spcPct val="90000"/>
+              </a:lnSpc>
+              <a:spcBef>
+                <a:spcPts val="500"/>
+              </a:spcBef>
+              <a:buFont typeface="Arial" panose="020B0604020202020204" pitchFamily="34" charset="0"/>
+              <a:buNone/>
+              <a:defRPr sz="1600" kern="1200">
+                <a:solidFill>
+                  <a:schemeClr val="tx1"/>
+                </a:solidFill>
+                <a:latin typeface="+mn-lt"/>
+                <a:ea typeface="+mn-ea"/>
+                <a:cs typeface="+mn-cs"/>
+              </a:defRPr>
+            </a:lvl9pPr>
+          </a:lstStyle>
+          <a:p>
+            <a:pPr indent="457200" algn="just">
+              <a:lnSpc>
+                <a:spcPct val="150000"/>
+              </a:lnSpc>
+              <a:spcBef>
+                <a:spcPts val="0"/>
+              </a:spcBef>
+            </a:pPr>
+            <a:r>
+              <a:rPr lang="pt-BR" sz="2200" dirty="0" smtClean="0"/>
+              <a:t>Determinar o teórico deslocamento das seleções na utilização de transportes rodoviários pelas seleções que participaram da competição</a:t>
+            </a:r>
+            <a:endParaRPr lang="pt-BR" sz="2200" dirty="0" smtClean="0"/>
+          </a:p>
+        </p:txBody>
+      </p:sp>
+    </p:spTree>
+    <p:extLst>
+      <p:ext uri="{BB962C8B-B14F-4D97-AF65-F5344CB8AC3E}">
+        <p14:creationId xmlns:p14="http://schemas.microsoft.com/office/powerpoint/2010/main" val="1713415391"/>
+      </p:ext>
+    </p:extLst>
+  </p:cSld>
+  <p:clrMapOvr>
+    <a:masterClrMapping/>
+  </p:clrMapOvr>
+  <p:timing>
+    <p:tnLst>
+      <p:par>
+        <p:cTn id="1" dur="indefinite" restart="never" nodeType="tmRoot">
+          <p:childTnLst>
+            <p:seq concurrent="1" nextAc="seek">
+              <p:cTn id="2" dur="indefinite" nodeType="mainSeq">
+                <p:childTnLst>
+                  <p:par>
+                    <p:cTn id="3" fill="hold">
+                      <p:stCondLst>
+                        <p:cond delay="indefinite"/>
+                      </p:stCondLst>
+                      <p:childTnLst>
+                        <p:par>
+                          <p:cTn id="4" fill="hold">
+                            <p:stCondLst>
+                              <p:cond delay="0"/>
+                            </p:stCondLst>
+                            <p:childTnLst>
+                              <p:par>
+                                <p:cTn id="5" presetID="42" presetClass="path" presetSubtype="0" accel="50000" decel="50000" fill="hold" grpId="0" nodeType="clickEffect">
+                                  <p:stCondLst>
+                                    <p:cond delay="0"/>
+                                  </p:stCondLst>
+                                  <p:childTnLst>
+                                    <p:animMotion origin="layout" path="M 2.5E-6 2.96296E-6 L 0.00039 0.07754 " pathEditMode="relative" rAng="0" ptsTypes="AA">
+                                      <p:cBhvr>
+                                        <p:cTn id="6" dur="1000" fill="hold"/>
+                                        <p:tgtEl>
+                                          <p:spTgt spid="8"/>
+                                        </p:tgtEl>
+                                        <p:attrNameLst>
+                                          <p:attrName>ppt_x</p:attrName>
+                                          <p:attrName>ppt_y</p:attrName>
+                                        </p:attrNameLst>
+                                      </p:cBhvr>
+                                      <p:rCtr x="13" y="3866"/>
+                                    </p:animMotion>
+                                  </p:childTnLst>
+                                </p:cTn>
+                              </p:par>
+                            </p:childTnLst>
+                          </p:cTn>
+                        </p:par>
+                      </p:childTnLst>
+                    </p:cTn>
+                  </p:par>
+                </p:childTnLst>
+              </p:cTn>
+              <p:prevCondLst>
+                <p:cond evt="onPrev" delay="0">
+                  <p:tgtEl>
+                    <p:sldTgt/>
+                  </p:tgtEl>
+                </p:cond>
+              </p:prevCondLst>
+              <p:nextCondLst>
+                <p:cond evt="onNext" delay="0">
+                  <p:tgtEl>
+                    <p:sldTgt/>
+                  </p:tgtEl>
+                </p:cond>
+              </p:nextCondLst>
+            </p:seq>
+          </p:childTnLst>
+        </p:cTn>
+      </p:par>
+    </p:tnLst>
+    <p:bldLst>
+      <p:bldP spid="8" grpId="0" animBg="1"/>
+    </p:bldLst>
+  </p:timing>
+</p:sld>
+</file>
+
+<file path=ppt/slides/slide18.xml><?xml version="1.0" encoding="utf-8"?>
+<p:sld xmlns:a="http://schemas.openxmlformats.org/drawingml/2006/main" xmlns:r="http://schemas.openxmlformats.org/officeDocument/2006/relationships" xmlns:p="http://schemas.openxmlformats.org/presentationml/2006/main">
+  <p:cSld>
+    <p:spTree>
+      <p:nvGrpSpPr>
+        <p:cNvPr id="1" name=""/>
+        <p:cNvGrpSpPr/>
+        <p:nvPr/>
+      </p:nvGrpSpPr>
+      <p:grpSpPr>
+        <a:xfrm>
+          <a:off x="0" y="0"/>
+          <a:ext cx="0" cy="0"/>
+          <a:chOff x="0" y="0"/>
+          <a:chExt cx="0" cy="0"/>
+        </a:xfrm>
+      </p:grpSpPr>
+      <p:sp>
+        <p:nvSpPr>
+          <p:cNvPr id="5" name="Subtítulo 4"/>
+          <p:cNvSpPr txBox="1">
+            <a:spLocks/>
+          </p:cNvSpPr>
+          <p:nvPr/>
+        </p:nvSpPr>
+        <p:spPr>
+          <a:xfrm>
+            <a:off x="2194506" y="5448029"/>
+            <a:ext cx="8062914" cy="1409971"/>
+          </a:xfrm>
+          <a:prstGeom prst="rect">
+            <a:avLst/>
+          </a:prstGeom>
+        </p:spPr>
+        <p:txBody>
+          <a:bodyPr vert="horz" lIns="91440" tIns="45720" rIns="91440" bIns="45720" rtlCol="0">
+            <a:normAutofit/>
+          </a:bodyPr>
+          <a:lstStyle>
+            <a:lvl1pPr marL="0" indent="0" algn="ctr" defTabSz="914400" rtl="0" eaLnBrk="1" latinLnBrk="0" hangingPunct="1">
+              <a:lnSpc>
+                <a:spcPct val="90000"/>
+              </a:lnSpc>
+              <a:spcBef>
+                <a:spcPts val="1000"/>
+              </a:spcBef>
+              <a:buFont typeface="Arial" panose="020B0604020202020204" pitchFamily="34" charset="0"/>
+              <a:buNone/>
+              <a:defRPr sz="2400" kern="1200">
+                <a:solidFill>
+                  <a:schemeClr val="tx1"/>
+                </a:solidFill>
+                <a:latin typeface="+mn-lt"/>
+                <a:ea typeface="+mn-ea"/>
+                <a:cs typeface="+mn-cs"/>
+              </a:defRPr>
+            </a:lvl1pPr>
+            <a:lvl2pPr marL="457200" indent="0" algn="ctr" defTabSz="914400" rtl="0" eaLnBrk="1" latinLnBrk="0" hangingPunct="1">
+              <a:lnSpc>
+                <a:spcPct val="90000"/>
+              </a:lnSpc>
+              <a:spcBef>
+                <a:spcPts val="500"/>
+              </a:spcBef>
+              <a:buFont typeface="Arial" panose="020B0604020202020204" pitchFamily="34" charset="0"/>
+              <a:buNone/>
+              <a:defRPr sz="2000" kern="1200">
+                <a:solidFill>
+                  <a:schemeClr val="tx1"/>
+                </a:solidFill>
+                <a:latin typeface="+mn-lt"/>
+                <a:ea typeface="+mn-ea"/>
+                <a:cs typeface="+mn-cs"/>
+              </a:defRPr>
+            </a:lvl2pPr>
+            <a:lvl3pPr marL="914400" indent="0" algn="ctr" defTabSz="914400" rtl="0" eaLnBrk="1" latinLnBrk="0" hangingPunct="1">
+              <a:lnSpc>
+                <a:spcPct val="90000"/>
+              </a:lnSpc>
+              <a:spcBef>
+                <a:spcPts val="500"/>
+              </a:spcBef>
+              <a:buFont typeface="Arial" panose="020B0604020202020204" pitchFamily="34" charset="0"/>
+              <a:buNone/>
+              <a:defRPr sz="1800" kern="1200">
+                <a:solidFill>
+                  <a:schemeClr val="tx1"/>
+                </a:solidFill>
+                <a:latin typeface="+mn-lt"/>
+                <a:ea typeface="+mn-ea"/>
+                <a:cs typeface="+mn-cs"/>
+              </a:defRPr>
+            </a:lvl3pPr>
+            <a:lvl4pPr marL="1371600" indent="0" algn="ctr" defTabSz="914400" rtl="0" eaLnBrk="1" latinLnBrk="0" hangingPunct="1">
+              <a:lnSpc>
+                <a:spcPct val="90000"/>
+              </a:lnSpc>
+              <a:spcBef>
+                <a:spcPts val="500"/>
+              </a:spcBef>
+              <a:buFont typeface="Arial" panose="020B0604020202020204" pitchFamily="34" charset="0"/>
+              <a:buNone/>
+              <a:defRPr sz="1600" kern="1200">
+                <a:solidFill>
+                  <a:schemeClr val="tx1"/>
+                </a:solidFill>
+                <a:latin typeface="+mn-lt"/>
+                <a:ea typeface="+mn-ea"/>
+                <a:cs typeface="+mn-cs"/>
+              </a:defRPr>
+            </a:lvl4pPr>
+            <a:lvl5pPr marL="1828800" indent="0" algn="ctr" defTabSz="914400" rtl="0" eaLnBrk="1" latinLnBrk="0" hangingPunct="1">
+              <a:lnSpc>
+                <a:spcPct val="90000"/>
+              </a:lnSpc>
+              <a:spcBef>
+                <a:spcPts val="500"/>
+              </a:spcBef>
+              <a:buFont typeface="Arial" panose="020B0604020202020204" pitchFamily="34" charset="0"/>
+              <a:buNone/>
+              <a:defRPr sz="1600" kern="1200">
+                <a:solidFill>
+                  <a:schemeClr val="tx1"/>
+                </a:solidFill>
+                <a:latin typeface="+mn-lt"/>
+                <a:ea typeface="+mn-ea"/>
+                <a:cs typeface="+mn-cs"/>
+              </a:defRPr>
+            </a:lvl5pPr>
+            <a:lvl6pPr marL="2286000" indent="0" algn="ctr" defTabSz="914400" rtl="0" eaLnBrk="1" latinLnBrk="0" hangingPunct="1">
+              <a:lnSpc>
+                <a:spcPct val="90000"/>
+              </a:lnSpc>
+              <a:spcBef>
+                <a:spcPts val="500"/>
+              </a:spcBef>
+              <a:buFont typeface="Arial" panose="020B0604020202020204" pitchFamily="34" charset="0"/>
+              <a:buNone/>
+              <a:defRPr sz="1600" kern="1200">
+                <a:solidFill>
+                  <a:schemeClr val="tx1"/>
+                </a:solidFill>
+                <a:latin typeface="+mn-lt"/>
+                <a:ea typeface="+mn-ea"/>
+                <a:cs typeface="+mn-cs"/>
+              </a:defRPr>
+            </a:lvl6pPr>
+            <a:lvl7pPr marL="2743200" indent="0" algn="ctr" defTabSz="914400" rtl="0" eaLnBrk="1" latinLnBrk="0" hangingPunct="1">
+              <a:lnSpc>
+                <a:spcPct val="90000"/>
+              </a:lnSpc>
+              <a:spcBef>
+                <a:spcPts val="500"/>
+              </a:spcBef>
+              <a:buFont typeface="Arial" panose="020B0604020202020204" pitchFamily="34" charset="0"/>
+              <a:buNone/>
+              <a:defRPr sz="1600" kern="1200">
+                <a:solidFill>
+                  <a:schemeClr val="tx1"/>
+                </a:solidFill>
+                <a:latin typeface="+mn-lt"/>
+                <a:ea typeface="+mn-ea"/>
+                <a:cs typeface="+mn-cs"/>
+              </a:defRPr>
+            </a:lvl7pPr>
+            <a:lvl8pPr marL="3200400" indent="0" algn="ctr" defTabSz="914400" rtl="0" eaLnBrk="1" latinLnBrk="0" hangingPunct="1">
+              <a:lnSpc>
+                <a:spcPct val="90000"/>
+              </a:lnSpc>
+              <a:spcBef>
+                <a:spcPts val="500"/>
+              </a:spcBef>
+              <a:buFont typeface="Arial" panose="020B0604020202020204" pitchFamily="34" charset="0"/>
+              <a:buNone/>
+              <a:defRPr sz="1600" kern="1200">
+                <a:solidFill>
+                  <a:schemeClr val="tx1"/>
+                </a:solidFill>
+                <a:latin typeface="+mn-lt"/>
+                <a:ea typeface="+mn-ea"/>
+                <a:cs typeface="+mn-cs"/>
+              </a:defRPr>
+            </a:lvl8pPr>
+            <a:lvl9pPr marL="3657600" indent="0" algn="ctr" defTabSz="914400" rtl="0" eaLnBrk="1" latinLnBrk="0" hangingPunct="1">
+              <a:lnSpc>
+                <a:spcPct val="90000"/>
+              </a:lnSpc>
+              <a:spcBef>
+                <a:spcPts val="500"/>
+              </a:spcBef>
+              <a:buFont typeface="Arial" panose="020B0604020202020204" pitchFamily="34" charset="0"/>
+              <a:buNone/>
+              <a:defRPr sz="1600" kern="1200">
+                <a:solidFill>
+                  <a:schemeClr val="tx1"/>
+                </a:solidFill>
+                <a:latin typeface="+mn-lt"/>
+                <a:ea typeface="+mn-ea"/>
+                <a:cs typeface="+mn-cs"/>
+              </a:defRPr>
+            </a:lvl9pPr>
+          </a:lstStyle>
+          <a:p>
+            <a:pPr>
+              <a:lnSpc>
+                <a:spcPct val="150000"/>
+              </a:lnSpc>
+              <a:spcBef>
+                <a:spcPts val="0"/>
+              </a:spcBef>
+            </a:pPr>
+            <a:r>
+              <a:rPr lang="pt-BR" sz="2200" dirty="0" smtClean="0"/>
+              <a:t>Distância entre todas as sedes</a:t>
+            </a:r>
+          </a:p>
+        </p:txBody>
+      </p:sp>
+      <p:pic>
+        <p:nvPicPr>
+          <p:cNvPr id="3" name="Imagem 2"/>
+          <p:cNvPicPr>
+            <a:picLocks noChangeAspect="1"/>
+          </p:cNvPicPr>
+          <p:nvPr/>
+        </p:nvPicPr>
+        <p:blipFill>
+          <a:blip r:embed="rId2">
+            <a:extLst>
+              <a:ext uri="{28A0092B-C50C-407E-A947-70E740481C1C}">
+                <a14:useLocalDpi xmlns:a14="http://schemas.microsoft.com/office/drawing/2010/main" val="0"/>
+              </a:ext>
+            </a:extLst>
+          </a:blip>
+          <a:stretch>
+            <a:fillRect/>
+          </a:stretch>
+        </p:blipFill>
+        <p:spPr>
+          <a:xfrm>
+            <a:off x="3276695" y="0"/>
+            <a:ext cx="5898536" cy="5681959"/>
+          </a:xfrm>
+          <a:prstGeom prst="rect">
+            <a:avLst/>
+          </a:prstGeom>
+        </p:spPr>
+      </p:pic>
+    </p:spTree>
+    <p:extLst>
+      <p:ext uri="{BB962C8B-B14F-4D97-AF65-F5344CB8AC3E}">
+        <p14:creationId xmlns:p14="http://schemas.microsoft.com/office/powerpoint/2010/main" val="3910553280"/>
+      </p:ext>
+    </p:extLst>
+  </p:cSld>
+  <p:clrMapOvr>
+    <a:masterClrMapping/>
+  </p:clrMapOvr>
+  <p:timing>
+    <p:tnLst>
+      <p:par>
+        <p:cTn id="1" dur="indefinite" restart="never" nodeType="tmRoot"/>
+      </p:par>
+    </p:tnLst>
+  </p:timing>
+</p:sld>
+</file>
+
+<file path=ppt/slides/slide19.xml><?xml version="1.0" encoding="utf-8"?>
+<p:sld xmlns:a="http://schemas.openxmlformats.org/drawingml/2006/main" xmlns:r="http://schemas.openxmlformats.org/officeDocument/2006/relationships" xmlns:p="http://schemas.openxmlformats.org/presentationml/2006/main">
+  <p:cSld>
+    <p:spTree>
+      <p:nvGrpSpPr>
+        <p:cNvPr id="1" name=""/>
+        <p:cNvGrpSpPr/>
+        <p:nvPr/>
+      </p:nvGrpSpPr>
+      <p:grpSpPr>
+        <a:xfrm>
+          <a:off x="0" y="0"/>
+          <a:ext cx="0" cy="0"/>
+          <a:chOff x="0" y="0"/>
+          <a:chExt cx="0" cy="0"/>
+        </a:xfrm>
+      </p:grpSpPr>
+      <p:sp>
+        <p:nvSpPr>
+          <p:cNvPr id="5" name="Subtítulo 4"/>
+          <p:cNvSpPr txBox="1">
+            <a:spLocks/>
+          </p:cNvSpPr>
+          <p:nvPr/>
+        </p:nvSpPr>
+        <p:spPr>
+          <a:xfrm>
+            <a:off x="2194506" y="5448029"/>
+            <a:ext cx="8062914" cy="1409971"/>
+          </a:xfrm>
+          <a:prstGeom prst="rect">
+            <a:avLst/>
+          </a:prstGeom>
+        </p:spPr>
+        <p:txBody>
+          <a:bodyPr vert="horz" lIns="91440" tIns="45720" rIns="91440" bIns="45720" rtlCol="0">
+            <a:normAutofit/>
+          </a:bodyPr>
+          <a:lstStyle>
+            <a:lvl1pPr marL="0" indent="0" algn="ctr" defTabSz="914400" rtl="0" eaLnBrk="1" latinLnBrk="0" hangingPunct="1">
+              <a:lnSpc>
+                <a:spcPct val="90000"/>
+              </a:lnSpc>
+              <a:spcBef>
+                <a:spcPts val="1000"/>
+              </a:spcBef>
+              <a:buFont typeface="Arial" panose="020B0604020202020204" pitchFamily="34" charset="0"/>
+              <a:buNone/>
+              <a:defRPr sz="2400" kern="1200">
+                <a:solidFill>
+                  <a:schemeClr val="tx1"/>
+                </a:solidFill>
+                <a:latin typeface="+mn-lt"/>
+                <a:ea typeface="+mn-ea"/>
+                <a:cs typeface="+mn-cs"/>
+              </a:defRPr>
+            </a:lvl1pPr>
+            <a:lvl2pPr marL="457200" indent="0" algn="ctr" defTabSz="914400" rtl="0" eaLnBrk="1" latinLnBrk="0" hangingPunct="1">
+              <a:lnSpc>
+                <a:spcPct val="90000"/>
+              </a:lnSpc>
+              <a:spcBef>
+                <a:spcPts val="500"/>
+              </a:spcBef>
+              <a:buFont typeface="Arial" panose="020B0604020202020204" pitchFamily="34" charset="0"/>
+              <a:buNone/>
+              <a:defRPr sz="2000" kern="1200">
+                <a:solidFill>
+                  <a:schemeClr val="tx1"/>
+                </a:solidFill>
+                <a:latin typeface="+mn-lt"/>
+                <a:ea typeface="+mn-ea"/>
+                <a:cs typeface="+mn-cs"/>
+              </a:defRPr>
+            </a:lvl2pPr>
+            <a:lvl3pPr marL="914400" indent="0" algn="ctr" defTabSz="914400" rtl="0" eaLnBrk="1" latinLnBrk="0" hangingPunct="1">
+              <a:lnSpc>
+                <a:spcPct val="90000"/>
+              </a:lnSpc>
+              <a:spcBef>
+                <a:spcPts val="500"/>
+              </a:spcBef>
+              <a:buFont typeface="Arial" panose="020B0604020202020204" pitchFamily="34" charset="0"/>
+              <a:buNone/>
+              <a:defRPr sz="1800" kern="1200">
+                <a:solidFill>
+                  <a:schemeClr val="tx1"/>
+                </a:solidFill>
+                <a:latin typeface="+mn-lt"/>
+                <a:ea typeface="+mn-ea"/>
+                <a:cs typeface="+mn-cs"/>
+              </a:defRPr>
+            </a:lvl3pPr>
+            <a:lvl4pPr marL="1371600" indent="0" algn="ctr" defTabSz="914400" rtl="0" eaLnBrk="1" latinLnBrk="0" hangingPunct="1">
+              <a:lnSpc>
+                <a:spcPct val="90000"/>
+              </a:lnSpc>
+              <a:spcBef>
+                <a:spcPts val="500"/>
+              </a:spcBef>
+              <a:buFont typeface="Arial" panose="020B0604020202020204" pitchFamily="34" charset="0"/>
+              <a:buNone/>
+              <a:defRPr sz="1600" kern="1200">
+                <a:solidFill>
+                  <a:schemeClr val="tx1"/>
+                </a:solidFill>
+                <a:latin typeface="+mn-lt"/>
+                <a:ea typeface="+mn-ea"/>
+                <a:cs typeface="+mn-cs"/>
+              </a:defRPr>
+            </a:lvl4pPr>
+            <a:lvl5pPr marL="1828800" indent="0" algn="ctr" defTabSz="914400" rtl="0" eaLnBrk="1" latinLnBrk="0" hangingPunct="1">
+              <a:lnSpc>
+                <a:spcPct val="90000"/>
+              </a:lnSpc>
+              <a:spcBef>
+                <a:spcPts val="500"/>
+              </a:spcBef>
+              <a:buFont typeface="Arial" panose="020B0604020202020204" pitchFamily="34" charset="0"/>
+              <a:buNone/>
+              <a:defRPr sz="1600" kern="1200">
+                <a:solidFill>
+                  <a:schemeClr val="tx1"/>
+                </a:solidFill>
+                <a:latin typeface="+mn-lt"/>
+                <a:ea typeface="+mn-ea"/>
+                <a:cs typeface="+mn-cs"/>
+              </a:defRPr>
+            </a:lvl5pPr>
+            <a:lvl6pPr marL="2286000" indent="0" algn="ctr" defTabSz="914400" rtl="0" eaLnBrk="1" latinLnBrk="0" hangingPunct="1">
+              <a:lnSpc>
+                <a:spcPct val="90000"/>
+              </a:lnSpc>
+              <a:spcBef>
+                <a:spcPts val="500"/>
+              </a:spcBef>
+              <a:buFont typeface="Arial" panose="020B0604020202020204" pitchFamily="34" charset="0"/>
+              <a:buNone/>
+              <a:defRPr sz="1600" kern="1200">
+                <a:solidFill>
+                  <a:schemeClr val="tx1"/>
+                </a:solidFill>
+                <a:latin typeface="+mn-lt"/>
+                <a:ea typeface="+mn-ea"/>
+                <a:cs typeface="+mn-cs"/>
+              </a:defRPr>
+            </a:lvl6pPr>
+            <a:lvl7pPr marL="2743200" indent="0" algn="ctr" defTabSz="914400" rtl="0" eaLnBrk="1" latinLnBrk="0" hangingPunct="1">
+              <a:lnSpc>
+                <a:spcPct val="90000"/>
+              </a:lnSpc>
+              <a:spcBef>
+                <a:spcPts val="500"/>
+              </a:spcBef>
+              <a:buFont typeface="Arial" panose="020B0604020202020204" pitchFamily="34" charset="0"/>
+              <a:buNone/>
+              <a:defRPr sz="1600" kern="1200">
+                <a:solidFill>
+                  <a:schemeClr val="tx1"/>
+                </a:solidFill>
+                <a:latin typeface="+mn-lt"/>
+                <a:ea typeface="+mn-ea"/>
+                <a:cs typeface="+mn-cs"/>
+              </a:defRPr>
+            </a:lvl7pPr>
+            <a:lvl8pPr marL="3200400" indent="0" algn="ctr" defTabSz="914400" rtl="0" eaLnBrk="1" latinLnBrk="0" hangingPunct="1">
+              <a:lnSpc>
+                <a:spcPct val="90000"/>
+              </a:lnSpc>
+              <a:spcBef>
+                <a:spcPts val="500"/>
+              </a:spcBef>
+              <a:buFont typeface="Arial" panose="020B0604020202020204" pitchFamily="34" charset="0"/>
+              <a:buNone/>
+              <a:defRPr sz="1600" kern="1200">
+                <a:solidFill>
+                  <a:schemeClr val="tx1"/>
+                </a:solidFill>
+                <a:latin typeface="+mn-lt"/>
+                <a:ea typeface="+mn-ea"/>
+                <a:cs typeface="+mn-cs"/>
+              </a:defRPr>
+            </a:lvl8pPr>
+            <a:lvl9pPr marL="3657600" indent="0" algn="ctr" defTabSz="914400" rtl="0" eaLnBrk="1" latinLnBrk="0" hangingPunct="1">
+              <a:lnSpc>
+                <a:spcPct val="90000"/>
+              </a:lnSpc>
+              <a:spcBef>
+                <a:spcPts val="500"/>
+              </a:spcBef>
+              <a:buFont typeface="Arial" panose="020B0604020202020204" pitchFamily="34" charset="0"/>
+              <a:buNone/>
+              <a:defRPr sz="1600" kern="1200">
+                <a:solidFill>
+                  <a:schemeClr val="tx1"/>
+                </a:solidFill>
+                <a:latin typeface="+mn-lt"/>
+                <a:ea typeface="+mn-ea"/>
+                <a:cs typeface="+mn-cs"/>
+              </a:defRPr>
+            </a:lvl9pPr>
+          </a:lstStyle>
+          <a:p>
+            <a:pPr>
+              <a:lnSpc>
+                <a:spcPct val="150000"/>
+              </a:lnSpc>
+              <a:spcBef>
+                <a:spcPts val="0"/>
+              </a:spcBef>
+            </a:pPr>
+            <a:r>
+              <a:rPr lang="pt-BR" sz="2200" dirty="0" smtClean="0"/>
+              <a:t>Estados Unidos</a:t>
+            </a:r>
+          </a:p>
+          <a:p>
+            <a:pPr>
+              <a:lnSpc>
+                <a:spcPct val="150000"/>
+              </a:lnSpc>
+              <a:spcBef>
+                <a:spcPts val="0"/>
+              </a:spcBef>
+            </a:pPr>
+            <a:r>
+              <a:rPr lang="pt-BR" sz="2200" dirty="0" smtClean="0"/>
+              <a:t>Distância: 10 053 Km</a:t>
+            </a:r>
+          </a:p>
+        </p:txBody>
+      </p:sp>
+      <p:pic>
+        <p:nvPicPr>
+          <p:cNvPr id="2" name="Imagem 1"/>
+          <p:cNvPicPr>
+            <a:picLocks noChangeAspect="1"/>
+          </p:cNvPicPr>
+          <p:nvPr/>
+        </p:nvPicPr>
+        <p:blipFill>
+          <a:blip r:embed="rId2">
+            <a:extLst>
+              <a:ext uri="{28A0092B-C50C-407E-A947-70E740481C1C}">
+                <a14:useLocalDpi xmlns:a14="http://schemas.microsoft.com/office/drawing/2010/main" val="0"/>
+              </a:ext>
+            </a:extLst>
+          </a:blip>
+          <a:stretch>
+            <a:fillRect/>
+          </a:stretch>
+        </p:blipFill>
+        <p:spPr>
+          <a:xfrm>
+            <a:off x="2955919" y="0"/>
+            <a:ext cx="6373820" cy="5560699"/>
+          </a:xfrm>
+          <a:prstGeom prst="rect">
+            <a:avLst/>
+          </a:prstGeom>
+        </p:spPr>
+      </p:pic>
+    </p:spTree>
+    <p:extLst>
+      <p:ext uri="{BB962C8B-B14F-4D97-AF65-F5344CB8AC3E}">
+        <p14:creationId xmlns:p14="http://schemas.microsoft.com/office/powerpoint/2010/main" val="1180911144"/>
+      </p:ext>
+    </p:extLst>
+  </p:cSld>
+  <p:clrMapOvr>
+    <a:masterClrMapping/>
+  </p:clrMapOvr>
+  <p:timing>
+    <p:tnLst>
+      <p:par>
+        <p:cTn id="1" dur="indefinite" restart="never" nodeType="tmRoot"/>
+      </p:par>
+    </p:tnLst>
+  </p:timing>
+</p:sld>
+</file>
+
+<file path=ppt/slides/slide2.xml><?xml version="1.0" encoding="utf-8"?>
+<p:sld xmlns:a="http://schemas.openxmlformats.org/drawingml/2006/main" xmlns:r="http://schemas.openxmlformats.org/officeDocument/2006/relationships" xmlns:p="http://schemas.openxmlformats.org/presentationml/2006/main">
+  <p:cSld>
+    <p:spTree>
+      <p:nvGrpSpPr>
+        <p:cNvPr id="1" name=""/>
+        <p:cNvGrpSpPr/>
+        <p:nvPr/>
+      </p:nvGrpSpPr>
+      <p:grpSpPr>
+        <a:xfrm>
+          <a:off x="0" y="0"/>
+          <a:ext cx="0" cy="0"/>
+          <a:chOff x="0" y="0"/>
+          <a:chExt cx="0" cy="0"/>
+        </a:xfrm>
+      </p:grpSpPr>
+      <p:sp>
+        <p:nvSpPr>
+          <p:cNvPr id="5" name="Subtítulo 4"/>
+          <p:cNvSpPr>
+            <a:spLocks noGrp="1"/>
+          </p:cNvSpPr>
+          <p:nvPr>
+            <p:ph type="subTitle" idx="1"/>
+          </p:nvPr>
+        </p:nvSpPr>
+        <p:spPr>
+          <a:xfrm>
+            <a:off x="1523999" y="1869143"/>
+            <a:ext cx="9144000" cy="2985246"/>
+          </a:xfrm>
+        </p:spPr>
+        <p:txBody>
+          <a:bodyPr>
+            <a:normAutofit/>
+          </a:bodyPr>
+          <a:lstStyle/>
+          <a:p>
+            <a:pPr indent="457200" algn="just">
+              <a:lnSpc>
+                <a:spcPct val="150000"/>
+              </a:lnSpc>
+              <a:spcBef>
+                <a:spcPts val="0"/>
+              </a:spcBef>
+            </a:pPr>
+            <a:r>
+              <a:rPr lang="pt-BR" sz="2200" dirty="0" smtClean="0"/>
+              <a:t>Este trabalho visa a aplicação dos algoritmos aprendidos na disciplina “Teoria dos Grafos” sob um determinado domínio de dados para a formulação de aplicação prática.</a:t>
+            </a:r>
+            <a:endParaRPr lang="pt-BR" sz="2200" dirty="0"/>
+          </a:p>
+        </p:txBody>
+      </p:sp>
+      <p:sp>
+        <p:nvSpPr>
+          <p:cNvPr id="10" name="Subtítulo 2"/>
+          <p:cNvSpPr txBox="1">
+            <a:spLocks/>
+          </p:cNvSpPr>
+          <p:nvPr/>
+        </p:nvSpPr>
+        <p:spPr>
+          <a:xfrm>
+            <a:off x="858371" y="670579"/>
+            <a:ext cx="665629" cy="539656"/>
+          </a:xfrm>
+          <a:prstGeom prst="rect">
+            <a:avLst/>
+          </a:prstGeom>
+          <a:solidFill>
+            <a:srgbClr val="00CC00"/>
+          </a:solidFill>
+        </p:spPr>
+        <p:txBody>
+          <a:bodyPr vert="horz" lIns="91440" tIns="45720" rIns="91440" bIns="45720" rtlCol="0" anchor="ctr">
+            <a:normAutofit/>
+          </a:bodyPr>
+          <a:lstStyle>
+            <a:lvl1pPr marL="0" indent="0" algn="ctr" defTabSz="914400" rtl="0" eaLnBrk="1" latinLnBrk="0" hangingPunct="1">
+              <a:lnSpc>
+                <a:spcPct val="90000"/>
+              </a:lnSpc>
+              <a:spcBef>
+                <a:spcPts val="1000"/>
+              </a:spcBef>
+              <a:buFont typeface="Arial" panose="020B0604020202020204" pitchFamily="34" charset="0"/>
+              <a:buNone/>
+              <a:defRPr sz="2400" kern="1200">
+                <a:solidFill>
+                  <a:schemeClr val="tx1"/>
+                </a:solidFill>
+                <a:latin typeface="+mn-lt"/>
+                <a:ea typeface="+mn-ea"/>
+                <a:cs typeface="+mn-cs"/>
+              </a:defRPr>
+            </a:lvl1pPr>
+            <a:lvl2pPr marL="457200" indent="0" algn="ctr" defTabSz="914400" rtl="0" eaLnBrk="1" latinLnBrk="0" hangingPunct="1">
+              <a:lnSpc>
+                <a:spcPct val="90000"/>
+              </a:lnSpc>
+              <a:spcBef>
+                <a:spcPts val="500"/>
+              </a:spcBef>
+              <a:buFont typeface="Arial" panose="020B0604020202020204" pitchFamily="34" charset="0"/>
+              <a:buNone/>
+              <a:defRPr sz="2000" kern="1200">
+                <a:solidFill>
+                  <a:schemeClr val="tx1"/>
+                </a:solidFill>
+                <a:latin typeface="+mn-lt"/>
+                <a:ea typeface="+mn-ea"/>
+                <a:cs typeface="+mn-cs"/>
+              </a:defRPr>
+            </a:lvl2pPr>
+            <a:lvl3pPr marL="914400" indent="0" algn="ctr" defTabSz="914400" rtl="0" eaLnBrk="1" latinLnBrk="0" hangingPunct="1">
+              <a:lnSpc>
+                <a:spcPct val="90000"/>
+              </a:lnSpc>
+              <a:spcBef>
+                <a:spcPts val="500"/>
+              </a:spcBef>
+              <a:buFont typeface="Arial" panose="020B0604020202020204" pitchFamily="34" charset="0"/>
+              <a:buNone/>
+              <a:defRPr sz="1800" kern="1200">
+                <a:solidFill>
+                  <a:schemeClr val="tx1"/>
+                </a:solidFill>
+                <a:latin typeface="+mn-lt"/>
+                <a:ea typeface="+mn-ea"/>
+                <a:cs typeface="+mn-cs"/>
+              </a:defRPr>
+            </a:lvl3pPr>
+            <a:lvl4pPr marL="1371600" indent="0" algn="ctr" defTabSz="914400" rtl="0" eaLnBrk="1" latinLnBrk="0" hangingPunct="1">
+              <a:lnSpc>
+                <a:spcPct val="90000"/>
+              </a:lnSpc>
+              <a:spcBef>
+                <a:spcPts val="500"/>
+              </a:spcBef>
+              <a:buFont typeface="Arial" panose="020B0604020202020204" pitchFamily="34" charset="0"/>
+              <a:buNone/>
+              <a:defRPr sz="1600" kern="1200">
+                <a:solidFill>
+                  <a:schemeClr val="tx1"/>
+                </a:solidFill>
+                <a:latin typeface="+mn-lt"/>
+                <a:ea typeface="+mn-ea"/>
+                <a:cs typeface="+mn-cs"/>
+              </a:defRPr>
+            </a:lvl4pPr>
+            <a:lvl5pPr marL="1828800" indent="0" algn="ctr" defTabSz="914400" rtl="0" eaLnBrk="1" latinLnBrk="0" hangingPunct="1">
+              <a:lnSpc>
+                <a:spcPct val="90000"/>
+              </a:lnSpc>
+              <a:spcBef>
+                <a:spcPts val="500"/>
+              </a:spcBef>
+              <a:buFont typeface="Arial" panose="020B0604020202020204" pitchFamily="34" charset="0"/>
+              <a:buNone/>
+              <a:defRPr sz="1600" kern="1200">
+                <a:solidFill>
+                  <a:schemeClr val="tx1"/>
+                </a:solidFill>
+                <a:latin typeface="+mn-lt"/>
+                <a:ea typeface="+mn-ea"/>
+                <a:cs typeface="+mn-cs"/>
+              </a:defRPr>
+            </a:lvl5pPr>
+            <a:lvl6pPr marL="2286000" indent="0" algn="ctr" defTabSz="914400" rtl="0" eaLnBrk="1" latinLnBrk="0" hangingPunct="1">
+              <a:lnSpc>
+                <a:spcPct val="90000"/>
+              </a:lnSpc>
+              <a:spcBef>
+                <a:spcPts val="500"/>
+              </a:spcBef>
+              <a:buFont typeface="Arial" panose="020B0604020202020204" pitchFamily="34" charset="0"/>
+              <a:buNone/>
+              <a:defRPr sz="1600" kern="1200">
+                <a:solidFill>
+                  <a:schemeClr val="tx1"/>
+                </a:solidFill>
+                <a:latin typeface="+mn-lt"/>
+                <a:ea typeface="+mn-ea"/>
+                <a:cs typeface="+mn-cs"/>
+              </a:defRPr>
+            </a:lvl6pPr>
+            <a:lvl7pPr marL="2743200" indent="0" algn="ctr" defTabSz="914400" rtl="0" eaLnBrk="1" latinLnBrk="0" hangingPunct="1">
+              <a:lnSpc>
+                <a:spcPct val="90000"/>
+              </a:lnSpc>
+              <a:spcBef>
+                <a:spcPts val="500"/>
+              </a:spcBef>
+              <a:buFont typeface="Arial" panose="020B0604020202020204" pitchFamily="34" charset="0"/>
+              <a:buNone/>
+              <a:defRPr sz="1600" kern="1200">
+                <a:solidFill>
+                  <a:schemeClr val="tx1"/>
+                </a:solidFill>
+                <a:latin typeface="+mn-lt"/>
+                <a:ea typeface="+mn-ea"/>
+                <a:cs typeface="+mn-cs"/>
+              </a:defRPr>
+            </a:lvl7pPr>
+            <a:lvl8pPr marL="3200400" indent="0" algn="ctr" defTabSz="914400" rtl="0" eaLnBrk="1" latinLnBrk="0" hangingPunct="1">
+              <a:lnSpc>
+                <a:spcPct val="90000"/>
+              </a:lnSpc>
+              <a:spcBef>
+                <a:spcPts val="500"/>
+              </a:spcBef>
+              <a:buFont typeface="Arial" panose="020B0604020202020204" pitchFamily="34" charset="0"/>
+              <a:buNone/>
+              <a:defRPr sz="1600" kern="1200">
+                <a:solidFill>
+                  <a:schemeClr val="tx1"/>
+                </a:solidFill>
+                <a:latin typeface="+mn-lt"/>
+                <a:ea typeface="+mn-ea"/>
+                <a:cs typeface="+mn-cs"/>
+              </a:defRPr>
+            </a:lvl8pPr>
+            <a:lvl9pPr marL="3657600" indent="0" algn="ctr" defTabSz="914400" rtl="0" eaLnBrk="1" latinLnBrk="0" hangingPunct="1">
+              <a:lnSpc>
+                <a:spcPct val="90000"/>
+              </a:lnSpc>
+              <a:spcBef>
+                <a:spcPts val="500"/>
+              </a:spcBef>
+              <a:buFont typeface="Arial" panose="020B0604020202020204" pitchFamily="34" charset="0"/>
+              <a:buNone/>
+              <a:defRPr sz="1600" kern="1200">
+                <a:solidFill>
+                  <a:schemeClr val="tx1"/>
+                </a:solidFill>
+                <a:latin typeface="+mn-lt"/>
+                <a:ea typeface="+mn-ea"/>
+                <a:cs typeface="+mn-cs"/>
+              </a:defRPr>
+            </a:lvl9pPr>
+          </a:lstStyle>
+          <a:p>
+            <a:r>
+              <a:rPr lang="pt-BR" dirty="0" smtClean="0">
+                <a:solidFill>
+                  <a:schemeClr val="bg1"/>
+                </a:solidFill>
+                <a:latin typeface="Adventure" panose="02000500000000000000" pitchFamily="2" charset="0"/>
+              </a:rPr>
+              <a:t>1</a:t>
+            </a:r>
+            <a:endParaRPr lang="pt-BR" dirty="0">
+              <a:solidFill>
+                <a:schemeClr val="bg1"/>
+              </a:solidFill>
+              <a:latin typeface="Adventure" panose="02000500000000000000" pitchFamily="2" charset="0"/>
+            </a:endParaRPr>
+          </a:p>
+        </p:txBody>
+      </p:sp>
+      <p:sp>
+        <p:nvSpPr>
+          <p:cNvPr id="11" name="Subtítulo 2"/>
+          <p:cNvSpPr txBox="1">
+            <a:spLocks/>
+          </p:cNvSpPr>
+          <p:nvPr/>
+        </p:nvSpPr>
+        <p:spPr>
+          <a:xfrm>
+            <a:off x="1523999" y="670579"/>
+            <a:ext cx="3316942" cy="539656"/>
+          </a:xfrm>
+          <a:prstGeom prst="rect">
+            <a:avLst/>
+          </a:prstGeom>
+          <a:solidFill>
+            <a:schemeClr val="tx1"/>
+          </a:solidFill>
+        </p:spPr>
+        <p:txBody>
+          <a:bodyPr vert="horz" lIns="91440" tIns="45720" rIns="91440" bIns="45720" rtlCol="0" anchor="ctr">
+            <a:normAutofit/>
+          </a:bodyPr>
+          <a:lstStyle>
+            <a:lvl1pPr marL="0" indent="0" algn="ctr" defTabSz="914400" rtl="0" eaLnBrk="1" latinLnBrk="0" hangingPunct="1">
+              <a:lnSpc>
+                <a:spcPct val="90000"/>
+              </a:lnSpc>
+              <a:spcBef>
+                <a:spcPts val="1000"/>
+              </a:spcBef>
+              <a:buFont typeface="Arial" panose="020B0604020202020204" pitchFamily="34" charset="0"/>
+              <a:buNone/>
+              <a:defRPr sz="2400" kern="1200">
+                <a:solidFill>
+                  <a:schemeClr val="tx1"/>
+                </a:solidFill>
+                <a:latin typeface="+mn-lt"/>
+                <a:ea typeface="+mn-ea"/>
+                <a:cs typeface="+mn-cs"/>
+              </a:defRPr>
+            </a:lvl1pPr>
+            <a:lvl2pPr marL="457200" indent="0" algn="ctr" defTabSz="914400" rtl="0" eaLnBrk="1" latinLnBrk="0" hangingPunct="1">
+              <a:lnSpc>
+                <a:spcPct val="90000"/>
+              </a:lnSpc>
+              <a:spcBef>
+                <a:spcPts val="500"/>
+              </a:spcBef>
+              <a:buFont typeface="Arial" panose="020B0604020202020204" pitchFamily="34" charset="0"/>
+              <a:buNone/>
+              <a:defRPr sz="2000" kern="1200">
+                <a:solidFill>
+                  <a:schemeClr val="tx1"/>
+                </a:solidFill>
+                <a:latin typeface="+mn-lt"/>
+                <a:ea typeface="+mn-ea"/>
+                <a:cs typeface="+mn-cs"/>
+              </a:defRPr>
+            </a:lvl2pPr>
+            <a:lvl3pPr marL="914400" indent="0" algn="ctr" defTabSz="914400" rtl="0" eaLnBrk="1" latinLnBrk="0" hangingPunct="1">
+              <a:lnSpc>
+                <a:spcPct val="90000"/>
+              </a:lnSpc>
+              <a:spcBef>
+                <a:spcPts val="500"/>
+              </a:spcBef>
+              <a:buFont typeface="Arial" panose="020B0604020202020204" pitchFamily="34" charset="0"/>
+              <a:buNone/>
+              <a:defRPr sz="1800" kern="1200">
+                <a:solidFill>
+                  <a:schemeClr val="tx1"/>
+                </a:solidFill>
+                <a:latin typeface="+mn-lt"/>
+                <a:ea typeface="+mn-ea"/>
+                <a:cs typeface="+mn-cs"/>
+              </a:defRPr>
+            </a:lvl3pPr>
+            <a:lvl4pPr marL="1371600" indent="0" algn="ctr" defTabSz="914400" rtl="0" eaLnBrk="1" latinLnBrk="0" hangingPunct="1">
+              <a:lnSpc>
+                <a:spcPct val="90000"/>
+              </a:lnSpc>
+              <a:spcBef>
+                <a:spcPts val="500"/>
+              </a:spcBef>
+              <a:buFont typeface="Arial" panose="020B0604020202020204" pitchFamily="34" charset="0"/>
+              <a:buNone/>
+              <a:defRPr sz="1600" kern="1200">
+                <a:solidFill>
+                  <a:schemeClr val="tx1"/>
+                </a:solidFill>
+                <a:latin typeface="+mn-lt"/>
+                <a:ea typeface="+mn-ea"/>
+                <a:cs typeface="+mn-cs"/>
+              </a:defRPr>
+            </a:lvl4pPr>
+            <a:lvl5pPr marL="1828800" indent="0" algn="ctr" defTabSz="914400" rtl="0" eaLnBrk="1" latinLnBrk="0" hangingPunct="1">
+              <a:lnSpc>
+                <a:spcPct val="90000"/>
+              </a:lnSpc>
+              <a:spcBef>
+                <a:spcPts val="500"/>
+              </a:spcBef>
+              <a:buFont typeface="Arial" panose="020B0604020202020204" pitchFamily="34" charset="0"/>
+              <a:buNone/>
+              <a:defRPr sz="1600" kern="1200">
+                <a:solidFill>
+                  <a:schemeClr val="tx1"/>
+                </a:solidFill>
+                <a:latin typeface="+mn-lt"/>
+                <a:ea typeface="+mn-ea"/>
+                <a:cs typeface="+mn-cs"/>
+              </a:defRPr>
+            </a:lvl5pPr>
+            <a:lvl6pPr marL="2286000" indent="0" algn="ctr" defTabSz="914400" rtl="0" eaLnBrk="1" latinLnBrk="0" hangingPunct="1">
+              <a:lnSpc>
+                <a:spcPct val="90000"/>
+              </a:lnSpc>
+              <a:spcBef>
+                <a:spcPts val="500"/>
+              </a:spcBef>
+              <a:buFont typeface="Arial" panose="020B0604020202020204" pitchFamily="34" charset="0"/>
+              <a:buNone/>
+              <a:defRPr sz="1600" kern="1200">
+                <a:solidFill>
+                  <a:schemeClr val="tx1"/>
+                </a:solidFill>
+                <a:latin typeface="+mn-lt"/>
+                <a:ea typeface="+mn-ea"/>
+                <a:cs typeface="+mn-cs"/>
+              </a:defRPr>
+            </a:lvl6pPr>
+            <a:lvl7pPr marL="2743200" indent="0" algn="ctr" defTabSz="914400" rtl="0" eaLnBrk="1" latinLnBrk="0" hangingPunct="1">
+              <a:lnSpc>
+                <a:spcPct val="90000"/>
+              </a:lnSpc>
+              <a:spcBef>
+                <a:spcPts val="500"/>
+              </a:spcBef>
+              <a:buFont typeface="Arial" panose="020B0604020202020204" pitchFamily="34" charset="0"/>
+              <a:buNone/>
+              <a:defRPr sz="1600" kern="1200">
+                <a:solidFill>
+                  <a:schemeClr val="tx1"/>
+                </a:solidFill>
+                <a:latin typeface="+mn-lt"/>
+                <a:ea typeface="+mn-ea"/>
+                <a:cs typeface="+mn-cs"/>
+              </a:defRPr>
+            </a:lvl7pPr>
+            <a:lvl8pPr marL="3200400" indent="0" algn="ctr" defTabSz="914400" rtl="0" eaLnBrk="1" latinLnBrk="0" hangingPunct="1">
+              <a:lnSpc>
+                <a:spcPct val="90000"/>
+              </a:lnSpc>
+              <a:spcBef>
+                <a:spcPts val="500"/>
+              </a:spcBef>
+              <a:buFont typeface="Arial" panose="020B0604020202020204" pitchFamily="34" charset="0"/>
+              <a:buNone/>
+              <a:defRPr sz="1600" kern="1200">
+                <a:solidFill>
+                  <a:schemeClr val="tx1"/>
+                </a:solidFill>
+                <a:latin typeface="+mn-lt"/>
+                <a:ea typeface="+mn-ea"/>
+                <a:cs typeface="+mn-cs"/>
+              </a:defRPr>
+            </a:lvl8pPr>
+            <a:lvl9pPr marL="3657600" indent="0" algn="ctr" defTabSz="914400" rtl="0" eaLnBrk="1" latinLnBrk="0" hangingPunct="1">
+              <a:lnSpc>
+                <a:spcPct val="90000"/>
+              </a:lnSpc>
+              <a:spcBef>
+                <a:spcPts val="500"/>
+              </a:spcBef>
+              <a:buFont typeface="Arial" panose="020B0604020202020204" pitchFamily="34" charset="0"/>
+              <a:buNone/>
+              <a:defRPr sz="1600" kern="1200">
+                <a:solidFill>
+                  <a:schemeClr val="tx1"/>
+                </a:solidFill>
+                <a:latin typeface="+mn-lt"/>
+                <a:ea typeface="+mn-ea"/>
+                <a:cs typeface="+mn-cs"/>
+              </a:defRPr>
+            </a:lvl9pPr>
+          </a:lstStyle>
+          <a:p>
+            <a:r>
+              <a:rPr lang="pt-BR" dirty="0" smtClean="0">
+                <a:solidFill>
+                  <a:schemeClr val="bg1"/>
+                </a:solidFill>
+                <a:latin typeface="Adventure" panose="02000500000000000000" pitchFamily="2" charset="0"/>
+              </a:rPr>
+              <a:t>Introdução</a:t>
+            </a:r>
+            <a:endParaRPr lang="pt-BR" dirty="0">
+              <a:solidFill>
+                <a:schemeClr val="bg1"/>
+              </a:solidFill>
+              <a:latin typeface="Adventure" panose="02000500000000000000" pitchFamily="2" charset="0"/>
+            </a:endParaRPr>
+          </a:p>
+        </p:txBody>
+      </p:sp>
+      <p:grpSp>
+        <p:nvGrpSpPr>
+          <p:cNvPr id="14" name="Grupo 13"/>
+          <p:cNvGrpSpPr/>
+          <p:nvPr/>
+        </p:nvGrpSpPr>
+        <p:grpSpPr>
+          <a:xfrm>
+            <a:off x="8908771" y="6615951"/>
+            <a:ext cx="3283229" cy="242049"/>
+            <a:chOff x="7693420" y="2028616"/>
+            <a:chExt cx="2615991" cy="256498"/>
+          </a:xfrm>
+          <a:solidFill>
+            <a:srgbClr val="00CC00"/>
+          </a:solidFill>
+        </p:grpSpPr>
+        <p:sp>
+          <p:nvSpPr>
+            <p:cNvPr id="12" name="Subtítulo 2"/>
+            <p:cNvSpPr txBox="1">
+              <a:spLocks/>
+            </p:cNvSpPr>
+            <p:nvPr/>
+          </p:nvSpPr>
+          <p:spPr>
+            <a:xfrm>
+              <a:off x="8027893" y="2028617"/>
+              <a:ext cx="2281518" cy="256497"/>
+            </a:xfrm>
+            <a:prstGeom prst="rect">
+              <a:avLst/>
+            </a:prstGeom>
+            <a:grpFill/>
+            <a:ln>
+              <a:noFill/>
+            </a:ln>
+          </p:spPr>
+          <p:txBody>
+            <a:bodyPr vert="horz" lIns="91440" tIns="45720" rIns="91440" bIns="45720" rtlCol="0" anchor="ctr">
+              <a:noAutofit/>
+            </a:bodyPr>
+            <a:lstStyle>
+              <a:lvl1pPr marL="0" indent="0" algn="ctr" defTabSz="914400" rtl="0" eaLnBrk="1" latinLnBrk="0" hangingPunct="1">
+                <a:lnSpc>
+                  <a:spcPct val="90000"/>
+                </a:lnSpc>
+                <a:spcBef>
+                  <a:spcPts val="1000"/>
+                </a:spcBef>
+                <a:buFont typeface="Arial" panose="020B0604020202020204" pitchFamily="34" charset="0"/>
+                <a:buNone/>
+                <a:defRPr sz="2400" kern="1200">
+                  <a:solidFill>
+                    <a:schemeClr val="tx1"/>
+                  </a:solidFill>
+                  <a:latin typeface="+mn-lt"/>
+                  <a:ea typeface="+mn-ea"/>
+                  <a:cs typeface="+mn-cs"/>
+                </a:defRPr>
+              </a:lvl1pPr>
+              <a:lvl2pPr marL="457200" indent="0" algn="ctr" defTabSz="914400" rtl="0" eaLnBrk="1" latinLnBrk="0" hangingPunct="1">
+                <a:lnSpc>
+                  <a:spcPct val="90000"/>
+                </a:lnSpc>
+                <a:spcBef>
+                  <a:spcPts val="500"/>
+                </a:spcBef>
+                <a:buFont typeface="Arial" panose="020B0604020202020204" pitchFamily="34" charset="0"/>
+                <a:buNone/>
+                <a:defRPr sz="2000" kern="1200">
+                  <a:solidFill>
+                    <a:schemeClr val="tx1"/>
+                  </a:solidFill>
+                  <a:latin typeface="+mn-lt"/>
+                  <a:ea typeface="+mn-ea"/>
+                  <a:cs typeface="+mn-cs"/>
+                </a:defRPr>
+              </a:lvl2pPr>
+              <a:lvl3pPr marL="914400" indent="0" algn="ctr" defTabSz="914400" rtl="0" eaLnBrk="1" latinLnBrk="0" hangingPunct="1">
+                <a:lnSpc>
+                  <a:spcPct val="90000"/>
+                </a:lnSpc>
+                <a:spcBef>
+                  <a:spcPts val="500"/>
+                </a:spcBef>
+                <a:buFont typeface="Arial" panose="020B0604020202020204" pitchFamily="34" charset="0"/>
+                <a:buNone/>
+                <a:defRPr sz="1800" kern="1200">
+                  <a:solidFill>
+                    <a:schemeClr val="tx1"/>
+                  </a:solidFill>
+                  <a:latin typeface="+mn-lt"/>
+                  <a:ea typeface="+mn-ea"/>
+                  <a:cs typeface="+mn-cs"/>
+                </a:defRPr>
+              </a:lvl3pPr>
+              <a:lvl4pPr marL="1371600" indent="0" algn="ctr" defTabSz="914400" rtl="0" eaLnBrk="1" latinLnBrk="0" hangingPunct="1">
+                <a:lnSpc>
+                  <a:spcPct val="90000"/>
+                </a:lnSpc>
+                <a:spcBef>
+                  <a:spcPts val="500"/>
+                </a:spcBef>
+                <a:buFont typeface="Arial" panose="020B0604020202020204" pitchFamily="34" charset="0"/>
+                <a:buNone/>
+                <a:defRPr sz="1600" kern="1200">
+                  <a:solidFill>
+                    <a:schemeClr val="tx1"/>
+                  </a:solidFill>
+                  <a:latin typeface="+mn-lt"/>
+                  <a:ea typeface="+mn-ea"/>
+                  <a:cs typeface="+mn-cs"/>
+                </a:defRPr>
+              </a:lvl4pPr>
+              <a:lvl5pPr marL="1828800" indent="0" algn="ctr" defTabSz="914400" rtl="0" eaLnBrk="1" latinLnBrk="0" hangingPunct="1">
+                <a:lnSpc>
+                  <a:spcPct val="90000"/>
+                </a:lnSpc>
+                <a:spcBef>
+                  <a:spcPts val="500"/>
+                </a:spcBef>
+                <a:buFont typeface="Arial" panose="020B0604020202020204" pitchFamily="34" charset="0"/>
+                <a:buNone/>
+                <a:defRPr sz="1600" kern="1200">
+                  <a:solidFill>
+                    <a:schemeClr val="tx1"/>
+                  </a:solidFill>
+                  <a:latin typeface="+mn-lt"/>
+                  <a:ea typeface="+mn-ea"/>
+                  <a:cs typeface="+mn-cs"/>
+                </a:defRPr>
+              </a:lvl5pPr>
+              <a:lvl6pPr marL="2286000" indent="0" algn="ctr" defTabSz="914400" rtl="0" eaLnBrk="1" latinLnBrk="0" hangingPunct="1">
+                <a:lnSpc>
+                  <a:spcPct val="90000"/>
+                </a:lnSpc>
+                <a:spcBef>
+                  <a:spcPts val="500"/>
+                </a:spcBef>
+                <a:buFont typeface="Arial" panose="020B0604020202020204" pitchFamily="34" charset="0"/>
+                <a:buNone/>
+                <a:defRPr sz="1600" kern="1200">
+                  <a:solidFill>
+                    <a:schemeClr val="tx1"/>
+                  </a:solidFill>
+                  <a:latin typeface="+mn-lt"/>
+                  <a:ea typeface="+mn-ea"/>
+                  <a:cs typeface="+mn-cs"/>
+                </a:defRPr>
+              </a:lvl6pPr>
+              <a:lvl7pPr marL="2743200" indent="0" algn="ctr" defTabSz="914400" rtl="0" eaLnBrk="1" latinLnBrk="0" hangingPunct="1">
+                <a:lnSpc>
+                  <a:spcPct val="90000"/>
+                </a:lnSpc>
+                <a:spcBef>
+                  <a:spcPts val="500"/>
+                </a:spcBef>
+                <a:buFont typeface="Arial" panose="020B0604020202020204" pitchFamily="34" charset="0"/>
+                <a:buNone/>
+                <a:defRPr sz="1600" kern="1200">
+                  <a:solidFill>
+                    <a:schemeClr val="tx1"/>
+                  </a:solidFill>
+                  <a:latin typeface="+mn-lt"/>
+                  <a:ea typeface="+mn-ea"/>
+                  <a:cs typeface="+mn-cs"/>
+                </a:defRPr>
+              </a:lvl7pPr>
+              <a:lvl8pPr marL="3200400" indent="0" algn="ctr" defTabSz="914400" rtl="0" eaLnBrk="1" latinLnBrk="0" hangingPunct="1">
+                <a:lnSpc>
+                  <a:spcPct val="90000"/>
+                </a:lnSpc>
+                <a:spcBef>
+                  <a:spcPts val="500"/>
+                </a:spcBef>
+                <a:buFont typeface="Arial" panose="020B0604020202020204" pitchFamily="34" charset="0"/>
+                <a:buNone/>
+                <a:defRPr sz="1600" kern="1200">
+                  <a:solidFill>
+                    <a:schemeClr val="tx1"/>
+                  </a:solidFill>
+                  <a:latin typeface="+mn-lt"/>
+                  <a:ea typeface="+mn-ea"/>
+                  <a:cs typeface="+mn-cs"/>
+                </a:defRPr>
+              </a:lvl8pPr>
+              <a:lvl9pPr marL="3657600" indent="0" algn="ctr" defTabSz="914400" rtl="0" eaLnBrk="1" latinLnBrk="0" hangingPunct="1">
+                <a:lnSpc>
+                  <a:spcPct val="90000"/>
+                </a:lnSpc>
+                <a:spcBef>
+                  <a:spcPts val="500"/>
+                </a:spcBef>
+                <a:buFont typeface="Arial" panose="020B0604020202020204" pitchFamily="34" charset="0"/>
+                <a:buNone/>
+                <a:defRPr sz="1600" kern="1200">
+                  <a:solidFill>
+                    <a:schemeClr val="tx1"/>
+                  </a:solidFill>
+                  <a:latin typeface="+mn-lt"/>
+                  <a:ea typeface="+mn-ea"/>
+                  <a:cs typeface="+mn-cs"/>
+                </a:defRPr>
+              </a:lvl9pPr>
+            </a:lstStyle>
+            <a:p>
+              <a:r>
+                <a:rPr lang="pt-BR" sz="1400" dirty="0">
+                  <a:solidFill>
+                    <a:schemeClr val="bg1"/>
+                  </a:solidFill>
+                  <a:latin typeface="Adventure" panose="02000500000000000000" pitchFamily="2" charset="0"/>
+                </a:rPr>
+                <a:t>T</a:t>
+              </a:r>
+              <a:r>
+                <a:rPr lang="pt-BR" sz="1400" dirty="0" smtClean="0">
+                  <a:solidFill>
+                    <a:schemeClr val="bg1"/>
+                  </a:solidFill>
+                  <a:latin typeface="Adventure" panose="02000500000000000000" pitchFamily="2" charset="0"/>
+                </a:rPr>
+                <a:t>eoria dos Grafos</a:t>
+              </a:r>
+              <a:endParaRPr lang="pt-BR" sz="1400" dirty="0">
+                <a:solidFill>
+                  <a:schemeClr val="bg1"/>
+                </a:solidFill>
+                <a:latin typeface="Adventure" panose="02000500000000000000" pitchFamily="2" charset="0"/>
+              </a:endParaRPr>
+            </a:p>
+          </p:txBody>
+        </p:sp>
+        <p:sp>
+          <p:nvSpPr>
+            <p:cNvPr id="13" name="Subtítulo 2"/>
+            <p:cNvSpPr txBox="1">
+              <a:spLocks/>
+            </p:cNvSpPr>
+            <p:nvPr/>
+          </p:nvSpPr>
+          <p:spPr>
+            <a:xfrm>
+              <a:off x="7693420" y="2028616"/>
+              <a:ext cx="334473" cy="256497"/>
+            </a:xfrm>
+            <a:custGeom>
+              <a:avLst/>
+              <a:gdLst>
+                <a:gd name="connsiteX0" fmla="*/ 0 w 1021977"/>
+                <a:gd name="connsiteY0" fmla="*/ 0 h 186929"/>
+                <a:gd name="connsiteX1" fmla="*/ 1021977 w 1021977"/>
+                <a:gd name="connsiteY1" fmla="*/ 0 h 186929"/>
+                <a:gd name="connsiteX2" fmla="*/ 1021977 w 1021977"/>
+                <a:gd name="connsiteY2" fmla="*/ 186929 h 186929"/>
+                <a:gd name="connsiteX3" fmla="*/ 0 w 1021977"/>
+                <a:gd name="connsiteY3" fmla="*/ 186929 h 186929"/>
+                <a:gd name="connsiteX4" fmla="*/ 0 w 1021977"/>
+                <a:gd name="connsiteY4" fmla="*/ 0 h 186929"/>
+                <a:gd name="connsiteX0" fmla="*/ 1035423 w 1035423"/>
+                <a:gd name="connsiteY0" fmla="*/ 0 h 213823"/>
+                <a:gd name="connsiteX1" fmla="*/ 1021977 w 1035423"/>
+                <a:gd name="connsiteY1" fmla="*/ 26894 h 213823"/>
+                <a:gd name="connsiteX2" fmla="*/ 1021977 w 1035423"/>
+                <a:gd name="connsiteY2" fmla="*/ 213823 h 213823"/>
+                <a:gd name="connsiteX3" fmla="*/ 0 w 1035423"/>
+                <a:gd name="connsiteY3" fmla="*/ 213823 h 213823"/>
+                <a:gd name="connsiteX4" fmla="*/ 1035423 w 1035423"/>
+                <a:gd name="connsiteY4" fmla="*/ 0 h 213823"/>
+              </a:gdLst>
+              <a:ahLst/>
+              <a:cxnLst>
+                <a:cxn ang="0">
+                  <a:pos x="connsiteX0" y="connsiteY0"/>
+                </a:cxn>
+                <a:cxn ang="0">
+                  <a:pos x="connsiteX1" y="connsiteY1"/>
+                </a:cxn>
+                <a:cxn ang="0">
+                  <a:pos x="connsiteX2" y="connsiteY2"/>
+                </a:cxn>
+                <a:cxn ang="0">
+                  <a:pos x="connsiteX3" y="connsiteY3"/>
+                </a:cxn>
+                <a:cxn ang="0">
+                  <a:pos x="connsiteX4" y="connsiteY4"/>
+                </a:cxn>
+              </a:cxnLst>
+              <a:rect l="l" t="t" r="r" b="b"/>
+              <a:pathLst>
+                <a:path w="1035423" h="213823">
+                  <a:moveTo>
+                    <a:pt x="1035423" y="0"/>
+                  </a:moveTo>
+                  <a:lnTo>
+                    <a:pt x="1021977" y="26894"/>
+                  </a:lnTo>
+                  <a:lnTo>
+                    <a:pt x="1021977" y="213823"/>
+                  </a:lnTo>
+                  <a:lnTo>
+                    <a:pt x="0" y="213823"/>
+                  </a:lnTo>
+                  <a:lnTo>
+                    <a:pt x="1035423" y="0"/>
+                  </a:lnTo>
+                  <a:close/>
+                </a:path>
+              </a:pathLst>
+            </a:custGeom>
+            <a:grpFill/>
+            <a:ln>
+              <a:solidFill>
+                <a:srgbClr val="00CC00"/>
+              </a:solidFill>
+            </a:ln>
+          </p:spPr>
+          <p:txBody>
+            <a:bodyPr vert="horz" lIns="91440" tIns="45720" rIns="91440" bIns="45720" rtlCol="0" anchor="ctr">
+              <a:noAutofit/>
+            </a:bodyPr>
+            <a:lstStyle>
+              <a:lvl1pPr marL="0" indent="0" algn="ctr" defTabSz="914400" rtl="0" eaLnBrk="1" latinLnBrk="0" hangingPunct="1">
+                <a:lnSpc>
+                  <a:spcPct val="90000"/>
+                </a:lnSpc>
+                <a:spcBef>
+                  <a:spcPts val="1000"/>
+                </a:spcBef>
+                <a:buFont typeface="Arial" panose="020B0604020202020204" pitchFamily="34" charset="0"/>
+                <a:buNone/>
+                <a:defRPr sz="2400" kern="1200">
+                  <a:solidFill>
+                    <a:schemeClr val="tx1"/>
+                  </a:solidFill>
+                  <a:latin typeface="+mn-lt"/>
+                  <a:ea typeface="+mn-ea"/>
+                  <a:cs typeface="+mn-cs"/>
+                </a:defRPr>
+              </a:lvl1pPr>
+              <a:lvl2pPr marL="457200" indent="0" algn="ctr" defTabSz="914400" rtl="0" eaLnBrk="1" latinLnBrk="0" hangingPunct="1">
+                <a:lnSpc>
+                  <a:spcPct val="90000"/>
+                </a:lnSpc>
+                <a:spcBef>
+                  <a:spcPts val="500"/>
+                </a:spcBef>
+                <a:buFont typeface="Arial" panose="020B0604020202020204" pitchFamily="34" charset="0"/>
+                <a:buNone/>
+                <a:defRPr sz="2000" kern="1200">
+                  <a:solidFill>
+                    <a:schemeClr val="tx1"/>
+                  </a:solidFill>
+                  <a:latin typeface="+mn-lt"/>
+                  <a:ea typeface="+mn-ea"/>
+                  <a:cs typeface="+mn-cs"/>
+                </a:defRPr>
+              </a:lvl2pPr>
+              <a:lvl3pPr marL="914400" indent="0" algn="ctr" defTabSz="914400" rtl="0" eaLnBrk="1" latinLnBrk="0" hangingPunct="1">
+                <a:lnSpc>
+                  <a:spcPct val="90000"/>
+                </a:lnSpc>
+                <a:spcBef>
+                  <a:spcPts val="500"/>
+                </a:spcBef>
+                <a:buFont typeface="Arial" panose="020B0604020202020204" pitchFamily="34" charset="0"/>
+                <a:buNone/>
+                <a:defRPr sz="1800" kern="1200">
+                  <a:solidFill>
+                    <a:schemeClr val="tx1"/>
+                  </a:solidFill>
+                  <a:latin typeface="+mn-lt"/>
+                  <a:ea typeface="+mn-ea"/>
+                  <a:cs typeface="+mn-cs"/>
+                </a:defRPr>
+              </a:lvl3pPr>
+              <a:lvl4pPr marL="1371600" indent="0" algn="ctr" defTabSz="914400" rtl="0" eaLnBrk="1" latinLnBrk="0" hangingPunct="1">
+                <a:lnSpc>
+                  <a:spcPct val="90000"/>
+                </a:lnSpc>
+                <a:spcBef>
+                  <a:spcPts val="500"/>
+                </a:spcBef>
+                <a:buFont typeface="Arial" panose="020B0604020202020204" pitchFamily="34" charset="0"/>
+                <a:buNone/>
+                <a:defRPr sz="1600" kern="1200">
+                  <a:solidFill>
+                    <a:schemeClr val="tx1"/>
+                  </a:solidFill>
+                  <a:latin typeface="+mn-lt"/>
+                  <a:ea typeface="+mn-ea"/>
+                  <a:cs typeface="+mn-cs"/>
+                </a:defRPr>
+              </a:lvl4pPr>
+              <a:lvl5pPr marL="1828800" indent="0" algn="ctr" defTabSz="914400" rtl="0" eaLnBrk="1" latinLnBrk="0" hangingPunct="1">
+                <a:lnSpc>
+                  <a:spcPct val="90000"/>
+                </a:lnSpc>
+                <a:spcBef>
+                  <a:spcPts val="500"/>
+                </a:spcBef>
+                <a:buFont typeface="Arial" panose="020B0604020202020204" pitchFamily="34" charset="0"/>
+                <a:buNone/>
+                <a:defRPr sz="1600" kern="1200">
+                  <a:solidFill>
+                    <a:schemeClr val="tx1"/>
+                  </a:solidFill>
+                  <a:latin typeface="+mn-lt"/>
+                  <a:ea typeface="+mn-ea"/>
+                  <a:cs typeface="+mn-cs"/>
+                </a:defRPr>
+              </a:lvl5pPr>
+              <a:lvl6pPr marL="2286000" indent="0" algn="ctr" defTabSz="914400" rtl="0" eaLnBrk="1" latinLnBrk="0" hangingPunct="1">
+                <a:lnSpc>
+                  <a:spcPct val="90000"/>
+                </a:lnSpc>
+                <a:spcBef>
+                  <a:spcPts val="500"/>
+                </a:spcBef>
+                <a:buFont typeface="Arial" panose="020B0604020202020204" pitchFamily="34" charset="0"/>
+                <a:buNone/>
+                <a:defRPr sz="1600" kern="1200">
+                  <a:solidFill>
+                    <a:schemeClr val="tx1"/>
+                  </a:solidFill>
+                  <a:latin typeface="+mn-lt"/>
+                  <a:ea typeface="+mn-ea"/>
+                  <a:cs typeface="+mn-cs"/>
+                </a:defRPr>
+              </a:lvl6pPr>
+              <a:lvl7pPr marL="2743200" indent="0" algn="ctr" defTabSz="914400" rtl="0" eaLnBrk="1" latinLnBrk="0" hangingPunct="1">
+                <a:lnSpc>
+                  <a:spcPct val="90000"/>
+                </a:lnSpc>
+                <a:spcBef>
+                  <a:spcPts val="500"/>
+                </a:spcBef>
+                <a:buFont typeface="Arial" panose="020B0604020202020204" pitchFamily="34" charset="0"/>
+                <a:buNone/>
+                <a:defRPr sz="1600" kern="1200">
+                  <a:solidFill>
+                    <a:schemeClr val="tx1"/>
+                  </a:solidFill>
+                  <a:latin typeface="+mn-lt"/>
+                  <a:ea typeface="+mn-ea"/>
+                  <a:cs typeface="+mn-cs"/>
+                </a:defRPr>
+              </a:lvl7pPr>
+              <a:lvl8pPr marL="3200400" indent="0" algn="ctr" defTabSz="914400" rtl="0" eaLnBrk="1" latinLnBrk="0" hangingPunct="1">
+                <a:lnSpc>
+                  <a:spcPct val="90000"/>
+                </a:lnSpc>
+                <a:spcBef>
+                  <a:spcPts val="500"/>
+                </a:spcBef>
+                <a:buFont typeface="Arial" panose="020B0604020202020204" pitchFamily="34" charset="0"/>
+                <a:buNone/>
+                <a:defRPr sz="1600" kern="1200">
+                  <a:solidFill>
+                    <a:schemeClr val="tx1"/>
+                  </a:solidFill>
+                  <a:latin typeface="+mn-lt"/>
+                  <a:ea typeface="+mn-ea"/>
+                  <a:cs typeface="+mn-cs"/>
+                </a:defRPr>
+              </a:lvl8pPr>
+              <a:lvl9pPr marL="3657600" indent="0" algn="ctr" defTabSz="914400" rtl="0" eaLnBrk="1" latinLnBrk="0" hangingPunct="1">
+                <a:lnSpc>
+                  <a:spcPct val="90000"/>
+                </a:lnSpc>
+                <a:spcBef>
+                  <a:spcPts val="500"/>
+                </a:spcBef>
+                <a:buFont typeface="Arial" panose="020B0604020202020204" pitchFamily="34" charset="0"/>
+                <a:buNone/>
+                <a:defRPr sz="1600" kern="1200">
+                  <a:solidFill>
+                    <a:schemeClr val="tx1"/>
+                  </a:solidFill>
+                  <a:latin typeface="+mn-lt"/>
+                  <a:ea typeface="+mn-ea"/>
+                  <a:cs typeface="+mn-cs"/>
+                </a:defRPr>
+              </a:lvl9pPr>
+            </a:lstStyle>
+            <a:p>
+              <a:endParaRPr lang="pt-BR" sz="1400" dirty="0">
+                <a:solidFill>
+                  <a:schemeClr val="bg1"/>
+                </a:solidFill>
+                <a:latin typeface="Adventure" panose="02000500000000000000" pitchFamily="2" charset="0"/>
+              </a:endParaRPr>
+            </a:p>
+          </p:txBody>
+        </p:sp>
+      </p:grpSp>
     </p:spTree>
     <p:extLst>
       <p:ext uri="{BB962C8B-B14F-4D97-AF65-F5344CB8AC3E}">
         <p14:creationId xmlns:p14="http://schemas.microsoft.com/office/powerpoint/2010/main" val="3683661000"/>
+      </p:ext>
+    </p:extLst>
+  </p:cSld>
+  <p:clrMapOvr>
+    <a:masterClrMapping/>
+  </p:clrMapOvr>
+  <p:timing>
+    <p:tnLst>
+      <p:par>
+        <p:cTn id="1" dur="indefinite" restart="never" nodeType="tmRoot"/>
+      </p:par>
+    </p:tnLst>
+  </p:timing>
+</p:sld>
+</file>
+
+<file path=ppt/slides/slide20.xml><?xml version="1.0" encoding="utf-8"?>
+<p:sld xmlns:a="http://schemas.openxmlformats.org/drawingml/2006/main" xmlns:r="http://schemas.openxmlformats.org/officeDocument/2006/relationships" xmlns:p="http://schemas.openxmlformats.org/presentationml/2006/main">
+  <p:cSld>
+    <p:spTree>
+      <p:nvGrpSpPr>
+        <p:cNvPr id="1" name=""/>
+        <p:cNvGrpSpPr/>
+        <p:nvPr/>
+      </p:nvGrpSpPr>
+      <p:grpSpPr>
+        <a:xfrm>
+          <a:off x="0" y="0"/>
+          <a:ext cx="0" cy="0"/>
+          <a:chOff x="0" y="0"/>
+          <a:chExt cx="0" cy="0"/>
+        </a:xfrm>
+      </p:grpSpPr>
+      <p:sp>
+        <p:nvSpPr>
+          <p:cNvPr id="5" name="Subtítulo 4"/>
+          <p:cNvSpPr>
+            <a:spLocks noGrp="1"/>
+          </p:cNvSpPr>
+          <p:nvPr>
+            <p:ph type="subTitle" idx="1"/>
+          </p:nvPr>
+        </p:nvSpPr>
+        <p:spPr>
+          <a:xfrm>
+            <a:off x="1523999" y="2082519"/>
+            <a:ext cx="9144000" cy="2879445"/>
+          </a:xfrm>
+        </p:spPr>
+        <p:txBody>
+          <a:bodyPr/>
+          <a:lstStyle/>
+          <a:p>
+            <a:pPr algn="just"/>
+            <a:r>
+              <a:rPr lang="pt-BR" dirty="0" smtClean="0"/>
+              <a:t>Este trabalho </a:t>
+            </a:r>
+            <a:endParaRPr lang="pt-BR" dirty="0"/>
+          </a:p>
+        </p:txBody>
+      </p:sp>
+      <p:sp>
+        <p:nvSpPr>
+          <p:cNvPr id="10" name="Subtítulo 2"/>
+          <p:cNvSpPr txBox="1">
+            <a:spLocks/>
+          </p:cNvSpPr>
+          <p:nvPr/>
+        </p:nvSpPr>
+        <p:spPr>
+          <a:xfrm>
+            <a:off x="858371" y="670579"/>
+            <a:ext cx="665629" cy="539656"/>
+          </a:xfrm>
+          <a:prstGeom prst="rect">
+            <a:avLst/>
+          </a:prstGeom>
+          <a:solidFill>
+            <a:srgbClr val="00CC00"/>
+          </a:solidFill>
+        </p:spPr>
+        <p:txBody>
+          <a:bodyPr vert="horz" lIns="91440" tIns="45720" rIns="91440" bIns="45720" rtlCol="0" anchor="ctr">
+            <a:normAutofit/>
+          </a:bodyPr>
+          <a:lstStyle>
+            <a:lvl1pPr marL="0" indent="0" algn="ctr" defTabSz="914400" rtl="0" eaLnBrk="1" latinLnBrk="0" hangingPunct="1">
+              <a:lnSpc>
+                <a:spcPct val="90000"/>
+              </a:lnSpc>
+              <a:spcBef>
+                <a:spcPts val="1000"/>
+              </a:spcBef>
+              <a:buFont typeface="Arial" panose="020B0604020202020204" pitchFamily="34" charset="0"/>
+              <a:buNone/>
+              <a:defRPr sz="2400" kern="1200">
+                <a:solidFill>
+                  <a:schemeClr val="tx1"/>
+                </a:solidFill>
+                <a:latin typeface="+mn-lt"/>
+                <a:ea typeface="+mn-ea"/>
+                <a:cs typeface="+mn-cs"/>
+              </a:defRPr>
+            </a:lvl1pPr>
+            <a:lvl2pPr marL="457200" indent="0" algn="ctr" defTabSz="914400" rtl="0" eaLnBrk="1" latinLnBrk="0" hangingPunct="1">
+              <a:lnSpc>
+                <a:spcPct val="90000"/>
+              </a:lnSpc>
+              <a:spcBef>
+                <a:spcPts val="500"/>
+              </a:spcBef>
+              <a:buFont typeface="Arial" panose="020B0604020202020204" pitchFamily="34" charset="0"/>
+              <a:buNone/>
+              <a:defRPr sz="2000" kern="1200">
+                <a:solidFill>
+                  <a:schemeClr val="tx1"/>
+                </a:solidFill>
+                <a:latin typeface="+mn-lt"/>
+                <a:ea typeface="+mn-ea"/>
+                <a:cs typeface="+mn-cs"/>
+              </a:defRPr>
+            </a:lvl2pPr>
+            <a:lvl3pPr marL="914400" indent="0" algn="ctr" defTabSz="914400" rtl="0" eaLnBrk="1" latinLnBrk="0" hangingPunct="1">
+              <a:lnSpc>
+                <a:spcPct val="90000"/>
+              </a:lnSpc>
+              <a:spcBef>
+                <a:spcPts val="500"/>
+              </a:spcBef>
+              <a:buFont typeface="Arial" panose="020B0604020202020204" pitchFamily="34" charset="0"/>
+              <a:buNone/>
+              <a:defRPr sz="1800" kern="1200">
+                <a:solidFill>
+                  <a:schemeClr val="tx1"/>
+                </a:solidFill>
+                <a:latin typeface="+mn-lt"/>
+                <a:ea typeface="+mn-ea"/>
+                <a:cs typeface="+mn-cs"/>
+              </a:defRPr>
+            </a:lvl3pPr>
+            <a:lvl4pPr marL="1371600" indent="0" algn="ctr" defTabSz="914400" rtl="0" eaLnBrk="1" latinLnBrk="0" hangingPunct="1">
+              <a:lnSpc>
+                <a:spcPct val="90000"/>
+              </a:lnSpc>
+              <a:spcBef>
+                <a:spcPts val="500"/>
+              </a:spcBef>
+              <a:buFont typeface="Arial" panose="020B0604020202020204" pitchFamily="34" charset="0"/>
+              <a:buNone/>
+              <a:defRPr sz="1600" kern="1200">
+                <a:solidFill>
+                  <a:schemeClr val="tx1"/>
+                </a:solidFill>
+                <a:latin typeface="+mn-lt"/>
+                <a:ea typeface="+mn-ea"/>
+                <a:cs typeface="+mn-cs"/>
+              </a:defRPr>
+            </a:lvl4pPr>
+            <a:lvl5pPr marL="1828800" indent="0" algn="ctr" defTabSz="914400" rtl="0" eaLnBrk="1" latinLnBrk="0" hangingPunct="1">
+              <a:lnSpc>
+                <a:spcPct val="90000"/>
+              </a:lnSpc>
+              <a:spcBef>
+                <a:spcPts val="500"/>
+              </a:spcBef>
+              <a:buFont typeface="Arial" panose="020B0604020202020204" pitchFamily="34" charset="0"/>
+              <a:buNone/>
+              <a:defRPr sz="1600" kern="1200">
+                <a:solidFill>
+                  <a:schemeClr val="tx1"/>
+                </a:solidFill>
+                <a:latin typeface="+mn-lt"/>
+                <a:ea typeface="+mn-ea"/>
+                <a:cs typeface="+mn-cs"/>
+              </a:defRPr>
+            </a:lvl5pPr>
+            <a:lvl6pPr marL="2286000" indent="0" algn="ctr" defTabSz="914400" rtl="0" eaLnBrk="1" latinLnBrk="0" hangingPunct="1">
+              <a:lnSpc>
+                <a:spcPct val="90000"/>
+              </a:lnSpc>
+              <a:spcBef>
+                <a:spcPts val="500"/>
+              </a:spcBef>
+              <a:buFont typeface="Arial" panose="020B0604020202020204" pitchFamily="34" charset="0"/>
+              <a:buNone/>
+              <a:defRPr sz="1600" kern="1200">
+                <a:solidFill>
+                  <a:schemeClr val="tx1"/>
+                </a:solidFill>
+                <a:latin typeface="+mn-lt"/>
+                <a:ea typeface="+mn-ea"/>
+                <a:cs typeface="+mn-cs"/>
+              </a:defRPr>
+            </a:lvl6pPr>
+            <a:lvl7pPr marL="2743200" indent="0" algn="ctr" defTabSz="914400" rtl="0" eaLnBrk="1" latinLnBrk="0" hangingPunct="1">
+              <a:lnSpc>
+                <a:spcPct val="90000"/>
+              </a:lnSpc>
+              <a:spcBef>
+                <a:spcPts val="500"/>
+              </a:spcBef>
+              <a:buFont typeface="Arial" panose="020B0604020202020204" pitchFamily="34" charset="0"/>
+              <a:buNone/>
+              <a:defRPr sz="1600" kern="1200">
+                <a:solidFill>
+                  <a:schemeClr val="tx1"/>
+                </a:solidFill>
+                <a:latin typeface="+mn-lt"/>
+                <a:ea typeface="+mn-ea"/>
+                <a:cs typeface="+mn-cs"/>
+              </a:defRPr>
+            </a:lvl7pPr>
+            <a:lvl8pPr marL="3200400" indent="0" algn="ctr" defTabSz="914400" rtl="0" eaLnBrk="1" latinLnBrk="0" hangingPunct="1">
+              <a:lnSpc>
+                <a:spcPct val="90000"/>
+              </a:lnSpc>
+              <a:spcBef>
+                <a:spcPts val="500"/>
+              </a:spcBef>
+              <a:buFont typeface="Arial" panose="020B0604020202020204" pitchFamily="34" charset="0"/>
+              <a:buNone/>
+              <a:defRPr sz="1600" kern="1200">
+                <a:solidFill>
+                  <a:schemeClr val="tx1"/>
+                </a:solidFill>
+                <a:latin typeface="+mn-lt"/>
+                <a:ea typeface="+mn-ea"/>
+                <a:cs typeface="+mn-cs"/>
+              </a:defRPr>
+            </a:lvl8pPr>
+            <a:lvl9pPr marL="3657600" indent="0" algn="ctr" defTabSz="914400" rtl="0" eaLnBrk="1" latinLnBrk="0" hangingPunct="1">
+              <a:lnSpc>
+                <a:spcPct val="90000"/>
+              </a:lnSpc>
+              <a:spcBef>
+                <a:spcPts val="500"/>
+              </a:spcBef>
+              <a:buFont typeface="Arial" panose="020B0604020202020204" pitchFamily="34" charset="0"/>
+              <a:buNone/>
+              <a:defRPr sz="1600" kern="1200">
+                <a:solidFill>
+                  <a:schemeClr val="tx1"/>
+                </a:solidFill>
+                <a:latin typeface="+mn-lt"/>
+                <a:ea typeface="+mn-ea"/>
+                <a:cs typeface="+mn-cs"/>
+              </a:defRPr>
+            </a:lvl9pPr>
+          </a:lstStyle>
+          <a:p>
+            <a:r>
+              <a:rPr lang="pt-BR" dirty="0">
+                <a:solidFill>
+                  <a:schemeClr val="bg1"/>
+                </a:solidFill>
+                <a:latin typeface="Adventure" panose="02000500000000000000" pitchFamily="2" charset="0"/>
+              </a:rPr>
+              <a:t>5</a:t>
+            </a:r>
+          </a:p>
+        </p:txBody>
+      </p:sp>
+      <p:sp>
+        <p:nvSpPr>
+          <p:cNvPr id="11" name="Subtítulo 2"/>
+          <p:cNvSpPr txBox="1">
+            <a:spLocks/>
+          </p:cNvSpPr>
+          <p:nvPr/>
+        </p:nvSpPr>
+        <p:spPr>
+          <a:xfrm>
+            <a:off x="1523998" y="670579"/>
+            <a:ext cx="3935507" cy="539656"/>
+          </a:xfrm>
+          <a:prstGeom prst="rect">
+            <a:avLst/>
+          </a:prstGeom>
+          <a:solidFill>
+            <a:schemeClr val="tx1"/>
+          </a:solidFill>
+        </p:spPr>
+        <p:txBody>
+          <a:bodyPr vert="horz" lIns="91440" tIns="45720" rIns="91440" bIns="45720" rtlCol="0" anchor="ctr">
+            <a:normAutofit/>
+          </a:bodyPr>
+          <a:lstStyle>
+            <a:lvl1pPr marL="0" indent="0" algn="ctr" defTabSz="914400" rtl="0" eaLnBrk="1" latinLnBrk="0" hangingPunct="1">
+              <a:lnSpc>
+                <a:spcPct val="90000"/>
+              </a:lnSpc>
+              <a:spcBef>
+                <a:spcPts val="1000"/>
+              </a:spcBef>
+              <a:buFont typeface="Arial" panose="020B0604020202020204" pitchFamily="34" charset="0"/>
+              <a:buNone/>
+              <a:defRPr sz="2400" kern="1200">
+                <a:solidFill>
+                  <a:schemeClr val="tx1"/>
+                </a:solidFill>
+                <a:latin typeface="+mn-lt"/>
+                <a:ea typeface="+mn-ea"/>
+                <a:cs typeface="+mn-cs"/>
+              </a:defRPr>
+            </a:lvl1pPr>
+            <a:lvl2pPr marL="457200" indent="0" algn="ctr" defTabSz="914400" rtl="0" eaLnBrk="1" latinLnBrk="0" hangingPunct="1">
+              <a:lnSpc>
+                <a:spcPct val="90000"/>
+              </a:lnSpc>
+              <a:spcBef>
+                <a:spcPts val="500"/>
+              </a:spcBef>
+              <a:buFont typeface="Arial" panose="020B0604020202020204" pitchFamily="34" charset="0"/>
+              <a:buNone/>
+              <a:defRPr sz="2000" kern="1200">
+                <a:solidFill>
+                  <a:schemeClr val="tx1"/>
+                </a:solidFill>
+                <a:latin typeface="+mn-lt"/>
+                <a:ea typeface="+mn-ea"/>
+                <a:cs typeface="+mn-cs"/>
+              </a:defRPr>
+            </a:lvl2pPr>
+            <a:lvl3pPr marL="914400" indent="0" algn="ctr" defTabSz="914400" rtl="0" eaLnBrk="1" latinLnBrk="0" hangingPunct="1">
+              <a:lnSpc>
+                <a:spcPct val="90000"/>
+              </a:lnSpc>
+              <a:spcBef>
+                <a:spcPts val="500"/>
+              </a:spcBef>
+              <a:buFont typeface="Arial" panose="020B0604020202020204" pitchFamily="34" charset="0"/>
+              <a:buNone/>
+              <a:defRPr sz="1800" kern="1200">
+                <a:solidFill>
+                  <a:schemeClr val="tx1"/>
+                </a:solidFill>
+                <a:latin typeface="+mn-lt"/>
+                <a:ea typeface="+mn-ea"/>
+                <a:cs typeface="+mn-cs"/>
+              </a:defRPr>
+            </a:lvl3pPr>
+            <a:lvl4pPr marL="1371600" indent="0" algn="ctr" defTabSz="914400" rtl="0" eaLnBrk="1" latinLnBrk="0" hangingPunct="1">
+              <a:lnSpc>
+                <a:spcPct val="90000"/>
+              </a:lnSpc>
+              <a:spcBef>
+                <a:spcPts val="500"/>
+              </a:spcBef>
+              <a:buFont typeface="Arial" panose="020B0604020202020204" pitchFamily="34" charset="0"/>
+              <a:buNone/>
+              <a:defRPr sz="1600" kern="1200">
+                <a:solidFill>
+                  <a:schemeClr val="tx1"/>
+                </a:solidFill>
+                <a:latin typeface="+mn-lt"/>
+                <a:ea typeface="+mn-ea"/>
+                <a:cs typeface="+mn-cs"/>
+              </a:defRPr>
+            </a:lvl4pPr>
+            <a:lvl5pPr marL="1828800" indent="0" algn="ctr" defTabSz="914400" rtl="0" eaLnBrk="1" latinLnBrk="0" hangingPunct="1">
+              <a:lnSpc>
+                <a:spcPct val="90000"/>
+              </a:lnSpc>
+              <a:spcBef>
+                <a:spcPts val="500"/>
+              </a:spcBef>
+              <a:buFont typeface="Arial" panose="020B0604020202020204" pitchFamily="34" charset="0"/>
+              <a:buNone/>
+              <a:defRPr sz="1600" kern="1200">
+                <a:solidFill>
+                  <a:schemeClr val="tx1"/>
+                </a:solidFill>
+                <a:latin typeface="+mn-lt"/>
+                <a:ea typeface="+mn-ea"/>
+                <a:cs typeface="+mn-cs"/>
+              </a:defRPr>
+            </a:lvl5pPr>
+            <a:lvl6pPr marL="2286000" indent="0" algn="ctr" defTabSz="914400" rtl="0" eaLnBrk="1" latinLnBrk="0" hangingPunct="1">
+              <a:lnSpc>
+                <a:spcPct val="90000"/>
+              </a:lnSpc>
+              <a:spcBef>
+                <a:spcPts val="500"/>
+              </a:spcBef>
+              <a:buFont typeface="Arial" panose="020B0604020202020204" pitchFamily="34" charset="0"/>
+              <a:buNone/>
+              <a:defRPr sz="1600" kern="1200">
+                <a:solidFill>
+                  <a:schemeClr val="tx1"/>
+                </a:solidFill>
+                <a:latin typeface="+mn-lt"/>
+                <a:ea typeface="+mn-ea"/>
+                <a:cs typeface="+mn-cs"/>
+              </a:defRPr>
+            </a:lvl6pPr>
+            <a:lvl7pPr marL="2743200" indent="0" algn="ctr" defTabSz="914400" rtl="0" eaLnBrk="1" latinLnBrk="0" hangingPunct="1">
+              <a:lnSpc>
+                <a:spcPct val="90000"/>
+              </a:lnSpc>
+              <a:spcBef>
+                <a:spcPts val="500"/>
+              </a:spcBef>
+              <a:buFont typeface="Arial" panose="020B0604020202020204" pitchFamily="34" charset="0"/>
+              <a:buNone/>
+              <a:defRPr sz="1600" kern="1200">
+                <a:solidFill>
+                  <a:schemeClr val="tx1"/>
+                </a:solidFill>
+                <a:latin typeface="+mn-lt"/>
+                <a:ea typeface="+mn-ea"/>
+                <a:cs typeface="+mn-cs"/>
+              </a:defRPr>
+            </a:lvl7pPr>
+            <a:lvl8pPr marL="3200400" indent="0" algn="ctr" defTabSz="914400" rtl="0" eaLnBrk="1" latinLnBrk="0" hangingPunct="1">
+              <a:lnSpc>
+                <a:spcPct val="90000"/>
+              </a:lnSpc>
+              <a:spcBef>
+                <a:spcPts val="500"/>
+              </a:spcBef>
+              <a:buFont typeface="Arial" panose="020B0604020202020204" pitchFamily="34" charset="0"/>
+              <a:buNone/>
+              <a:defRPr sz="1600" kern="1200">
+                <a:solidFill>
+                  <a:schemeClr val="tx1"/>
+                </a:solidFill>
+                <a:latin typeface="+mn-lt"/>
+                <a:ea typeface="+mn-ea"/>
+                <a:cs typeface="+mn-cs"/>
+              </a:defRPr>
+            </a:lvl8pPr>
+            <a:lvl9pPr marL="3657600" indent="0" algn="ctr" defTabSz="914400" rtl="0" eaLnBrk="1" latinLnBrk="0" hangingPunct="1">
+              <a:lnSpc>
+                <a:spcPct val="90000"/>
+              </a:lnSpc>
+              <a:spcBef>
+                <a:spcPts val="500"/>
+              </a:spcBef>
+              <a:buFont typeface="Arial" panose="020B0604020202020204" pitchFamily="34" charset="0"/>
+              <a:buNone/>
+              <a:defRPr sz="1600" kern="1200">
+                <a:solidFill>
+                  <a:schemeClr val="tx1"/>
+                </a:solidFill>
+                <a:latin typeface="+mn-lt"/>
+                <a:ea typeface="+mn-ea"/>
+                <a:cs typeface="+mn-cs"/>
+              </a:defRPr>
+            </a:lvl9pPr>
+          </a:lstStyle>
+          <a:p>
+            <a:r>
+              <a:rPr lang="pt-BR" dirty="0" smtClean="0">
+                <a:solidFill>
+                  <a:schemeClr val="bg1"/>
+                </a:solidFill>
+                <a:latin typeface="Adventure" panose="02000500000000000000" pitchFamily="2" charset="0"/>
+              </a:rPr>
+              <a:t>Referências Bibliográficas</a:t>
+            </a:r>
+            <a:endParaRPr lang="pt-BR" dirty="0">
+              <a:solidFill>
+                <a:schemeClr val="bg1"/>
+              </a:solidFill>
+              <a:latin typeface="Adventure" panose="02000500000000000000" pitchFamily="2" charset="0"/>
+            </a:endParaRPr>
+          </a:p>
+        </p:txBody>
+      </p:sp>
+      <p:grpSp>
+        <p:nvGrpSpPr>
+          <p:cNvPr id="14" name="Grupo 13"/>
+          <p:cNvGrpSpPr/>
+          <p:nvPr/>
+        </p:nvGrpSpPr>
+        <p:grpSpPr>
+          <a:xfrm>
+            <a:off x="8908771" y="6615951"/>
+            <a:ext cx="3283229" cy="242049"/>
+            <a:chOff x="7693420" y="2028616"/>
+            <a:chExt cx="2615991" cy="256498"/>
+          </a:xfrm>
+          <a:solidFill>
+            <a:srgbClr val="00CC00"/>
+          </a:solidFill>
+        </p:grpSpPr>
+        <p:sp>
+          <p:nvSpPr>
+            <p:cNvPr id="12" name="Subtítulo 2"/>
+            <p:cNvSpPr txBox="1">
+              <a:spLocks/>
+            </p:cNvSpPr>
+            <p:nvPr/>
+          </p:nvSpPr>
+          <p:spPr>
+            <a:xfrm>
+              <a:off x="8027893" y="2028617"/>
+              <a:ext cx="2281518" cy="256497"/>
+            </a:xfrm>
+            <a:prstGeom prst="rect">
+              <a:avLst/>
+            </a:prstGeom>
+            <a:grpFill/>
+            <a:ln>
+              <a:noFill/>
+            </a:ln>
+          </p:spPr>
+          <p:txBody>
+            <a:bodyPr vert="horz" lIns="91440" tIns="45720" rIns="91440" bIns="45720" rtlCol="0" anchor="ctr">
+              <a:noAutofit/>
+            </a:bodyPr>
+            <a:lstStyle>
+              <a:lvl1pPr marL="0" indent="0" algn="ctr" defTabSz="914400" rtl="0" eaLnBrk="1" latinLnBrk="0" hangingPunct="1">
+                <a:lnSpc>
+                  <a:spcPct val="90000"/>
+                </a:lnSpc>
+                <a:spcBef>
+                  <a:spcPts val="1000"/>
+                </a:spcBef>
+                <a:buFont typeface="Arial" panose="020B0604020202020204" pitchFamily="34" charset="0"/>
+                <a:buNone/>
+                <a:defRPr sz="2400" kern="1200">
+                  <a:solidFill>
+                    <a:schemeClr val="tx1"/>
+                  </a:solidFill>
+                  <a:latin typeface="+mn-lt"/>
+                  <a:ea typeface="+mn-ea"/>
+                  <a:cs typeface="+mn-cs"/>
+                </a:defRPr>
+              </a:lvl1pPr>
+              <a:lvl2pPr marL="457200" indent="0" algn="ctr" defTabSz="914400" rtl="0" eaLnBrk="1" latinLnBrk="0" hangingPunct="1">
+                <a:lnSpc>
+                  <a:spcPct val="90000"/>
+                </a:lnSpc>
+                <a:spcBef>
+                  <a:spcPts val="500"/>
+                </a:spcBef>
+                <a:buFont typeface="Arial" panose="020B0604020202020204" pitchFamily="34" charset="0"/>
+                <a:buNone/>
+                <a:defRPr sz="2000" kern="1200">
+                  <a:solidFill>
+                    <a:schemeClr val="tx1"/>
+                  </a:solidFill>
+                  <a:latin typeface="+mn-lt"/>
+                  <a:ea typeface="+mn-ea"/>
+                  <a:cs typeface="+mn-cs"/>
+                </a:defRPr>
+              </a:lvl2pPr>
+              <a:lvl3pPr marL="914400" indent="0" algn="ctr" defTabSz="914400" rtl="0" eaLnBrk="1" latinLnBrk="0" hangingPunct="1">
+                <a:lnSpc>
+                  <a:spcPct val="90000"/>
+                </a:lnSpc>
+                <a:spcBef>
+                  <a:spcPts val="500"/>
+                </a:spcBef>
+                <a:buFont typeface="Arial" panose="020B0604020202020204" pitchFamily="34" charset="0"/>
+                <a:buNone/>
+                <a:defRPr sz="1800" kern="1200">
+                  <a:solidFill>
+                    <a:schemeClr val="tx1"/>
+                  </a:solidFill>
+                  <a:latin typeface="+mn-lt"/>
+                  <a:ea typeface="+mn-ea"/>
+                  <a:cs typeface="+mn-cs"/>
+                </a:defRPr>
+              </a:lvl3pPr>
+              <a:lvl4pPr marL="1371600" indent="0" algn="ctr" defTabSz="914400" rtl="0" eaLnBrk="1" latinLnBrk="0" hangingPunct="1">
+                <a:lnSpc>
+                  <a:spcPct val="90000"/>
+                </a:lnSpc>
+                <a:spcBef>
+                  <a:spcPts val="500"/>
+                </a:spcBef>
+                <a:buFont typeface="Arial" panose="020B0604020202020204" pitchFamily="34" charset="0"/>
+                <a:buNone/>
+                <a:defRPr sz="1600" kern="1200">
+                  <a:solidFill>
+                    <a:schemeClr val="tx1"/>
+                  </a:solidFill>
+                  <a:latin typeface="+mn-lt"/>
+                  <a:ea typeface="+mn-ea"/>
+                  <a:cs typeface="+mn-cs"/>
+                </a:defRPr>
+              </a:lvl4pPr>
+              <a:lvl5pPr marL="1828800" indent="0" algn="ctr" defTabSz="914400" rtl="0" eaLnBrk="1" latinLnBrk="0" hangingPunct="1">
+                <a:lnSpc>
+                  <a:spcPct val="90000"/>
+                </a:lnSpc>
+                <a:spcBef>
+                  <a:spcPts val="500"/>
+                </a:spcBef>
+                <a:buFont typeface="Arial" panose="020B0604020202020204" pitchFamily="34" charset="0"/>
+                <a:buNone/>
+                <a:defRPr sz="1600" kern="1200">
+                  <a:solidFill>
+                    <a:schemeClr val="tx1"/>
+                  </a:solidFill>
+                  <a:latin typeface="+mn-lt"/>
+                  <a:ea typeface="+mn-ea"/>
+                  <a:cs typeface="+mn-cs"/>
+                </a:defRPr>
+              </a:lvl5pPr>
+              <a:lvl6pPr marL="2286000" indent="0" algn="ctr" defTabSz="914400" rtl="0" eaLnBrk="1" latinLnBrk="0" hangingPunct="1">
+                <a:lnSpc>
+                  <a:spcPct val="90000"/>
+                </a:lnSpc>
+                <a:spcBef>
+                  <a:spcPts val="500"/>
+                </a:spcBef>
+                <a:buFont typeface="Arial" panose="020B0604020202020204" pitchFamily="34" charset="0"/>
+                <a:buNone/>
+                <a:defRPr sz="1600" kern="1200">
+                  <a:solidFill>
+                    <a:schemeClr val="tx1"/>
+                  </a:solidFill>
+                  <a:latin typeface="+mn-lt"/>
+                  <a:ea typeface="+mn-ea"/>
+                  <a:cs typeface="+mn-cs"/>
+                </a:defRPr>
+              </a:lvl6pPr>
+              <a:lvl7pPr marL="2743200" indent="0" algn="ctr" defTabSz="914400" rtl="0" eaLnBrk="1" latinLnBrk="0" hangingPunct="1">
+                <a:lnSpc>
+                  <a:spcPct val="90000"/>
+                </a:lnSpc>
+                <a:spcBef>
+                  <a:spcPts val="500"/>
+                </a:spcBef>
+                <a:buFont typeface="Arial" panose="020B0604020202020204" pitchFamily="34" charset="0"/>
+                <a:buNone/>
+                <a:defRPr sz="1600" kern="1200">
+                  <a:solidFill>
+                    <a:schemeClr val="tx1"/>
+                  </a:solidFill>
+                  <a:latin typeface="+mn-lt"/>
+                  <a:ea typeface="+mn-ea"/>
+                  <a:cs typeface="+mn-cs"/>
+                </a:defRPr>
+              </a:lvl7pPr>
+              <a:lvl8pPr marL="3200400" indent="0" algn="ctr" defTabSz="914400" rtl="0" eaLnBrk="1" latinLnBrk="0" hangingPunct="1">
+                <a:lnSpc>
+                  <a:spcPct val="90000"/>
+                </a:lnSpc>
+                <a:spcBef>
+                  <a:spcPts val="500"/>
+                </a:spcBef>
+                <a:buFont typeface="Arial" panose="020B0604020202020204" pitchFamily="34" charset="0"/>
+                <a:buNone/>
+                <a:defRPr sz="1600" kern="1200">
+                  <a:solidFill>
+                    <a:schemeClr val="tx1"/>
+                  </a:solidFill>
+                  <a:latin typeface="+mn-lt"/>
+                  <a:ea typeface="+mn-ea"/>
+                  <a:cs typeface="+mn-cs"/>
+                </a:defRPr>
+              </a:lvl8pPr>
+              <a:lvl9pPr marL="3657600" indent="0" algn="ctr" defTabSz="914400" rtl="0" eaLnBrk="1" latinLnBrk="0" hangingPunct="1">
+                <a:lnSpc>
+                  <a:spcPct val="90000"/>
+                </a:lnSpc>
+                <a:spcBef>
+                  <a:spcPts val="500"/>
+                </a:spcBef>
+                <a:buFont typeface="Arial" panose="020B0604020202020204" pitchFamily="34" charset="0"/>
+                <a:buNone/>
+                <a:defRPr sz="1600" kern="1200">
+                  <a:solidFill>
+                    <a:schemeClr val="tx1"/>
+                  </a:solidFill>
+                  <a:latin typeface="+mn-lt"/>
+                  <a:ea typeface="+mn-ea"/>
+                  <a:cs typeface="+mn-cs"/>
+                </a:defRPr>
+              </a:lvl9pPr>
+            </a:lstStyle>
+            <a:p>
+              <a:r>
+                <a:rPr lang="pt-BR" sz="1400" dirty="0">
+                  <a:solidFill>
+                    <a:schemeClr val="bg1"/>
+                  </a:solidFill>
+                  <a:latin typeface="Adventure" panose="02000500000000000000" pitchFamily="2" charset="0"/>
+                </a:rPr>
+                <a:t>T</a:t>
+              </a:r>
+              <a:r>
+                <a:rPr lang="pt-BR" sz="1400" dirty="0" smtClean="0">
+                  <a:solidFill>
+                    <a:schemeClr val="bg1"/>
+                  </a:solidFill>
+                  <a:latin typeface="Adventure" panose="02000500000000000000" pitchFamily="2" charset="0"/>
+                </a:rPr>
+                <a:t>eoria dos Grafos</a:t>
+              </a:r>
+              <a:endParaRPr lang="pt-BR" sz="1400" dirty="0">
+                <a:solidFill>
+                  <a:schemeClr val="bg1"/>
+                </a:solidFill>
+                <a:latin typeface="Adventure" panose="02000500000000000000" pitchFamily="2" charset="0"/>
+              </a:endParaRPr>
+            </a:p>
+          </p:txBody>
+        </p:sp>
+        <p:sp>
+          <p:nvSpPr>
+            <p:cNvPr id="13" name="Subtítulo 2"/>
+            <p:cNvSpPr txBox="1">
+              <a:spLocks/>
+            </p:cNvSpPr>
+            <p:nvPr/>
+          </p:nvSpPr>
+          <p:spPr>
+            <a:xfrm>
+              <a:off x="7693420" y="2028616"/>
+              <a:ext cx="334473" cy="256497"/>
+            </a:xfrm>
+            <a:custGeom>
+              <a:avLst/>
+              <a:gdLst>
+                <a:gd name="connsiteX0" fmla="*/ 0 w 1021977"/>
+                <a:gd name="connsiteY0" fmla="*/ 0 h 186929"/>
+                <a:gd name="connsiteX1" fmla="*/ 1021977 w 1021977"/>
+                <a:gd name="connsiteY1" fmla="*/ 0 h 186929"/>
+                <a:gd name="connsiteX2" fmla="*/ 1021977 w 1021977"/>
+                <a:gd name="connsiteY2" fmla="*/ 186929 h 186929"/>
+                <a:gd name="connsiteX3" fmla="*/ 0 w 1021977"/>
+                <a:gd name="connsiteY3" fmla="*/ 186929 h 186929"/>
+                <a:gd name="connsiteX4" fmla="*/ 0 w 1021977"/>
+                <a:gd name="connsiteY4" fmla="*/ 0 h 186929"/>
+                <a:gd name="connsiteX0" fmla="*/ 1035423 w 1035423"/>
+                <a:gd name="connsiteY0" fmla="*/ 0 h 213823"/>
+                <a:gd name="connsiteX1" fmla="*/ 1021977 w 1035423"/>
+                <a:gd name="connsiteY1" fmla="*/ 26894 h 213823"/>
+                <a:gd name="connsiteX2" fmla="*/ 1021977 w 1035423"/>
+                <a:gd name="connsiteY2" fmla="*/ 213823 h 213823"/>
+                <a:gd name="connsiteX3" fmla="*/ 0 w 1035423"/>
+                <a:gd name="connsiteY3" fmla="*/ 213823 h 213823"/>
+                <a:gd name="connsiteX4" fmla="*/ 1035423 w 1035423"/>
+                <a:gd name="connsiteY4" fmla="*/ 0 h 213823"/>
+              </a:gdLst>
+              <a:ahLst/>
+              <a:cxnLst>
+                <a:cxn ang="0">
+                  <a:pos x="connsiteX0" y="connsiteY0"/>
+                </a:cxn>
+                <a:cxn ang="0">
+                  <a:pos x="connsiteX1" y="connsiteY1"/>
+                </a:cxn>
+                <a:cxn ang="0">
+                  <a:pos x="connsiteX2" y="connsiteY2"/>
+                </a:cxn>
+                <a:cxn ang="0">
+                  <a:pos x="connsiteX3" y="connsiteY3"/>
+                </a:cxn>
+                <a:cxn ang="0">
+                  <a:pos x="connsiteX4" y="connsiteY4"/>
+                </a:cxn>
+              </a:cxnLst>
+              <a:rect l="l" t="t" r="r" b="b"/>
+              <a:pathLst>
+                <a:path w="1035423" h="213823">
+                  <a:moveTo>
+                    <a:pt x="1035423" y="0"/>
+                  </a:moveTo>
+                  <a:lnTo>
+                    <a:pt x="1021977" y="26894"/>
+                  </a:lnTo>
+                  <a:lnTo>
+                    <a:pt x="1021977" y="213823"/>
+                  </a:lnTo>
+                  <a:lnTo>
+                    <a:pt x="0" y="213823"/>
+                  </a:lnTo>
+                  <a:lnTo>
+                    <a:pt x="1035423" y="0"/>
+                  </a:lnTo>
+                  <a:close/>
+                </a:path>
+              </a:pathLst>
+            </a:custGeom>
+            <a:grpFill/>
+            <a:ln>
+              <a:solidFill>
+                <a:srgbClr val="00CC00"/>
+              </a:solidFill>
+            </a:ln>
+          </p:spPr>
+          <p:txBody>
+            <a:bodyPr vert="horz" lIns="91440" tIns="45720" rIns="91440" bIns="45720" rtlCol="0" anchor="ctr">
+              <a:noAutofit/>
+            </a:bodyPr>
+            <a:lstStyle>
+              <a:lvl1pPr marL="0" indent="0" algn="ctr" defTabSz="914400" rtl="0" eaLnBrk="1" latinLnBrk="0" hangingPunct="1">
+                <a:lnSpc>
+                  <a:spcPct val="90000"/>
+                </a:lnSpc>
+                <a:spcBef>
+                  <a:spcPts val="1000"/>
+                </a:spcBef>
+                <a:buFont typeface="Arial" panose="020B0604020202020204" pitchFamily="34" charset="0"/>
+                <a:buNone/>
+                <a:defRPr sz="2400" kern="1200">
+                  <a:solidFill>
+                    <a:schemeClr val="tx1"/>
+                  </a:solidFill>
+                  <a:latin typeface="+mn-lt"/>
+                  <a:ea typeface="+mn-ea"/>
+                  <a:cs typeface="+mn-cs"/>
+                </a:defRPr>
+              </a:lvl1pPr>
+              <a:lvl2pPr marL="457200" indent="0" algn="ctr" defTabSz="914400" rtl="0" eaLnBrk="1" latinLnBrk="0" hangingPunct="1">
+                <a:lnSpc>
+                  <a:spcPct val="90000"/>
+                </a:lnSpc>
+                <a:spcBef>
+                  <a:spcPts val="500"/>
+                </a:spcBef>
+                <a:buFont typeface="Arial" panose="020B0604020202020204" pitchFamily="34" charset="0"/>
+                <a:buNone/>
+                <a:defRPr sz="2000" kern="1200">
+                  <a:solidFill>
+                    <a:schemeClr val="tx1"/>
+                  </a:solidFill>
+                  <a:latin typeface="+mn-lt"/>
+                  <a:ea typeface="+mn-ea"/>
+                  <a:cs typeface="+mn-cs"/>
+                </a:defRPr>
+              </a:lvl2pPr>
+              <a:lvl3pPr marL="914400" indent="0" algn="ctr" defTabSz="914400" rtl="0" eaLnBrk="1" latinLnBrk="0" hangingPunct="1">
+                <a:lnSpc>
+                  <a:spcPct val="90000"/>
+                </a:lnSpc>
+                <a:spcBef>
+                  <a:spcPts val="500"/>
+                </a:spcBef>
+                <a:buFont typeface="Arial" panose="020B0604020202020204" pitchFamily="34" charset="0"/>
+                <a:buNone/>
+                <a:defRPr sz="1800" kern="1200">
+                  <a:solidFill>
+                    <a:schemeClr val="tx1"/>
+                  </a:solidFill>
+                  <a:latin typeface="+mn-lt"/>
+                  <a:ea typeface="+mn-ea"/>
+                  <a:cs typeface="+mn-cs"/>
+                </a:defRPr>
+              </a:lvl3pPr>
+              <a:lvl4pPr marL="1371600" indent="0" algn="ctr" defTabSz="914400" rtl="0" eaLnBrk="1" latinLnBrk="0" hangingPunct="1">
+                <a:lnSpc>
+                  <a:spcPct val="90000"/>
+                </a:lnSpc>
+                <a:spcBef>
+                  <a:spcPts val="500"/>
+                </a:spcBef>
+                <a:buFont typeface="Arial" panose="020B0604020202020204" pitchFamily="34" charset="0"/>
+                <a:buNone/>
+                <a:defRPr sz="1600" kern="1200">
+                  <a:solidFill>
+                    <a:schemeClr val="tx1"/>
+                  </a:solidFill>
+                  <a:latin typeface="+mn-lt"/>
+                  <a:ea typeface="+mn-ea"/>
+                  <a:cs typeface="+mn-cs"/>
+                </a:defRPr>
+              </a:lvl4pPr>
+              <a:lvl5pPr marL="1828800" indent="0" algn="ctr" defTabSz="914400" rtl="0" eaLnBrk="1" latinLnBrk="0" hangingPunct="1">
+                <a:lnSpc>
+                  <a:spcPct val="90000"/>
+                </a:lnSpc>
+                <a:spcBef>
+                  <a:spcPts val="500"/>
+                </a:spcBef>
+                <a:buFont typeface="Arial" panose="020B0604020202020204" pitchFamily="34" charset="0"/>
+                <a:buNone/>
+                <a:defRPr sz="1600" kern="1200">
+                  <a:solidFill>
+                    <a:schemeClr val="tx1"/>
+                  </a:solidFill>
+                  <a:latin typeface="+mn-lt"/>
+                  <a:ea typeface="+mn-ea"/>
+                  <a:cs typeface="+mn-cs"/>
+                </a:defRPr>
+              </a:lvl5pPr>
+              <a:lvl6pPr marL="2286000" indent="0" algn="ctr" defTabSz="914400" rtl="0" eaLnBrk="1" latinLnBrk="0" hangingPunct="1">
+                <a:lnSpc>
+                  <a:spcPct val="90000"/>
+                </a:lnSpc>
+                <a:spcBef>
+                  <a:spcPts val="500"/>
+                </a:spcBef>
+                <a:buFont typeface="Arial" panose="020B0604020202020204" pitchFamily="34" charset="0"/>
+                <a:buNone/>
+                <a:defRPr sz="1600" kern="1200">
+                  <a:solidFill>
+                    <a:schemeClr val="tx1"/>
+                  </a:solidFill>
+                  <a:latin typeface="+mn-lt"/>
+                  <a:ea typeface="+mn-ea"/>
+                  <a:cs typeface="+mn-cs"/>
+                </a:defRPr>
+              </a:lvl6pPr>
+              <a:lvl7pPr marL="2743200" indent="0" algn="ctr" defTabSz="914400" rtl="0" eaLnBrk="1" latinLnBrk="0" hangingPunct="1">
+                <a:lnSpc>
+                  <a:spcPct val="90000"/>
+                </a:lnSpc>
+                <a:spcBef>
+                  <a:spcPts val="500"/>
+                </a:spcBef>
+                <a:buFont typeface="Arial" panose="020B0604020202020204" pitchFamily="34" charset="0"/>
+                <a:buNone/>
+                <a:defRPr sz="1600" kern="1200">
+                  <a:solidFill>
+                    <a:schemeClr val="tx1"/>
+                  </a:solidFill>
+                  <a:latin typeface="+mn-lt"/>
+                  <a:ea typeface="+mn-ea"/>
+                  <a:cs typeface="+mn-cs"/>
+                </a:defRPr>
+              </a:lvl7pPr>
+              <a:lvl8pPr marL="3200400" indent="0" algn="ctr" defTabSz="914400" rtl="0" eaLnBrk="1" latinLnBrk="0" hangingPunct="1">
+                <a:lnSpc>
+                  <a:spcPct val="90000"/>
+                </a:lnSpc>
+                <a:spcBef>
+                  <a:spcPts val="500"/>
+                </a:spcBef>
+                <a:buFont typeface="Arial" panose="020B0604020202020204" pitchFamily="34" charset="0"/>
+                <a:buNone/>
+                <a:defRPr sz="1600" kern="1200">
+                  <a:solidFill>
+                    <a:schemeClr val="tx1"/>
+                  </a:solidFill>
+                  <a:latin typeface="+mn-lt"/>
+                  <a:ea typeface="+mn-ea"/>
+                  <a:cs typeface="+mn-cs"/>
+                </a:defRPr>
+              </a:lvl8pPr>
+              <a:lvl9pPr marL="3657600" indent="0" algn="ctr" defTabSz="914400" rtl="0" eaLnBrk="1" latinLnBrk="0" hangingPunct="1">
+                <a:lnSpc>
+                  <a:spcPct val="90000"/>
+                </a:lnSpc>
+                <a:spcBef>
+                  <a:spcPts val="500"/>
+                </a:spcBef>
+                <a:buFont typeface="Arial" panose="020B0604020202020204" pitchFamily="34" charset="0"/>
+                <a:buNone/>
+                <a:defRPr sz="1600" kern="1200">
+                  <a:solidFill>
+                    <a:schemeClr val="tx1"/>
+                  </a:solidFill>
+                  <a:latin typeface="+mn-lt"/>
+                  <a:ea typeface="+mn-ea"/>
+                  <a:cs typeface="+mn-cs"/>
+                </a:defRPr>
+              </a:lvl9pPr>
+            </a:lstStyle>
+            <a:p>
+              <a:endParaRPr lang="pt-BR" sz="1400" dirty="0">
+                <a:solidFill>
+                  <a:schemeClr val="bg1"/>
+                </a:solidFill>
+                <a:latin typeface="Adventure" panose="02000500000000000000" pitchFamily="2" charset="0"/>
+              </a:endParaRPr>
+            </a:p>
+          </p:txBody>
+        </p:sp>
+      </p:grpSp>
+    </p:spTree>
+    <p:extLst>
+      <p:ext uri="{BB962C8B-B14F-4D97-AF65-F5344CB8AC3E}">
+        <p14:creationId xmlns:p14="http://schemas.microsoft.com/office/powerpoint/2010/main" val="2234463530"/>
       </p:ext>
     </p:extLst>
   </p:cSld>
@@ -10605,6 +16758,36 @@
           <a:chExt cx="0" cy="0"/>
         </a:xfrm>
       </p:grpSpPr>
+      <p:pic>
+        <p:nvPicPr>
+          <p:cNvPr id="3" name="Imagem 2"/>
+          <p:cNvPicPr>
+            <a:picLocks noChangeAspect="1"/>
+          </p:cNvPicPr>
+          <p:nvPr/>
+        </p:nvPicPr>
+        <p:blipFill>
+          <a:blip r:embed="rId2">
+            <a:extLst>
+              <a:ext uri="{28A0092B-C50C-407E-A947-70E740481C1C}">
+                <a14:useLocalDpi xmlns:a14="http://schemas.microsoft.com/office/drawing/2010/main" val="0"/>
+              </a:ext>
+            </a:extLst>
+          </a:blip>
+          <a:stretch>
+            <a:fillRect/>
+          </a:stretch>
+        </p:blipFill>
+        <p:spPr>
+          <a:xfrm>
+            <a:off x="5257800" y="-1"/>
+            <a:ext cx="6934200" cy="6857999"/>
+          </a:xfrm>
+          <a:prstGeom prst="rect">
+            <a:avLst/>
+          </a:prstGeom>
+        </p:spPr>
+      </p:pic>
       <p:sp>
         <p:nvSpPr>
           <p:cNvPr id="10" name="Subtítulo 2"/>
@@ -11548,36 +17731,6 @@
           </a:p>
         </p:txBody>
       </p:sp>
-      <p:pic>
-        <p:nvPicPr>
-          <p:cNvPr id="3" name="Imagem 2"/>
-          <p:cNvPicPr>
-            <a:picLocks noChangeAspect="1"/>
-          </p:cNvPicPr>
-          <p:nvPr/>
-        </p:nvPicPr>
-        <p:blipFill>
-          <a:blip r:embed="rId2">
-            <a:extLst>
-              <a:ext uri="{28A0092B-C50C-407E-A947-70E740481C1C}">
-                <a14:useLocalDpi xmlns:a14="http://schemas.microsoft.com/office/drawing/2010/main" val="0"/>
-              </a:ext>
-            </a:extLst>
-          </a:blip>
-          <a:stretch>
-            <a:fillRect/>
-          </a:stretch>
-        </p:blipFill>
-        <p:spPr>
-          <a:xfrm>
-            <a:off x="5257800" y="-1"/>
-            <a:ext cx="6934200" cy="6857999"/>
-          </a:xfrm>
-          <a:prstGeom prst="rect">
-            <a:avLst/>
-          </a:prstGeom>
-        </p:spPr>
-      </p:pic>
     </p:spTree>
     <p:extLst>
       <p:ext uri="{BB962C8B-B14F-4D97-AF65-F5344CB8AC3E}">
@@ -12574,11 +18727,7 @@
             </a:pPr>
             <a:r>
               <a:rPr lang="pt-BR" sz="2200" dirty="0" smtClean="0"/>
-              <a:t>Alcance de cada seleção na </a:t>
-            </a:r>
-            <a:r>
-              <a:rPr lang="pt-BR" sz="2200" dirty="0" smtClean="0"/>
-              <a:t>competição</a:t>
+              <a:t>Alcance de cada seleção na competição</a:t>
             </a:r>
           </a:p>
           <a:p>
@@ -12626,13 +18775,8 @@
             </a:pPr>
             <a:r>
               <a:rPr lang="pt-BR" sz="2200" dirty="0" smtClean="0"/>
-              <a:t>Dist</a:t>
+              <a:t>Distâncias de viagens</a:t>
             </a:r>
-            <a:r>
-              <a:rPr lang="pt-BR" sz="2200" dirty="0" smtClean="0"/>
-              <a:t>âncias de viagens</a:t>
-            </a:r>
-            <a:endParaRPr lang="pt-BR" sz="2200" dirty="0" smtClean="0"/>
           </a:p>
           <a:p>
             <a:pPr marL="342900" indent="-342900" algn="just">
@@ -13800,7 +19944,7 @@
             </a:pPr>
             <a:r>
               <a:rPr lang="pt-BR" sz="2200" dirty="0" smtClean="0"/>
-              <a:t>Nesta aplicação foram utilizados os seguintes algoritmos:</a:t>
+              <a:t>Nesta aplicação foram utilizados os seguintes algoritmos/recursos:</a:t>
             </a:r>
           </a:p>
           <a:p>
@@ -13832,9 +19976,8 @@
             </a:pPr>
             <a:r>
               <a:rPr lang="pt-BR" sz="2200" dirty="0" smtClean="0"/>
-              <a:t>Coloração</a:t>
+              <a:t>Representação gráfica</a:t>
             </a:r>
-            <a:endParaRPr lang="pt-BR" sz="2200" dirty="0"/>
           </a:p>
         </p:txBody>
       </p:sp>
@@ -13877,34 +20020,208 @@
       </p:grpSpPr>
       <p:sp>
         <p:nvSpPr>
-          <p:cNvPr id="5" name="Subtítulo 4"/>
-          <p:cNvSpPr>
-            <a:spLocks noGrp="1"/>
+          <p:cNvPr id="8" name="Subtítulo 2"/>
+          <p:cNvSpPr txBox="1">
+            <a:spLocks/>
           </p:cNvSpPr>
-          <p:nvPr>
-            <p:ph type="subTitle" idx="1"/>
-          </p:nvPr>
+          <p:nvPr/>
         </p:nvSpPr>
         <p:spPr>
           <a:xfrm>
-            <a:off x="1523999" y="2082519"/>
-            <a:ext cx="9144000" cy="2879445"/>
+            <a:off x="1523999" y="670580"/>
+            <a:ext cx="3316942" cy="367083"/>
           </a:xfrm>
+          <a:prstGeom prst="rect">
+            <a:avLst/>
+          </a:prstGeom>
+          <a:solidFill>
+            <a:srgbClr val="00CC00"/>
+          </a:solidFill>
         </p:spPr>
         <p:txBody>
-          <a:bodyPr/>
-          <a:lstStyle/>
+          <a:bodyPr vert="horz" lIns="91440" tIns="45720" rIns="91440" bIns="45720" rtlCol="0" anchor="ctr">
+            <a:normAutofit/>
+          </a:bodyPr>
+          <a:lstStyle>
+            <a:lvl1pPr marL="0" indent="0" algn="ctr" defTabSz="914400" rtl="0" eaLnBrk="1" latinLnBrk="0" hangingPunct="1">
+              <a:lnSpc>
+                <a:spcPct val="90000"/>
+              </a:lnSpc>
+              <a:spcBef>
+                <a:spcPts val="1000"/>
+              </a:spcBef>
+              <a:buFont typeface="Arial" panose="020B0604020202020204" pitchFamily="34" charset="0"/>
+              <a:buNone/>
+              <a:defRPr sz="2400" kern="1200">
+                <a:solidFill>
+                  <a:schemeClr val="tx1"/>
+                </a:solidFill>
+                <a:latin typeface="+mn-lt"/>
+                <a:ea typeface="+mn-ea"/>
+                <a:cs typeface="+mn-cs"/>
+              </a:defRPr>
+            </a:lvl1pPr>
+            <a:lvl2pPr marL="457200" indent="0" algn="ctr" defTabSz="914400" rtl="0" eaLnBrk="1" latinLnBrk="0" hangingPunct="1">
+              <a:lnSpc>
+                <a:spcPct val="90000"/>
+              </a:lnSpc>
+              <a:spcBef>
+                <a:spcPts val="500"/>
+              </a:spcBef>
+              <a:buFont typeface="Arial" panose="020B0604020202020204" pitchFamily="34" charset="0"/>
+              <a:buNone/>
+              <a:defRPr sz="2000" kern="1200">
+                <a:solidFill>
+                  <a:schemeClr val="tx1"/>
+                </a:solidFill>
+                <a:latin typeface="+mn-lt"/>
+                <a:ea typeface="+mn-ea"/>
+                <a:cs typeface="+mn-cs"/>
+              </a:defRPr>
+            </a:lvl2pPr>
+            <a:lvl3pPr marL="914400" indent="0" algn="ctr" defTabSz="914400" rtl="0" eaLnBrk="1" latinLnBrk="0" hangingPunct="1">
+              <a:lnSpc>
+                <a:spcPct val="90000"/>
+              </a:lnSpc>
+              <a:spcBef>
+                <a:spcPts val="500"/>
+              </a:spcBef>
+              <a:buFont typeface="Arial" panose="020B0604020202020204" pitchFamily="34" charset="0"/>
+              <a:buNone/>
+              <a:defRPr sz="1800" kern="1200">
+                <a:solidFill>
+                  <a:schemeClr val="tx1"/>
+                </a:solidFill>
+                <a:latin typeface="+mn-lt"/>
+                <a:ea typeface="+mn-ea"/>
+                <a:cs typeface="+mn-cs"/>
+              </a:defRPr>
+            </a:lvl3pPr>
+            <a:lvl4pPr marL="1371600" indent="0" algn="ctr" defTabSz="914400" rtl="0" eaLnBrk="1" latinLnBrk="0" hangingPunct="1">
+              <a:lnSpc>
+                <a:spcPct val="90000"/>
+              </a:lnSpc>
+              <a:spcBef>
+                <a:spcPts val="500"/>
+              </a:spcBef>
+              <a:buFont typeface="Arial" panose="020B0604020202020204" pitchFamily="34" charset="0"/>
+              <a:buNone/>
+              <a:defRPr sz="1600" kern="1200">
+                <a:solidFill>
+                  <a:schemeClr val="tx1"/>
+                </a:solidFill>
+                <a:latin typeface="+mn-lt"/>
+                <a:ea typeface="+mn-ea"/>
+                <a:cs typeface="+mn-cs"/>
+              </a:defRPr>
+            </a:lvl4pPr>
+            <a:lvl5pPr marL="1828800" indent="0" algn="ctr" defTabSz="914400" rtl="0" eaLnBrk="1" latinLnBrk="0" hangingPunct="1">
+              <a:lnSpc>
+                <a:spcPct val="90000"/>
+              </a:lnSpc>
+              <a:spcBef>
+                <a:spcPts val="500"/>
+              </a:spcBef>
+              <a:buFont typeface="Arial" panose="020B0604020202020204" pitchFamily="34" charset="0"/>
+              <a:buNone/>
+              <a:defRPr sz="1600" kern="1200">
+                <a:solidFill>
+                  <a:schemeClr val="tx1"/>
+                </a:solidFill>
+                <a:latin typeface="+mn-lt"/>
+                <a:ea typeface="+mn-ea"/>
+                <a:cs typeface="+mn-cs"/>
+              </a:defRPr>
+            </a:lvl5pPr>
+            <a:lvl6pPr marL="2286000" indent="0" algn="ctr" defTabSz="914400" rtl="0" eaLnBrk="1" latinLnBrk="0" hangingPunct="1">
+              <a:lnSpc>
+                <a:spcPct val="90000"/>
+              </a:lnSpc>
+              <a:spcBef>
+                <a:spcPts val="500"/>
+              </a:spcBef>
+              <a:buFont typeface="Arial" panose="020B0604020202020204" pitchFamily="34" charset="0"/>
+              <a:buNone/>
+              <a:defRPr sz="1600" kern="1200">
+                <a:solidFill>
+                  <a:schemeClr val="tx1"/>
+                </a:solidFill>
+                <a:latin typeface="+mn-lt"/>
+                <a:ea typeface="+mn-ea"/>
+                <a:cs typeface="+mn-cs"/>
+              </a:defRPr>
+            </a:lvl6pPr>
+            <a:lvl7pPr marL="2743200" indent="0" algn="ctr" defTabSz="914400" rtl="0" eaLnBrk="1" latinLnBrk="0" hangingPunct="1">
+              <a:lnSpc>
+                <a:spcPct val="90000"/>
+              </a:lnSpc>
+              <a:spcBef>
+                <a:spcPts val="500"/>
+              </a:spcBef>
+              <a:buFont typeface="Arial" panose="020B0604020202020204" pitchFamily="34" charset="0"/>
+              <a:buNone/>
+              <a:defRPr sz="1600" kern="1200">
+                <a:solidFill>
+                  <a:schemeClr val="tx1"/>
+                </a:solidFill>
+                <a:latin typeface="+mn-lt"/>
+                <a:ea typeface="+mn-ea"/>
+                <a:cs typeface="+mn-cs"/>
+              </a:defRPr>
+            </a:lvl7pPr>
+            <a:lvl8pPr marL="3200400" indent="0" algn="ctr" defTabSz="914400" rtl="0" eaLnBrk="1" latinLnBrk="0" hangingPunct="1">
+              <a:lnSpc>
+                <a:spcPct val="90000"/>
+              </a:lnSpc>
+              <a:spcBef>
+                <a:spcPts val="500"/>
+              </a:spcBef>
+              <a:buFont typeface="Arial" panose="020B0604020202020204" pitchFamily="34" charset="0"/>
+              <a:buNone/>
+              <a:defRPr sz="1600" kern="1200">
+                <a:solidFill>
+                  <a:schemeClr val="tx1"/>
+                </a:solidFill>
+                <a:latin typeface="+mn-lt"/>
+                <a:ea typeface="+mn-ea"/>
+                <a:cs typeface="+mn-cs"/>
+              </a:defRPr>
+            </a:lvl8pPr>
+            <a:lvl9pPr marL="3657600" indent="0" algn="ctr" defTabSz="914400" rtl="0" eaLnBrk="1" latinLnBrk="0" hangingPunct="1">
+              <a:lnSpc>
+                <a:spcPct val="90000"/>
+              </a:lnSpc>
+              <a:spcBef>
+                <a:spcPts val="500"/>
+              </a:spcBef>
+              <a:buFont typeface="Arial" panose="020B0604020202020204" pitchFamily="34" charset="0"/>
+              <a:buNone/>
+              <a:defRPr sz="1600" kern="1200">
+                <a:solidFill>
+                  <a:schemeClr val="tx1"/>
+                </a:solidFill>
+                <a:latin typeface="+mn-lt"/>
+                <a:ea typeface="+mn-ea"/>
+                <a:cs typeface="+mn-cs"/>
+              </a:defRPr>
+            </a:lvl9pPr>
+          </a:lstStyle>
           <a:p>
-            <a:pPr algn="just"/>
             <a:r>
-              <a:rPr lang="pt-BR" dirty="0" smtClean="0"/>
-              <a:t>Algoritmo de </a:t>
+              <a:rPr lang="pt-BR" sz="2000" dirty="0" smtClean="0">
+                <a:solidFill>
+                  <a:schemeClr val="bg1"/>
+                </a:solidFill>
+                <a:latin typeface="Adventure" panose="02000500000000000000" pitchFamily="2" charset="0"/>
+              </a:rPr>
+              <a:t>Alcance de cada seleção</a:t>
             </a:r>
-            <a:r>
-              <a:rPr lang="pt-BR" dirty="0" smtClean="0"/>
-              <a:t>Busca em Profundidade</a:t>
-            </a:r>
-            <a:endParaRPr lang="pt-BR" dirty="0"/>
+            <a:endParaRPr lang="pt-BR" sz="2000" dirty="0">
+              <a:solidFill>
+                <a:schemeClr val="bg1"/>
+              </a:solidFill>
+              <a:latin typeface="Adventure" panose="02000500000000000000" pitchFamily="2" charset="0"/>
+            </a:endParaRPr>
           </a:p>
         </p:txBody>
       </p:sp>
@@ -14098,14 +20415,20 @@
           </a:lstStyle>
           <a:p>
             <a:r>
-              <a:rPr lang="pt-BR" dirty="0">
+              <a:rPr lang="pt-BR" dirty="0" smtClean="0">
                 <a:solidFill>
                   <a:schemeClr val="bg1"/>
                 </a:solidFill>
                 <a:latin typeface="Adventure" panose="02000500000000000000" pitchFamily="2" charset="0"/>
               </a:rPr>
-              <a:t>3</a:t>
+              <a:t>4</a:t>
             </a:r>
+            <a:endParaRPr lang="pt-BR" dirty="0">
+              <a:solidFill>
+                <a:schemeClr val="bg1"/>
+              </a:solidFill>
+              <a:latin typeface="Adventure" panose="02000500000000000000" pitchFamily="2" charset="0"/>
+            </a:endParaRPr>
           </a:p>
         </p:txBody>
       </p:sp>
@@ -14305,7 +20628,7 @@
                 </a:solidFill>
                 <a:latin typeface="Adventure" panose="02000500000000000000" pitchFamily="2" charset="0"/>
               </a:rPr>
-              <a:t>Algoritmos</a:t>
+              <a:t>Aplicações</a:t>
             </a:r>
             <a:endParaRPr lang="pt-BR" dirty="0">
               <a:solidFill>
@@ -14813,10 +21136,212 @@
           </p:txBody>
         </p:sp>
       </p:grpSp>
+      <p:sp>
+        <p:nvSpPr>
+          <p:cNvPr id="15" name="Subtítulo 4"/>
+          <p:cNvSpPr txBox="1">
+            <a:spLocks/>
+          </p:cNvSpPr>
+          <p:nvPr/>
+        </p:nvSpPr>
+        <p:spPr>
+          <a:xfrm>
+            <a:off x="1523999" y="1869143"/>
+            <a:ext cx="9144000" cy="3644152"/>
+          </a:xfrm>
+          <a:prstGeom prst="rect">
+            <a:avLst/>
+          </a:prstGeom>
+        </p:spPr>
+        <p:txBody>
+          <a:bodyPr vert="horz" lIns="91440" tIns="45720" rIns="91440" bIns="45720" rtlCol="0">
+            <a:normAutofit/>
+          </a:bodyPr>
+          <a:lstStyle>
+            <a:lvl1pPr marL="0" indent="0" algn="ctr" defTabSz="914400" rtl="0" eaLnBrk="1" latinLnBrk="0" hangingPunct="1">
+              <a:lnSpc>
+                <a:spcPct val="90000"/>
+              </a:lnSpc>
+              <a:spcBef>
+                <a:spcPts val="1000"/>
+              </a:spcBef>
+              <a:buFont typeface="Arial" panose="020B0604020202020204" pitchFamily="34" charset="0"/>
+              <a:buNone/>
+              <a:defRPr sz="2400" kern="1200">
+                <a:solidFill>
+                  <a:schemeClr val="tx1"/>
+                </a:solidFill>
+                <a:latin typeface="+mn-lt"/>
+                <a:ea typeface="+mn-ea"/>
+                <a:cs typeface="+mn-cs"/>
+              </a:defRPr>
+            </a:lvl1pPr>
+            <a:lvl2pPr marL="457200" indent="0" algn="ctr" defTabSz="914400" rtl="0" eaLnBrk="1" latinLnBrk="0" hangingPunct="1">
+              <a:lnSpc>
+                <a:spcPct val="90000"/>
+              </a:lnSpc>
+              <a:spcBef>
+                <a:spcPts val="500"/>
+              </a:spcBef>
+              <a:buFont typeface="Arial" panose="020B0604020202020204" pitchFamily="34" charset="0"/>
+              <a:buNone/>
+              <a:defRPr sz="2000" kern="1200">
+                <a:solidFill>
+                  <a:schemeClr val="tx1"/>
+                </a:solidFill>
+                <a:latin typeface="+mn-lt"/>
+                <a:ea typeface="+mn-ea"/>
+                <a:cs typeface="+mn-cs"/>
+              </a:defRPr>
+            </a:lvl2pPr>
+            <a:lvl3pPr marL="914400" indent="0" algn="ctr" defTabSz="914400" rtl="0" eaLnBrk="1" latinLnBrk="0" hangingPunct="1">
+              <a:lnSpc>
+                <a:spcPct val="90000"/>
+              </a:lnSpc>
+              <a:spcBef>
+                <a:spcPts val="500"/>
+              </a:spcBef>
+              <a:buFont typeface="Arial" panose="020B0604020202020204" pitchFamily="34" charset="0"/>
+              <a:buNone/>
+              <a:defRPr sz="1800" kern="1200">
+                <a:solidFill>
+                  <a:schemeClr val="tx1"/>
+                </a:solidFill>
+                <a:latin typeface="+mn-lt"/>
+                <a:ea typeface="+mn-ea"/>
+                <a:cs typeface="+mn-cs"/>
+              </a:defRPr>
+            </a:lvl3pPr>
+            <a:lvl4pPr marL="1371600" indent="0" algn="ctr" defTabSz="914400" rtl="0" eaLnBrk="1" latinLnBrk="0" hangingPunct="1">
+              <a:lnSpc>
+                <a:spcPct val="90000"/>
+              </a:lnSpc>
+              <a:spcBef>
+                <a:spcPts val="500"/>
+              </a:spcBef>
+              <a:buFont typeface="Arial" panose="020B0604020202020204" pitchFamily="34" charset="0"/>
+              <a:buNone/>
+              <a:defRPr sz="1600" kern="1200">
+                <a:solidFill>
+                  <a:schemeClr val="tx1"/>
+                </a:solidFill>
+                <a:latin typeface="+mn-lt"/>
+                <a:ea typeface="+mn-ea"/>
+                <a:cs typeface="+mn-cs"/>
+              </a:defRPr>
+            </a:lvl4pPr>
+            <a:lvl5pPr marL="1828800" indent="0" algn="ctr" defTabSz="914400" rtl="0" eaLnBrk="1" latinLnBrk="0" hangingPunct="1">
+              <a:lnSpc>
+                <a:spcPct val="90000"/>
+              </a:lnSpc>
+              <a:spcBef>
+                <a:spcPts val="500"/>
+              </a:spcBef>
+              <a:buFont typeface="Arial" panose="020B0604020202020204" pitchFamily="34" charset="0"/>
+              <a:buNone/>
+              <a:defRPr sz="1600" kern="1200">
+                <a:solidFill>
+                  <a:schemeClr val="tx1"/>
+                </a:solidFill>
+                <a:latin typeface="+mn-lt"/>
+                <a:ea typeface="+mn-ea"/>
+                <a:cs typeface="+mn-cs"/>
+              </a:defRPr>
+            </a:lvl5pPr>
+            <a:lvl6pPr marL="2286000" indent="0" algn="ctr" defTabSz="914400" rtl="0" eaLnBrk="1" latinLnBrk="0" hangingPunct="1">
+              <a:lnSpc>
+                <a:spcPct val="90000"/>
+              </a:lnSpc>
+              <a:spcBef>
+                <a:spcPts val="500"/>
+              </a:spcBef>
+              <a:buFont typeface="Arial" panose="020B0604020202020204" pitchFamily="34" charset="0"/>
+              <a:buNone/>
+              <a:defRPr sz="1600" kern="1200">
+                <a:solidFill>
+                  <a:schemeClr val="tx1"/>
+                </a:solidFill>
+                <a:latin typeface="+mn-lt"/>
+                <a:ea typeface="+mn-ea"/>
+                <a:cs typeface="+mn-cs"/>
+              </a:defRPr>
+            </a:lvl6pPr>
+            <a:lvl7pPr marL="2743200" indent="0" algn="ctr" defTabSz="914400" rtl="0" eaLnBrk="1" latinLnBrk="0" hangingPunct="1">
+              <a:lnSpc>
+                <a:spcPct val="90000"/>
+              </a:lnSpc>
+              <a:spcBef>
+                <a:spcPts val="500"/>
+              </a:spcBef>
+              <a:buFont typeface="Arial" panose="020B0604020202020204" pitchFamily="34" charset="0"/>
+              <a:buNone/>
+              <a:defRPr sz="1600" kern="1200">
+                <a:solidFill>
+                  <a:schemeClr val="tx1"/>
+                </a:solidFill>
+                <a:latin typeface="+mn-lt"/>
+                <a:ea typeface="+mn-ea"/>
+                <a:cs typeface="+mn-cs"/>
+              </a:defRPr>
+            </a:lvl7pPr>
+            <a:lvl8pPr marL="3200400" indent="0" algn="ctr" defTabSz="914400" rtl="0" eaLnBrk="1" latinLnBrk="0" hangingPunct="1">
+              <a:lnSpc>
+                <a:spcPct val="90000"/>
+              </a:lnSpc>
+              <a:spcBef>
+                <a:spcPts val="500"/>
+              </a:spcBef>
+              <a:buFont typeface="Arial" panose="020B0604020202020204" pitchFamily="34" charset="0"/>
+              <a:buNone/>
+              <a:defRPr sz="1600" kern="1200">
+                <a:solidFill>
+                  <a:schemeClr val="tx1"/>
+                </a:solidFill>
+                <a:latin typeface="+mn-lt"/>
+                <a:ea typeface="+mn-ea"/>
+                <a:cs typeface="+mn-cs"/>
+              </a:defRPr>
+            </a:lvl8pPr>
+            <a:lvl9pPr marL="3657600" indent="0" algn="ctr" defTabSz="914400" rtl="0" eaLnBrk="1" latinLnBrk="0" hangingPunct="1">
+              <a:lnSpc>
+                <a:spcPct val="90000"/>
+              </a:lnSpc>
+              <a:spcBef>
+                <a:spcPts val="500"/>
+              </a:spcBef>
+              <a:buFont typeface="Arial" panose="020B0604020202020204" pitchFamily="34" charset="0"/>
+              <a:buNone/>
+              <a:defRPr sz="1600" kern="1200">
+                <a:solidFill>
+                  <a:schemeClr val="tx1"/>
+                </a:solidFill>
+                <a:latin typeface="+mn-lt"/>
+                <a:ea typeface="+mn-ea"/>
+                <a:cs typeface="+mn-cs"/>
+              </a:defRPr>
+            </a:lvl9pPr>
+          </a:lstStyle>
+          <a:p>
+            <a:pPr indent="457200" algn="just">
+              <a:lnSpc>
+                <a:spcPct val="150000"/>
+              </a:lnSpc>
+              <a:spcBef>
+                <a:spcPts val="0"/>
+              </a:spcBef>
+            </a:pPr>
+            <a:r>
+              <a:rPr lang="pt-BR" sz="2200" dirty="0" smtClean="0"/>
+              <a:t>Determinar até qual fase da competição cada seleção alcançou: fase de grupos, oitavas de final, quartas de final, semifinal e final.</a:t>
+            </a:r>
+            <a:endParaRPr lang="pt-BR" sz="2200" dirty="0" smtClean="0"/>
+          </a:p>
+        </p:txBody>
+      </p:sp>
     </p:spTree>
     <p:extLst>
       <p:ext uri="{BB962C8B-B14F-4D97-AF65-F5344CB8AC3E}">
-        <p14:creationId xmlns:p14="http://schemas.microsoft.com/office/powerpoint/2010/main" val="3704912034"/>
+        <p14:creationId xmlns:p14="http://schemas.microsoft.com/office/powerpoint/2010/main" val="34432981"/>
       </p:ext>
     </p:extLst>
   </p:cSld>
@@ -14826,9 +21351,75 @@
   <p:timing>
     <p:tnLst>
       <p:par>
-        <p:cTn id="1" dur="indefinite" restart="never" nodeType="tmRoot"/>
+        <p:cTn id="1" dur="indefinite" restart="never" nodeType="tmRoot">
+          <p:childTnLst>
+            <p:seq concurrent="1" nextAc="seek">
+              <p:cTn id="2" dur="indefinite" nodeType="mainSeq">
+                <p:childTnLst>
+                  <p:par>
+                    <p:cTn id="3" fill="hold">
+                      <p:stCondLst>
+                        <p:cond delay="indefinite"/>
+                      </p:stCondLst>
+                      <p:childTnLst>
+                        <p:par>
+                          <p:cTn id="4" fill="hold">
+                            <p:stCondLst>
+                              <p:cond delay="0"/>
+                            </p:stCondLst>
+                            <p:childTnLst>
+                              <p:par>
+                                <p:cTn id="5" presetID="42" presetClass="path" presetSubtype="0" accel="50000" decel="50000" fill="hold" grpId="0" nodeType="clickEffect">
+                                  <p:stCondLst>
+                                    <p:cond delay="0"/>
+                                  </p:stCondLst>
+                                  <p:childTnLst>
+                                    <p:animMotion origin="layout" path="M 2.5E-6 2.96296E-6 L 0.00039 0.07754 " pathEditMode="relative" rAng="0" ptsTypes="AA">
+                                      <p:cBhvr>
+                                        <p:cTn id="6" dur="1000" fill="hold"/>
+                                        <p:tgtEl>
+                                          <p:spTgt spid="8"/>
+                                        </p:tgtEl>
+                                        <p:attrNameLst>
+                                          <p:attrName>ppt_x</p:attrName>
+                                          <p:attrName>ppt_y</p:attrName>
+                                        </p:attrNameLst>
+                                      </p:cBhvr>
+                                      <p:rCtr x="13" y="3866"/>
+                                    </p:animMotion>
+                                  </p:childTnLst>
+                                </p:cTn>
+                              </p:par>
+                            </p:childTnLst>
+                          </p:cTn>
+                        </p:par>
+                      </p:childTnLst>
+                    </p:cTn>
+                  </p:par>
+                </p:childTnLst>
+              </p:cTn>
+              <p:prevCondLst>
+                <p:cond evt="onPrev" delay="0">
+                  <p:tgtEl>
+                    <p:sldTgt/>
+                  </p:tgtEl>
+                </p:cond>
+              </p:prevCondLst>
+              <p:nextCondLst>
+                <p:cond evt="onNext" delay="0">
+                  <p:tgtEl>
+                    <p:sldTgt/>
+                  </p:tgtEl>
+                </p:cond>
+              </p:nextCondLst>
+            </p:seq>
+          </p:childTnLst>
+        </p:cTn>
       </p:par>
     </p:tnLst>
+    <p:bldLst>
+      <p:bldP spid="8" grpId="0" animBg="1"/>
+    </p:bldLst>
   </p:timing>
 </p:sld>
 </file>
@@ -14850,38 +21441,39 @@
           <a:chExt cx="0" cy="0"/>
         </a:xfrm>
       </p:grpSpPr>
+      <p:pic>
+        <p:nvPicPr>
+          <p:cNvPr id="4" name="Imagem 3"/>
+          <p:cNvPicPr>
+            <a:picLocks noChangeAspect="1"/>
+          </p:cNvPicPr>
+          <p:nvPr/>
+        </p:nvPicPr>
+        <p:blipFill>
+          <a:blip r:embed="rId2">
+            <a:extLst>
+              <a:ext uri="{28A0092B-C50C-407E-A947-70E740481C1C}">
+                <a14:useLocalDpi xmlns:a14="http://schemas.microsoft.com/office/drawing/2010/main" val="0"/>
+              </a:ext>
+            </a:extLst>
+          </a:blip>
+          <a:stretch>
+            <a:fillRect/>
+          </a:stretch>
+        </p:blipFill>
+        <p:spPr>
+          <a:xfrm>
+            <a:off x="3036121" y="0"/>
+            <a:ext cx="6608285" cy="5739111"/>
+          </a:xfrm>
+          <a:prstGeom prst="rect">
+            <a:avLst/>
+          </a:prstGeom>
+        </p:spPr>
+      </p:pic>
       <p:sp>
         <p:nvSpPr>
           <p:cNvPr id="5" name="Subtítulo 4"/>
-          <p:cNvSpPr>
-            <a:spLocks noGrp="1"/>
-          </p:cNvSpPr>
-          <p:nvPr>
-            <p:ph type="subTitle" idx="1"/>
-          </p:nvPr>
-        </p:nvSpPr>
-        <p:spPr>
-          <a:xfrm>
-            <a:off x="1523999" y="2082519"/>
-            <a:ext cx="9144000" cy="2879445"/>
-          </a:xfrm>
-        </p:spPr>
-        <p:txBody>
-          <a:bodyPr/>
-          <a:lstStyle/>
-          <a:p>
-            <a:pPr algn="just"/>
-            <a:r>
-              <a:rPr lang="pt-BR" dirty="0" smtClean="0"/>
-              <a:t>Algoritmo de Coloração</a:t>
-            </a:r>
-            <a:endParaRPr lang="pt-BR" dirty="0"/>
-          </a:p>
-        </p:txBody>
-      </p:sp>
-      <p:sp>
-        <p:nvSpPr>
-          <p:cNvPr id="10" name="Subtítulo 2"/>
           <p:cNvSpPr txBox="1">
             <a:spLocks/>
           </p:cNvSpPr>
@@ -14889,18 +21481,15 @@
         </p:nvSpPr>
         <p:spPr>
           <a:xfrm>
-            <a:off x="858371" y="670579"/>
-            <a:ext cx="665629" cy="539656"/>
+            <a:off x="2194506" y="5448029"/>
+            <a:ext cx="8062914" cy="1409971"/>
           </a:xfrm>
           <a:prstGeom prst="rect">
             <a:avLst/>
           </a:prstGeom>
-          <a:solidFill>
-            <a:srgbClr val="00CC00"/>
-          </a:solidFill>
         </p:spPr>
         <p:txBody>
-          <a:bodyPr vert="horz" lIns="91440" tIns="45720" rIns="91440" bIns="45720" rtlCol="0" anchor="ctr">
+          <a:bodyPr vert="horz" lIns="91440" tIns="45720" rIns="91440" bIns="45720" rtlCol="0">
             <a:normAutofit/>
           </a:bodyPr>
           <a:lstStyle>
@@ -15068,726 +21657,26 @@
             </a:lvl9pPr>
           </a:lstStyle>
           <a:p>
+            <a:pPr>
+              <a:lnSpc>
+                <a:spcPct val="150000"/>
+              </a:lnSpc>
+              <a:spcBef>
+                <a:spcPts val="0"/>
+              </a:spcBef>
+            </a:pPr>
             <a:r>
-              <a:rPr lang="pt-BR" dirty="0">
-                <a:solidFill>
-                  <a:schemeClr val="bg1"/>
-                </a:solidFill>
-                <a:latin typeface="Adventure" panose="02000500000000000000" pitchFamily="2" charset="0"/>
-              </a:rPr>
-              <a:t>3</a:t>
+              <a:rPr lang="pt-BR" sz="2200" dirty="0" smtClean="0"/>
+              <a:t>Competição Completa</a:t>
             </a:r>
+            <a:endParaRPr lang="pt-BR" sz="2200" dirty="0" smtClean="0"/>
           </a:p>
         </p:txBody>
       </p:sp>
-      <p:sp>
-        <p:nvSpPr>
-          <p:cNvPr id="11" name="Subtítulo 2"/>
-          <p:cNvSpPr txBox="1">
-            <a:spLocks/>
-          </p:cNvSpPr>
-          <p:nvPr/>
-        </p:nvSpPr>
-        <p:spPr>
-          <a:xfrm>
-            <a:off x="1523999" y="670579"/>
-            <a:ext cx="3316942" cy="539656"/>
-          </a:xfrm>
-          <a:prstGeom prst="rect">
-            <a:avLst/>
-          </a:prstGeom>
-          <a:solidFill>
-            <a:schemeClr val="tx1"/>
-          </a:solidFill>
-        </p:spPr>
-        <p:txBody>
-          <a:bodyPr vert="horz" lIns="91440" tIns="45720" rIns="91440" bIns="45720" rtlCol="0" anchor="ctr">
-            <a:normAutofit/>
-          </a:bodyPr>
-          <a:lstStyle>
-            <a:lvl1pPr marL="0" indent="0" algn="ctr" defTabSz="914400" rtl="0" eaLnBrk="1" latinLnBrk="0" hangingPunct="1">
-              <a:lnSpc>
-                <a:spcPct val="90000"/>
-              </a:lnSpc>
-              <a:spcBef>
-                <a:spcPts val="1000"/>
-              </a:spcBef>
-              <a:buFont typeface="Arial" panose="020B0604020202020204" pitchFamily="34" charset="0"/>
-              <a:buNone/>
-              <a:defRPr sz="2400" kern="1200">
-                <a:solidFill>
-                  <a:schemeClr val="tx1"/>
-                </a:solidFill>
-                <a:latin typeface="+mn-lt"/>
-                <a:ea typeface="+mn-ea"/>
-                <a:cs typeface="+mn-cs"/>
-              </a:defRPr>
-            </a:lvl1pPr>
-            <a:lvl2pPr marL="457200" indent="0" algn="ctr" defTabSz="914400" rtl="0" eaLnBrk="1" latinLnBrk="0" hangingPunct="1">
-              <a:lnSpc>
-                <a:spcPct val="90000"/>
-              </a:lnSpc>
-              <a:spcBef>
-                <a:spcPts val="500"/>
-              </a:spcBef>
-              <a:buFont typeface="Arial" panose="020B0604020202020204" pitchFamily="34" charset="0"/>
-              <a:buNone/>
-              <a:defRPr sz="2000" kern="1200">
-                <a:solidFill>
-                  <a:schemeClr val="tx1"/>
-                </a:solidFill>
-                <a:latin typeface="+mn-lt"/>
-                <a:ea typeface="+mn-ea"/>
-                <a:cs typeface="+mn-cs"/>
-              </a:defRPr>
-            </a:lvl2pPr>
-            <a:lvl3pPr marL="914400" indent="0" algn="ctr" defTabSz="914400" rtl="0" eaLnBrk="1" latinLnBrk="0" hangingPunct="1">
-              <a:lnSpc>
-                <a:spcPct val="90000"/>
-              </a:lnSpc>
-              <a:spcBef>
-                <a:spcPts val="500"/>
-              </a:spcBef>
-              <a:buFont typeface="Arial" panose="020B0604020202020204" pitchFamily="34" charset="0"/>
-              <a:buNone/>
-              <a:defRPr sz="1800" kern="1200">
-                <a:solidFill>
-                  <a:schemeClr val="tx1"/>
-                </a:solidFill>
-                <a:latin typeface="+mn-lt"/>
-                <a:ea typeface="+mn-ea"/>
-                <a:cs typeface="+mn-cs"/>
-              </a:defRPr>
-            </a:lvl3pPr>
-            <a:lvl4pPr marL="1371600" indent="0" algn="ctr" defTabSz="914400" rtl="0" eaLnBrk="1" latinLnBrk="0" hangingPunct="1">
-              <a:lnSpc>
-                <a:spcPct val="90000"/>
-              </a:lnSpc>
-              <a:spcBef>
-                <a:spcPts val="500"/>
-              </a:spcBef>
-              <a:buFont typeface="Arial" panose="020B0604020202020204" pitchFamily="34" charset="0"/>
-              <a:buNone/>
-              <a:defRPr sz="1600" kern="1200">
-                <a:solidFill>
-                  <a:schemeClr val="tx1"/>
-                </a:solidFill>
-                <a:latin typeface="+mn-lt"/>
-                <a:ea typeface="+mn-ea"/>
-                <a:cs typeface="+mn-cs"/>
-              </a:defRPr>
-            </a:lvl4pPr>
-            <a:lvl5pPr marL="1828800" indent="0" algn="ctr" defTabSz="914400" rtl="0" eaLnBrk="1" latinLnBrk="0" hangingPunct="1">
-              <a:lnSpc>
-                <a:spcPct val="90000"/>
-              </a:lnSpc>
-              <a:spcBef>
-                <a:spcPts val="500"/>
-              </a:spcBef>
-              <a:buFont typeface="Arial" panose="020B0604020202020204" pitchFamily="34" charset="0"/>
-              <a:buNone/>
-              <a:defRPr sz="1600" kern="1200">
-                <a:solidFill>
-                  <a:schemeClr val="tx1"/>
-                </a:solidFill>
-                <a:latin typeface="+mn-lt"/>
-                <a:ea typeface="+mn-ea"/>
-                <a:cs typeface="+mn-cs"/>
-              </a:defRPr>
-            </a:lvl5pPr>
-            <a:lvl6pPr marL="2286000" indent="0" algn="ctr" defTabSz="914400" rtl="0" eaLnBrk="1" latinLnBrk="0" hangingPunct="1">
-              <a:lnSpc>
-                <a:spcPct val="90000"/>
-              </a:lnSpc>
-              <a:spcBef>
-                <a:spcPts val="500"/>
-              </a:spcBef>
-              <a:buFont typeface="Arial" panose="020B0604020202020204" pitchFamily="34" charset="0"/>
-              <a:buNone/>
-              <a:defRPr sz="1600" kern="1200">
-                <a:solidFill>
-                  <a:schemeClr val="tx1"/>
-                </a:solidFill>
-                <a:latin typeface="+mn-lt"/>
-                <a:ea typeface="+mn-ea"/>
-                <a:cs typeface="+mn-cs"/>
-              </a:defRPr>
-            </a:lvl6pPr>
-            <a:lvl7pPr marL="2743200" indent="0" algn="ctr" defTabSz="914400" rtl="0" eaLnBrk="1" latinLnBrk="0" hangingPunct="1">
-              <a:lnSpc>
-                <a:spcPct val="90000"/>
-              </a:lnSpc>
-              <a:spcBef>
-                <a:spcPts val="500"/>
-              </a:spcBef>
-              <a:buFont typeface="Arial" panose="020B0604020202020204" pitchFamily="34" charset="0"/>
-              <a:buNone/>
-              <a:defRPr sz="1600" kern="1200">
-                <a:solidFill>
-                  <a:schemeClr val="tx1"/>
-                </a:solidFill>
-                <a:latin typeface="+mn-lt"/>
-                <a:ea typeface="+mn-ea"/>
-                <a:cs typeface="+mn-cs"/>
-              </a:defRPr>
-            </a:lvl7pPr>
-            <a:lvl8pPr marL="3200400" indent="0" algn="ctr" defTabSz="914400" rtl="0" eaLnBrk="1" latinLnBrk="0" hangingPunct="1">
-              <a:lnSpc>
-                <a:spcPct val="90000"/>
-              </a:lnSpc>
-              <a:spcBef>
-                <a:spcPts val="500"/>
-              </a:spcBef>
-              <a:buFont typeface="Arial" panose="020B0604020202020204" pitchFamily="34" charset="0"/>
-              <a:buNone/>
-              <a:defRPr sz="1600" kern="1200">
-                <a:solidFill>
-                  <a:schemeClr val="tx1"/>
-                </a:solidFill>
-                <a:latin typeface="+mn-lt"/>
-                <a:ea typeface="+mn-ea"/>
-                <a:cs typeface="+mn-cs"/>
-              </a:defRPr>
-            </a:lvl8pPr>
-            <a:lvl9pPr marL="3657600" indent="0" algn="ctr" defTabSz="914400" rtl="0" eaLnBrk="1" latinLnBrk="0" hangingPunct="1">
-              <a:lnSpc>
-                <a:spcPct val="90000"/>
-              </a:lnSpc>
-              <a:spcBef>
-                <a:spcPts val="500"/>
-              </a:spcBef>
-              <a:buFont typeface="Arial" panose="020B0604020202020204" pitchFamily="34" charset="0"/>
-              <a:buNone/>
-              <a:defRPr sz="1600" kern="1200">
-                <a:solidFill>
-                  <a:schemeClr val="tx1"/>
-                </a:solidFill>
-                <a:latin typeface="+mn-lt"/>
-                <a:ea typeface="+mn-ea"/>
-                <a:cs typeface="+mn-cs"/>
-              </a:defRPr>
-            </a:lvl9pPr>
-          </a:lstStyle>
-          <a:p>
-            <a:r>
-              <a:rPr lang="pt-BR" dirty="0" smtClean="0">
-                <a:solidFill>
-                  <a:schemeClr val="bg1"/>
-                </a:solidFill>
-                <a:latin typeface="Adventure" panose="02000500000000000000" pitchFamily="2" charset="0"/>
-              </a:rPr>
-              <a:t>Algoritmos</a:t>
-            </a:r>
-            <a:endParaRPr lang="pt-BR" dirty="0">
-              <a:solidFill>
-                <a:schemeClr val="bg1"/>
-              </a:solidFill>
-              <a:latin typeface="Adventure" panose="02000500000000000000" pitchFamily="2" charset="0"/>
-            </a:endParaRPr>
-          </a:p>
-        </p:txBody>
-      </p:sp>
-      <p:grpSp>
-        <p:nvGrpSpPr>
-          <p:cNvPr id="14" name="Grupo 13"/>
-          <p:cNvGrpSpPr/>
-          <p:nvPr/>
-        </p:nvGrpSpPr>
-        <p:grpSpPr>
-          <a:xfrm>
-            <a:off x="8908771" y="6615951"/>
-            <a:ext cx="3283229" cy="242049"/>
-            <a:chOff x="7693420" y="2028616"/>
-            <a:chExt cx="2615991" cy="256498"/>
-          </a:xfrm>
-          <a:solidFill>
-            <a:srgbClr val="00CC00"/>
-          </a:solidFill>
-        </p:grpSpPr>
-        <p:sp>
-          <p:nvSpPr>
-            <p:cNvPr id="12" name="Subtítulo 2"/>
-            <p:cNvSpPr txBox="1">
-              <a:spLocks/>
-            </p:cNvSpPr>
-            <p:nvPr/>
-          </p:nvSpPr>
-          <p:spPr>
-            <a:xfrm>
-              <a:off x="8027893" y="2028617"/>
-              <a:ext cx="2281518" cy="256497"/>
-            </a:xfrm>
-            <a:prstGeom prst="rect">
-              <a:avLst/>
-            </a:prstGeom>
-            <a:grpFill/>
-            <a:ln>
-              <a:noFill/>
-            </a:ln>
-          </p:spPr>
-          <p:txBody>
-            <a:bodyPr vert="horz" lIns="91440" tIns="45720" rIns="91440" bIns="45720" rtlCol="0" anchor="ctr">
-              <a:noAutofit/>
-            </a:bodyPr>
-            <a:lstStyle>
-              <a:lvl1pPr marL="0" indent="0" algn="ctr" defTabSz="914400" rtl="0" eaLnBrk="1" latinLnBrk="0" hangingPunct="1">
-                <a:lnSpc>
-                  <a:spcPct val="90000"/>
-                </a:lnSpc>
-                <a:spcBef>
-                  <a:spcPts val="1000"/>
-                </a:spcBef>
-                <a:buFont typeface="Arial" panose="020B0604020202020204" pitchFamily="34" charset="0"/>
-                <a:buNone/>
-                <a:defRPr sz="2400" kern="1200">
-                  <a:solidFill>
-                    <a:schemeClr val="tx1"/>
-                  </a:solidFill>
-                  <a:latin typeface="+mn-lt"/>
-                  <a:ea typeface="+mn-ea"/>
-                  <a:cs typeface="+mn-cs"/>
-                </a:defRPr>
-              </a:lvl1pPr>
-              <a:lvl2pPr marL="457200" indent="0" algn="ctr" defTabSz="914400" rtl="0" eaLnBrk="1" latinLnBrk="0" hangingPunct="1">
-                <a:lnSpc>
-                  <a:spcPct val="90000"/>
-                </a:lnSpc>
-                <a:spcBef>
-                  <a:spcPts val="500"/>
-                </a:spcBef>
-                <a:buFont typeface="Arial" panose="020B0604020202020204" pitchFamily="34" charset="0"/>
-                <a:buNone/>
-                <a:defRPr sz="2000" kern="1200">
-                  <a:solidFill>
-                    <a:schemeClr val="tx1"/>
-                  </a:solidFill>
-                  <a:latin typeface="+mn-lt"/>
-                  <a:ea typeface="+mn-ea"/>
-                  <a:cs typeface="+mn-cs"/>
-                </a:defRPr>
-              </a:lvl2pPr>
-              <a:lvl3pPr marL="914400" indent="0" algn="ctr" defTabSz="914400" rtl="0" eaLnBrk="1" latinLnBrk="0" hangingPunct="1">
-                <a:lnSpc>
-                  <a:spcPct val="90000"/>
-                </a:lnSpc>
-                <a:spcBef>
-                  <a:spcPts val="500"/>
-                </a:spcBef>
-                <a:buFont typeface="Arial" panose="020B0604020202020204" pitchFamily="34" charset="0"/>
-                <a:buNone/>
-                <a:defRPr sz="1800" kern="1200">
-                  <a:solidFill>
-                    <a:schemeClr val="tx1"/>
-                  </a:solidFill>
-                  <a:latin typeface="+mn-lt"/>
-                  <a:ea typeface="+mn-ea"/>
-                  <a:cs typeface="+mn-cs"/>
-                </a:defRPr>
-              </a:lvl3pPr>
-              <a:lvl4pPr marL="1371600" indent="0" algn="ctr" defTabSz="914400" rtl="0" eaLnBrk="1" latinLnBrk="0" hangingPunct="1">
-                <a:lnSpc>
-                  <a:spcPct val="90000"/>
-                </a:lnSpc>
-                <a:spcBef>
-                  <a:spcPts val="500"/>
-                </a:spcBef>
-                <a:buFont typeface="Arial" panose="020B0604020202020204" pitchFamily="34" charset="0"/>
-                <a:buNone/>
-                <a:defRPr sz="1600" kern="1200">
-                  <a:solidFill>
-                    <a:schemeClr val="tx1"/>
-                  </a:solidFill>
-                  <a:latin typeface="+mn-lt"/>
-                  <a:ea typeface="+mn-ea"/>
-                  <a:cs typeface="+mn-cs"/>
-                </a:defRPr>
-              </a:lvl4pPr>
-              <a:lvl5pPr marL="1828800" indent="0" algn="ctr" defTabSz="914400" rtl="0" eaLnBrk="1" latinLnBrk="0" hangingPunct="1">
-                <a:lnSpc>
-                  <a:spcPct val="90000"/>
-                </a:lnSpc>
-                <a:spcBef>
-                  <a:spcPts val="500"/>
-                </a:spcBef>
-                <a:buFont typeface="Arial" panose="020B0604020202020204" pitchFamily="34" charset="0"/>
-                <a:buNone/>
-                <a:defRPr sz="1600" kern="1200">
-                  <a:solidFill>
-                    <a:schemeClr val="tx1"/>
-                  </a:solidFill>
-                  <a:latin typeface="+mn-lt"/>
-                  <a:ea typeface="+mn-ea"/>
-                  <a:cs typeface="+mn-cs"/>
-                </a:defRPr>
-              </a:lvl5pPr>
-              <a:lvl6pPr marL="2286000" indent="0" algn="ctr" defTabSz="914400" rtl="0" eaLnBrk="1" latinLnBrk="0" hangingPunct="1">
-                <a:lnSpc>
-                  <a:spcPct val="90000"/>
-                </a:lnSpc>
-                <a:spcBef>
-                  <a:spcPts val="500"/>
-                </a:spcBef>
-                <a:buFont typeface="Arial" panose="020B0604020202020204" pitchFamily="34" charset="0"/>
-                <a:buNone/>
-                <a:defRPr sz="1600" kern="1200">
-                  <a:solidFill>
-                    <a:schemeClr val="tx1"/>
-                  </a:solidFill>
-                  <a:latin typeface="+mn-lt"/>
-                  <a:ea typeface="+mn-ea"/>
-                  <a:cs typeface="+mn-cs"/>
-                </a:defRPr>
-              </a:lvl6pPr>
-              <a:lvl7pPr marL="2743200" indent="0" algn="ctr" defTabSz="914400" rtl="0" eaLnBrk="1" latinLnBrk="0" hangingPunct="1">
-                <a:lnSpc>
-                  <a:spcPct val="90000"/>
-                </a:lnSpc>
-                <a:spcBef>
-                  <a:spcPts val="500"/>
-                </a:spcBef>
-                <a:buFont typeface="Arial" panose="020B0604020202020204" pitchFamily="34" charset="0"/>
-                <a:buNone/>
-                <a:defRPr sz="1600" kern="1200">
-                  <a:solidFill>
-                    <a:schemeClr val="tx1"/>
-                  </a:solidFill>
-                  <a:latin typeface="+mn-lt"/>
-                  <a:ea typeface="+mn-ea"/>
-                  <a:cs typeface="+mn-cs"/>
-                </a:defRPr>
-              </a:lvl7pPr>
-              <a:lvl8pPr marL="3200400" indent="0" algn="ctr" defTabSz="914400" rtl="0" eaLnBrk="1" latinLnBrk="0" hangingPunct="1">
-                <a:lnSpc>
-                  <a:spcPct val="90000"/>
-                </a:lnSpc>
-                <a:spcBef>
-                  <a:spcPts val="500"/>
-                </a:spcBef>
-                <a:buFont typeface="Arial" panose="020B0604020202020204" pitchFamily="34" charset="0"/>
-                <a:buNone/>
-                <a:defRPr sz="1600" kern="1200">
-                  <a:solidFill>
-                    <a:schemeClr val="tx1"/>
-                  </a:solidFill>
-                  <a:latin typeface="+mn-lt"/>
-                  <a:ea typeface="+mn-ea"/>
-                  <a:cs typeface="+mn-cs"/>
-                </a:defRPr>
-              </a:lvl8pPr>
-              <a:lvl9pPr marL="3657600" indent="0" algn="ctr" defTabSz="914400" rtl="0" eaLnBrk="1" latinLnBrk="0" hangingPunct="1">
-                <a:lnSpc>
-                  <a:spcPct val="90000"/>
-                </a:lnSpc>
-                <a:spcBef>
-                  <a:spcPts val="500"/>
-                </a:spcBef>
-                <a:buFont typeface="Arial" panose="020B0604020202020204" pitchFamily="34" charset="0"/>
-                <a:buNone/>
-                <a:defRPr sz="1600" kern="1200">
-                  <a:solidFill>
-                    <a:schemeClr val="tx1"/>
-                  </a:solidFill>
-                  <a:latin typeface="+mn-lt"/>
-                  <a:ea typeface="+mn-ea"/>
-                  <a:cs typeface="+mn-cs"/>
-                </a:defRPr>
-              </a:lvl9pPr>
-            </a:lstStyle>
-            <a:p>
-              <a:r>
-                <a:rPr lang="pt-BR" sz="1400" dirty="0">
-                  <a:solidFill>
-                    <a:schemeClr val="bg1"/>
-                  </a:solidFill>
-                  <a:latin typeface="Adventure" panose="02000500000000000000" pitchFamily="2" charset="0"/>
-                </a:rPr>
-                <a:t>T</a:t>
-              </a:r>
-              <a:r>
-                <a:rPr lang="pt-BR" sz="1400" dirty="0" smtClean="0">
-                  <a:solidFill>
-                    <a:schemeClr val="bg1"/>
-                  </a:solidFill>
-                  <a:latin typeface="Adventure" panose="02000500000000000000" pitchFamily="2" charset="0"/>
-                </a:rPr>
-                <a:t>eoria dos Grafos</a:t>
-              </a:r>
-              <a:endParaRPr lang="pt-BR" sz="1400" dirty="0">
-                <a:solidFill>
-                  <a:schemeClr val="bg1"/>
-                </a:solidFill>
-                <a:latin typeface="Adventure" panose="02000500000000000000" pitchFamily="2" charset="0"/>
-              </a:endParaRPr>
-            </a:p>
-          </p:txBody>
-        </p:sp>
-        <p:sp>
-          <p:nvSpPr>
-            <p:cNvPr id="13" name="Subtítulo 2"/>
-            <p:cNvSpPr txBox="1">
-              <a:spLocks/>
-            </p:cNvSpPr>
-            <p:nvPr/>
-          </p:nvSpPr>
-          <p:spPr>
-            <a:xfrm>
-              <a:off x="7693420" y="2028616"/>
-              <a:ext cx="334473" cy="256497"/>
-            </a:xfrm>
-            <a:custGeom>
-              <a:avLst/>
-              <a:gdLst>
-                <a:gd name="connsiteX0" fmla="*/ 0 w 1021977"/>
-                <a:gd name="connsiteY0" fmla="*/ 0 h 186929"/>
-                <a:gd name="connsiteX1" fmla="*/ 1021977 w 1021977"/>
-                <a:gd name="connsiteY1" fmla="*/ 0 h 186929"/>
-                <a:gd name="connsiteX2" fmla="*/ 1021977 w 1021977"/>
-                <a:gd name="connsiteY2" fmla="*/ 186929 h 186929"/>
-                <a:gd name="connsiteX3" fmla="*/ 0 w 1021977"/>
-                <a:gd name="connsiteY3" fmla="*/ 186929 h 186929"/>
-                <a:gd name="connsiteX4" fmla="*/ 0 w 1021977"/>
-                <a:gd name="connsiteY4" fmla="*/ 0 h 186929"/>
-                <a:gd name="connsiteX0" fmla="*/ 1035423 w 1035423"/>
-                <a:gd name="connsiteY0" fmla="*/ 0 h 213823"/>
-                <a:gd name="connsiteX1" fmla="*/ 1021977 w 1035423"/>
-                <a:gd name="connsiteY1" fmla="*/ 26894 h 213823"/>
-                <a:gd name="connsiteX2" fmla="*/ 1021977 w 1035423"/>
-                <a:gd name="connsiteY2" fmla="*/ 213823 h 213823"/>
-                <a:gd name="connsiteX3" fmla="*/ 0 w 1035423"/>
-                <a:gd name="connsiteY3" fmla="*/ 213823 h 213823"/>
-                <a:gd name="connsiteX4" fmla="*/ 1035423 w 1035423"/>
-                <a:gd name="connsiteY4" fmla="*/ 0 h 213823"/>
-              </a:gdLst>
-              <a:ahLst/>
-              <a:cxnLst>
-                <a:cxn ang="0">
-                  <a:pos x="connsiteX0" y="connsiteY0"/>
-                </a:cxn>
-                <a:cxn ang="0">
-                  <a:pos x="connsiteX1" y="connsiteY1"/>
-                </a:cxn>
-                <a:cxn ang="0">
-                  <a:pos x="connsiteX2" y="connsiteY2"/>
-                </a:cxn>
-                <a:cxn ang="0">
-                  <a:pos x="connsiteX3" y="connsiteY3"/>
-                </a:cxn>
-                <a:cxn ang="0">
-                  <a:pos x="connsiteX4" y="connsiteY4"/>
-                </a:cxn>
-              </a:cxnLst>
-              <a:rect l="l" t="t" r="r" b="b"/>
-              <a:pathLst>
-                <a:path w="1035423" h="213823">
-                  <a:moveTo>
-                    <a:pt x="1035423" y="0"/>
-                  </a:moveTo>
-                  <a:lnTo>
-                    <a:pt x="1021977" y="26894"/>
-                  </a:lnTo>
-                  <a:lnTo>
-                    <a:pt x="1021977" y="213823"/>
-                  </a:lnTo>
-                  <a:lnTo>
-                    <a:pt x="0" y="213823"/>
-                  </a:lnTo>
-                  <a:lnTo>
-                    <a:pt x="1035423" y="0"/>
-                  </a:lnTo>
-                  <a:close/>
-                </a:path>
-              </a:pathLst>
-            </a:custGeom>
-            <a:grpFill/>
-            <a:ln>
-              <a:solidFill>
-                <a:srgbClr val="00CC00"/>
-              </a:solidFill>
-            </a:ln>
-          </p:spPr>
-          <p:txBody>
-            <a:bodyPr vert="horz" lIns="91440" tIns="45720" rIns="91440" bIns="45720" rtlCol="0" anchor="ctr">
-              <a:noAutofit/>
-            </a:bodyPr>
-            <a:lstStyle>
-              <a:lvl1pPr marL="0" indent="0" algn="ctr" defTabSz="914400" rtl="0" eaLnBrk="1" latinLnBrk="0" hangingPunct="1">
-                <a:lnSpc>
-                  <a:spcPct val="90000"/>
-                </a:lnSpc>
-                <a:spcBef>
-                  <a:spcPts val="1000"/>
-                </a:spcBef>
-                <a:buFont typeface="Arial" panose="020B0604020202020204" pitchFamily="34" charset="0"/>
-                <a:buNone/>
-                <a:defRPr sz="2400" kern="1200">
-                  <a:solidFill>
-                    <a:schemeClr val="tx1"/>
-                  </a:solidFill>
-                  <a:latin typeface="+mn-lt"/>
-                  <a:ea typeface="+mn-ea"/>
-                  <a:cs typeface="+mn-cs"/>
-                </a:defRPr>
-              </a:lvl1pPr>
-              <a:lvl2pPr marL="457200" indent="0" algn="ctr" defTabSz="914400" rtl="0" eaLnBrk="1" latinLnBrk="0" hangingPunct="1">
-                <a:lnSpc>
-                  <a:spcPct val="90000"/>
-                </a:lnSpc>
-                <a:spcBef>
-                  <a:spcPts val="500"/>
-                </a:spcBef>
-                <a:buFont typeface="Arial" panose="020B0604020202020204" pitchFamily="34" charset="0"/>
-                <a:buNone/>
-                <a:defRPr sz="2000" kern="1200">
-                  <a:solidFill>
-                    <a:schemeClr val="tx1"/>
-                  </a:solidFill>
-                  <a:latin typeface="+mn-lt"/>
-                  <a:ea typeface="+mn-ea"/>
-                  <a:cs typeface="+mn-cs"/>
-                </a:defRPr>
-              </a:lvl2pPr>
-              <a:lvl3pPr marL="914400" indent="0" algn="ctr" defTabSz="914400" rtl="0" eaLnBrk="1" latinLnBrk="0" hangingPunct="1">
-                <a:lnSpc>
-                  <a:spcPct val="90000"/>
-                </a:lnSpc>
-                <a:spcBef>
-                  <a:spcPts val="500"/>
-                </a:spcBef>
-                <a:buFont typeface="Arial" panose="020B0604020202020204" pitchFamily="34" charset="0"/>
-                <a:buNone/>
-                <a:defRPr sz="1800" kern="1200">
-                  <a:solidFill>
-                    <a:schemeClr val="tx1"/>
-                  </a:solidFill>
-                  <a:latin typeface="+mn-lt"/>
-                  <a:ea typeface="+mn-ea"/>
-                  <a:cs typeface="+mn-cs"/>
-                </a:defRPr>
-              </a:lvl3pPr>
-              <a:lvl4pPr marL="1371600" indent="0" algn="ctr" defTabSz="914400" rtl="0" eaLnBrk="1" latinLnBrk="0" hangingPunct="1">
-                <a:lnSpc>
-                  <a:spcPct val="90000"/>
-                </a:lnSpc>
-                <a:spcBef>
-                  <a:spcPts val="500"/>
-                </a:spcBef>
-                <a:buFont typeface="Arial" panose="020B0604020202020204" pitchFamily="34" charset="0"/>
-                <a:buNone/>
-                <a:defRPr sz="1600" kern="1200">
-                  <a:solidFill>
-                    <a:schemeClr val="tx1"/>
-                  </a:solidFill>
-                  <a:latin typeface="+mn-lt"/>
-                  <a:ea typeface="+mn-ea"/>
-                  <a:cs typeface="+mn-cs"/>
-                </a:defRPr>
-              </a:lvl4pPr>
-              <a:lvl5pPr marL="1828800" indent="0" algn="ctr" defTabSz="914400" rtl="0" eaLnBrk="1" latinLnBrk="0" hangingPunct="1">
-                <a:lnSpc>
-                  <a:spcPct val="90000"/>
-                </a:lnSpc>
-                <a:spcBef>
-                  <a:spcPts val="500"/>
-                </a:spcBef>
-                <a:buFont typeface="Arial" panose="020B0604020202020204" pitchFamily="34" charset="0"/>
-                <a:buNone/>
-                <a:defRPr sz="1600" kern="1200">
-                  <a:solidFill>
-                    <a:schemeClr val="tx1"/>
-                  </a:solidFill>
-                  <a:latin typeface="+mn-lt"/>
-                  <a:ea typeface="+mn-ea"/>
-                  <a:cs typeface="+mn-cs"/>
-                </a:defRPr>
-              </a:lvl5pPr>
-              <a:lvl6pPr marL="2286000" indent="0" algn="ctr" defTabSz="914400" rtl="0" eaLnBrk="1" latinLnBrk="0" hangingPunct="1">
-                <a:lnSpc>
-                  <a:spcPct val="90000"/>
-                </a:lnSpc>
-                <a:spcBef>
-                  <a:spcPts val="500"/>
-                </a:spcBef>
-                <a:buFont typeface="Arial" panose="020B0604020202020204" pitchFamily="34" charset="0"/>
-                <a:buNone/>
-                <a:defRPr sz="1600" kern="1200">
-                  <a:solidFill>
-                    <a:schemeClr val="tx1"/>
-                  </a:solidFill>
-                  <a:latin typeface="+mn-lt"/>
-                  <a:ea typeface="+mn-ea"/>
-                  <a:cs typeface="+mn-cs"/>
-                </a:defRPr>
-              </a:lvl6pPr>
-              <a:lvl7pPr marL="2743200" indent="0" algn="ctr" defTabSz="914400" rtl="0" eaLnBrk="1" latinLnBrk="0" hangingPunct="1">
-                <a:lnSpc>
-                  <a:spcPct val="90000"/>
-                </a:lnSpc>
-                <a:spcBef>
-                  <a:spcPts val="500"/>
-                </a:spcBef>
-                <a:buFont typeface="Arial" panose="020B0604020202020204" pitchFamily="34" charset="0"/>
-                <a:buNone/>
-                <a:defRPr sz="1600" kern="1200">
-                  <a:solidFill>
-                    <a:schemeClr val="tx1"/>
-                  </a:solidFill>
-                  <a:latin typeface="+mn-lt"/>
-                  <a:ea typeface="+mn-ea"/>
-                  <a:cs typeface="+mn-cs"/>
-                </a:defRPr>
-              </a:lvl7pPr>
-              <a:lvl8pPr marL="3200400" indent="0" algn="ctr" defTabSz="914400" rtl="0" eaLnBrk="1" latinLnBrk="0" hangingPunct="1">
-                <a:lnSpc>
-                  <a:spcPct val="90000"/>
-                </a:lnSpc>
-                <a:spcBef>
-                  <a:spcPts val="500"/>
-                </a:spcBef>
-                <a:buFont typeface="Arial" panose="020B0604020202020204" pitchFamily="34" charset="0"/>
-                <a:buNone/>
-                <a:defRPr sz="1600" kern="1200">
-                  <a:solidFill>
-                    <a:schemeClr val="tx1"/>
-                  </a:solidFill>
-                  <a:latin typeface="+mn-lt"/>
-                  <a:ea typeface="+mn-ea"/>
-                  <a:cs typeface="+mn-cs"/>
-                </a:defRPr>
-              </a:lvl8pPr>
-              <a:lvl9pPr marL="3657600" indent="0" algn="ctr" defTabSz="914400" rtl="0" eaLnBrk="1" latinLnBrk="0" hangingPunct="1">
-                <a:lnSpc>
-                  <a:spcPct val="90000"/>
-                </a:lnSpc>
-                <a:spcBef>
-                  <a:spcPts val="500"/>
-                </a:spcBef>
-                <a:buFont typeface="Arial" panose="020B0604020202020204" pitchFamily="34" charset="0"/>
-                <a:buNone/>
-                <a:defRPr sz="1600" kern="1200">
-                  <a:solidFill>
-                    <a:schemeClr val="tx1"/>
-                  </a:solidFill>
-                  <a:latin typeface="+mn-lt"/>
-                  <a:ea typeface="+mn-ea"/>
-                  <a:cs typeface="+mn-cs"/>
-                </a:defRPr>
-              </a:lvl9pPr>
-            </a:lstStyle>
-            <a:p>
-              <a:endParaRPr lang="pt-BR" sz="1400" dirty="0">
-                <a:solidFill>
-                  <a:schemeClr val="bg1"/>
-                </a:solidFill>
-                <a:latin typeface="Adventure" panose="02000500000000000000" pitchFamily="2" charset="0"/>
-              </a:endParaRPr>
-            </a:p>
-          </p:txBody>
-        </p:sp>
-      </p:grpSp>
     </p:spTree>
     <p:extLst>
       <p:ext uri="{BB962C8B-B14F-4D97-AF65-F5344CB8AC3E}">
-        <p14:creationId xmlns:p14="http://schemas.microsoft.com/office/powerpoint/2010/main" val="2221969884"/>
+        <p14:creationId xmlns:p14="http://schemas.microsoft.com/office/powerpoint/2010/main" val="2943595636"/>
       </p:ext>
     </p:extLst>
   </p:cSld>
@@ -16063,4 +21952,265 @@
     </a:ext>
   </a:extLst>
 </a:theme>
+</file>
+
+<file path=ppt/theme/theme2.xml><?xml version="1.0" encoding="utf-8"?>
+<a:theme xmlns:a="http://schemas.openxmlformats.org/drawingml/2006/main" name="Tema do Office">
+  <a:themeElements>
+    <a:clrScheme name="Escritório">
+      <a:dk1>
+        <a:sysClr val="windowText" lastClr="000000"/>
+      </a:dk1>
+      <a:lt1>
+        <a:sysClr val="window" lastClr="FFFFFF"/>
+      </a:lt1>
+      <a:dk2>
+        <a:srgbClr val="44546A"/>
+      </a:dk2>
+      <a:lt2>
+        <a:srgbClr val="E7E6E6"/>
+      </a:lt2>
+      <a:accent1>
+        <a:srgbClr val="5B9BD5"/>
+      </a:accent1>
+      <a:accent2>
+        <a:srgbClr val="ED7D31"/>
+      </a:accent2>
+      <a:accent3>
+        <a:srgbClr val="A5A5A5"/>
+      </a:accent3>
+      <a:accent4>
+        <a:srgbClr val="FFC000"/>
+      </a:accent4>
+      <a:accent5>
+        <a:srgbClr val="4472C4"/>
+      </a:accent5>
+      <a:accent6>
+        <a:srgbClr val="70AD47"/>
+      </a:accent6>
+      <a:hlink>
+        <a:srgbClr val="0563C1"/>
+      </a:hlink>
+      <a:folHlink>
+        <a:srgbClr val="954F72"/>
+      </a:folHlink>
+    </a:clrScheme>
+    <a:fontScheme name="Escritório">
+      <a:majorFont>
+        <a:latin typeface="Calibri Light" panose="020F0302020204030204"/>
+        <a:ea typeface=""/>
+        <a:cs typeface=""/>
+        <a:font script="Jpan" typeface="ＭＳ Ｐゴシック"/>
+        <a:font script="Hang" typeface="맑은 고딕"/>
+        <a:font script="Hans" typeface="宋体"/>
+        <a:font script="Hant" typeface="新細明體"/>
+        <a:font script="Arab" typeface="Times New Roman"/>
+        <a:font script="Hebr" typeface="Times New Roman"/>
+        <a:font script="Thai" typeface="Angsana New"/>
+        <a:font script="Ethi" typeface="Nyala"/>
+        <a:font script="Beng" typeface="Vrinda"/>
+        <a:font script="Gujr" typeface="Shruti"/>
+        <a:font script="Khmr" typeface="MoolBoran"/>
+        <a:font script="Knda" typeface="Tunga"/>
+        <a:font script="Guru" typeface="Raavi"/>
+        <a:font script="Cans" typeface="Euphemia"/>
+        <a:font script="Cher" typeface="Plantagenet Cherokee"/>
+        <a:font script="Yiii" typeface="Microsoft Yi Baiti"/>
+        <a:font script="Tibt" typeface="Microsoft Himalaya"/>
+        <a:font script="Thaa" typeface="MV Boli"/>
+        <a:font script="Deva" typeface="Mangal"/>
+        <a:font script="Telu" typeface="Gautami"/>
+        <a:font script="Taml" typeface="Latha"/>
+        <a:font script="Syrc" typeface="Estrangelo Edessa"/>
+        <a:font script="Orya" typeface="Kalinga"/>
+        <a:font script="Mlym" typeface="Kartika"/>
+        <a:font script="Laoo" typeface="DokChampa"/>
+        <a:font script="Sinh" typeface="Iskoola Pota"/>
+        <a:font script="Mong" typeface="Mongolian Baiti"/>
+        <a:font script="Viet" typeface="Times New Roman"/>
+        <a:font script="Uigh" typeface="Microsoft Uighur"/>
+        <a:font script="Geor" typeface="Sylfaen"/>
+      </a:majorFont>
+      <a:minorFont>
+        <a:latin typeface="Calibri" panose="020F0502020204030204"/>
+        <a:ea typeface=""/>
+        <a:cs typeface=""/>
+        <a:font script="Jpan" typeface="ＭＳ Ｐゴシック"/>
+        <a:font script="Hang" typeface="맑은 고딕"/>
+        <a:font script="Hans" typeface="宋体"/>
+        <a:font script="Hant" typeface="新細明體"/>
+        <a:font script="Arab" typeface="Arial"/>
+        <a:font script="Hebr" typeface="Arial"/>
+        <a:font script="Thai" typeface="Cordia New"/>
+        <a:font script="Ethi" typeface="Nyala"/>
+        <a:font script="Beng" typeface="Vrinda"/>
+        <a:font script="Gujr" typeface="Shruti"/>
+        <a:font script="Khmr" typeface="DaunPenh"/>
+        <a:font script="Knda" typeface="Tunga"/>
+        <a:font script="Guru" typeface="Raavi"/>
+        <a:font script="Cans" typeface="Euphemia"/>
+        <a:font script="Cher" typeface="Plantagenet Cherokee"/>
+        <a:font script="Yiii" typeface="Microsoft Yi Baiti"/>
+        <a:font script="Tibt" typeface="Microsoft Himalaya"/>
+        <a:font script="Thaa" typeface="MV Boli"/>
+        <a:font script="Deva" typeface="Mangal"/>
+        <a:font script="Telu" typeface="Gautami"/>
+        <a:font script="Taml" typeface="Latha"/>
+        <a:font script="Syrc" typeface="Estrangelo Edessa"/>
+        <a:font script="Orya" typeface="Kalinga"/>
+        <a:font script="Mlym" typeface="Kartika"/>
+        <a:font script="Laoo" typeface="DokChampa"/>
+        <a:font script="Sinh" typeface="Iskoola Pota"/>
+        <a:font script="Mong" typeface="Mongolian Baiti"/>
+        <a:font script="Viet" typeface="Arial"/>
+        <a:font script="Uigh" typeface="Microsoft Uighur"/>
+        <a:font script="Geor" typeface="Sylfaen"/>
+      </a:minorFont>
+    </a:fontScheme>
+    <a:fmtScheme name="Escritório">
+      <a:fillStyleLst>
+        <a:solidFill>
+          <a:schemeClr val="phClr"/>
+        </a:solidFill>
+        <a:gradFill rotWithShape="1">
+          <a:gsLst>
+            <a:gs pos="0">
+              <a:schemeClr val="phClr">
+                <a:lumMod val="110000"/>
+                <a:satMod val="105000"/>
+                <a:tint val="67000"/>
+              </a:schemeClr>
+            </a:gs>
+            <a:gs pos="50000">
+              <a:schemeClr val="phClr">
+                <a:lumMod val="105000"/>
+                <a:satMod val="103000"/>
+                <a:tint val="73000"/>
+              </a:schemeClr>
+            </a:gs>
+            <a:gs pos="100000">
+              <a:schemeClr val="phClr">
+                <a:lumMod val="105000"/>
+                <a:satMod val="109000"/>
+                <a:tint val="81000"/>
+              </a:schemeClr>
+            </a:gs>
+          </a:gsLst>
+          <a:lin ang="5400000" scaled="0"/>
+        </a:gradFill>
+        <a:gradFill rotWithShape="1">
+          <a:gsLst>
+            <a:gs pos="0">
+              <a:schemeClr val="phClr">
+                <a:satMod val="103000"/>
+                <a:lumMod val="102000"/>
+                <a:tint val="94000"/>
+              </a:schemeClr>
+            </a:gs>
+            <a:gs pos="50000">
+              <a:schemeClr val="phClr">
+                <a:satMod val="110000"/>
+                <a:lumMod val="100000"/>
+                <a:shade val="100000"/>
+              </a:schemeClr>
+            </a:gs>
+            <a:gs pos="100000">
+              <a:schemeClr val="phClr">
+                <a:lumMod val="99000"/>
+                <a:satMod val="120000"/>
+                <a:shade val="78000"/>
+              </a:schemeClr>
+            </a:gs>
+          </a:gsLst>
+          <a:lin ang="5400000" scaled="0"/>
+        </a:gradFill>
+      </a:fillStyleLst>
+      <a:lnStyleLst>
+        <a:ln w="6350" cap="flat" cmpd="sng" algn="ctr">
+          <a:solidFill>
+            <a:schemeClr val="phClr"/>
+          </a:solidFill>
+          <a:prstDash val="solid"/>
+          <a:miter lim="800000"/>
+        </a:ln>
+        <a:ln w="12700" cap="flat" cmpd="sng" algn="ctr">
+          <a:solidFill>
+            <a:schemeClr val="phClr"/>
+          </a:solidFill>
+          <a:prstDash val="solid"/>
+          <a:miter lim="800000"/>
+        </a:ln>
+        <a:ln w="19050" cap="flat" cmpd="sng" algn="ctr">
+          <a:solidFill>
+            <a:schemeClr val="phClr"/>
+          </a:solidFill>
+          <a:prstDash val="solid"/>
+          <a:miter lim="800000"/>
+        </a:ln>
+      </a:lnStyleLst>
+      <a:effectStyleLst>
+        <a:effectStyle>
+          <a:effectLst/>
+        </a:effectStyle>
+        <a:effectStyle>
+          <a:effectLst/>
+        </a:effectStyle>
+        <a:effectStyle>
+          <a:effectLst>
+            <a:outerShdw blurRad="57150" dist="19050" dir="5400000" algn="ctr" rotWithShape="0">
+              <a:srgbClr val="000000">
+                <a:alpha val="63000"/>
+              </a:srgbClr>
+            </a:outerShdw>
+          </a:effectLst>
+        </a:effectStyle>
+      </a:effectStyleLst>
+      <a:bgFillStyleLst>
+        <a:solidFill>
+          <a:schemeClr val="phClr"/>
+        </a:solidFill>
+        <a:solidFill>
+          <a:schemeClr val="phClr">
+            <a:tint val="95000"/>
+            <a:satMod val="170000"/>
+          </a:schemeClr>
+        </a:solidFill>
+        <a:gradFill rotWithShape="1">
+          <a:gsLst>
+            <a:gs pos="0">
+              <a:schemeClr val="phClr">
+                <a:tint val="93000"/>
+                <a:satMod val="150000"/>
+                <a:shade val="98000"/>
+                <a:lumMod val="102000"/>
+              </a:schemeClr>
+            </a:gs>
+            <a:gs pos="50000">
+              <a:schemeClr val="phClr">
+                <a:tint val="98000"/>
+                <a:satMod val="130000"/>
+                <a:shade val="90000"/>
+                <a:lumMod val="103000"/>
+              </a:schemeClr>
+            </a:gs>
+            <a:gs pos="100000">
+              <a:schemeClr val="phClr">
+                <a:shade val="63000"/>
+                <a:satMod val="120000"/>
+              </a:schemeClr>
+            </a:gs>
+          </a:gsLst>
+          <a:lin ang="5400000" scaled="0"/>
+        </a:gradFill>
+      </a:bgFillStyleLst>
+    </a:fmtScheme>
+  </a:themeElements>
+  <a:objectDefaults/>
+  <a:extraClrSchemeLst/>
+  <a:extLst>
+    <a:ext uri="{05A4C25C-085E-4340-85A3-A5531E510DB2}">
+      <thm15:themeFamily xmlns:thm15="http://schemas.microsoft.com/office/thememl/2012/main" name="Office Theme" id="{62F939B6-93AF-4DB8-9C6B-D6C7DFDC589F}" vid="{4A3C46E8-61CC-4603-A589-7422A47A8E4A}"/>
+    </a:ext>
+  </a:extLst>
+</a:theme>
 </file>
--- a/apresentacao/Apresentacao.pptx
+++ b/apresentacao/Apresentacao.pptx
@@ -215,7 +215,7 @@
           <a:p>
             <a:fld id="{CA66E7C2-37D8-4690-B92A-4BC04EC9ECB7}" type="datetimeFigureOut">
               <a:rPr lang="pt-BR" smtClean="0"/>
-              <a:t>30/08/2016</a:t>
+              <a:t>01/09/2016</a:t>
             </a:fld>
             <a:endParaRPr lang="pt-BR"/>
           </a:p>
@@ -702,7 +702,7 @@
           <a:p>
             <a:fld id="{E19432D7-E37E-40CC-ACF6-C43C33D5BAD2}" type="datetimeFigureOut">
               <a:rPr lang="pt-BR" smtClean="0"/>
-              <a:t>30/08/2016</a:t>
+              <a:t>01/09/2016</a:t>
             </a:fld>
             <a:endParaRPr lang="pt-BR"/>
           </a:p>
@@ -872,7 +872,7 @@
           <a:p>
             <a:fld id="{E19432D7-E37E-40CC-ACF6-C43C33D5BAD2}" type="datetimeFigureOut">
               <a:rPr lang="pt-BR" smtClean="0"/>
-              <a:t>30/08/2016</a:t>
+              <a:t>01/09/2016</a:t>
             </a:fld>
             <a:endParaRPr lang="pt-BR"/>
           </a:p>
@@ -1052,7 +1052,7 @@
           <a:p>
             <a:fld id="{E19432D7-E37E-40CC-ACF6-C43C33D5BAD2}" type="datetimeFigureOut">
               <a:rPr lang="pt-BR" smtClean="0"/>
-              <a:t>30/08/2016</a:t>
+              <a:t>01/09/2016</a:t>
             </a:fld>
             <a:endParaRPr lang="pt-BR"/>
           </a:p>
@@ -1222,7 +1222,7 @@
           <a:p>
             <a:fld id="{E19432D7-E37E-40CC-ACF6-C43C33D5BAD2}" type="datetimeFigureOut">
               <a:rPr lang="pt-BR" smtClean="0"/>
-              <a:t>30/08/2016</a:t>
+              <a:t>01/09/2016</a:t>
             </a:fld>
             <a:endParaRPr lang="pt-BR"/>
           </a:p>
@@ -1468,7 +1468,7 @@
           <a:p>
             <a:fld id="{E19432D7-E37E-40CC-ACF6-C43C33D5BAD2}" type="datetimeFigureOut">
               <a:rPr lang="pt-BR" smtClean="0"/>
-              <a:t>30/08/2016</a:t>
+              <a:t>01/09/2016</a:t>
             </a:fld>
             <a:endParaRPr lang="pt-BR"/>
           </a:p>
@@ -1700,7 +1700,7 @@
           <a:p>
             <a:fld id="{E19432D7-E37E-40CC-ACF6-C43C33D5BAD2}" type="datetimeFigureOut">
               <a:rPr lang="pt-BR" smtClean="0"/>
-              <a:t>30/08/2016</a:t>
+              <a:t>01/09/2016</a:t>
             </a:fld>
             <a:endParaRPr lang="pt-BR"/>
           </a:p>
@@ -2067,7 +2067,7 @@
           <a:p>
             <a:fld id="{E19432D7-E37E-40CC-ACF6-C43C33D5BAD2}" type="datetimeFigureOut">
               <a:rPr lang="pt-BR" smtClean="0"/>
-              <a:t>30/08/2016</a:t>
+              <a:t>01/09/2016</a:t>
             </a:fld>
             <a:endParaRPr lang="pt-BR"/>
           </a:p>
@@ -2185,7 +2185,7 @@
           <a:p>
             <a:fld id="{E19432D7-E37E-40CC-ACF6-C43C33D5BAD2}" type="datetimeFigureOut">
               <a:rPr lang="pt-BR" smtClean="0"/>
-              <a:t>30/08/2016</a:t>
+              <a:t>01/09/2016</a:t>
             </a:fld>
             <a:endParaRPr lang="pt-BR"/>
           </a:p>
@@ -2280,7 +2280,7 @@
           <a:p>
             <a:fld id="{E19432D7-E37E-40CC-ACF6-C43C33D5BAD2}" type="datetimeFigureOut">
               <a:rPr lang="pt-BR" smtClean="0"/>
-              <a:t>30/08/2016</a:t>
+              <a:t>01/09/2016</a:t>
             </a:fld>
             <a:endParaRPr lang="pt-BR"/>
           </a:p>
@@ -2557,7 +2557,7 @@
           <a:p>
             <a:fld id="{E19432D7-E37E-40CC-ACF6-C43C33D5BAD2}" type="datetimeFigureOut">
               <a:rPr lang="pt-BR" smtClean="0"/>
-              <a:t>30/08/2016</a:t>
+              <a:t>01/09/2016</a:t>
             </a:fld>
             <a:endParaRPr lang="pt-BR"/>
           </a:p>
@@ -2810,7 +2810,7 @@
           <a:p>
             <a:fld id="{E19432D7-E37E-40CC-ACF6-C43C33D5BAD2}" type="datetimeFigureOut">
               <a:rPr lang="pt-BR" smtClean="0"/>
-              <a:t>30/08/2016</a:t>
+              <a:t>01/09/2016</a:t>
             </a:fld>
             <a:endParaRPr lang="pt-BR"/>
           </a:p>
@@ -3023,7 +3023,7 @@
           <a:p>
             <a:fld id="{E19432D7-E37E-40CC-ACF6-C43C33D5BAD2}" type="datetimeFigureOut">
               <a:rPr lang="pt-BR" smtClean="0"/>
-              <a:t>30/08/2016</a:t>
+              <a:t>01/09/2016</a:t>
             </a:fld>
             <a:endParaRPr lang="pt-BR"/>
           </a:p>
@@ -3966,7 +3966,21 @@
                 </a:solidFill>
                 <a:latin typeface="Adventure" panose="02000500000000000000" pitchFamily="2" charset="0"/>
               </a:rPr>
-              <a:t>FIFA WORLD CUP 20146</a:t>
+              <a:t>FIFA WORLD CUP </a:t>
+            </a:r>
+            <a:r>
+              <a:rPr lang="pt-BR" sz="4000" dirty="0" smtClean="0">
+                <a:ln>
+                  <a:solidFill>
+                    <a:schemeClr val="bg1"/>
+                  </a:solidFill>
+                </a:ln>
+                <a:solidFill>
+                  <a:schemeClr val="bg1"/>
+                </a:solidFill>
+                <a:latin typeface="Adventure" panose="02000500000000000000" pitchFamily="2" charset="0"/>
+              </a:rPr>
+              <a:t>2014</a:t>
             </a:r>
             <a:endParaRPr lang="pt-BR" sz="4000" dirty="0">
               <a:ln>
@@ -4825,12 +4839,6 @@
               </a:rPr>
               <a:t>9</a:t>
             </a:r>
-            <a:endParaRPr lang="pt-BR" dirty="0">
-              <a:solidFill>
-                <a:schemeClr val="bg1"/>
-              </a:solidFill>
-              <a:latin typeface="Adventure" panose="02000500000000000000" pitchFamily="2" charset="0"/>
-            </a:endParaRPr>
           </a:p>
         </p:txBody>
       </p:sp>
@@ -14920,11 +14928,7 @@
             </a:pPr>
             <a:r>
               <a:rPr lang="pt-BR" sz="2200" dirty="0" smtClean="0"/>
-              <a:t>Este trabalho visa a aplicação dos algoritmos aprendidos na disciplina “Teoria dos Grafos” sob um determinado domínio de dados para a formulação de aplicação </a:t>
-            </a:r>
-            <a:r>
-              <a:rPr lang="pt-BR" sz="2200" dirty="0" smtClean="0"/>
-              <a:t>prática afim de explorar e abstrair informações desses dados.</a:t>
+              <a:t>Este trabalho visa a aplicação dos algoritmos aprendidos na disciplina “Teoria dos Grafos” sob um determinado domínio de dados para a formulação de aplicação prática afim de explorar e abstrair informações desses dados.</a:t>
             </a:r>
             <a:endParaRPr lang="pt-BR" sz="2200" dirty="0"/>
           </a:p>
@@ -16986,12 +16990,6 @@
               </a:rPr>
               <a:t>2</a:t>
             </a:r>
-            <a:endParaRPr lang="pt-BR" dirty="0">
-              <a:solidFill>
-                <a:schemeClr val="bg1"/>
-              </a:solidFill>
-              <a:latin typeface="Adventure" panose="02000500000000000000" pitchFamily="2" charset="0"/>
-            </a:endParaRPr>
           </a:p>
         </p:txBody>
       </p:sp>
@@ -20151,12 +20149,6 @@
               </a:rPr>
               <a:t>3</a:t>
             </a:r>
-            <a:endParaRPr lang="pt-BR" dirty="0">
-              <a:solidFill>
-                <a:schemeClr val="bg1"/>
-              </a:solidFill>
-              <a:latin typeface="Adventure" panose="02000500000000000000" pitchFamily="2" charset="0"/>
-            </a:endParaRPr>
           </a:p>
         </p:txBody>
       </p:sp>
@@ -21218,12 +21210,6 @@
               </a:rPr>
               <a:t>4</a:t>
             </a:r>
-            <a:endParaRPr lang="pt-BR" dirty="0">
-              <a:solidFill>
-                <a:schemeClr val="bg1"/>
-              </a:solidFill>
-              <a:latin typeface="Adventure" panose="02000500000000000000" pitchFamily="2" charset="0"/>
-            </a:endParaRPr>
           </a:p>
         </p:txBody>
       </p:sp>
@@ -22396,12 +22382,6 @@
               </a:rPr>
               <a:t>5</a:t>
             </a:r>
-            <a:endParaRPr lang="pt-BR" dirty="0">
-              <a:solidFill>
-                <a:schemeClr val="bg1"/>
-              </a:solidFill>
-              <a:latin typeface="Adventure" panose="02000500000000000000" pitchFamily="2" charset="0"/>
-            </a:endParaRPr>
           </a:p>
         </p:txBody>
       </p:sp>
@@ -23658,12 +23638,6 @@
               </a:rPr>
               <a:t>6</a:t>
             </a:r>
-            <a:endParaRPr lang="pt-BR" dirty="0">
-              <a:solidFill>
-                <a:schemeClr val="bg1"/>
-              </a:solidFill>
-              <a:latin typeface="Adventure" panose="02000500000000000000" pitchFamily="2" charset="0"/>
-            </a:endParaRPr>
           </a:p>
         </p:txBody>
       </p:sp>
@@ -25101,12 +25075,6 @@
               </a:rPr>
               <a:t>7</a:t>
             </a:r>
-            <a:endParaRPr lang="pt-BR" dirty="0">
-              <a:solidFill>
-                <a:schemeClr val="bg1"/>
-              </a:solidFill>
-              <a:latin typeface="Adventure" panose="02000500000000000000" pitchFamily="2" charset="0"/>
-            </a:endParaRPr>
           </a:p>
         </p:txBody>
       </p:sp>
@@ -25989,12 +25957,6 @@
               </a:rPr>
               <a:t>8</a:t>
             </a:r>
-            <a:endParaRPr lang="pt-BR" dirty="0">
-              <a:solidFill>
-                <a:schemeClr val="bg1"/>
-              </a:solidFill>
-              <a:latin typeface="Adventure" panose="02000500000000000000" pitchFamily="2" charset="0"/>
-            </a:endParaRPr>
           </a:p>
         </p:txBody>
       </p:sp>
